--- a/eelbrain_TRFs.pptx
+++ b/eelbrain_TRFs.pptx
@@ -9,10 +9,11 @@
     <p:sldId id="257" r:id="rId3"/>
     <p:sldId id="258" r:id="rId4"/>
     <p:sldId id="259" r:id="rId5"/>
-    <p:sldId id="263" r:id="rId6"/>
-    <p:sldId id="260" r:id="rId7"/>
-    <p:sldId id="262" r:id="rId8"/>
-    <p:sldId id="261" r:id="rId9"/>
+    <p:sldId id="264" r:id="rId6"/>
+    <p:sldId id="263" r:id="rId7"/>
+    <p:sldId id="260" r:id="rId8"/>
+    <p:sldId id="262" r:id="rId9"/>
+    <p:sldId id="261" r:id="rId10"/>
   </p:sldIdLst>
   <p:sldSz cx="12192000" cy="6858000"/>
   <p:notesSz cx="6858000" cy="9144000"/>
@@ -111,6 +112,11 @@
       </a:defRPr>
     </a:lvl9pPr>
   </p:defaultTextStyle>
+  <p:extLst>
+    <p:ext uri="{EFAFB233-063F-42B5-8137-9DF3F51BA10A}">
+      <p15:sldGuideLst xmlns:p15="http://schemas.microsoft.com/office/powerpoint/2012/main"/>
+    </p:ext>
+  </p:extLst>
 </p:presentation>
 </file>
 
@@ -277,7 +283,7 @@
           <a:p>
             <a:fld id="{403CB87E-4591-47A1-9046-CF63F17215EF}" type="datetime2">
               <a:rPr lang="en-US" smtClean="0"/>
-              <a:t>Monday, May 23, 2022</a:t>
+              <a:t>Tuesday, May 24, 2022</a:t>
             </a:fld>
             <a:endParaRPr lang="en-US" dirty="0"/>
           </a:p>
@@ -499,7 +505,7 @@
           <a:p>
             <a:fld id="{2FA17F0E-8070-4DFE-A821-9A699EDBAD7E}" type="datetime2">
               <a:rPr lang="en-US" smtClean="0"/>
-              <a:t>Monday, May 23, 2022</a:t>
+              <a:t>Tuesday, May 24, 2022</a:t>
             </a:fld>
             <a:endParaRPr lang="en-US"/>
           </a:p>
@@ -711,7 +717,7 @@
           <a:p>
             <a:fld id="{D88D34AE-C7BF-46E5-A968-01C6641F6476}" type="datetime2">
               <a:rPr lang="en-US" smtClean="0"/>
-              <a:t>Monday, May 23, 2022</a:t>
+              <a:t>Tuesday, May 24, 2022</a:t>
             </a:fld>
             <a:endParaRPr lang="en-US"/>
           </a:p>
@@ -952,7 +958,7 @@
           <a:p>
             <a:fld id="{F33DE70B-B772-416E-A790-995760B1742E}" type="datetime2">
               <a:rPr lang="en-US" smtClean="0"/>
-              <a:t>Monday, May 23, 2022</a:t>
+              <a:t>Tuesday, May 24, 2022</a:t>
             </a:fld>
             <a:endParaRPr lang="en-US" dirty="0"/>
           </a:p>
@@ -1251,7 +1257,7 @@
           <a:p>
             <a:fld id="{76760CDE-A6F1-4138-AF12-ED09E8E5FB6B}" type="datetime2">
               <a:rPr lang="en-US" smtClean="0"/>
-              <a:t>Monday, May 23, 2022</a:t>
+              <a:t>Tuesday, May 24, 2022</a:t>
             </a:fld>
             <a:endParaRPr lang="en-US"/>
           </a:p>
@@ -1583,7 +1589,7 @@
           <a:p>
             <a:fld id="{DB15F8B1-DB7B-4D28-A97D-40FB2DD1EF78}" type="datetime2">
               <a:rPr lang="en-US" smtClean="0"/>
-              <a:t>Monday, May 23, 2022</a:t>
+              <a:t>Tuesday, May 24, 2022</a:t>
             </a:fld>
             <a:endParaRPr lang="en-US"/>
           </a:p>
@@ -2029,7 +2035,7 @@
           <a:p>
             <a:fld id="{14039161-23B8-4738-9069-73EBE8884FDD}" type="datetime2">
               <a:rPr lang="en-US" smtClean="0"/>
-              <a:t>Monday, May 23, 2022</a:t>
+              <a:t>Tuesday, May 24, 2022</a:t>
             </a:fld>
             <a:endParaRPr lang="en-US"/>
           </a:p>
@@ -2185,7 +2191,7 @@
           <a:p>
             <a:fld id="{FA994D44-7693-499F-AC6C-11696134FE3F}" type="datetime2">
               <a:rPr lang="en-US" smtClean="0"/>
-              <a:t>Monday, May 23, 2022</a:t>
+              <a:t>Tuesday, May 24, 2022</a:t>
             </a:fld>
             <a:endParaRPr lang="en-US"/>
           </a:p>
@@ -2302,7 +2308,7 @@
           <a:p>
             <a:fld id="{363AF2AE-472C-4EF3-ABB2-24BAA9AE3CF7}" type="datetime2">
               <a:rPr lang="en-US" smtClean="0"/>
-              <a:t>Monday, May 23, 2022</a:t>
+              <a:t>Tuesday, May 24, 2022</a:t>
             </a:fld>
             <a:endParaRPr lang="en-US"/>
           </a:p>
@@ -2629,7 +2635,7 @@
           <a:p>
             <a:fld id="{EAEA162C-A7C1-4263-9453-1BAFF8C39559}" type="datetime2">
               <a:rPr lang="en-US" smtClean="0"/>
-              <a:t>Monday, May 23, 2022</a:t>
+              <a:t>Tuesday, May 24, 2022</a:t>
             </a:fld>
             <a:endParaRPr lang="en-US"/>
           </a:p>
@@ -2935,7 +2941,7 @@
           <a:p>
             <a:fld id="{64DF6793-3458-4587-8168-65F0C37A92D2}" type="datetime2">
               <a:rPr lang="en-US" smtClean="0"/>
-              <a:t>Monday, May 23, 2022</a:t>
+              <a:t>Tuesday, May 24, 2022</a:t>
             </a:fld>
             <a:endParaRPr lang="en-US"/>
           </a:p>
@@ -3288,7 +3294,7 @@
             <a:fld id="{E8352ED3-3C46-4C9A-9738-67B2D875E7E2}" type="datetime2">
               <a:rPr lang="en-US" smtClean="0"/>
               <a:pPr/>
-              <a:t>Monday, May 23, 2022</a:t>
+              <a:t>Tuesday, May 24, 2022</a:t>
             </a:fld>
             <a:endParaRPr lang="en-US" dirty="0"/>
           </a:p>
@@ -6236,7 +6242,7 @@
         </p:nvSpPr>
         <p:spPr>
           <a:xfrm>
-            <a:off x="444138" y="528737"/>
+            <a:off x="444138" y="539495"/>
             <a:ext cx="8898646" cy="755905"/>
           </a:xfrm>
         </p:spPr>
@@ -6248,7 +6254,7 @@
           <a:p>
             <a:r>
               <a:rPr lang="en-US" altLang="ko-KR" sz="4800"/>
-              <a:t>LPP R0443</a:t>
+              <a:t>Alice S05</a:t>
             </a:r>
             <a:endParaRPr lang="ko-KR" altLang="en-US" sz="4800"/>
           </a:p>
@@ -6268,8 +6274,8 @@
         </p:nvSpPr>
         <p:spPr>
           <a:xfrm>
-            <a:off x="5827897" y="2147102"/>
-            <a:ext cx="814425" cy="923330"/>
+            <a:off x="3294208" y="894261"/>
+            <a:ext cx="1742785" cy="369332"/>
           </a:xfrm>
           <a:prstGeom prst="rect">
             <a:avLst/>
@@ -6277,14 +6283,14 @@
           <a:noFill/>
         </p:spPr>
         <p:txBody>
-          <a:bodyPr wrap="square" rtlCol="0">
+          <a:bodyPr wrap="none" rtlCol="0">
             <a:spAutoFit/>
           </a:bodyPr>
           <a:lstStyle/>
           <a:p>
             <a:r>
               <a:rPr lang="en-US" altLang="ko-KR"/>
-              <a:t>scale = 200 µv </a:t>
+              <a:t>scale = 200 µV</a:t>
             </a:r>
             <a:endParaRPr lang="ko-KR" altLang="en-US"/>
           </a:p>
@@ -6292,10 +6298,10 @@
       </p:sp>
       <p:pic>
         <p:nvPicPr>
-          <p:cNvPr id="8194" name="Picture 2">
-            <a:extLst>
-              <a:ext uri="{FF2B5EF4-FFF2-40B4-BE49-F238E27FC236}">
-                <a16:creationId xmlns:a16="http://schemas.microsoft.com/office/drawing/2014/main" id="{D016C2AF-2B72-889F-E54F-C78BD3FB1CCD}"/>
+          <p:cNvPr id="1026" name="Picture 2">
+            <a:extLst>
+              <a:ext uri="{FF2B5EF4-FFF2-40B4-BE49-F238E27FC236}">
+                <a16:creationId xmlns:a16="http://schemas.microsoft.com/office/drawing/2014/main" id="{6E7260C2-187A-631D-BB5E-6D16119C3C98}"/>
               </a:ext>
             </a:extLst>
           </p:cNvPr>
@@ -6319,8 +6325,8 @@
         </p:blipFill>
         <p:spPr bwMode="auto">
           <a:xfrm>
-            <a:off x="741102" y="1850315"/>
-            <a:ext cx="3657601" cy="2581836"/>
+            <a:off x="0" y="1396604"/>
+            <a:ext cx="3755797" cy="2199610"/>
           </a:xfrm>
           <a:prstGeom prst="rect">
             <a:avLst/>
@@ -6339,10 +6345,10 @@
       </p:pic>
       <p:pic>
         <p:nvPicPr>
-          <p:cNvPr id="8196" name="Picture 4">
-            <a:extLst>
-              <a:ext uri="{FF2B5EF4-FFF2-40B4-BE49-F238E27FC236}">
-                <a16:creationId xmlns:a16="http://schemas.microsoft.com/office/drawing/2014/main" id="{8A2C1780-F436-178B-545A-998194598041}"/>
+          <p:cNvPr id="1028" name="Picture 4">
+            <a:extLst>
+              <a:ext uri="{FF2B5EF4-FFF2-40B4-BE49-F238E27FC236}">
+                <a16:creationId xmlns:a16="http://schemas.microsoft.com/office/drawing/2014/main" id="{299D138C-CD92-EEA6-66AB-C998E9F92AE9}"/>
               </a:ext>
             </a:extLst>
           </p:cNvPr>
@@ -6366,8 +6372,8 @@
         </p:blipFill>
         <p:spPr bwMode="auto">
           <a:xfrm>
-            <a:off x="4275604" y="1945438"/>
-            <a:ext cx="3640791" cy="2486713"/>
+            <a:off x="3908593" y="1396604"/>
+            <a:ext cx="3920423" cy="2223001"/>
           </a:xfrm>
           <a:prstGeom prst="rect">
             <a:avLst/>
@@ -6386,10 +6392,10 @@
       </p:pic>
       <p:pic>
         <p:nvPicPr>
-          <p:cNvPr id="8198" name="Picture 6">
-            <a:extLst>
-              <a:ext uri="{FF2B5EF4-FFF2-40B4-BE49-F238E27FC236}">
-                <a16:creationId xmlns:a16="http://schemas.microsoft.com/office/drawing/2014/main" id="{D0D61945-6E7A-763B-CA40-30B11E193E21}"/>
+          <p:cNvPr id="1030" name="Picture 6">
+            <a:extLst>
+              <a:ext uri="{FF2B5EF4-FFF2-40B4-BE49-F238E27FC236}">
+                <a16:creationId xmlns:a16="http://schemas.microsoft.com/office/drawing/2014/main" id="{82C8D749-2DEB-6ABD-485A-3B9925E71A2C}"/>
               </a:ext>
             </a:extLst>
           </p:cNvPr>
@@ -6413,8 +6419,8 @@
         </p:blipFill>
         <p:spPr bwMode="auto">
           <a:xfrm>
-            <a:off x="7793299" y="1849541"/>
-            <a:ext cx="3670773" cy="2581836"/>
+            <a:off x="7913495" y="1465941"/>
+            <a:ext cx="3879174" cy="2199611"/>
           </a:xfrm>
           <a:prstGeom prst="rect">
             <a:avLst/>
@@ -6431,10 +6437,198 @@
           </a:extLst>
         </p:spPr>
       </p:pic>
+      <p:pic>
+        <p:nvPicPr>
+          <p:cNvPr id="1032" name="Picture 8">
+            <a:extLst>
+              <a:ext uri="{FF2B5EF4-FFF2-40B4-BE49-F238E27FC236}">
+                <a16:creationId xmlns:a16="http://schemas.microsoft.com/office/drawing/2014/main" id="{3D4132C0-F515-E4FC-A904-DBC78EEBDA13}"/>
+              </a:ext>
+            </a:extLst>
+          </p:cNvPr>
+          <p:cNvPicPr>
+            <a:picLocks noChangeAspect="1" noChangeArrowheads="1"/>
+          </p:cNvPicPr>
+          <p:nvPr/>
+        </p:nvPicPr>
+        <p:blipFill>
+          <a:blip r:embed="rId5">
+            <a:extLst>
+              <a:ext uri="{28A0092B-C50C-407E-A947-70E740481C1C}">
+                <a14:useLocalDpi xmlns:a14="http://schemas.microsoft.com/office/drawing/2010/main" val="0"/>
+              </a:ext>
+            </a:extLst>
+          </a:blip>
+          <a:srcRect/>
+          <a:stretch>
+            <a:fillRect/>
+          </a:stretch>
+        </p:blipFill>
+        <p:spPr bwMode="auto">
+          <a:xfrm>
+            <a:off x="72618" y="3697418"/>
+            <a:ext cx="3795735" cy="2223000"/>
+          </a:xfrm>
+          <a:prstGeom prst="rect">
+            <a:avLst/>
+          </a:prstGeom>
+          <a:noFill/>
+          <a:extLst>
+            <a:ext uri="{909E8E84-426E-40DD-AFC4-6F175D3DCCD1}">
+              <a14:hiddenFill xmlns:a14="http://schemas.microsoft.com/office/drawing/2010/main">
+                <a:solidFill>
+                  <a:srgbClr val="FFFFFF"/>
+                </a:solidFill>
+              </a14:hiddenFill>
+            </a:ext>
+          </a:extLst>
+        </p:spPr>
+      </p:pic>
+      <p:pic>
+        <p:nvPicPr>
+          <p:cNvPr id="1034" name="Picture 10">
+            <a:extLst>
+              <a:ext uri="{FF2B5EF4-FFF2-40B4-BE49-F238E27FC236}">
+                <a16:creationId xmlns:a16="http://schemas.microsoft.com/office/drawing/2014/main" id="{31F41B64-56AB-9F00-9B4C-245E58078916}"/>
+              </a:ext>
+            </a:extLst>
+          </p:cNvPr>
+          <p:cNvPicPr>
+            <a:picLocks noChangeAspect="1" noChangeArrowheads="1"/>
+          </p:cNvPicPr>
+          <p:nvPr/>
+        </p:nvPicPr>
+        <p:blipFill>
+          <a:blip r:embed="rId6">
+            <a:extLst>
+              <a:ext uri="{28A0092B-C50C-407E-A947-70E740481C1C}">
+                <a14:useLocalDpi xmlns:a14="http://schemas.microsoft.com/office/drawing/2010/main" val="0"/>
+              </a:ext>
+            </a:extLst>
+          </a:blip>
+          <a:srcRect/>
+          <a:stretch>
+            <a:fillRect/>
+          </a:stretch>
+        </p:blipFill>
+        <p:spPr bwMode="auto">
+          <a:xfrm>
+            <a:off x="3908593" y="3665552"/>
+            <a:ext cx="3920423" cy="2223000"/>
+          </a:xfrm>
+          <a:prstGeom prst="rect">
+            <a:avLst/>
+          </a:prstGeom>
+          <a:noFill/>
+          <a:extLst>
+            <a:ext uri="{909E8E84-426E-40DD-AFC4-6F175D3DCCD1}">
+              <a14:hiddenFill xmlns:a14="http://schemas.microsoft.com/office/drawing/2010/main">
+                <a:solidFill>
+                  <a:srgbClr val="FFFFFF"/>
+                </a:solidFill>
+              </a14:hiddenFill>
+            </a:ext>
+          </a:extLst>
+        </p:spPr>
+      </p:pic>
+      <p:pic>
+        <p:nvPicPr>
+          <p:cNvPr id="1036" name="Picture 12">
+            <a:extLst>
+              <a:ext uri="{FF2B5EF4-FFF2-40B4-BE49-F238E27FC236}">
+                <a16:creationId xmlns:a16="http://schemas.microsoft.com/office/drawing/2014/main" id="{36F9A319-FB11-EE40-3709-9EC4396F9080}"/>
+              </a:ext>
+            </a:extLst>
+          </p:cNvPr>
+          <p:cNvPicPr>
+            <a:picLocks noChangeAspect="1" noChangeArrowheads="1"/>
+          </p:cNvPicPr>
+          <p:nvPr/>
+        </p:nvPicPr>
+        <p:blipFill>
+          <a:blip r:embed="rId7">
+            <a:extLst>
+              <a:ext uri="{28A0092B-C50C-407E-A947-70E740481C1C}">
+                <a14:useLocalDpi xmlns:a14="http://schemas.microsoft.com/office/drawing/2010/main" val="0"/>
+              </a:ext>
+            </a:extLst>
+          </a:blip>
+          <a:srcRect/>
+          <a:stretch>
+            <a:fillRect/>
+          </a:stretch>
+        </p:blipFill>
+        <p:spPr bwMode="auto">
+          <a:xfrm>
+            <a:off x="7829016" y="3665552"/>
+            <a:ext cx="3898000" cy="2210286"/>
+          </a:xfrm>
+          <a:prstGeom prst="rect">
+            <a:avLst/>
+          </a:prstGeom>
+          <a:noFill/>
+          <a:extLst>
+            <a:ext uri="{909E8E84-426E-40DD-AFC4-6F175D3DCCD1}">
+              <a14:hiddenFill xmlns:a14="http://schemas.microsoft.com/office/drawing/2010/main">
+                <a:solidFill>
+                  <a:srgbClr val="FFFFFF"/>
+                </a:solidFill>
+              </a14:hiddenFill>
+            </a:ext>
+          </a:extLst>
+        </p:spPr>
+      </p:pic>
+      <p:pic>
+        <p:nvPicPr>
+          <p:cNvPr id="1038" name="Picture 14">
+            <a:extLst>
+              <a:ext uri="{FF2B5EF4-FFF2-40B4-BE49-F238E27FC236}">
+                <a16:creationId xmlns:a16="http://schemas.microsoft.com/office/drawing/2014/main" id="{2B32F482-2ABE-F17E-2D66-EC5A9DCB9CF1}"/>
+              </a:ext>
+            </a:extLst>
+          </p:cNvPr>
+          <p:cNvPicPr>
+            <a:picLocks noChangeAspect="1" noChangeArrowheads="1"/>
+          </p:cNvPicPr>
+          <p:nvPr/>
+        </p:nvPicPr>
+        <p:blipFill>
+          <a:blip r:embed="rId8">
+            <a:extLst>
+              <a:ext uri="{28A0092B-C50C-407E-A947-70E740481C1C}">
+                <a14:useLocalDpi xmlns:a14="http://schemas.microsoft.com/office/drawing/2010/main" val="0"/>
+              </a:ext>
+            </a:extLst>
+          </a:blip>
+          <a:srcRect/>
+          <a:stretch>
+            <a:fillRect/>
+          </a:stretch>
+        </p:blipFill>
+        <p:spPr bwMode="auto">
+          <a:xfrm>
+            <a:off x="7663466" y="106805"/>
+            <a:ext cx="4229100" cy="1266825"/>
+          </a:xfrm>
+          <a:prstGeom prst="rect">
+            <a:avLst/>
+          </a:prstGeom>
+          <a:noFill/>
+          <a:extLst>
+            <a:ext uri="{909E8E84-426E-40DD-AFC4-6F175D3DCCD1}">
+              <a14:hiddenFill xmlns:a14="http://schemas.microsoft.com/office/drawing/2010/main">
+                <a:solidFill>
+                  <a:srgbClr val="FFFFFF"/>
+                </a:solidFill>
+              </a14:hiddenFill>
+            </a:ext>
+          </a:extLst>
+        </p:spPr>
+      </p:pic>
     </p:spTree>
     <p:extLst>
       <p:ext uri="{BB962C8B-B14F-4D97-AF65-F5344CB8AC3E}">
-        <p14:creationId xmlns:p14="http://schemas.microsoft.com/office/powerpoint/2010/main" val="3255715230"/>
+        <p14:creationId xmlns:p14="http://schemas.microsoft.com/office/powerpoint/2010/main" val="1120364186"/>
       </p:ext>
     </p:extLst>
   </p:cSld>
@@ -6445,7 +6639,7 @@
 </file>
 
 <file path=ppt/slides/slide6.xml><?xml version="1.0" encoding="utf-8"?>
-<p:sld xmlns:a="http://schemas.openxmlformats.org/drawingml/2006/main" xmlns:r="http://schemas.openxmlformats.org/officeDocument/2006/relationships" xmlns:p="http://schemas.openxmlformats.org/presentationml/2006/main">
+<p:sld xmlns:a="http://schemas.openxmlformats.org/drawingml/2006/main" xmlns:r="http://schemas.openxmlformats.org/officeDocument/2006/relationships" xmlns:p="http://schemas.openxmlformats.org/presentationml/2006/main" show="0">
   <p:cSld>
     <p:spTree>
       <p:nvGrpSpPr>
@@ -6511,8 +6705,8 @@
         </p:nvSpPr>
         <p:spPr>
           <a:xfrm>
-            <a:off x="3666843" y="911277"/>
-            <a:ext cx="3191899" cy="369332"/>
+            <a:off x="5827897" y="2147102"/>
+            <a:ext cx="814425" cy="923330"/>
           </a:xfrm>
           <a:prstGeom prst="rect">
             <a:avLst/>
@@ -6520,14 +6714,14 @@
           <a:noFill/>
         </p:spPr>
         <p:txBody>
-          <a:bodyPr wrap="none" rtlCol="0">
+          <a:bodyPr wrap="square" rtlCol="0">
             <a:spAutoFit/>
           </a:bodyPr>
           <a:lstStyle/>
           <a:p>
             <a:r>
               <a:rPr lang="en-US" altLang="ko-KR"/>
-              <a:t>scale = 200000 µv &amp; 200 µv </a:t>
+              <a:t>scale = 200 µv </a:t>
             </a:r>
             <a:endParaRPr lang="ko-KR" altLang="en-US"/>
           </a:p>
@@ -6535,10 +6729,10 @@
       </p:sp>
       <p:pic>
         <p:nvPicPr>
-          <p:cNvPr id="4098" name="Picture 2">
-            <a:extLst>
-              <a:ext uri="{FF2B5EF4-FFF2-40B4-BE49-F238E27FC236}">
-                <a16:creationId xmlns:a16="http://schemas.microsoft.com/office/drawing/2014/main" id="{1D6D6E49-B2C9-0F54-D014-5C431E0C5C51}"/>
+          <p:cNvPr id="8194" name="Picture 2">
+            <a:extLst>
+              <a:ext uri="{FF2B5EF4-FFF2-40B4-BE49-F238E27FC236}">
+                <a16:creationId xmlns:a16="http://schemas.microsoft.com/office/drawing/2014/main" id="{D016C2AF-2B72-889F-E54F-C78BD3FB1CCD}"/>
               </a:ext>
             </a:extLst>
           </p:cNvPr>
@@ -6562,8 +6756,8 @@
         </p:blipFill>
         <p:spPr bwMode="auto">
           <a:xfrm>
-            <a:off x="95644" y="1295401"/>
-            <a:ext cx="3906201" cy="2757318"/>
+            <a:off x="741102" y="1850315"/>
+            <a:ext cx="3657601" cy="2581836"/>
           </a:xfrm>
           <a:prstGeom prst="rect">
             <a:avLst/>
@@ -6582,10 +6776,10 @@
       </p:pic>
       <p:pic>
         <p:nvPicPr>
-          <p:cNvPr id="4100" name="Picture 4">
-            <a:extLst>
-              <a:ext uri="{FF2B5EF4-FFF2-40B4-BE49-F238E27FC236}">
-                <a16:creationId xmlns:a16="http://schemas.microsoft.com/office/drawing/2014/main" id="{9FAE5CCC-A26C-031C-B5CC-819FEF18C25F}"/>
+          <p:cNvPr id="8196" name="Picture 4">
+            <a:extLst>
+              <a:ext uri="{FF2B5EF4-FFF2-40B4-BE49-F238E27FC236}">
+                <a16:creationId xmlns:a16="http://schemas.microsoft.com/office/drawing/2014/main" id="{8A2C1780-F436-178B-545A-998194598041}"/>
               </a:ext>
             </a:extLst>
           </p:cNvPr>
@@ -6609,8 +6803,8 @@
         </p:blipFill>
         <p:spPr bwMode="auto">
           <a:xfrm>
-            <a:off x="3797512" y="1324984"/>
-            <a:ext cx="3993672" cy="2727735"/>
+            <a:off x="4275604" y="1945438"/>
+            <a:ext cx="3640791" cy="2486713"/>
           </a:xfrm>
           <a:prstGeom prst="rect">
             <a:avLst/>
@@ -6629,10 +6823,10 @@
       </p:pic>
       <p:pic>
         <p:nvPicPr>
-          <p:cNvPr id="4104" name="Picture 8">
-            <a:extLst>
-              <a:ext uri="{FF2B5EF4-FFF2-40B4-BE49-F238E27FC236}">
-                <a16:creationId xmlns:a16="http://schemas.microsoft.com/office/drawing/2014/main" id="{AB5A1E1E-FF70-0700-7502-842DE4F71CA9}"/>
+          <p:cNvPr id="8198" name="Picture 6">
+            <a:extLst>
+              <a:ext uri="{FF2B5EF4-FFF2-40B4-BE49-F238E27FC236}">
+                <a16:creationId xmlns:a16="http://schemas.microsoft.com/office/drawing/2014/main" id="{D0D61945-6E7A-763B-CA40-30B11E193E21}"/>
               </a:ext>
             </a:extLst>
           </p:cNvPr>
@@ -6656,8 +6850,8 @@
         </p:blipFill>
         <p:spPr bwMode="auto">
           <a:xfrm>
-            <a:off x="95644" y="4031598"/>
-            <a:ext cx="3906201" cy="2747424"/>
+            <a:off x="7793299" y="1849541"/>
+            <a:ext cx="3670773" cy="2581836"/>
           </a:xfrm>
           <a:prstGeom prst="rect">
             <a:avLst/>
@@ -6674,198 +6868,10 @@
           </a:extLst>
         </p:spPr>
       </p:pic>
-      <p:pic>
-        <p:nvPicPr>
-          <p:cNvPr id="4106" name="Picture 10">
-            <a:extLst>
-              <a:ext uri="{FF2B5EF4-FFF2-40B4-BE49-F238E27FC236}">
-                <a16:creationId xmlns:a16="http://schemas.microsoft.com/office/drawing/2014/main" id="{905D7C95-3D31-E41C-AAD1-87A4E6A9AF27}"/>
-              </a:ext>
-            </a:extLst>
-          </p:cNvPr>
-          <p:cNvPicPr>
-            <a:picLocks noChangeAspect="1" noChangeArrowheads="1"/>
-          </p:cNvPicPr>
-          <p:nvPr/>
-        </p:nvPicPr>
-        <p:blipFill>
-          <a:blip r:embed="rId5">
-            <a:extLst>
-              <a:ext uri="{28A0092B-C50C-407E-A947-70E740481C1C}">
-                <a14:useLocalDpi xmlns:a14="http://schemas.microsoft.com/office/drawing/2010/main" val="0"/>
-              </a:ext>
-            </a:extLst>
-          </a:blip>
-          <a:srcRect/>
-          <a:stretch>
-            <a:fillRect/>
-          </a:stretch>
-        </p:blipFill>
-        <p:spPr bwMode="auto">
-          <a:xfrm>
-            <a:off x="3775856" y="4100682"/>
-            <a:ext cx="4036984" cy="2757318"/>
-          </a:xfrm>
-          <a:prstGeom prst="rect">
-            <a:avLst/>
-          </a:prstGeom>
-          <a:noFill/>
-          <a:extLst>
-            <a:ext uri="{909E8E84-426E-40DD-AFC4-6F175D3DCCD1}">
-              <a14:hiddenFill xmlns:a14="http://schemas.microsoft.com/office/drawing/2010/main">
-                <a:solidFill>
-                  <a:srgbClr val="FFFFFF"/>
-                </a:solidFill>
-              </a14:hiddenFill>
-            </a:ext>
-          </a:extLst>
-        </p:spPr>
-      </p:pic>
-      <p:pic>
-        <p:nvPicPr>
-          <p:cNvPr id="4110" name="Picture 14">
-            <a:extLst>
-              <a:ext uri="{FF2B5EF4-FFF2-40B4-BE49-F238E27FC236}">
-                <a16:creationId xmlns:a16="http://schemas.microsoft.com/office/drawing/2014/main" id="{8B0D8AD5-9593-E416-99D7-834B850785A8}"/>
-              </a:ext>
-            </a:extLst>
-          </p:cNvPr>
-          <p:cNvPicPr>
-            <a:picLocks noChangeAspect="1" noChangeArrowheads="1"/>
-          </p:cNvPicPr>
-          <p:nvPr/>
-        </p:nvPicPr>
-        <p:blipFill>
-          <a:blip r:embed="rId6">
-            <a:extLst>
-              <a:ext uri="{28A0092B-C50C-407E-A947-70E740481C1C}">
-                <a14:useLocalDpi xmlns:a14="http://schemas.microsoft.com/office/drawing/2010/main" val="0"/>
-              </a:ext>
-            </a:extLst>
-          </a:blip>
-          <a:srcRect/>
-          <a:stretch>
-            <a:fillRect/>
-          </a:stretch>
-        </p:blipFill>
-        <p:spPr bwMode="auto">
-          <a:xfrm>
-            <a:off x="7564971" y="3975404"/>
-            <a:ext cx="4110192" cy="2890900"/>
-          </a:xfrm>
-          <a:prstGeom prst="rect">
-            <a:avLst/>
-          </a:prstGeom>
-          <a:noFill/>
-          <a:extLst>
-            <a:ext uri="{909E8E84-426E-40DD-AFC4-6F175D3DCCD1}">
-              <a14:hiddenFill xmlns:a14="http://schemas.microsoft.com/office/drawing/2010/main">
-                <a:solidFill>
-                  <a:srgbClr val="FFFFFF"/>
-                </a:solidFill>
-              </a14:hiddenFill>
-            </a:ext>
-          </a:extLst>
-        </p:spPr>
-      </p:pic>
-      <p:pic>
-        <p:nvPicPr>
-          <p:cNvPr id="4112" name="Picture 16">
-            <a:extLst>
-              <a:ext uri="{FF2B5EF4-FFF2-40B4-BE49-F238E27FC236}">
-                <a16:creationId xmlns:a16="http://schemas.microsoft.com/office/drawing/2014/main" id="{7962E53A-5AA3-0ED2-BB90-20FB49AF76D1}"/>
-              </a:ext>
-            </a:extLst>
-          </p:cNvPr>
-          <p:cNvPicPr>
-            <a:picLocks noChangeAspect="1" noChangeArrowheads="1"/>
-          </p:cNvPicPr>
-          <p:nvPr/>
-        </p:nvPicPr>
-        <p:blipFill>
-          <a:blip r:embed="rId7">
-            <a:extLst>
-              <a:ext uri="{28A0092B-C50C-407E-A947-70E740481C1C}">
-                <a14:useLocalDpi xmlns:a14="http://schemas.microsoft.com/office/drawing/2010/main" val="0"/>
-              </a:ext>
-            </a:extLst>
-          </a:blip>
-          <a:srcRect/>
-          <a:stretch>
-            <a:fillRect/>
-          </a:stretch>
-        </p:blipFill>
-        <p:spPr bwMode="auto">
-          <a:xfrm>
-            <a:off x="7629342" y="1273885"/>
-            <a:ext cx="3981450" cy="2800350"/>
-          </a:xfrm>
-          <a:prstGeom prst="rect">
-            <a:avLst/>
-          </a:prstGeom>
-          <a:noFill/>
-          <a:extLst>
-            <a:ext uri="{909E8E84-426E-40DD-AFC4-6F175D3DCCD1}">
-              <a14:hiddenFill xmlns:a14="http://schemas.microsoft.com/office/drawing/2010/main">
-                <a:solidFill>
-                  <a:srgbClr val="FFFFFF"/>
-                </a:solidFill>
-              </a14:hiddenFill>
-            </a:ext>
-          </a:extLst>
-        </p:spPr>
-      </p:pic>
-      <p:pic>
-        <p:nvPicPr>
-          <p:cNvPr id="4114" name="Picture 18">
-            <a:extLst>
-              <a:ext uri="{FF2B5EF4-FFF2-40B4-BE49-F238E27FC236}">
-                <a16:creationId xmlns:a16="http://schemas.microsoft.com/office/drawing/2014/main" id="{309C3EED-532A-8310-A032-85E4A9682419}"/>
-              </a:ext>
-            </a:extLst>
-          </p:cNvPr>
-          <p:cNvPicPr>
-            <a:picLocks noChangeAspect="1" noChangeArrowheads="1"/>
-          </p:cNvPicPr>
-          <p:nvPr/>
-        </p:nvPicPr>
-        <p:blipFill>
-          <a:blip r:embed="rId8">
-            <a:extLst>
-              <a:ext uri="{28A0092B-C50C-407E-A947-70E740481C1C}">
-                <a14:useLocalDpi xmlns:a14="http://schemas.microsoft.com/office/drawing/2010/main" val="0"/>
-              </a:ext>
-            </a:extLst>
-          </a:blip>
-          <a:srcRect/>
-          <a:stretch>
-            <a:fillRect/>
-          </a:stretch>
-        </p:blipFill>
-        <p:spPr bwMode="auto">
-          <a:xfrm>
-            <a:off x="7584959" y="58159"/>
-            <a:ext cx="4286250" cy="1266825"/>
-          </a:xfrm>
-          <a:prstGeom prst="rect">
-            <a:avLst/>
-          </a:prstGeom>
-          <a:noFill/>
-          <a:extLst>
-            <a:ext uri="{909E8E84-426E-40DD-AFC4-6F175D3DCCD1}">
-              <a14:hiddenFill xmlns:a14="http://schemas.microsoft.com/office/drawing/2010/main">
-                <a:solidFill>
-                  <a:srgbClr val="FFFFFF"/>
-                </a:solidFill>
-              </a14:hiddenFill>
-            </a:ext>
-          </a:extLst>
-        </p:spPr>
-      </p:pic>
     </p:spTree>
     <p:extLst>
       <p:ext uri="{BB962C8B-B14F-4D97-AF65-F5344CB8AC3E}">
-        <p14:creationId xmlns:p14="http://schemas.microsoft.com/office/powerpoint/2010/main" val="3521513202"/>
+        <p14:creationId xmlns:p14="http://schemas.microsoft.com/office/powerpoint/2010/main" val="3255715230"/>
       </p:ext>
     </p:extLst>
   </p:cSld>
@@ -6894,6 +6900,437 @@
       </p:grpSpPr>
       <p:sp>
         <p:nvSpPr>
+          <p:cNvPr id="2" name="Title 1">
+            <a:extLst>
+              <a:ext uri="{FF2B5EF4-FFF2-40B4-BE49-F238E27FC236}">
+                <a16:creationId xmlns:a16="http://schemas.microsoft.com/office/drawing/2014/main" id="{D9F352EF-423F-1D3A-5E0D-E00A5C5F2179}"/>
+              </a:ext>
+            </a:extLst>
+          </p:cNvPr>
+          <p:cNvSpPr>
+            <a:spLocks noGrp="1"/>
+          </p:cNvSpPr>
+          <p:nvPr>
+            <p:ph type="title"/>
+          </p:nvPr>
+        </p:nvSpPr>
+        <p:spPr>
+          <a:xfrm>
+            <a:off x="444138" y="528737"/>
+            <a:ext cx="8898646" cy="755905"/>
+          </a:xfrm>
+        </p:spPr>
+        <p:txBody>
+          <a:bodyPr anchor="b">
+            <a:normAutofit/>
+          </a:bodyPr>
+          <a:lstStyle/>
+          <a:p>
+            <a:r>
+              <a:rPr lang="en-US" altLang="ko-KR" sz="4800"/>
+              <a:t>LPP R0443</a:t>
+            </a:r>
+            <a:endParaRPr lang="ko-KR" altLang="en-US" sz="4800"/>
+          </a:p>
+        </p:txBody>
+      </p:sp>
+      <p:sp>
+        <p:nvSpPr>
+          <p:cNvPr id="4" name="TextBox 3">
+            <a:extLst>
+              <a:ext uri="{FF2B5EF4-FFF2-40B4-BE49-F238E27FC236}">
+                <a16:creationId xmlns:a16="http://schemas.microsoft.com/office/drawing/2014/main" id="{F8A4B213-201D-8590-B9C9-70064A1092AA}"/>
+              </a:ext>
+            </a:extLst>
+          </p:cNvPr>
+          <p:cNvSpPr txBox="1"/>
+          <p:nvPr/>
+        </p:nvSpPr>
+        <p:spPr>
+          <a:xfrm>
+            <a:off x="3666843" y="911277"/>
+            <a:ext cx="3191899" cy="369332"/>
+          </a:xfrm>
+          <a:prstGeom prst="rect">
+            <a:avLst/>
+          </a:prstGeom>
+          <a:noFill/>
+        </p:spPr>
+        <p:txBody>
+          <a:bodyPr wrap="none" rtlCol="0">
+            <a:spAutoFit/>
+          </a:bodyPr>
+          <a:lstStyle/>
+          <a:p>
+            <a:r>
+              <a:rPr lang="en-US" altLang="ko-KR"/>
+              <a:t>scale = 200000 µv &amp; 200 µv </a:t>
+            </a:r>
+            <a:endParaRPr lang="ko-KR" altLang="en-US"/>
+          </a:p>
+        </p:txBody>
+      </p:sp>
+      <p:pic>
+        <p:nvPicPr>
+          <p:cNvPr id="4098" name="Picture 2">
+            <a:extLst>
+              <a:ext uri="{FF2B5EF4-FFF2-40B4-BE49-F238E27FC236}">
+                <a16:creationId xmlns:a16="http://schemas.microsoft.com/office/drawing/2014/main" id="{1D6D6E49-B2C9-0F54-D014-5C431E0C5C51}"/>
+              </a:ext>
+            </a:extLst>
+          </p:cNvPr>
+          <p:cNvPicPr>
+            <a:picLocks noChangeAspect="1" noChangeArrowheads="1"/>
+          </p:cNvPicPr>
+          <p:nvPr/>
+        </p:nvPicPr>
+        <p:blipFill>
+          <a:blip r:embed="rId2">
+            <a:extLst>
+              <a:ext uri="{28A0092B-C50C-407E-A947-70E740481C1C}">
+                <a14:useLocalDpi xmlns:a14="http://schemas.microsoft.com/office/drawing/2010/main" val="0"/>
+              </a:ext>
+            </a:extLst>
+          </a:blip>
+          <a:srcRect/>
+          <a:stretch>
+            <a:fillRect/>
+          </a:stretch>
+        </p:blipFill>
+        <p:spPr bwMode="auto">
+          <a:xfrm>
+            <a:off x="95644" y="1295401"/>
+            <a:ext cx="3906201" cy="2757318"/>
+          </a:xfrm>
+          <a:prstGeom prst="rect">
+            <a:avLst/>
+          </a:prstGeom>
+          <a:noFill/>
+          <a:extLst>
+            <a:ext uri="{909E8E84-426E-40DD-AFC4-6F175D3DCCD1}">
+              <a14:hiddenFill xmlns:a14="http://schemas.microsoft.com/office/drawing/2010/main">
+                <a:solidFill>
+                  <a:srgbClr val="FFFFFF"/>
+                </a:solidFill>
+              </a14:hiddenFill>
+            </a:ext>
+          </a:extLst>
+        </p:spPr>
+      </p:pic>
+      <p:pic>
+        <p:nvPicPr>
+          <p:cNvPr id="4100" name="Picture 4">
+            <a:extLst>
+              <a:ext uri="{FF2B5EF4-FFF2-40B4-BE49-F238E27FC236}">
+                <a16:creationId xmlns:a16="http://schemas.microsoft.com/office/drawing/2014/main" id="{9FAE5CCC-A26C-031C-B5CC-819FEF18C25F}"/>
+              </a:ext>
+            </a:extLst>
+          </p:cNvPr>
+          <p:cNvPicPr>
+            <a:picLocks noChangeAspect="1" noChangeArrowheads="1"/>
+          </p:cNvPicPr>
+          <p:nvPr/>
+        </p:nvPicPr>
+        <p:blipFill>
+          <a:blip r:embed="rId3">
+            <a:extLst>
+              <a:ext uri="{28A0092B-C50C-407E-A947-70E740481C1C}">
+                <a14:useLocalDpi xmlns:a14="http://schemas.microsoft.com/office/drawing/2010/main" val="0"/>
+              </a:ext>
+            </a:extLst>
+          </a:blip>
+          <a:srcRect/>
+          <a:stretch>
+            <a:fillRect/>
+          </a:stretch>
+        </p:blipFill>
+        <p:spPr bwMode="auto">
+          <a:xfrm>
+            <a:off x="3797512" y="1324984"/>
+            <a:ext cx="3993672" cy="2727735"/>
+          </a:xfrm>
+          <a:prstGeom prst="rect">
+            <a:avLst/>
+          </a:prstGeom>
+          <a:noFill/>
+          <a:extLst>
+            <a:ext uri="{909E8E84-426E-40DD-AFC4-6F175D3DCCD1}">
+              <a14:hiddenFill xmlns:a14="http://schemas.microsoft.com/office/drawing/2010/main">
+                <a:solidFill>
+                  <a:srgbClr val="FFFFFF"/>
+                </a:solidFill>
+              </a14:hiddenFill>
+            </a:ext>
+          </a:extLst>
+        </p:spPr>
+      </p:pic>
+      <p:pic>
+        <p:nvPicPr>
+          <p:cNvPr id="4104" name="Picture 8">
+            <a:extLst>
+              <a:ext uri="{FF2B5EF4-FFF2-40B4-BE49-F238E27FC236}">
+                <a16:creationId xmlns:a16="http://schemas.microsoft.com/office/drawing/2014/main" id="{AB5A1E1E-FF70-0700-7502-842DE4F71CA9}"/>
+              </a:ext>
+            </a:extLst>
+          </p:cNvPr>
+          <p:cNvPicPr>
+            <a:picLocks noChangeAspect="1" noChangeArrowheads="1"/>
+          </p:cNvPicPr>
+          <p:nvPr/>
+        </p:nvPicPr>
+        <p:blipFill>
+          <a:blip r:embed="rId4">
+            <a:extLst>
+              <a:ext uri="{28A0092B-C50C-407E-A947-70E740481C1C}">
+                <a14:useLocalDpi xmlns:a14="http://schemas.microsoft.com/office/drawing/2010/main" val="0"/>
+              </a:ext>
+            </a:extLst>
+          </a:blip>
+          <a:srcRect/>
+          <a:stretch>
+            <a:fillRect/>
+          </a:stretch>
+        </p:blipFill>
+        <p:spPr bwMode="auto">
+          <a:xfrm>
+            <a:off x="95644" y="4031598"/>
+            <a:ext cx="3906201" cy="2747424"/>
+          </a:xfrm>
+          <a:prstGeom prst="rect">
+            <a:avLst/>
+          </a:prstGeom>
+          <a:noFill/>
+          <a:extLst>
+            <a:ext uri="{909E8E84-426E-40DD-AFC4-6F175D3DCCD1}">
+              <a14:hiddenFill xmlns:a14="http://schemas.microsoft.com/office/drawing/2010/main">
+                <a:solidFill>
+                  <a:srgbClr val="FFFFFF"/>
+                </a:solidFill>
+              </a14:hiddenFill>
+            </a:ext>
+          </a:extLst>
+        </p:spPr>
+      </p:pic>
+      <p:pic>
+        <p:nvPicPr>
+          <p:cNvPr id="4106" name="Picture 10">
+            <a:extLst>
+              <a:ext uri="{FF2B5EF4-FFF2-40B4-BE49-F238E27FC236}">
+                <a16:creationId xmlns:a16="http://schemas.microsoft.com/office/drawing/2014/main" id="{905D7C95-3D31-E41C-AAD1-87A4E6A9AF27}"/>
+              </a:ext>
+            </a:extLst>
+          </p:cNvPr>
+          <p:cNvPicPr>
+            <a:picLocks noChangeAspect="1" noChangeArrowheads="1"/>
+          </p:cNvPicPr>
+          <p:nvPr/>
+        </p:nvPicPr>
+        <p:blipFill>
+          <a:blip r:embed="rId5">
+            <a:extLst>
+              <a:ext uri="{28A0092B-C50C-407E-A947-70E740481C1C}">
+                <a14:useLocalDpi xmlns:a14="http://schemas.microsoft.com/office/drawing/2010/main" val="0"/>
+              </a:ext>
+            </a:extLst>
+          </a:blip>
+          <a:srcRect/>
+          <a:stretch>
+            <a:fillRect/>
+          </a:stretch>
+        </p:blipFill>
+        <p:spPr bwMode="auto">
+          <a:xfrm>
+            <a:off x="3775856" y="4100682"/>
+            <a:ext cx="4036984" cy="2757318"/>
+          </a:xfrm>
+          <a:prstGeom prst="rect">
+            <a:avLst/>
+          </a:prstGeom>
+          <a:noFill/>
+          <a:extLst>
+            <a:ext uri="{909E8E84-426E-40DD-AFC4-6F175D3DCCD1}">
+              <a14:hiddenFill xmlns:a14="http://schemas.microsoft.com/office/drawing/2010/main">
+                <a:solidFill>
+                  <a:srgbClr val="FFFFFF"/>
+                </a:solidFill>
+              </a14:hiddenFill>
+            </a:ext>
+          </a:extLst>
+        </p:spPr>
+      </p:pic>
+      <p:pic>
+        <p:nvPicPr>
+          <p:cNvPr id="4110" name="Picture 14">
+            <a:extLst>
+              <a:ext uri="{FF2B5EF4-FFF2-40B4-BE49-F238E27FC236}">
+                <a16:creationId xmlns:a16="http://schemas.microsoft.com/office/drawing/2014/main" id="{8B0D8AD5-9593-E416-99D7-834B850785A8}"/>
+              </a:ext>
+            </a:extLst>
+          </p:cNvPr>
+          <p:cNvPicPr>
+            <a:picLocks noChangeAspect="1" noChangeArrowheads="1"/>
+          </p:cNvPicPr>
+          <p:nvPr/>
+        </p:nvPicPr>
+        <p:blipFill>
+          <a:blip r:embed="rId6">
+            <a:extLst>
+              <a:ext uri="{28A0092B-C50C-407E-A947-70E740481C1C}">
+                <a14:useLocalDpi xmlns:a14="http://schemas.microsoft.com/office/drawing/2010/main" val="0"/>
+              </a:ext>
+            </a:extLst>
+          </a:blip>
+          <a:srcRect/>
+          <a:stretch>
+            <a:fillRect/>
+          </a:stretch>
+        </p:blipFill>
+        <p:spPr bwMode="auto">
+          <a:xfrm>
+            <a:off x="7564971" y="3975404"/>
+            <a:ext cx="4110192" cy="2890900"/>
+          </a:xfrm>
+          <a:prstGeom prst="rect">
+            <a:avLst/>
+          </a:prstGeom>
+          <a:noFill/>
+          <a:extLst>
+            <a:ext uri="{909E8E84-426E-40DD-AFC4-6F175D3DCCD1}">
+              <a14:hiddenFill xmlns:a14="http://schemas.microsoft.com/office/drawing/2010/main">
+                <a:solidFill>
+                  <a:srgbClr val="FFFFFF"/>
+                </a:solidFill>
+              </a14:hiddenFill>
+            </a:ext>
+          </a:extLst>
+        </p:spPr>
+      </p:pic>
+      <p:pic>
+        <p:nvPicPr>
+          <p:cNvPr id="4112" name="Picture 16">
+            <a:extLst>
+              <a:ext uri="{FF2B5EF4-FFF2-40B4-BE49-F238E27FC236}">
+                <a16:creationId xmlns:a16="http://schemas.microsoft.com/office/drawing/2014/main" id="{7962E53A-5AA3-0ED2-BB90-20FB49AF76D1}"/>
+              </a:ext>
+            </a:extLst>
+          </p:cNvPr>
+          <p:cNvPicPr>
+            <a:picLocks noChangeAspect="1" noChangeArrowheads="1"/>
+          </p:cNvPicPr>
+          <p:nvPr/>
+        </p:nvPicPr>
+        <p:blipFill>
+          <a:blip r:embed="rId7">
+            <a:extLst>
+              <a:ext uri="{28A0092B-C50C-407E-A947-70E740481C1C}">
+                <a14:useLocalDpi xmlns:a14="http://schemas.microsoft.com/office/drawing/2010/main" val="0"/>
+              </a:ext>
+            </a:extLst>
+          </a:blip>
+          <a:srcRect/>
+          <a:stretch>
+            <a:fillRect/>
+          </a:stretch>
+        </p:blipFill>
+        <p:spPr bwMode="auto">
+          <a:xfrm>
+            <a:off x="7629342" y="1273885"/>
+            <a:ext cx="3981450" cy="2800350"/>
+          </a:xfrm>
+          <a:prstGeom prst="rect">
+            <a:avLst/>
+          </a:prstGeom>
+          <a:noFill/>
+          <a:extLst>
+            <a:ext uri="{909E8E84-426E-40DD-AFC4-6F175D3DCCD1}">
+              <a14:hiddenFill xmlns:a14="http://schemas.microsoft.com/office/drawing/2010/main">
+                <a:solidFill>
+                  <a:srgbClr val="FFFFFF"/>
+                </a:solidFill>
+              </a14:hiddenFill>
+            </a:ext>
+          </a:extLst>
+        </p:spPr>
+      </p:pic>
+      <p:pic>
+        <p:nvPicPr>
+          <p:cNvPr id="4114" name="Picture 18">
+            <a:extLst>
+              <a:ext uri="{FF2B5EF4-FFF2-40B4-BE49-F238E27FC236}">
+                <a16:creationId xmlns:a16="http://schemas.microsoft.com/office/drawing/2014/main" id="{309C3EED-532A-8310-A032-85E4A9682419}"/>
+              </a:ext>
+            </a:extLst>
+          </p:cNvPr>
+          <p:cNvPicPr>
+            <a:picLocks noChangeAspect="1" noChangeArrowheads="1"/>
+          </p:cNvPicPr>
+          <p:nvPr/>
+        </p:nvPicPr>
+        <p:blipFill>
+          <a:blip r:embed="rId8">
+            <a:extLst>
+              <a:ext uri="{28A0092B-C50C-407E-A947-70E740481C1C}">
+                <a14:useLocalDpi xmlns:a14="http://schemas.microsoft.com/office/drawing/2010/main" val="0"/>
+              </a:ext>
+            </a:extLst>
+          </a:blip>
+          <a:srcRect/>
+          <a:stretch>
+            <a:fillRect/>
+          </a:stretch>
+        </p:blipFill>
+        <p:spPr bwMode="auto">
+          <a:xfrm>
+            <a:off x="7584959" y="58159"/>
+            <a:ext cx="4286250" cy="1266825"/>
+          </a:xfrm>
+          <a:prstGeom prst="rect">
+            <a:avLst/>
+          </a:prstGeom>
+          <a:noFill/>
+          <a:extLst>
+            <a:ext uri="{909E8E84-426E-40DD-AFC4-6F175D3DCCD1}">
+              <a14:hiddenFill xmlns:a14="http://schemas.microsoft.com/office/drawing/2010/main">
+                <a:solidFill>
+                  <a:srgbClr val="FFFFFF"/>
+                </a:solidFill>
+              </a14:hiddenFill>
+            </a:ext>
+          </a:extLst>
+        </p:spPr>
+      </p:pic>
+    </p:spTree>
+    <p:extLst>
+      <p:ext uri="{BB962C8B-B14F-4D97-AF65-F5344CB8AC3E}">
+        <p14:creationId xmlns:p14="http://schemas.microsoft.com/office/powerpoint/2010/main" val="3521513202"/>
+      </p:ext>
+    </p:extLst>
+  </p:cSld>
+  <p:clrMapOvr>
+    <a:masterClrMapping/>
+  </p:clrMapOvr>
+</p:sld>
+</file>
+
+<file path=ppt/slides/slide8.xml><?xml version="1.0" encoding="utf-8"?>
+<p:sld xmlns:a="http://schemas.openxmlformats.org/drawingml/2006/main" xmlns:r="http://schemas.openxmlformats.org/officeDocument/2006/relationships" xmlns:p="http://schemas.openxmlformats.org/presentationml/2006/main">
+  <p:cSld>
+    <p:spTree>
+      <p:nvGrpSpPr>
+        <p:cNvPr id="1" name=""/>
+        <p:cNvGrpSpPr/>
+        <p:nvPr/>
+      </p:nvGrpSpPr>
+      <p:grpSpPr>
+        <a:xfrm>
+          <a:off x="0" y="0"/>
+          <a:ext cx="0" cy="0"/>
+          <a:chOff x="0" y="0"/>
+          <a:chExt cx="0" cy="0"/>
+        </a:xfrm>
+      </p:grpSpPr>
+      <p:sp>
+        <p:nvSpPr>
           <p:cNvPr id="5" name="Title 1">
             <a:extLst>
               <a:ext uri="{FF2B5EF4-FFF2-40B4-BE49-F238E27FC236}">
@@ -7306,7 +7743,7 @@
 </p:sld>
 </file>
 
-<file path=ppt/slides/slide8.xml><?xml version="1.0" encoding="utf-8"?>
+<file path=ppt/slides/slide9.xml><?xml version="1.0" encoding="utf-8"?>
 <p:sld xmlns:a="http://schemas.openxmlformats.org/drawingml/2006/main" xmlns:r="http://schemas.openxmlformats.org/officeDocument/2006/relationships" xmlns:p="http://schemas.openxmlformats.org/presentationml/2006/main">
   <p:cSld>
     <p:spTree>

--- a/eelbrain_TRFs.pptx
+++ b/eelbrain_TRFs.pptx
@@ -6,14 +6,20 @@
   </p:sldMasterIdLst>
   <p:sldIdLst>
     <p:sldId id="256" r:id="rId2"/>
-    <p:sldId id="257" r:id="rId3"/>
-    <p:sldId id="258" r:id="rId4"/>
-    <p:sldId id="259" r:id="rId5"/>
-    <p:sldId id="264" r:id="rId6"/>
-    <p:sldId id="263" r:id="rId7"/>
-    <p:sldId id="260" r:id="rId8"/>
-    <p:sldId id="262" r:id="rId9"/>
-    <p:sldId id="261" r:id="rId10"/>
+    <p:sldId id="265" r:id="rId3"/>
+    <p:sldId id="257" r:id="rId4"/>
+    <p:sldId id="258" r:id="rId5"/>
+    <p:sldId id="259" r:id="rId6"/>
+    <p:sldId id="264" r:id="rId7"/>
+    <p:sldId id="266" r:id="rId8"/>
+    <p:sldId id="270" r:id="rId9"/>
+    <p:sldId id="269" r:id="rId10"/>
+    <p:sldId id="263" r:id="rId11"/>
+    <p:sldId id="260" r:id="rId12"/>
+    <p:sldId id="262" r:id="rId13"/>
+    <p:sldId id="261" r:id="rId14"/>
+    <p:sldId id="268" r:id="rId15"/>
+    <p:sldId id="271" r:id="rId16"/>
   </p:sldIdLst>
   <p:sldSz cx="12192000" cy="6858000"/>
   <p:notesSz cx="6858000" cy="9144000"/>
@@ -283,7 +289,7 @@
           <a:p>
             <a:fld id="{403CB87E-4591-47A1-9046-CF63F17215EF}" type="datetime2">
               <a:rPr lang="en-US" smtClean="0"/>
-              <a:t>Tuesday, May 24, 2022</a:t>
+              <a:t>Wednesday, June 1, 2022</a:t>
             </a:fld>
             <a:endParaRPr lang="en-US" dirty="0"/>
           </a:p>
@@ -505,7 +511,7 @@
           <a:p>
             <a:fld id="{2FA17F0E-8070-4DFE-A821-9A699EDBAD7E}" type="datetime2">
               <a:rPr lang="en-US" smtClean="0"/>
-              <a:t>Tuesday, May 24, 2022</a:t>
+              <a:t>Wednesday, June 1, 2022</a:t>
             </a:fld>
             <a:endParaRPr lang="en-US"/>
           </a:p>
@@ -717,7 +723,7 @@
           <a:p>
             <a:fld id="{D88D34AE-C7BF-46E5-A968-01C6641F6476}" type="datetime2">
               <a:rPr lang="en-US" smtClean="0"/>
-              <a:t>Tuesday, May 24, 2022</a:t>
+              <a:t>Wednesday, June 1, 2022</a:t>
             </a:fld>
             <a:endParaRPr lang="en-US"/>
           </a:p>
@@ -958,7 +964,7 @@
           <a:p>
             <a:fld id="{F33DE70B-B772-416E-A790-995760B1742E}" type="datetime2">
               <a:rPr lang="en-US" smtClean="0"/>
-              <a:t>Tuesday, May 24, 2022</a:t>
+              <a:t>Wednesday, June 1, 2022</a:t>
             </a:fld>
             <a:endParaRPr lang="en-US" dirty="0"/>
           </a:p>
@@ -1257,7 +1263,7 @@
           <a:p>
             <a:fld id="{76760CDE-A6F1-4138-AF12-ED09E8E5FB6B}" type="datetime2">
               <a:rPr lang="en-US" smtClean="0"/>
-              <a:t>Tuesday, May 24, 2022</a:t>
+              <a:t>Wednesday, June 1, 2022</a:t>
             </a:fld>
             <a:endParaRPr lang="en-US"/>
           </a:p>
@@ -1589,7 +1595,7 @@
           <a:p>
             <a:fld id="{DB15F8B1-DB7B-4D28-A97D-40FB2DD1EF78}" type="datetime2">
               <a:rPr lang="en-US" smtClean="0"/>
-              <a:t>Tuesday, May 24, 2022</a:t>
+              <a:t>Wednesday, June 1, 2022</a:t>
             </a:fld>
             <a:endParaRPr lang="en-US"/>
           </a:p>
@@ -2035,7 +2041,7 @@
           <a:p>
             <a:fld id="{14039161-23B8-4738-9069-73EBE8884FDD}" type="datetime2">
               <a:rPr lang="en-US" smtClean="0"/>
-              <a:t>Tuesday, May 24, 2022</a:t>
+              <a:t>Wednesday, June 1, 2022</a:t>
             </a:fld>
             <a:endParaRPr lang="en-US"/>
           </a:p>
@@ -2191,7 +2197,7 @@
           <a:p>
             <a:fld id="{FA994D44-7693-499F-AC6C-11696134FE3F}" type="datetime2">
               <a:rPr lang="en-US" smtClean="0"/>
-              <a:t>Tuesday, May 24, 2022</a:t>
+              <a:t>Wednesday, June 1, 2022</a:t>
             </a:fld>
             <a:endParaRPr lang="en-US"/>
           </a:p>
@@ -2308,7 +2314,7 @@
           <a:p>
             <a:fld id="{363AF2AE-472C-4EF3-ABB2-24BAA9AE3CF7}" type="datetime2">
               <a:rPr lang="en-US" smtClean="0"/>
-              <a:t>Tuesday, May 24, 2022</a:t>
+              <a:t>Wednesday, June 1, 2022</a:t>
             </a:fld>
             <a:endParaRPr lang="en-US"/>
           </a:p>
@@ -2635,7 +2641,7 @@
           <a:p>
             <a:fld id="{EAEA162C-A7C1-4263-9453-1BAFF8C39559}" type="datetime2">
               <a:rPr lang="en-US" smtClean="0"/>
-              <a:t>Tuesday, May 24, 2022</a:t>
+              <a:t>Wednesday, June 1, 2022</a:t>
             </a:fld>
             <a:endParaRPr lang="en-US"/>
           </a:p>
@@ -2941,7 +2947,7 @@
           <a:p>
             <a:fld id="{64DF6793-3458-4587-8168-65F0C37A92D2}" type="datetime2">
               <a:rPr lang="en-US" smtClean="0"/>
-              <a:t>Tuesday, May 24, 2022</a:t>
+              <a:t>Wednesday, June 1, 2022</a:t>
             </a:fld>
             <a:endParaRPr lang="en-US"/>
           </a:p>
@@ -3294,7 +3300,7 @@
             <a:fld id="{E8352ED3-3C46-4C9A-9738-67B2D875E7E2}" type="datetime2">
               <a:rPr lang="en-US" smtClean="0"/>
               <a:pPr/>
-              <a:t>Tuesday, May 24, 2022</a:t>
+              <a:t>Wednesday, June 1, 2022</a:t>
             </a:fld>
             <a:endParaRPr lang="en-US" dirty="0"/>
           </a:p>
@@ -4424,7 +4430,2451 @@
 </p:sld>
 </file>
 
+<file path=ppt/slides/slide10.xml><?xml version="1.0" encoding="utf-8"?>
+<p:sld xmlns:a="http://schemas.openxmlformats.org/drawingml/2006/main" xmlns:r="http://schemas.openxmlformats.org/officeDocument/2006/relationships" xmlns:p="http://schemas.openxmlformats.org/presentationml/2006/main" show="0">
+  <p:cSld>
+    <p:spTree>
+      <p:nvGrpSpPr>
+        <p:cNvPr id="1" name=""/>
+        <p:cNvGrpSpPr/>
+        <p:nvPr/>
+      </p:nvGrpSpPr>
+      <p:grpSpPr>
+        <a:xfrm>
+          <a:off x="0" y="0"/>
+          <a:ext cx="0" cy="0"/>
+          <a:chOff x="0" y="0"/>
+          <a:chExt cx="0" cy="0"/>
+        </a:xfrm>
+      </p:grpSpPr>
+      <p:sp>
+        <p:nvSpPr>
+          <p:cNvPr id="2" name="Title 1">
+            <a:extLst>
+              <a:ext uri="{FF2B5EF4-FFF2-40B4-BE49-F238E27FC236}">
+                <a16:creationId xmlns:a16="http://schemas.microsoft.com/office/drawing/2014/main" id="{D9F352EF-423F-1D3A-5E0D-E00A5C5F2179}"/>
+              </a:ext>
+            </a:extLst>
+          </p:cNvPr>
+          <p:cNvSpPr>
+            <a:spLocks noGrp="1"/>
+          </p:cNvSpPr>
+          <p:nvPr>
+            <p:ph type="title"/>
+          </p:nvPr>
+        </p:nvSpPr>
+        <p:spPr>
+          <a:xfrm>
+            <a:off x="444138" y="528737"/>
+            <a:ext cx="8898646" cy="755905"/>
+          </a:xfrm>
+        </p:spPr>
+        <p:txBody>
+          <a:bodyPr anchor="b">
+            <a:normAutofit/>
+          </a:bodyPr>
+          <a:lstStyle/>
+          <a:p>
+            <a:r>
+              <a:rPr lang="en-US" altLang="ko-KR" sz="4800"/>
+              <a:t>LPP R0443</a:t>
+            </a:r>
+            <a:endParaRPr lang="ko-KR" altLang="en-US" sz="4800"/>
+          </a:p>
+        </p:txBody>
+      </p:sp>
+      <p:sp>
+        <p:nvSpPr>
+          <p:cNvPr id="4" name="TextBox 3">
+            <a:extLst>
+              <a:ext uri="{FF2B5EF4-FFF2-40B4-BE49-F238E27FC236}">
+                <a16:creationId xmlns:a16="http://schemas.microsoft.com/office/drawing/2014/main" id="{F8A4B213-201D-8590-B9C9-70064A1092AA}"/>
+              </a:ext>
+            </a:extLst>
+          </p:cNvPr>
+          <p:cNvSpPr txBox="1"/>
+          <p:nvPr/>
+        </p:nvSpPr>
+        <p:spPr>
+          <a:xfrm>
+            <a:off x="5827897" y="2147102"/>
+            <a:ext cx="814425" cy="923330"/>
+          </a:xfrm>
+          <a:prstGeom prst="rect">
+            <a:avLst/>
+          </a:prstGeom>
+          <a:noFill/>
+        </p:spPr>
+        <p:txBody>
+          <a:bodyPr wrap="square" rtlCol="0">
+            <a:spAutoFit/>
+          </a:bodyPr>
+          <a:lstStyle/>
+          <a:p>
+            <a:r>
+              <a:rPr lang="en-US" altLang="ko-KR"/>
+              <a:t>scale = 200 µv </a:t>
+            </a:r>
+            <a:endParaRPr lang="ko-KR" altLang="en-US"/>
+          </a:p>
+        </p:txBody>
+      </p:sp>
+      <p:pic>
+        <p:nvPicPr>
+          <p:cNvPr id="8194" name="Picture 2">
+            <a:extLst>
+              <a:ext uri="{FF2B5EF4-FFF2-40B4-BE49-F238E27FC236}">
+                <a16:creationId xmlns:a16="http://schemas.microsoft.com/office/drawing/2014/main" id="{D016C2AF-2B72-889F-E54F-C78BD3FB1CCD}"/>
+              </a:ext>
+            </a:extLst>
+          </p:cNvPr>
+          <p:cNvPicPr>
+            <a:picLocks noChangeAspect="1" noChangeArrowheads="1"/>
+          </p:cNvPicPr>
+          <p:nvPr/>
+        </p:nvPicPr>
+        <p:blipFill>
+          <a:blip r:embed="rId2">
+            <a:extLst>
+              <a:ext uri="{28A0092B-C50C-407E-A947-70E740481C1C}">
+                <a14:useLocalDpi xmlns:a14="http://schemas.microsoft.com/office/drawing/2010/main" val="0"/>
+              </a:ext>
+            </a:extLst>
+          </a:blip>
+          <a:srcRect/>
+          <a:stretch>
+            <a:fillRect/>
+          </a:stretch>
+        </p:blipFill>
+        <p:spPr bwMode="auto">
+          <a:xfrm>
+            <a:off x="741102" y="1850315"/>
+            <a:ext cx="3657601" cy="2581836"/>
+          </a:xfrm>
+          <a:prstGeom prst="rect">
+            <a:avLst/>
+          </a:prstGeom>
+          <a:noFill/>
+          <a:extLst>
+            <a:ext uri="{909E8E84-426E-40DD-AFC4-6F175D3DCCD1}">
+              <a14:hiddenFill xmlns:a14="http://schemas.microsoft.com/office/drawing/2010/main">
+                <a:solidFill>
+                  <a:srgbClr val="FFFFFF"/>
+                </a:solidFill>
+              </a14:hiddenFill>
+            </a:ext>
+          </a:extLst>
+        </p:spPr>
+      </p:pic>
+      <p:pic>
+        <p:nvPicPr>
+          <p:cNvPr id="8196" name="Picture 4">
+            <a:extLst>
+              <a:ext uri="{FF2B5EF4-FFF2-40B4-BE49-F238E27FC236}">
+                <a16:creationId xmlns:a16="http://schemas.microsoft.com/office/drawing/2014/main" id="{8A2C1780-F436-178B-545A-998194598041}"/>
+              </a:ext>
+            </a:extLst>
+          </p:cNvPr>
+          <p:cNvPicPr>
+            <a:picLocks noChangeAspect="1" noChangeArrowheads="1"/>
+          </p:cNvPicPr>
+          <p:nvPr/>
+        </p:nvPicPr>
+        <p:blipFill>
+          <a:blip r:embed="rId3">
+            <a:extLst>
+              <a:ext uri="{28A0092B-C50C-407E-A947-70E740481C1C}">
+                <a14:useLocalDpi xmlns:a14="http://schemas.microsoft.com/office/drawing/2010/main" val="0"/>
+              </a:ext>
+            </a:extLst>
+          </a:blip>
+          <a:srcRect/>
+          <a:stretch>
+            <a:fillRect/>
+          </a:stretch>
+        </p:blipFill>
+        <p:spPr bwMode="auto">
+          <a:xfrm>
+            <a:off x="4275604" y="1945438"/>
+            <a:ext cx="3640791" cy="2486713"/>
+          </a:xfrm>
+          <a:prstGeom prst="rect">
+            <a:avLst/>
+          </a:prstGeom>
+          <a:noFill/>
+          <a:extLst>
+            <a:ext uri="{909E8E84-426E-40DD-AFC4-6F175D3DCCD1}">
+              <a14:hiddenFill xmlns:a14="http://schemas.microsoft.com/office/drawing/2010/main">
+                <a:solidFill>
+                  <a:srgbClr val="FFFFFF"/>
+                </a:solidFill>
+              </a14:hiddenFill>
+            </a:ext>
+          </a:extLst>
+        </p:spPr>
+      </p:pic>
+      <p:pic>
+        <p:nvPicPr>
+          <p:cNvPr id="8198" name="Picture 6">
+            <a:extLst>
+              <a:ext uri="{FF2B5EF4-FFF2-40B4-BE49-F238E27FC236}">
+                <a16:creationId xmlns:a16="http://schemas.microsoft.com/office/drawing/2014/main" id="{D0D61945-6E7A-763B-CA40-30B11E193E21}"/>
+              </a:ext>
+            </a:extLst>
+          </p:cNvPr>
+          <p:cNvPicPr>
+            <a:picLocks noChangeAspect="1" noChangeArrowheads="1"/>
+          </p:cNvPicPr>
+          <p:nvPr/>
+        </p:nvPicPr>
+        <p:blipFill>
+          <a:blip r:embed="rId4">
+            <a:extLst>
+              <a:ext uri="{28A0092B-C50C-407E-A947-70E740481C1C}">
+                <a14:useLocalDpi xmlns:a14="http://schemas.microsoft.com/office/drawing/2010/main" val="0"/>
+              </a:ext>
+            </a:extLst>
+          </a:blip>
+          <a:srcRect/>
+          <a:stretch>
+            <a:fillRect/>
+          </a:stretch>
+        </p:blipFill>
+        <p:spPr bwMode="auto">
+          <a:xfrm>
+            <a:off x="7793299" y="1849541"/>
+            <a:ext cx="3670773" cy="2581836"/>
+          </a:xfrm>
+          <a:prstGeom prst="rect">
+            <a:avLst/>
+          </a:prstGeom>
+          <a:noFill/>
+          <a:extLst>
+            <a:ext uri="{909E8E84-426E-40DD-AFC4-6F175D3DCCD1}">
+              <a14:hiddenFill xmlns:a14="http://schemas.microsoft.com/office/drawing/2010/main">
+                <a:solidFill>
+                  <a:srgbClr val="FFFFFF"/>
+                </a:solidFill>
+              </a14:hiddenFill>
+            </a:ext>
+          </a:extLst>
+        </p:spPr>
+      </p:pic>
+    </p:spTree>
+    <p:extLst>
+      <p:ext uri="{BB962C8B-B14F-4D97-AF65-F5344CB8AC3E}">
+        <p14:creationId xmlns:p14="http://schemas.microsoft.com/office/powerpoint/2010/main" val="3255715230"/>
+      </p:ext>
+    </p:extLst>
+  </p:cSld>
+  <p:clrMapOvr>
+    <a:masterClrMapping/>
+  </p:clrMapOvr>
+</p:sld>
+</file>
+
+<file path=ppt/slides/slide11.xml><?xml version="1.0" encoding="utf-8"?>
+<p:sld xmlns:a="http://schemas.openxmlformats.org/drawingml/2006/main" xmlns:r="http://schemas.openxmlformats.org/officeDocument/2006/relationships" xmlns:p="http://schemas.openxmlformats.org/presentationml/2006/main">
+  <p:cSld>
+    <p:spTree>
+      <p:nvGrpSpPr>
+        <p:cNvPr id="1" name=""/>
+        <p:cNvGrpSpPr/>
+        <p:nvPr/>
+      </p:nvGrpSpPr>
+      <p:grpSpPr>
+        <a:xfrm>
+          <a:off x="0" y="0"/>
+          <a:ext cx="0" cy="0"/>
+          <a:chOff x="0" y="0"/>
+          <a:chExt cx="0" cy="0"/>
+        </a:xfrm>
+      </p:grpSpPr>
+      <p:sp>
+        <p:nvSpPr>
+          <p:cNvPr id="2" name="Title 1">
+            <a:extLst>
+              <a:ext uri="{FF2B5EF4-FFF2-40B4-BE49-F238E27FC236}">
+                <a16:creationId xmlns:a16="http://schemas.microsoft.com/office/drawing/2014/main" id="{D9F352EF-423F-1D3A-5E0D-E00A5C5F2179}"/>
+              </a:ext>
+            </a:extLst>
+          </p:cNvPr>
+          <p:cNvSpPr>
+            <a:spLocks noGrp="1"/>
+          </p:cNvSpPr>
+          <p:nvPr>
+            <p:ph type="title"/>
+          </p:nvPr>
+        </p:nvSpPr>
+        <p:spPr>
+          <a:xfrm>
+            <a:off x="444138" y="528737"/>
+            <a:ext cx="8898646" cy="755905"/>
+          </a:xfrm>
+        </p:spPr>
+        <p:txBody>
+          <a:bodyPr anchor="b">
+            <a:normAutofit/>
+          </a:bodyPr>
+          <a:lstStyle/>
+          <a:p>
+            <a:r>
+              <a:rPr lang="en-US" altLang="ko-KR" sz="4800"/>
+              <a:t>LPP R0443</a:t>
+            </a:r>
+            <a:endParaRPr lang="ko-KR" altLang="en-US" sz="4800"/>
+          </a:p>
+        </p:txBody>
+      </p:sp>
+      <p:sp>
+        <p:nvSpPr>
+          <p:cNvPr id="4" name="TextBox 3">
+            <a:extLst>
+              <a:ext uri="{FF2B5EF4-FFF2-40B4-BE49-F238E27FC236}">
+                <a16:creationId xmlns:a16="http://schemas.microsoft.com/office/drawing/2014/main" id="{F8A4B213-201D-8590-B9C9-70064A1092AA}"/>
+              </a:ext>
+            </a:extLst>
+          </p:cNvPr>
+          <p:cNvSpPr txBox="1"/>
+          <p:nvPr/>
+        </p:nvSpPr>
+        <p:spPr>
+          <a:xfrm>
+            <a:off x="3666843" y="911277"/>
+            <a:ext cx="3191899" cy="369332"/>
+          </a:xfrm>
+          <a:prstGeom prst="rect">
+            <a:avLst/>
+          </a:prstGeom>
+          <a:noFill/>
+        </p:spPr>
+        <p:txBody>
+          <a:bodyPr wrap="none" rtlCol="0">
+            <a:spAutoFit/>
+          </a:bodyPr>
+          <a:lstStyle/>
+          <a:p>
+            <a:r>
+              <a:rPr lang="en-US" altLang="ko-KR"/>
+              <a:t>scale = 200000 µv &amp; 200 µv </a:t>
+            </a:r>
+            <a:endParaRPr lang="ko-KR" altLang="en-US"/>
+          </a:p>
+        </p:txBody>
+      </p:sp>
+      <p:pic>
+        <p:nvPicPr>
+          <p:cNvPr id="4098" name="Picture 2">
+            <a:extLst>
+              <a:ext uri="{FF2B5EF4-FFF2-40B4-BE49-F238E27FC236}">
+                <a16:creationId xmlns:a16="http://schemas.microsoft.com/office/drawing/2014/main" id="{1D6D6E49-B2C9-0F54-D014-5C431E0C5C51}"/>
+              </a:ext>
+            </a:extLst>
+          </p:cNvPr>
+          <p:cNvPicPr>
+            <a:picLocks noChangeAspect="1" noChangeArrowheads="1"/>
+          </p:cNvPicPr>
+          <p:nvPr/>
+        </p:nvPicPr>
+        <p:blipFill>
+          <a:blip r:embed="rId2">
+            <a:extLst>
+              <a:ext uri="{28A0092B-C50C-407E-A947-70E740481C1C}">
+                <a14:useLocalDpi xmlns:a14="http://schemas.microsoft.com/office/drawing/2010/main" val="0"/>
+              </a:ext>
+            </a:extLst>
+          </a:blip>
+          <a:srcRect/>
+          <a:stretch>
+            <a:fillRect/>
+          </a:stretch>
+        </p:blipFill>
+        <p:spPr bwMode="auto">
+          <a:xfrm>
+            <a:off x="95644" y="1295401"/>
+            <a:ext cx="3906201" cy="2757318"/>
+          </a:xfrm>
+          <a:prstGeom prst="rect">
+            <a:avLst/>
+          </a:prstGeom>
+          <a:noFill/>
+          <a:extLst>
+            <a:ext uri="{909E8E84-426E-40DD-AFC4-6F175D3DCCD1}">
+              <a14:hiddenFill xmlns:a14="http://schemas.microsoft.com/office/drawing/2010/main">
+                <a:solidFill>
+                  <a:srgbClr val="FFFFFF"/>
+                </a:solidFill>
+              </a14:hiddenFill>
+            </a:ext>
+          </a:extLst>
+        </p:spPr>
+      </p:pic>
+      <p:pic>
+        <p:nvPicPr>
+          <p:cNvPr id="4100" name="Picture 4">
+            <a:extLst>
+              <a:ext uri="{FF2B5EF4-FFF2-40B4-BE49-F238E27FC236}">
+                <a16:creationId xmlns:a16="http://schemas.microsoft.com/office/drawing/2014/main" id="{9FAE5CCC-A26C-031C-B5CC-819FEF18C25F}"/>
+              </a:ext>
+            </a:extLst>
+          </p:cNvPr>
+          <p:cNvPicPr>
+            <a:picLocks noChangeAspect="1" noChangeArrowheads="1"/>
+          </p:cNvPicPr>
+          <p:nvPr/>
+        </p:nvPicPr>
+        <p:blipFill>
+          <a:blip r:embed="rId3">
+            <a:extLst>
+              <a:ext uri="{28A0092B-C50C-407E-A947-70E740481C1C}">
+                <a14:useLocalDpi xmlns:a14="http://schemas.microsoft.com/office/drawing/2010/main" val="0"/>
+              </a:ext>
+            </a:extLst>
+          </a:blip>
+          <a:srcRect/>
+          <a:stretch>
+            <a:fillRect/>
+          </a:stretch>
+        </p:blipFill>
+        <p:spPr bwMode="auto">
+          <a:xfrm>
+            <a:off x="3797512" y="1324984"/>
+            <a:ext cx="3993672" cy="2727735"/>
+          </a:xfrm>
+          <a:prstGeom prst="rect">
+            <a:avLst/>
+          </a:prstGeom>
+          <a:noFill/>
+          <a:extLst>
+            <a:ext uri="{909E8E84-426E-40DD-AFC4-6F175D3DCCD1}">
+              <a14:hiddenFill xmlns:a14="http://schemas.microsoft.com/office/drawing/2010/main">
+                <a:solidFill>
+                  <a:srgbClr val="FFFFFF"/>
+                </a:solidFill>
+              </a14:hiddenFill>
+            </a:ext>
+          </a:extLst>
+        </p:spPr>
+      </p:pic>
+      <p:pic>
+        <p:nvPicPr>
+          <p:cNvPr id="4104" name="Picture 8">
+            <a:extLst>
+              <a:ext uri="{FF2B5EF4-FFF2-40B4-BE49-F238E27FC236}">
+                <a16:creationId xmlns:a16="http://schemas.microsoft.com/office/drawing/2014/main" id="{AB5A1E1E-FF70-0700-7502-842DE4F71CA9}"/>
+              </a:ext>
+            </a:extLst>
+          </p:cNvPr>
+          <p:cNvPicPr>
+            <a:picLocks noChangeAspect="1" noChangeArrowheads="1"/>
+          </p:cNvPicPr>
+          <p:nvPr/>
+        </p:nvPicPr>
+        <p:blipFill>
+          <a:blip r:embed="rId4">
+            <a:extLst>
+              <a:ext uri="{28A0092B-C50C-407E-A947-70E740481C1C}">
+                <a14:useLocalDpi xmlns:a14="http://schemas.microsoft.com/office/drawing/2010/main" val="0"/>
+              </a:ext>
+            </a:extLst>
+          </a:blip>
+          <a:srcRect/>
+          <a:stretch>
+            <a:fillRect/>
+          </a:stretch>
+        </p:blipFill>
+        <p:spPr bwMode="auto">
+          <a:xfrm>
+            <a:off x="95644" y="4031598"/>
+            <a:ext cx="3906201" cy="2747424"/>
+          </a:xfrm>
+          <a:prstGeom prst="rect">
+            <a:avLst/>
+          </a:prstGeom>
+          <a:noFill/>
+          <a:extLst>
+            <a:ext uri="{909E8E84-426E-40DD-AFC4-6F175D3DCCD1}">
+              <a14:hiddenFill xmlns:a14="http://schemas.microsoft.com/office/drawing/2010/main">
+                <a:solidFill>
+                  <a:srgbClr val="FFFFFF"/>
+                </a:solidFill>
+              </a14:hiddenFill>
+            </a:ext>
+          </a:extLst>
+        </p:spPr>
+      </p:pic>
+      <p:pic>
+        <p:nvPicPr>
+          <p:cNvPr id="4106" name="Picture 10">
+            <a:extLst>
+              <a:ext uri="{FF2B5EF4-FFF2-40B4-BE49-F238E27FC236}">
+                <a16:creationId xmlns:a16="http://schemas.microsoft.com/office/drawing/2014/main" id="{905D7C95-3D31-E41C-AAD1-87A4E6A9AF27}"/>
+              </a:ext>
+            </a:extLst>
+          </p:cNvPr>
+          <p:cNvPicPr>
+            <a:picLocks noChangeAspect="1" noChangeArrowheads="1"/>
+          </p:cNvPicPr>
+          <p:nvPr/>
+        </p:nvPicPr>
+        <p:blipFill>
+          <a:blip r:embed="rId5">
+            <a:extLst>
+              <a:ext uri="{28A0092B-C50C-407E-A947-70E740481C1C}">
+                <a14:useLocalDpi xmlns:a14="http://schemas.microsoft.com/office/drawing/2010/main" val="0"/>
+              </a:ext>
+            </a:extLst>
+          </a:blip>
+          <a:srcRect/>
+          <a:stretch>
+            <a:fillRect/>
+          </a:stretch>
+        </p:blipFill>
+        <p:spPr bwMode="auto">
+          <a:xfrm>
+            <a:off x="3775856" y="4100682"/>
+            <a:ext cx="4036984" cy="2757318"/>
+          </a:xfrm>
+          <a:prstGeom prst="rect">
+            <a:avLst/>
+          </a:prstGeom>
+          <a:noFill/>
+          <a:extLst>
+            <a:ext uri="{909E8E84-426E-40DD-AFC4-6F175D3DCCD1}">
+              <a14:hiddenFill xmlns:a14="http://schemas.microsoft.com/office/drawing/2010/main">
+                <a:solidFill>
+                  <a:srgbClr val="FFFFFF"/>
+                </a:solidFill>
+              </a14:hiddenFill>
+            </a:ext>
+          </a:extLst>
+        </p:spPr>
+      </p:pic>
+      <p:pic>
+        <p:nvPicPr>
+          <p:cNvPr id="4110" name="Picture 14">
+            <a:extLst>
+              <a:ext uri="{FF2B5EF4-FFF2-40B4-BE49-F238E27FC236}">
+                <a16:creationId xmlns:a16="http://schemas.microsoft.com/office/drawing/2014/main" id="{8B0D8AD5-9593-E416-99D7-834B850785A8}"/>
+              </a:ext>
+            </a:extLst>
+          </p:cNvPr>
+          <p:cNvPicPr>
+            <a:picLocks noChangeAspect="1" noChangeArrowheads="1"/>
+          </p:cNvPicPr>
+          <p:nvPr/>
+        </p:nvPicPr>
+        <p:blipFill>
+          <a:blip r:embed="rId6">
+            <a:extLst>
+              <a:ext uri="{28A0092B-C50C-407E-A947-70E740481C1C}">
+                <a14:useLocalDpi xmlns:a14="http://schemas.microsoft.com/office/drawing/2010/main" val="0"/>
+              </a:ext>
+            </a:extLst>
+          </a:blip>
+          <a:srcRect/>
+          <a:stretch>
+            <a:fillRect/>
+          </a:stretch>
+        </p:blipFill>
+        <p:spPr bwMode="auto">
+          <a:xfrm>
+            <a:off x="7564971" y="3975404"/>
+            <a:ext cx="4110192" cy="2890900"/>
+          </a:xfrm>
+          <a:prstGeom prst="rect">
+            <a:avLst/>
+          </a:prstGeom>
+          <a:noFill/>
+          <a:extLst>
+            <a:ext uri="{909E8E84-426E-40DD-AFC4-6F175D3DCCD1}">
+              <a14:hiddenFill xmlns:a14="http://schemas.microsoft.com/office/drawing/2010/main">
+                <a:solidFill>
+                  <a:srgbClr val="FFFFFF"/>
+                </a:solidFill>
+              </a14:hiddenFill>
+            </a:ext>
+          </a:extLst>
+        </p:spPr>
+      </p:pic>
+      <p:pic>
+        <p:nvPicPr>
+          <p:cNvPr id="4112" name="Picture 16">
+            <a:extLst>
+              <a:ext uri="{FF2B5EF4-FFF2-40B4-BE49-F238E27FC236}">
+                <a16:creationId xmlns:a16="http://schemas.microsoft.com/office/drawing/2014/main" id="{7962E53A-5AA3-0ED2-BB90-20FB49AF76D1}"/>
+              </a:ext>
+            </a:extLst>
+          </p:cNvPr>
+          <p:cNvPicPr>
+            <a:picLocks noChangeAspect="1" noChangeArrowheads="1"/>
+          </p:cNvPicPr>
+          <p:nvPr/>
+        </p:nvPicPr>
+        <p:blipFill>
+          <a:blip r:embed="rId7">
+            <a:extLst>
+              <a:ext uri="{28A0092B-C50C-407E-A947-70E740481C1C}">
+                <a14:useLocalDpi xmlns:a14="http://schemas.microsoft.com/office/drawing/2010/main" val="0"/>
+              </a:ext>
+            </a:extLst>
+          </a:blip>
+          <a:srcRect/>
+          <a:stretch>
+            <a:fillRect/>
+          </a:stretch>
+        </p:blipFill>
+        <p:spPr bwMode="auto">
+          <a:xfrm>
+            <a:off x="7629342" y="1273885"/>
+            <a:ext cx="3981450" cy="2800350"/>
+          </a:xfrm>
+          <a:prstGeom prst="rect">
+            <a:avLst/>
+          </a:prstGeom>
+          <a:noFill/>
+          <a:extLst>
+            <a:ext uri="{909E8E84-426E-40DD-AFC4-6F175D3DCCD1}">
+              <a14:hiddenFill xmlns:a14="http://schemas.microsoft.com/office/drawing/2010/main">
+                <a:solidFill>
+                  <a:srgbClr val="FFFFFF"/>
+                </a:solidFill>
+              </a14:hiddenFill>
+            </a:ext>
+          </a:extLst>
+        </p:spPr>
+      </p:pic>
+      <p:pic>
+        <p:nvPicPr>
+          <p:cNvPr id="4114" name="Picture 18">
+            <a:extLst>
+              <a:ext uri="{FF2B5EF4-FFF2-40B4-BE49-F238E27FC236}">
+                <a16:creationId xmlns:a16="http://schemas.microsoft.com/office/drawing/2014/main" id="{309C3EED-532A-8310-A032-85E4A9682419}"/>
+              </a:ext>
+            </a:extLst>
+          </p:cNvPr>
+          <p:cNvPicPr>
+            <a:picLocks noChangeAspect="1" noChangeArrowheads="1"/>
+          </p:cNvPicPr>
+          <p:nvPr/>
+        </p:nvPicPr>
+        <p:blipFill>
+          <a:blip r:embed="rId8">
+            <a:extLst>
+              <a:ext uri="{28A0092B-C50C-407E-A947-70E740481C1C}">
+                <a14:useLocalDpi xmlns:a14="http://schemas.microsoft.com/office/drawing/2010/main" val="0"/>
+              </a:ext>
+            </a:extLst>
+          </a:blip>
+          <a:srcRect/>
+          <a:stretch>
+            <a:fillRect/>
+          </a:stretch>
+        </p:blipFill>
+        <p:spPr bwMode="auto">
+          <a:xfrm>
+            <a:off x="7584959" y="58159"/>
+            <a:ext cx="4286250" cy="1266825"/>
+          </a:xfrm>
+          <a:prstGeom prst="rect">
+            <a:avLst/>
+          </a:prstGeom>
+          <a:noFill/>
+          <a:extLst>
+            <a:ext uri="{909E8E84-426E-40DD-AFC4-6F175D3DCCD1}">
+              <a14:hiddenFill xmlns:a14="http://schemas.microsoft.com/office/drawing/2010/main">
+                <a:solidFill>
+                  <a:srgbClr val="FFFFFF"/>
+                </a:solidFill>
+              </a14:hiddenFill>
+            </a:ext>
+          </a:extLst>
+        </p:spPr>
+      </p:pic>
+    </p:spTree>
+    <p:extLst>
+      <p:ext uri="{BB962C8B-B14F-4D97-AF65-F5344CB8AC3E}">
+        <p14:creationId xmlns:p14="http://schemas.microsoft.com/office/powerpoint/2010/main" val="3521513202"/>
+      </p:ext>
+    </p:extLst>
+  </p:cSld>
+  <p:clrMapOvr>
+    <a:masterClrMapping/>
+  </p:clrMapOvr>
+</p:sld>
+</file>
+
+<file path=ppt/slides/slide12.xml><?xml version="1.0" encoding="utf-8"?>
+<p:sld xmlns:a="http://schemas.openxmlformats.org/drawingml/2006/main" xmlns:r="http://schemas.openxmlformats.org/officeDocument/2006/relationships" xmlns:p="http://schemas.openxmlformats.org/presentationml/2006/main">
+  <p:cSld>
+    <p:spTree>
+      <p:nvGrpSpPr>
+        <p:cNvPr id="1" name=""/>
+        <p:cNvGrpSpPr/>
+        <p:nvPr/>
+      </p:nvGrpSpPr>
+      <p:grpSpPr>
+        <a:xfrm>
+          <a:off x="0" y="0"/>
+          <a:ext cx="0" cy="0"/>
+          <a:chOff x="0" y="0"/>
+          <a:chExt cx="0" cy="0"/>
+        </a:xfrm>
+      </p:grpSpPr>
+      <p:sp>
+        <p:nvSpPr>
+          <p:cNvPr id="5" name="Title 1">
+            <a:extLst>
+              <a:ext uri="{FF2B5EF4-FFF2-40B4-BE49-F238E27FC236}">
+                <a16:creationId xmlns:a16="http://schemas.microsoft.com/office/drawing/2014/main" id="{182CB139-15D8-1920-6A2D-6B3F72DD203F}"/>
+              </a:ext>
+            </a:extLst>
+          </p:cNvPr>
+          <p:cNvSpPr>
+            <a:spLocks noGrp="1"/>
+          </p:cNvSpPr>
+          <p:nvPr>
+            <p:ph type="title"/>
+          </p:nvPr>
+        </p:nvSpPr>
+        <p:spPr>
+          <a:xfrm>
+            <a:off x="444138" y="528737"/>
+            <a:ext cx="8898646" cy="755905"/>
+          </a:xfrm>
+        </p:spPr>
+        <p:txBody>
+          <a:bodyPr anchor="b">
+            <a:normAutofit/>
+          </a:bodyPr>
+          <a:lstStyle/>
+          <a:p>
+            <a:r>
+              <a:rPr lang="en-US" altLang="ko-KR" sz="4800"/>
+              <a:t>LPP R0459</a:t>
+            </a:r>
+            <a:endParaRPr lang="ko-KR" altLang="en-US" sz="4800"/>
+          </a:p>
+        </p:txBody>
+      </p:sp>
+      <p:sp>
+        <p:nvSpPr>
+          <p:cNvPr id="6" name="TextBox 5">
+            <a:extLst>
+              <a:ext uri="{FF2B5EF4-FFF2-40B4-BE49-F238E27FC236}">
+                <a16:creationId xmlns:a16="http://schemas.microsoft.com/office/drawing/2014/main" id="{5B823DD7-BC67-3E38-B2CD-69C20189E0CB}"/>
+              </a:ext>
+            </a:extLst>
+          </p:cNvPr>
+          <p:cNvSpPr txBox="1"/>
+          <p:nvPr/>
+        </p:nvSpPr>
+        <p:spPr>
+          <a:xfrm>
+            <a:off x="3666843" y="911277"/>
+            <a:ext cx="1781257" cy="369332"/>
+          </a:xfrm>
+          <a:prstGeom prst="rect">
+            <a:avLst/>
+          </a:prstGeom>
+          <a:noFill/>
+        </p:spPr>
+        <p:txBody>
+          <a:bodyPr wrap="none" rtlCol="0">
+            <a:spAutoFit/>
+          </a:bodyPr>
+          <a:lstStyle/>
+          <a:p>
+            <a:r>
+              <a:rPr lang="en-US" altLang="ko-KR"/>
+              <a:t>scale = 200 µv </a:t>
+            </a:r>
+            <a:endParaRPr lang="ko-KR" altLang="en-US"/>
+          </a:p>
+        </p:txBody>
+      </p:sp>
+      <p:pic>
+        <p:nvPicPr>
+          <p:cNvPr id="6156" name="Picture 12">
+            <a:extLst>
+              <a:ext uri="{FF2B5EF4-FFF2-40B4-BE49-F238E27FC236}">
+                <a16:creationId xmlns:a16="http://schemas.microsoft.com/office/drawing/2014/main" id="{A2A42D5A-C2E2-3E45-FA9A-7027F7A74851}"/>
+              </a:ext>
+            </a:extLst>
+          </p:cNvPr>
+          <p:cNvPicPr>
+            <a:picLocks noChangeAspect="1" noChangeArrowheads="1"/>
+          </p:cNvPicPr>
+          <p:nvPr/>
+        </p:nvPicPr>
+        <p:blipFill>
+          <a:blip r:embed="rId2">
+            <a:extLst>
+              <a:ext uri="{28A0092B-C50C-407E-A947-70E740481C1C}">
+                <a14:useLocalDpi xmlns:a14="http://schemas.microsoft.com/office/drawing/2010/main" val="0"/>
+              </a:ext>
+            </a:extLst>
+          </a:blip>
+          <a:srcRect/>
+          <a:stretch>
+            <a:fillRect/>
+          </a:stretch>
+        </p:blipFill>
+        <p:spPr bwMode="auto">
+          <a:xfrm>
+            <a:off x="72989" y="1328125"/>
+            <a:ext cx="4092093" cy="2888536"/>
+          </a:xfrm>
+          <a:prstGeom prst="rect">
+            <a:avLst/>
+          </a:prstGeom>
+          <a:noFill/>
+          <a:extLst>
+            <a:ext uri="{909E8E84-426E-40DD-AFC4-6F175D3DCCD1}">
+              <a14:hiddenFill xmlns:a14="http://schemas.microsoft.com/office/drawing/2010/main">
+                <a:solidFill>
+                  <a:srgbClr val="FFFFFF"/>
+                </a:solidFill>
+              </a14:hiddenFill>
+            </a:ext>
+          </a:extLst>
+        </p:spPr>
+      </p:pic>
+      <p:pic>
+        <p:nvPicPr>
+          <p:cNvPr id="6158" name="Picture 14">
+            <a:extLst>
+              <a:ext uri="{FF2B5EF4-FFF2-40B4-BE49-F238E27FC236}">
+                <a16:creationId xmlns:a16="http://schemas.microsoft.com/office/drawing/2014/main" id="{9785B7B8-0D34-B405-1A93-6A238781A777}"/>
+              </a:ext>
+            </a:extLst>
+          </p:cNvPr>
+          <p:cNvPicPr>
+            <a:picLocks noChangeAspect="1" noChangeArrowheads="1"/>
+          </p:cNvPicPr>
+          <p:nvPr/>
+        </p:nvPicPr>
+        <p:blipFill>
+          <a:blip r:embed="rId3">
+            <a:extLst>
+              <a:ext uri="{28A0092B-C50C-407E-A947-70E740481C1C}">
+                <a14:useLocalDpi xmlns:a14="http://schemas.microsoft.com/office/drawing/2010/main" val="0"/>
+              </a:ext>
+            </a:extLst>
+          </a:blip>
+          <a:srcRect/>
+          <a:stretch>
+            <a:fillRect/>
+          </a:stretch>
+        </p:blipFill>
+        <p:spPr bwMode="auto">
+          <a:xfrm>
+            <a:off x="3852310" y="1399356"/>
+            <a:ext cx="4229100" cy="2888536"/>
+          </a:xfrm>
+          <a:prstGeom prst="rect">
+            <a:avLst/>
+          </a:prstGeom>
+          <a:noFill/>
+          <a:extLst>
+            <a:ext uri="{909E8E84-426E-40DD-AFC4-6F175D3DCCD1}">
+              <a14:hiddenFill xmlns:a14="http://schemas.microsoft.com/office/drawing/2010/main">
+                <a:solidFill>
+                  <a:srgbClr val="FFFFFF"/>
+                </a:solidFill>
+              </a14:hiddenFill>
+            </a:ext>
+          </a:extLst>
+        </p:spPr>
+      </p:pic>
+      <p:pic>
+        <p:nvPicPr>
+          <p:cNvPr id="6160" name="Picture 16">
+            <a:extLst>
+              <a:ext uri="{FF2B5EF4-FFF2-40B4-BE49-F238E27FC236}">
+                <a16:creationId xmlns:a16="http://schemas.microsoft.com/office/drawing/2014/main" id="{E840336D-5573-74E5-54E1-1075856E3062}"/>
+              </a:ext>
+            </a:extLst>
+          </p:cNvPr>
+          <p:cNvPicPr>
+            <a:picLocks noChangeAspect="1" noChangeArrowheads="1"/>
+          </p:cNvPicPr>
+          <p:nvPr/>
+        </p:nvPicPr>
+        <p:blipFill>
+          <a:blip r:embed="rId4">
+            <a:extLst>
+              <a:ext uri="{28A0092B-C50C-407E-A947-70E740481C1C}">
+                <a14:useLocalDpi xmlns:a14="http://schemas.microsoft.com/office/drawing/2010/main" val="0"/>
+              </a:ext>
+            </a:extLst>
+          </a:blip>
+          <a:srcRect/>
+          <a:stretch>
+            <a:fillRect/>
+          </a:stretch>
+        </p:blipFill>
+        <p:spPr bwMode="auto">
+          <a:xfrm>
+            <a:off x="7799935" y="1392217"/>
+            <a:ext cx="4229100" cy="2888536"/>
+          </a:xfrm>
+          <a:prstGeom prst="rect">
+            <a:avLst/>
+          </a:prstGeom>
+          <a:noFill/>
+          <a:extLst>
+            <a:ext uri="{909E8E84-426E-40DD-AFC4-6F175D3DCCD1}">
+              <a14:hiddenFill xmlns:a14="http://schemas.microsoft.com/office/drawing/2010/main">
+                <a:solidFill>
+                  <a:srgbClr val="FFFFFF"/>
+                </a:solidFill>
+              </a14:hiddenFill>
+            </a:ext>
+          </a:extLst>
+        </p:spPr>
+      </p:pic>
+      <p:pic>
+        <p:nvPicPr>
+          <p:cNvPr id="6168" name="Picture 24">
+            <a:extLst>
+              <a:ext uri="{FF2B5EF4-FFF2-40B4-BE49-F238E27FC236}">
+                <a16:creationId xmlns:a16="http://schemas.microsoft.com/office/drawing/2014/main" id="{2C32E396-7AA5-ADC5-E584-4CC4CF1A722B}"/>
+              </a:ext>
+            </a:extLst>
+          </p:cNvPr>
+          <p:cNvPicPr>
+            <a:picLocks noChangeAspect="1" noChangeArrowheads="1"/>
+          </p:cNvPicPr>
+          <p:nvPr/>
+        </p:nvPicPr>
+        <p:blipFill>
+          <a:blip r:embed="rId5">
+            <a:extLst>
+              <a:ext uri="{28A0092B-C50C-407E-A947-70E740481C1C}">
+                <a14:useLocalDpi xmlns:a14="http://schemas.microsoft.com/office/drawing/2010/main" val="0"/>
+              </a:ext>
+            </a:extLst>
+          </a:blip>
+          <a:srcRect/>
+          <a:stretch>
+            <a:fillRect/>
+          </a:stretch>
+        </p:blipFill>
+        <p:spPr bwMode="auto">
+          <a:xfrm>
+            <a:off x="64744" y="4085606"/>
+            <a:ext cx="4092094" cy="2888537"/>
+          </a:xfrm>
+          <a:prstGeom prst="rect">
+            <a:avLst/>
+          </a:prstGeom>
+          <a:noFill/>
+          <a:extLst>
+            <a:ext uri="{909E8E84-426E-40DD-AFC4-6F175D3DCCD1}">
+              <a14:hiddenFill xmlns:a14="http://schemas.microsoft.com/office/drawing/2010/main">
+                <a:solidFill>
+                  <a:srgbClr val="FFFFFF"/>
+                </a:solidFill>
+              </a14:hiddenFill>
+            </a:ext>
+          </a:extLst>
+        </p:spPr>
+      </p:pic>
+      <p:pic>
+        <p:nvPicPr>
+          <p:cNvPr id="6170" name="Picture 26">
+            <a:extLst>
+              <a:ext uri="{FF2B5EF4-FFF2-40B4-BE49-F238E27FC236}">
+                <a16:creationId xmlns:a16="http://schemas.microsoft.com/office/drawing/2014/main" id="{AEEB9239-CE4B-7EB5-7765-4F515AD53B9B}"/>
+              </a:ext>
+            </a:extLst>
+          </p:cNvPr>
+          <p:cNvPicPr>
+            <a:picLocks noChangeAspect="1" noChangeArrowheads="1"/>
+          </p:cNvPicPr>
+          <p:nvPr/>
+        </p:nvPicPr>
+        <p:blipFill>
+          <a:blip r:embed="rId6">
+            <a:extLst>
+              <a:ext uri="{28A0092B-C50C-407E-A947-70E740481C1C}">
+                <a14:useLocalDpi xmlns:a14="http://schemas.microsoft.com/office/drawing/2010/main" val="0"/>
+              </a:ext>
+            </a:extLst>
+          </a:blip>
+          <a:srcRect/>
+          <a:stretch>
+            <a:fillRect/>
+          </a:stretch>
+        </p:blipFill>
+        <p:spPr bwMode="auto">
+          <a:xfrm>
+            <a:off x="3806063" y="4179610"/>
+            <a:ext cx="4229101" cy="2888537"/>
+          </a:xfrm>
+          <a:prstGeom prst="rect">
+            <a:avLst/>
+          </a:prstGeom>
+          <a:noFill/>
+          <a:extLst>
+            <a:ext uri="{909E8E84-426E-40DD-AFC4-6F175D3DCCD1}">
+              <a14:hiddenFill xmlns:a14="http://schemas.microsoft.com/office/drawing/2010/main">
+                <a:solidFill>
+                  <a:srgbClr val="FFFFFF"/>
+                </a:solidFill>
+              </a14:hiddenFill>
+            </a:ext>
+          </a:extLst>
+        </p:spPr>
+      </p:pic>
+      <p:pic>
+        <p:nvPicPr>
+          <p:cNvPr id="6172" name="Picture 28">
+            <a:extLst>
+              <a:ext uri="{FF2B5EF4-FFF2-40B4-BE49-F238E27FC236}">
+                <a16:creationId xmlns:a16="http://schemas.microsoft.com/office/drawing/2014/main" id="{F2D065A4-71B5-D857-3BC7-44FD6712F02F}"/>
+              </a:ext>
+            </a:extLst>
+          </p:cNvPr>
+          <p:cNvPicPr>
+            <a:picLocks noChangeAspect="1" noChangeArrowheads="1"/>
+          </p:cNvPicPr>
+          <p:nvPr/>
+        </p:nvPicPr>
+        <p:blipFill>
+          <a:blip r:embed="rId7">
+            <a:extLst>
+              <a:ext uri="{28A0092B-C50C-407E-A947-70E740481C1C}">
+                <a14:useLocalDpi xmlns:a14="http://schemas.microsoft.com/office/drawing/2010/main" val="0"/>
+              </a:ext>
+            </a:extLst>
+          </a:blip>
+          <a:srcRect/>
+          <a:stretch>
+            <a:fillRect/>
+          </a:stretch>
+        </p:blipFill>
+        <p:spPr bwMode="auto">
+          <a:xfrm>
+            <a:off x="7764514" y="4172471"/>
+            <a:ext cx="4229100" cy="2888536"/>
+          </a:xfrm>
+          <a:prstGeom prst="rect">
+            <a:avLst/>
+          </a:prstGeom>
+          <a:noFill/>
+          <a:extLst>
+            <a:ext uri="{909E8E84-426E-40DD-AFC4-6F175D3DCCD1}">
+              <a14:hiddenFill xmlns:a14="http://schemas.microsoft.com/office/drawing/2010/main">
+                <a:solidFill>
+                  <a:srgbClr val="FFFFFF"/>
+                </a:solidFill>
+              </a14:hiddenFill>
+            </a:ext>
+          </a:extLst>
+        </p:spPr>
+      </p:pic>
+      <p:pic>
+        <p:nvPicPr>
+          <p:cNvPr id="6174" name="Picture 30">
+            <a:extLst>
+              <a:ext uri="{FF2B5EF4-FFF2-40B4-BE49-F238E27FC236}">
+                <a16:creationId xmlns:a16="http://schemas.microsoft.com/office/drawing/2014/main" id="{82465C1E-4874-B42D-A97A-025269A3DAF0}"/>
+              </a:ext>
+            </a:extLst>
+          </p:cNvPr>
+          <p:cNvPicPr>
+            <a:picLocks noChangeAspect="1" noChangeArrowheads="1"/>
+          </p:cNvPicPr>
+          <p:nvPr/>
+        </p:nvPicPr>
+        <p:blipFill>
+          <a:blip r:embed="rId8">
+            <a:extLst>
+              <a:ext uri="{28A0092B-C50C-407E-A947-70E740481C1C}">
+                <a14:useLocalDpi xmlns:a14="http://schemas.microsoft.com/office/drawing/2010/main" val="0"/>
+              </a:ext>
+            </a:extLst>
+          </a:blip>
+          <a:srcRect/>
+          <a:stretch>
+            <a:fillRect/>
+          </a:stretch>
+        </p:blipFill>
+        <p:spPr bwMode="auto">
+          <a:xfrm>
+            <a:off x="7764514" y="85529"/>
+            <a:ext cx="4229100" cy="1266825"/>
+          </a:xfrm>
+          <a:prstGeom prst="rect">
+            <a:avLst/>
+          </a:prstGeom>
+          <a:noFill/>
+          <a:extLst>
+            <a:ext uri="{909E8E84-426E-40DD-AFC4-6F175D3DCCD1}">
+              <a14:hiddenFill xmlns:a14="http://schemas.microsoft.com/office/drawing/2010/main">
+                <a:solidFill>
+                  <a:srgbClr val="FFFFFF"/>
+                </a:solidFill>
+              </a14:hiddenFill>
+            </a:ext>
+          </a:extLst>
+        </p:spPr>
+      </p:pic>
+    </p:spTree>
+    <p:extLst>
+      <p:ext uri="{BB962C8B-B14F-4D97-AF65-F5344CB8AC3E}">
+        <p14:creationId xmlns:p14="http://schemas.microsoft.com/office/powerpoint/2010/main" val="4144280001"/>
+      </p:ext>
+    </p:extLst>
+  </p:cSld>
+  <p:clrMapOvr>
+    <a:masterClrMapping/>
+  </p:clrMapOvr>
+</p:sld>
+</file>
+
+<file path=ppt/slides/slide13.xml><?xml version="1.0" encoding="utf-8"?>
+<p:sld xmlns:a="http://schemas.openxmlformats.org/drawingml/2006/main" xmlns:r="http://schemas.openxmlformats.org/officeDocument/2006/relationships" xmlns:p="http://schemas.openxmlformats.org/presentationml/2006/main">
+  <p:cSld>
+    <p:spTree>
+      <p:nvGrpSpPr>
+        <p:cNvPr id="1" name=""/>
+        <p:cNvGrpSpPr/>
+        <p:nvPr/>
+      </p:nvGrpSpPr>
+      <p:grpSpPr>
+        <a:xfrm>
+          <a:off x="0" y="0"/>
+          <a:ext cx="0" cy="0"/>
+          <a:chOff x="0" y="0"/>
+          <a:chExt cx="0" cy="0"/>
+        </a:xfrm>
+      </p:grpSpPr>
+      <p:sp>
+        <p:nvSpPr>
+          <p:cNvPr id="5" name="Title 1">
+            <a:extLst>
+              <a:ext uri="{FF2B5EF4-FFF2-40B4-BE49-F238E27FC236}">
+                <a16:creationId xmlns:a16="http://schemas.microsoft.com/office/drawing/2014/main" id="{182CB139-15D8-1920-6A2D-6B3F72DD203F}"/>
+              </a:ext>
+            </a:extLst>
+          </p:cNvPr>
+          <p:cNvSpPr>
+            <a:spLocks noGrp="1"/>
+          </p:cNvSpPr>
+          <p:nvPr>
+            <p:ph type="title"/>
+          </p:nvPr>
+        </p:nvSpPr>
+        <p:spPr>
+          <a:xfrm>
+            <a:off x="444138" y="528737"/>
+            <a:ext cx="8898646" cy="755905"/>
+          </a:xfrm>
+        </p:spPr>
+        <p:txBody>
+          <a:bodyPr anchor="b">
+            <a:normAutofit/>
+          </a:bodyPr>
+          <a:lstStyle/>
+          <a:p>
+            <a:r>
+              <a:rPr lang="en-US" altLang="ko-KR" sz="4800"/>
+              <a:t>LPP R0462</a:t>
+            </a:r>
+            <a:endParaRPr lang="ko-KR" altLang="en-US" sz="4800"/>
+          </a:p>
+        </p:txBody>
+      </p:sp>
+      <p:sp>
+        <p:nvSpPr>
+          <p:cNvPr id="6" name="TextBox 5">
+            <a:extLst>
+              <a:ext uri="{FF2B5EF4-FFF2-40B4-BE49-F238E27FC236}">
+                <a16:creationId xmlns:a16="http://schemas.microsoft.com/office/drawing/2014/main" id="{5B823DD7-BC67-3E38-B2CD-69C20189E0CB}"/>
+              </a:ext>
+            </a:extLst>
+          </p:cNvPr>
+          <p:cNvSpPr txBox="1"/>
+          <p:nvPr/>
+        </p:nvSpPr>
+        <p:spPr>
+          <a:xfrm>
+            <a:off x="3666843" y="911277"/>
+            <a:ext cx="1781257" cy="369332"/>
+          </a:xfrm>
+          <a:prstGeom prst="rect">
+            <a:avLst/>
+          </a:prstGeom>
+          <a:noFill/>
+        </p:spPr>
+        <p:txBody>
+          <a:bodyPr wrap="none" rtlCol="0">
+            <a:spAutoFit/>
+          </a:bodyPr>
+          <a:lstStyle/>
+          <a:p>
+            <a:r>
+              <a:rPr lang="en-US" altLang="ko-KR"/>
+              <a:t>scale = 200 µv </a:t>
+            </a:r>
+            <a:endParaRPr lang="ko-KR" altLang="en-US"/>
+          </a:p>
+        </p:txBody>
+      </p:sp>
+      <p:pic>
+        <p:nvPicPr>
+          <p:cNvPr id="5126" name="Picture 6">
+            <a:extLst>
+              <a:ext uri="{FF2B5EF4-FFF2-40B4-BE49-F238E27FC236}">
+                <a16:creationId xmlns:a16="http://schemas.microsoft.com/office/drawing/2014/main" id="{8B0D339C-ADD3-4DE1-F6C4-E84B6A2A35D6}"/>
+              </a:ext>
+            </a:extLst>
+          </p:cNvPr>
+          <p:cNvPicPr>
+            <a:picLocks noChangeAspect="1" noChangeArrowheads="1"/>
+          </p:cNvPicPr>
+          <p:nvPr/>
+        </p:nvPicPr>
+        <p:blipFill>
+          <a:blip r:embed="rId2">
+            <a:extLst>
+              <a:ext uri="{28A0092B-C50C-407E-A947-70E740481C1C}">
+                <a14:useLocalDpi xmlns:a14="http://schemas.microsoft.com/office/drawing/2010/main" val="0"/>
+              </a:ext>
+            </a:extLst>
+          </a:blip>
+          <a:srcRect/>
+          <a:stretch>
+            <a:fillRect/>
+          </a:stretch>
+        </p:blipFill>
+        <p:spPr bwMode="auto">
+          <a:xfrm>
+            <a:off x="0" y="1280610"/>
+            <a:ext cx="3726340" cy="2630358"/>
+          </a:xfrm>
+          <a:prstGeom prst="rect">
+            <a:avLst/>
+          </a:prstGeom>
+          <a:noFill/>
+          <a:extLst>
+            <a:ext uri="{909E8E84-426E-40DD-AFC4-6F175D3DCCD1}">
+              <a14:hiddenFill xmlns:a14="http://schemas.microsoft.com/office/drawing/2010/main">
+                <a:solidFill>
+                  <a:srgbClr val="FFFFFF"/>
+                </a:solidFill>
+              </a14:hiddenFill>
+            </a:ext>
+          </a:extLst>
+        </p:spPr>
+      </p:pic>
+      <p:pic>
+        <p:nvPicPr>
+          <p:cNvPr id="5128" name="Picture 8">
+            <a:extLst>
+              <a:ext uri="{FF2B5EF4-FFF2-40B4-BE49-F238E27FC236}">
+                <a16:creationId xmlns:a16="http://schemas.microsoft.com/office/drawing/2014/main" id="{B6687AF6-67E5-387D-0547-266EF3C048F9}"/>
+              </a:ext>
+            </a:extLst>
+          </p:cNvPr>
+          <p:cNvPicPr>
+            <a:picLocks noChangeAspect="1" noChangeArrowheads="1"/>
+          </p:cNvPicPr>
+          <p:nvPr/>
+        </p:nvPicPr>
+        <p:blipFill>
+          <a:blip r:embed="rId3">
+            <a:extLst>
+              <a:ext uri="{28A0092B-C50C-407E-A947-70E740481C1C}">
+                <a14:useLocalDpi xmlns:a14="http://schemas.microsoft.com/office/drawing/2010/main" val="0"/>
+              </a:ext>
+            </a:extLst>
+          </a:blip>
+          <a:srcRect/>
+          <a:stretch>
+            <a:fillRect/>
+          </a:stretch>
+        </p:blipFill>
+        <p:spPr bwMode="auto">
+          <a:xfrm>
+            <a:off x="3926542" y="1316523"/>
+            <a:ext cx="3797450" cy="2593713"/>
+          </a:xfrm>
+          <a:prstGeom prst="rect">
+            <a:avLst/>
+          </a:prstGeom>
+          <a:noFill/>
+          <a:extLst>
+            <a:ext uri="{909E8E84-426E-40DD-AFC4-6F175D3DCCD1}">
+              <a14:hiddenFill xmlns:a14="http://schemas.microsoft.com/office/drawing/2010/main">
+                <a:solidFill>
+                  <a:srgbClr val="FFFFFF"/>
+                </a:solidFill>
+              </a14:hiddenFill>
+            </a:ext>
+          </a:extLst>
+        </p:spPr>
+      </p:pic>
+      <p:pic>
+        <p:nvPicPr>
+          <p:cNvPr id="5130" name="Picture 10">
+            <a:extLst>
+              <a:ext uri="{FF2B5EF4-FFF2-40B4-BE49-F238E27FC236}">
+                <a16:creationId xmlns:a16="http://schemas.microsoft.com/office/drawing/2014/main" id="{BBBF3A31-8D47-4554-127D-E249DB5A3FFF}"/>
+              </a:ext>
+            </a:extLst>
+          </p:cNvPr>
+          <p:cNvPicPr>
+            <a:picLocks noChangeAspect="1" noChangeArrowheads="1"/>
+          </p:cNvPicPr>
+          <p:nvPr/>
+        </p:nvPicPr>
+        <p:blipFill>
+          <a:blip r:embed="rId4">
+            <a:extLst>
+              <a:ext uri="{28A0092B-C50C-407E-A947-70E740481C1C}">
+                <a14:useLocalDpi xmlns:a14="http://schemas.microsoft.com/office/drawing/2010/main" val="0"/>
+              </a:ext>
+            </a:extLst>
+          </a:blip>
+          <a:srcRect/>
+          <a:stretch>
+            <a:fillRect/>
+          </a:stretch>
+        </p:blipFill>
+        <p:spPr bwMode="auto">
+          <a:xfrm>
+            <a:off x="7790169" y="1316523"/>
+            <a:ext cx="3797450" cy="2593713"/>
+          </a:xfrm>
+          <a:prstGeom prst="rect">
+            <a:avLst/>
+          </a:prstGeom>
+          <a:noFill/>
+          <a:extLst>
+            <a:ext uri="{909E8E84-426E-40DD-AFC4-6F175D3DCCD1}">
+              <a14:hiddenFill xmlns:a14="http://schemas.microsoft.com/office/drawing/2010/main">
+                <a:solidFill>
+                  <a:srgbClr val="FFFFFF"/>
+                </a:solidFill>
+              </a14:hiddenFill>
+            </a:ext>
+          </a:extLst>
+        </p:spPr>
+      </p:pic>
+      <p:pic>
+        <p:nvPicPr>
+          <p:cNvPr id="5132" name="Picture 12">
+            <a:extLst>
+              <a:ext uri="{FF2B5EF4-FFF2-40B4-BE49-F238E27FC236}">
+                <a16:creationId xmlns:a16="http://schemas.microsoft.com/office/drawing/2014/main" id="{1F86C3D8-6226-61EC-B0C1-56564B67CE86}"/>
+              </a:ext>
+            </a:extLst>
+          </p:cNvPr>
+          <p:cNvPicPr>
+            <a:picLocks noChangeAspect="1" noChangeArrowheads="1"/>
+          </p:cNvPicPr>
+          <p:nvPr/>
+        </p:nvPicPr>
+        <p:blipFill>
+          <a:blip r:embed="rId5">
+            <a:extLst>
+              <a:ext uri="{28A0092B-C50C-407E-A947-70E740481C1C}">
+                <a14:useLocalDpi xmlns:a14="http://schemas.microsoft.com/office/drawing/2010/main" val="0"/>
+              </a:ext>
+            </a:extLst>
+          </a:blip>
+          <a:srcRect/>
+          <a:stretch>
+            <a:fillRect/>
+          </a:stretch>
+        </p:blipFill>
+        <p:spPr bwMode="auto">
+          <a:xfrm>
+            <a:off x="-40620" y="3910236"/>
+            <a:ext cx="3797450" cy="2680553"/>
+          </a:xfrm>
+          <a:prstGeom prst="rect">
+            <a:avLst/>
+          </a:prstGeom>
+          <a:noFill/>
+          <a:extLst>
+            <a:ext uri="{909E8E84-426E-40DD-AFC4-6F175D3DCCD1}">
+              <a14:hiddenFill xmlns:a14="http://schemas.microsoft.com/office/drawing/2010/main">
+                <a:solidFill>
+                  <a:srgbClr val="FFFFFF"/>
+                </a:solidFill>
+              </a14:hiddenFill>
+            </a:ext>
+          </a:extLst>
+        </p:spPr>
+      </p:pic>
+      <p:pic>
+        <p:nvPicPr>
+          <p:cNvPr id="5134" name="Picture 14">
+            <a:extLst>
+              <a:ext uri="{FF2B5EF4-FFF2-40B4-BE49-F238E27FC236}">
+                <a16:creationId xmlns:a16="http://schemas.microsoft.com/office/drawing/2014/main" id="{A68D82D3-243A-918C-3E3F-1D31CAD8E130}"/>
+              </a:ext>
+            </a:extLst>
+          </p:cNvPr>
+          <p:cNvPicPr>
+            <a:picLocks noChangeAspect="1" noChangeArrowheads="1"/>
+          </p:cNvPicPr>
+          <p:nvPr/>
+        </p:nvPicPr>
+        <p:blipFill>
+          <a:blip r:embed="rId6">
+            <a:extLst>
+              <a:ext uri="{28A0092B-C50C-407E-A947-70E740481C1C}">
+                <a14:useLocalDpi xmlns:a14="http://schemas.microsoft.com/office/drawing/2010/main" val="0"/>
+              </a:ext>
+            </a:extLst>
+          </a:blip>
+          <a:srcRect/>
+          <a:stretch>
+            <a:fillRect/>
+          </a:stretch>
+        </p:blipFill>
+        <p:spPr bwMode="auto">
+          <a:xfrm>
+            <a:off x="3814159" y="3933677"/>
+            <a:ext cx="3976010" cy="2715672"/>
+          </a:xfrm>
+          <a:prstGeom prst="rect">
+            <a:avLst/>
+          </a:prstGeom>
+          <a:noFill/>
+          <a:extLst>
+            <a:ext uri="{909E8E84-426E-40DD-AFC4-6F175D3DCCD1}">
+              <a14:hiddenFill xmlns:a14="http://schemas.microsoft.com/office/drawing/2010/main">
+                <a:solidFill>
+                  <a:srgbClr val="FFFFFF"/>
+                </a:solidFill>
+              </a14:hiddenFill>
+            </a:ext>
+          </a:extLst>
+        </p:spPr>
+      </p:pic>
+      <p:pic>
+        <p:nvPicPr>
+          <p:cNvPr id="5136" name="Picture 16">
+            <a:extLst>
+              <a:ext uri="{FF2B5EF4-FFF2-40B4-BE49-F238E27FC236}">
+                <a16:creationId xmlns:a16="http://schemas.microsoft.com/office/drawing/2014/main" id="{DECE3B44-7141-7647-3A32-D2BE775AE4E7}"/>
+              </a:ext>
+            </a:extLst>
+          </p:cNvPr>
+          <p:cNvPicPr>
+            <a:picLocks noChangeAspect="1" noChangeArrowheads="1"/>
+          </p:cNvPicPr>
+          <p:nvPr/>
+        </p:nvPicPr>
+        <p:blipFill>
+          <a:blip r:embed="rId7">
+            <a:extLst>
+              <a:ext uri="{28A0092B-C50C-407E-A947-70E740481C1C}">
+                <a14:useLocalDpi xmlns:a14="http://schemas.microsoft.com/office/drawing/2010/main" val="0"/>
+              </a:ext>
+            </a:extLst>
+          </a:blip>
+          <a:srcRect/>
+          <a:stretch>
+            <a:fillRect/>
+          </a:stretch>
+        </p:blipFill>
+        <p:spPr bwMode="auto">
+          <a:xfrm>
+            <a:off x="7790169" y="3945919"/>
+            <a:ext cx="3898975" cy="2663056"/>
+          </a:xfrm>
+          <a:prstGeom prst="rect">
+            <a:avLst/>
+          </a:prstGeom>
+          <a:noFill/>
+          <a:extLst>
+            <a:ext uri="{909E8E84-426E-40DD-AFC4-6F175D3DCCD1}">
+              <a14:hiddenFill xmlns:a14="http://schemas.microsoft.com/office/drawing/2010/main">
+                <a:solidFill>
+                  <a:srgbClr val="FFFFFF"/>
+                </a:solidFill>
+              </a14:hiddenFill>
+            </a:ext>
+          </a:extLst>
+        </p:spPr>
+      </p:pic>
+      <p:pic>
+        <p:nvPicPr>
+          <p:cNvPr id="5138" name="Picture 18">
+            <a:extLst>
+              <a:ext uri="{FF2B5EF4-FFF2-40B4-BE49-F238E27FC236}">
+                <a16:creationId xmlns:a16="http://schemas.microsoft.com/office/drawing/2014/main" id="{297ABC0A-911B-CFD4-F062-3EBA67123E01}"/>
+              </a:ext>
+            </a:extLst>
+          </p:cNvPr>
+          <p:cNvPicPr>
+            <a:picLocks noChangeAspect="1" noChangeArrowheads="1"/>
+          </p:cNvPicPr>
+          <p:nvPr/>
+        </p:nvPicPr>
+        <p:blipFill>
+          <a:blip r:embed="rId8">
+            <a:extLst>
+              <a:ext uri="{28A0092B-C50C-407E-A947-70E740481C1C}">
+                <a14:useLocalDpi xmlns:a14="http://schemas.microsoft.com/office/drawing/2010/main" val="0"/>
+              </a:ext>
+            </a:extLst>
+          </a:blip>
+          <a:srcRect/>
+          <a:stretch>
+            <a:fillRect/>
+          </a:stretch>
+        </p:blipFill>
+        <p:spPr bwMode="auto">
+          <a:xfrm>
+            <a:off x="7790169" y="49698"/>
+            <a:ext cx="4229100" cy="1266825"/>
+          </a:xfrm>
+          <a:prstGeom prst="rect">
+            <a:avLst/>
+          </a:prstGeom>
+          <a:noFill/>
+          <a:extLst>
+            <a:ext uri="{909E8E84-426E-40DD-AFC4-6F175D3DCCD1}">
+              <a14:hiddenFill xmlns:a14="http://schemas.microsoft.com/office/drawing/2010/main">
+                <a:solidFill>
+                  <a:srgbClr val="FFFFFF"/>
+                </a:solidFill>
+              </a14:hiddenFill>
+            </a:ext>
+          </a:extLst>
+        </p:spPr>
+      </p:pic>
+    </p:spTree>
+    <p:extLst>
+      <p:ext uri="{BB962C8B-B14F-4D97-AF65-F5344CB8AC3E}">
+        <p14:creationId xmlns:p14="http://schemas.microsoft.com/office/powerpoint/2010/main" val="1867623330"/>
+      </p:ext>
+    </p:extLst>
+  </p:cSld>
+  <p:clrMapOvr>
+    <a:masterClrMapping/>
+  </p:clrMapOvr>
+</p:sld>
+</file>
+
+<file path=ppt/slides/slide14.xml><?xml version="1.0" encoding="utf-8"?>
+<p:sld xmlns:a="http://schemas.openxmlformats.org/drawingml/2006/main" xmlns:r="http://schemas.openxmlformats.org/officeDocument/2006/relationships" xmlns:p="http://schemas.openxmlformats.org/presentationml/2006/main">
+  <p:cSld>
+    <p:spTree>
+      <p:nvGrpSpPr>
+        <p:cNvPr id="1" name=""/>
+        <p:cNvGrpSpPr/>
+        <p:nvPr/>
+      </p:nvGrpSpPr>
+      <p:grpSpPr>
+        <a:xfrm>
+          <a:off x="0" y="0"/>
+          <a:ext cx="0" cy="0"/>
+          <a:chOff x="0" y="0"/>
+          <a:chExt cx="0" cy="0"/>
+        </a:xfrm>
+      </p:grpSpPr>
+      <p:pic>
+        <p:nvPicPr>
+          <p:cNvPr id="7" name="Picture 6">
+            <a:extLst>
+              <a:ext uri="{FF2B5EF4-FFF2-40B4-BE49-F238E27FC236}">
+                <a16:creationId xmlns:a16="http://schemas.microsoft.com/office/drawing/2014/main" id="{5AE516A8-999B-2341-5E40-2BD10E29AEDD}"/>
+              </a:ext>
+            </a:extLst>
+          </p:cNvPr>
+          <p:cNvPicPr>
+            <a:picLocks noChangeAspect="1"/>
+          </p:cNvPicPr>
+          <p:nvPr/>
+        </p:nvPicPr>
+        <p:blipFill rotWithShape="1">
+          <a:blip r:embed="rId2"/>
+          <a:srcRect l="1992" t="29660" r="50000" b="25987"/>
+          <a:stretch/>
+        </p:blipFill>
+        <p:spPr>
+          <a:xfrm>
+            <a:off x="410547" y="1250301"/>
+            <a:ext cx="7818022" cy="4926565"/>
+          </a:xfrm>
+          <a:prstGeom prst="rect">
+            <a:avLst/>
+          </a:prstGeom>
+        </p:spPr>
+      </p:pic>
+      <p:sp>
+        <p:nvSpPr>
+          <p:cNvPr id="8" name="TextBox 7">
+            <a:extLst>
+              <a:ext uri="{FF2B5EF4-FFF2-40B4-BE49-F238E27FC236}">
+                <a16:creationId xmlns:a16="http://schemas.microsoft.com/office/drawing/2014/main" id="{4F91E5D4-9478-12A1-1471-C78A88602DF2}"/>
+              </a:ext>
+            </a:extLst>
+          </p:cNvPr>
+          <p:cNvSpPr txBox="1"/>
+          <p:nvPr/>
+        </p:nvSpPr>
+        <p:spPr>
+          <a:xfrm>
+            <a:off x="9029700" y="1943100"/>
+            <a:ext cx="1351652" cy="369332"/>
+          </a:xfrm>
+          <a:prstGeom prst="rect">
+            <a:avLst/>
+          </a:prstGeom>
+          <a:noFill/>
+        </p:spPr>
+        <p:txBody>
+          <a:bodyPr wrap="none" rtlCol="0">
+            <a:spAutoFit/>
+          </a:bodyPr>
+          <a:lstStyle/>
+          <a:p>
+            <a:r>
+              <a:rPr lang="en-US" altLang="ko-KR"/>
+              <a:t>lag: 25ms?</a:t>
+            </a:r>
+            <a:endParaRPr lang="ko-KR" altLang="en-US"/>
+          </a:p>
+        </p:txBody>
+      </p:sp>
+    </p:spTree>
+    <p:extLst>
+      <p:ext uri="{BB962C8B-B14F-4D97-AF65-F5344CB8AC3E}">
+        <p14:creationId xmlns:p14="http://schemas.microsoft.com/office/powerpoint/2010/main" val="3395026125"/>
+      </p:ext>
+    </p:extLst>
+  </p:cSld>
+  <p:clrMapOvr>
+    <a:masterClrMapping/>
+  </p:clrMapOvr>
+</p:sld>
+</file>
+
+<file path=ppt/slides/slide15.xml><?xml version="1.0" encoding="utf-8"?>
+<p:sld xmlns:a="http://schemas.openxmlformats.org/drawingml/2006/main" xmlns:r="http://schemas.openxmlformats.org/officeDocument/2006/relationships" xmlns:p="http://schemas.openxmlformats.org/presentationml/2006/main">
+  <p:cSld>
+    <p:spTree>
+      <p:nvGrpSpPr>
+        <p:cNvPr id="1" name=""/>
+        <p:cNvGrpSpPr/>
+        <p:nvPr/>
+      </p:nvGrpSpPr>
+      <p:grpSpPr>
+        <a:xfrm>
+          <a:off x="0" y="0"/>
+          <a:ext cx="0" cy="0"/>
+          <a:chOff x="0" y="0"/>
+          <a:chExt cx="0" cy="0"/>
+        </a:xfrm>
+      </p:grpSpPr>
+      <p:sp>
+        <p:nvSpPr>
+          <p:cNvPr id="2" name="Title 1">
+            <a:extLst>
+              <a:ext uri="{FF2B5EF4-FFF2-40B4-BE49-F238E27FC236}">
+                <a16:creationId xmlns:a16="http://schemas.microsoft.com/office/drawing/2014/main" id="{4028258A-820B-A538-BF5A-873E2E7E77FC}"/>
+              </a:ext>
+            </a:extLst>
+          </p:cNvPr>
+          <p:cNvSpPr>
+            <a:spLocks noGrp="1"/>
+          </p:cNvSpPr>
+          <p:nvPr>
+            <p:ph type="title"/>
+          </p:nvPr>
+        </p:nvSpPr>
+        <p:spPr/>
+        <p:txBody>
+          <a:bodyPr/>
+          <a:lstStyle/>
+          <a:p>
+            <a:r>
+              <a:rPr lang="en-US" altLang="ko-KR"/>
+              <a:t>R0462: before/after shifting</a:t>
+            </a:r>
+            <a:endParaRPr lang="ko-KR" altLang="en-US"/>
+          </a:p>
+        </p:txBody>
+      </p:sp>
+      <p:pic>
+        <p:nvPicPr>
+          <p:cNvPr id="4" name="Picture 2">
+            <a:extLst>
+              <a:ext uri="{FF2B5EF4-FFF2-40B4-BE49-F238E27FC236}">
+                <a16:creationId xmlns:a16="http://schemas.microsoft.com/office/drawing/2014/main" id="{6D5C875F-2ECF-326D-AB86-F51E08EE4C8C}"/>
+              </a:ext>
+            </a:extLst>
+          </p:cNvPr>
+          <p:cNvPicPr>
+            <a:picLocks noChangeAspect="1" noChangeArrowheads="1"/>
+          </p:cNvPicPr>
+          <p:nvPr/>
+        </p:nvPicPr>
+        <p:blipFill>
+          <a:blip r:embed="rId2">
+            <a:extLst>
+              <a:ext uri="{28A0092B-C50C-407E-A947-70E740481C1C}">
+                <a14:useLocalDpi xmlns:a14="http://schemas.microsoft.com/office/drawing/2010/main" val="0"/>
+              </a:ext>
+            </a:extLst>
+          </a:blip>
+          <a:srcRect/>
+          <a:stretch>
+            <a:fillRect/>
+          </a:stretch>
+        </p:blipFill>
+        <p:spPr bwMode="auto">
+          <a:xfrm>
+            <a:off x="1228344" y="4499811"/>
+            <a:ext cx="7872450" cy="2358189"/>
+          </a:xfrm>
+          <a:prstGeom prst="rect">
+            <a:avLst/>
+          </a:prstGeom>
+          <a:noFill/>
+          <a:extLst>
+            <a:ext uri="{909E8E84-426E-40DD-AFC4-6F175D3DCCD1}">
+              <a14:hiddenFill xmlns:a14="http://schemas.microsoft.com/office/drawing/2010/main">
+                <a:solidFill>
+                  <a:srgbClr val="FFFFFF"/>
+                </a:solidFill>
+              </a14:hiddenFill>
+            </a:ext>
+          </a:extLst>
+        </p:spPr>
+      </p:pic>
+      <p:pic>
+        <p:nvPicPr>
+          <p:cNvPr id="5" name="Picture 18">
+            <a:extLst>
+              <a:ext uri="{FF2B5EF4-FFF2-40B4-BE49-F238E27FC236}">
+                <a16:creationId xmlns:a16="http://schemas.microsoft.com/office/drawing/2014/main" id="{DE1DC3CA-63A0-64A9-0069-146B2986D4D4}"/>
+              </a:ext>
+            </a:extLst>
+          </p:cNvPr>
+          <p:cNvPicPr>
+            <a:picLocks noChangeAspect="1" noChangeArrowheads="1"/>
+          </p:cNvPicPr>
+          <p:nvPr/>
+        </p:nvPicPr>
+        <p:blipFill>
+          <a:blip r:embed="rId3">
+            <a:extLst>
+              <a:ext uri="{28A0092B-C50C-407E-A947-70E740481C1C}">
+                <a14:useLocalDpi xmlns:a14="http://schemas.microsoft.com/office/drawing/2010/main" val="0"/>
+              </a:ext>
+            </a:extLst>
+          </a:blip>
+          <a:srcRect/>
+          <a:stretch>
+            <a:fillRect/>
+          </a:stretch>
+        </p:blipFill>
+        <p:spPr bwMode="auto">
+          <a:xfrm>
+            <a:off x="1228344" y="1985211"/>
+            <a:ext cx="7872450" cy="2358189"/>
+          </a:xfrm>
+          <a:prstGeom prst="rect">
+            <a:avLst/>
+          </a:prstGeom>
+          <a:noFill/>
+          <a:extLst>
+            <a:ext uri="{909E8E84-426E-40DD-AFC4-6F175D3DCCD1}">
+              <a14:hiddenFill xmlns:a14="http://schemas.microsoft.com/office/drawing/2010/main">
+                <a:solidFill>
+                  <a:srgbClr val="FFFFFF"/>
+                </a:solidFill>
+              </a14:hiddenFill>
+            </a:ext>
+          </a:extLst>
+        </p:spPr>
+      </p:pic>
+    </p:spTree>
+    <p:extLst>
+      <p:ext uri="{BB962C8B-B14F-4D97-AF65-F5344CB8AC3E}">
+        <p14:creationId xmlns:p14="http://schemas.microsoft.com/office/powerpoint/2010/main" val="3587539396"/>
+      </p:ext>
+    </p:extLst>
+  </p:cSld>
+  <p:clrMapOvr>
+    <a:masterClrMapping/>
+  </p:clrMapOvr>
+</p:sld>
+</file>
+
 <file path=ppt/slides/slide2.xml><?xml version="1.0" encoding="utf-8"?>
+<p:sld xmlns:a="http://schemas.openxmlformats.org/drawingml/2006/main" xmlns:r="http://schemas.openxmlformats.org/officeDocument/2006/relationships" xmlns:p="http://schemas.openxmlformats.org/presentationml/2006/main">
+  <p:cSld>
+    <p:bg>
+      <p:bgPr>
+        <a:solidFill>
+          <a:schemeClr val="bg1"/>
+        </a:solidFill>
+        <a:effectLst/>
+      </p:bgPr>
+    </p:bg>
+    <p:spTree>
+      <p:nvGrpSpPr>
+        <p:cNvPr id="1" name=""/>
+        <p:cNvGrpSpPr/>
+        <p:nvPr/>
+      </p:nvGrpSpPr>
+      <p:grpSpPr>
+        <a:xfrm>
+          <a:off x="0" y="0"/>
+          <a:ext cx="0" cy="0"/>
+          <a:chOff x="0" y="0"/>
+          <a:chExt cx="0" cy="0"/>
+        </a:xfrm>
+      </p:grpSpPr>
+      <p:sp>
+        <p:nvSpPr>
+          <p:cNvPr id="10" name="Rectangle 9">
+            <a:extLst>
+              <a:ext uri="{FF2B5EF4-FFF2-40B4-BE49-F238E27FC236}">
+                <a16:creationId xmlns:a16="http://schemas.microsoft.com/office/drawing/2014/main" id="{B551C3B6-A0D6-43F6-9F68-13666CDA5C09}"/>
+              </a:ext>
+              <a:ext uri="{C183D7F6-B498-43B3-948B-1728B52AA6E4}">
+                <adec:decorative xmlns:adec="http://schemas.microsoft.com/office/drawing/2017/decorative" val="1"/>
+              </a:ext>
+            </a:extLst>
+          </p:cNvPr>
+          <p:cNvSpPr>
+            <a:spLocks noGrp="1" noRot="1" noChangeAspect="1" noMove="1" noResize="1" noEditPoints="1" noAdjustHandles="1" noChangeArrowheads="1" noChangeShapeType="1" noTextEdit="1"/>
+          </p:cNvSpPr>
+          <p:nvPr>
+            <p:extLst>
+              <p:ext uri="{386F3935-93C4-4BCD-93E2-E3B085C9AB24}">
+                <p16:designElem xmlns:p16="http://schemas.microsoft.com/office/powerpoint/2015/main" val="1"/>
+              </p:ext>
+            </p:extLst>
+          </p:nvPr>
+        </p:nvSpPr>
+        <p:spPr>
+          <a:xfrm>
+            <a:off x="1478322" y="709375"/>
+            <a:ext cx="10713675" cy="5419400"/>
+          </a:xfrm>
+          <a:prstGeom prst="rect">
+            <a:avLst/>
+          </a:prstGeom>
+          <a:solidFill>
+            <a:schemeClr val="bg1"/>
+          </a:solidFill>
+          <a:ln>
+            <a:noFill/>
+          </a:ln>
+        </p:spPr>
+        <p:style>
+          <a:lnRef idx="2">
+            <a:schemeClr val="accent1">
+              <a:shade val="50000"/>
+            </a:schemeClr>
+          </a:lnRef>
+          <a:fillRef idx="1">
+            <a:schemeClr val="accent1"/>
+          </a:fillRef>
+          <a:effectRef idx="0">
+            <a:schemeClr val="accent1"/>
+          </a:effectRef>
+          <a:fontRef idx="minor">
+            <a:schemeClr val="lt1"/>
+          </a:fontRef>
+        </p:style>
+        <p:txBody>
+          <a:bodyPr rtlCol="0" anchor="ctr"/>
+          <a:lstStyle/>
+          <a:p>
+            <a:pPr algn="ctr"/>
+            <a:endParaRPr lang="en-US"/>
+          </a:p>
+        </p:txBody>
+      </p:sp>
+      <p:sp useBgFill="1">
+        <p:nvSpPr>
+          <p:cNvPr id="12" name="Background Gray Rectangle">
+            <a:extLst>
+              <a:ext uri="{FF2B5EF4-FFF2-40B4-BE49-F238E27FC236}">
+                <a16:creationId xmlns:a16="http://schemas.microsoft.com/office/drawing/2014/main" id="{C2E786E4-A5E8-4249-B185-D4A082278895}"/>
+              </a:ext>
+              <a:ext uri="{C183D7F6-B498-43B3-948B-1728B52AA6E4}">
+                <adec:decorative xmlns:adec="http://schemas.microsoft.com/office/drawing/2017/decorative" val="1"/>
+              </a:ext>
+            </a:extLst>
+          </p:cNvPr>
+          <p:cNvSpPr>
+            <a:spLocks noGrp="1" noRot="1" noChangeAspect="1" noMove="1" noResize="1" noEditPoints="1" noAdjustHandles="1" noChangeArrowheads="1" noChangeShapeType="1" noTextEdit="1"/>
+          </p:cNvSpPr>
+          <p:nvPr>
+            <p:extLst>
+              <p:ext uri="{386F3935-93C4-4BCD-93E2-E3B085C9AB24}">
+                <p16:designElem xmlns:p16="http://schemas.microsoft.com/office/powerpoint/2015/main" val="1"/>
+              </p:ext>
+            </p:extLst>
+          </p:nvPr>
+        </p:nvSpPr>
+        <p:spPr>
+          <a:xfrm>
+            <a:off x="3048" y="-14198"/>
+            <a:ext cx="12188952" cy="6858000"/>
+          </a:xfrm>
+          <a:prstGeom prst="rect">
+            <a:avLst/>
+          </a:prstGeom>
+          <a:ln>
+            <a:noFill/>
+          </a:ln>
+        </p:spPr>
+        <p:style>
+          <a:lnRef idx="2">
+            <a:schemeClr val="accent1">
+              <a:shade val="50000"/>
+            </a:schemeClr>
+          </a:lnRef>
+          <a:fillRef idx="1">
+            <a:schemeClr val="accent1"/>
+          </a:fillRef>
+          <a:effectRef idx="0">
+            <a:schemeClr val="accent1"/>
+          </a:effectRef>
+          <a:fontRef idx="minor">
+            <a:schemeClr val="lt1"/>
+          </a:fontRef>
+        </p:style>
+        <p:txBody>
+          <a:bodyPr rtlCol="0" anchor="ctr"/>
+          <a:lstStyle>
+            <a:defPPr>
+              <a:defRPr lang="en-US"/>
+            </a:defPPr>
+            <a:lvl1pPr marL="0" algn="l" defTabSz="914400" rtl="0" eaLnBrk="1" latinLnBrk="0" hangingPunct="1">
+              <a:defRPr sz="1800" kern="1200">
+                <a:solidFill>
+                  <a:schemeClr val="lt1"/>
+                </a:solidFill>
+                <a:latin typeface="+mn-lt"/>
+                <a:ea typeface="+mn-ea"/>
+                <a:cs typeface="+mn-cs"/>
+              </a:defRPr>
+            </a:lvl1pPr>
+            <a:lvl2pPr marL="457200" algn="l" defTabSz="914400" rtl="0" eaLnBrk="1" latinLnBrk="0" hangingPunct="1">
+              <a:defRPr sz="1800" kern="1200">
+                <a:solidFill>
+                  <a:schemeClr val="lt1"/>
+                </a:solidFill>
+                <a:latin typeface="+mn-lt"/>
+                <a:ea typeface="+mn-ea"/>
+                <a:cs typeface="+mn-cs"/>
+              </a:defRPr>
+            </a:lvl2pPr>
+            <a:lvl3pPr marL="914400" algn="l" defTabSz="914400" rtl="0" eaLnBrk="1" latinLnBrk="0" hangingPunct="1">
+              <a:defRPr sz="1800" kern="1200">
+                <a:solidFill>
+                  <a:schemeClr val="lt1"/>
+                </a:solidFill>
+                <a:latin typeface="+mn-lt"/>
+                <a:ea typeface="+mn-ea"/>
+                <a:cs typeface="+mn-cs"/>
+              </a:defRPr>
+            </a:lvl3pPr>
+            <a:lvl4pPr marL="1371600" algn="l" defTabSz="914400" rtl="0" eaLnBrk="1" latinLnBrk="0" hangingPunct="1">
+              <a:defRPr sz="1800" kern="1200">
+                <a:solidFill>
+                  <a:schemeClr val="lt1"/>
+                </a:solidFill>
+                <a:latin typeface="+mn-lt"/>
+                <a:ea typeface="+mn-ea"/>
+                <a:cs typeface="+mn-cs"/>
+              </a:defRPr>
+            </a:lvl4pPr>
+            <a:lvl5pPr marL="1828800" algn="l" defTabSz="914400" rtl="0" eaLnBrk="1" latinLnBrk="0" hangingPunct="1">
+              <a:defRPr sz="1800" kern="1200">
+                <a:solidFill>
+                  <a:schemeClr val="lt1"/>
+                </a:solidFill>
+                <a:latin typeface="+mn-lt"/>
+                <a:ea typeface="+mn-ea"/>
+                <a:cs typeface="+mn-cs"/>
+              </a:defRPr>
+            </a:lvl5pPr>
+            <a:lvl6pPr marL="2286000" algn="l" defTabSz="914400" rtl="0" eaLnBrk="1" latinLnBrk="0" hangingPunct="1">
+              <a:defRPr sz="1800" kern="1200">
+                <a:solidFill>
+                  <a:schemeClr val="lt1"/>
+                </a:solidFill>
+                <a:latin typeface="+mn-lt"/>
+                <a:ea typeface="+mn-ea"/>
+                <a:cs typeface="+mn-cs"/>
+              </a:defRPr>
+            </a:lvl6pPr>
+            <a:lvl7pPr marL="2743200" algn="l" defTabSz="914400" rtl="0" eaLnBrk="1" latinLnBrk="0" hangingPunct="1">
+              <a:defRPr sz="1800" kern="1200">
+                <a:solidFill>
+                  <a:schemeClr val="lt1"/>
+                </a:solidFill>
+                <a:latin typeface="+mn-lt"/>
+                <a:ea typeface="+mn-ea"/>
+                <a:cs typeface="+mn-cs"/>
+              </a:defRPr>
+            </a:lvl7pPr>
+            <a:lvl8pPr marL="3200400" algn="l" defTabSz="914400" rtl="0" eaLnBrk="1" latinLnBrk="0" hangingPunct="1">
+              <a:defRPr sz="1800" kern="1200">
+                <a:solidFill>
+                  <a:schemeClr val="lt1"/>
+                </a:solidFill>
+                <a:latin typeface="+mn-lt"/>
+                <a:ea typeface="+mn-ea"/>
+                <a:cs typeface="+mn-cs"/>
+              </a:defRPr>
+            </a:lvl8pPr>
+            <a:lvl9pPr marL="3657600" algn="l" defTabSz="914400" rtl="0" eaLnBrk="1" latinLnBrk="0" hangingPunct="1">
+              <a:defRPr sz="1800" kern="1200">
+                <a:solidFill>
+                  <a:schemeClr val="lt1"/>
+                </a:solidFill>
+                <a:latin typeface="+mn-lt"/>
+                <a:ea typeface="+mn-ea"/>
+                <a:cs typeface="+mn-cs"/>
+              </a:defRPr>
+            </a:lvl9pPr>
+          </a:lstStyle>
+          <a:p>
+            <a:pPr algn="ctr"/>
+            <a:endParaRPr lang="en-US"/>
+          </a:p>
+        </p:txBody>
+      </p:sp>
+      <p:sp>
+        <p:nvSpPr>
+          <p:cNvPr id="14" name="Rectangle 13">
+            <a:extLst>
+              <a:ext uri="{FF2B5EF4-FFF2-40B4-BE49-F238E27FC236}">
+                <a16:creationId xmlns:a16="http://schemas.microsoft.com/office/drawing/2014/main" id="{DC0756A0-7714-494C-B70D-3EA1A23079C3}"/>
+              </a:ext>
+              <a:ext uri="{C183D7F6-B498-43B3-948B-1728B52AA6E4}">
+                <adec:decorative xmlns:adec="http://schemas.microsoft.com/office/drawing/2017/decorative" val="1"/>
+              </a:ext>
+            </a:extLst>
+          </p:cNvPr>
+          <p:cNvSpPr>
+            <a:spLocks noGrp="1" noRot="1" noChangeAspect="1" noMove="1" noResize="1" noEditPoints="1" noAdjustHandles="1" noChangeArrowheads="1" noChangeShapeType="1" noTextEdit="1"/>
+          </p:cNvSpPr>
+          <p:nvPr>
+            <p:extLst>
+              <p:ext uri="{386F3935-93C4-4BCD-93E2-E3B085C9AB24}">
+                <p16:designElem xmlns:p16="http://schemas.microsoft.com/office/powerpoint/2015/main" val="1"/>
+              </p:ext>
+            </p:extLst>
+          </p:nvPr>
+        </p:nvSpPr>
+        <p:spPr>
+          <a:xfrm>
+            <a:off x="1524" y="0"/>
+            <a:ext cx="12188952" cy="6858000"/>
+          </a:xfrm>
+          <a:prstGeom prst="rect">
+            <a:avLst/>
+          </a:prstGeom>
+          <a:solidFill>
+            <a:schemeClr val="bg2">
+              <a:alpha val="35000"/>
+            </a:schemeClr>
+          </a:solidFill>
+          <a:ln>
+            <a:noFill/>
+          </a:ln>
+        </p:spPr>
+        <p:style>
+          <a:lnRef idx="2">
+            <a:schemeClr val="accent1">
+              <a:shade val="50000"/>
+            </a:schemeClr>
+          </a:lnRef>
+          <a:fillRef idx="1">
+            <a:schemeClr val="accent1"/>
+          </a:fillRef>
+          <a:effectRef idx="0">
+            <a:schemeClr val="accent1"/>
+          </a:effectRef>
+          <a:fontRef idx="minor">
+            <a:schemeClr val="lt1"/>
+          </a:fontRef>
+        </p:style>
+        <p:txBody>
+          <a:bodyPr rtlCol="0" anchor="ctr"/>
+          <a:lstStyle>
+            <a:defPPr>
+              <a:defRPr lang="en-US"/>
+            </a:defPPr>
+            <a:lvl1pPr marL="0" algn="l" defTabSz="914400" rtl="0" eaLnBrk="1" latinLnBrk="0" hangingPunct="1">
+              <a:defRPr sz="1800" kern="1200">
+                <a:solidFill>
+                  <a:schemeClr val="lt1"/>
+                </a:solidFill>
+                <a:latin typeface="+mn-lt"/>
+                <a:ea typeface="+mn-ea"/>
+                <a:cs typeface="+mn-cs"/>
+              </a:defRPr>
+            </a:lvl1pPr>
+            <a:lvl2pPr marL="457200" algn="l" defTabSz="914400" rtl="0" eaLnBrk="1" latinLnBrk="0" hangingPunct="1">
+              <a:defRPr sz="1800" kern="1200">
+                <a:solidFill>
+                  <a:schemeClr val="lt1"/>
+                </a:solidFill>
+                <a:latin typeface="+mn-lt"/>
+                <a:ea typeface="+mn-ea"/>
+                <a:cs typeface="+mn-cs"/>
+              </a:defRPr>
+            </a:lvl2pPr>
+            <a:lvl3pPr marL="914400" algn="l" defTabSz="914400" rtl="0" eaLnBrk="1" latinLnBrk="0" hangingPunct="1">
+              <a:defRPr sz="1800" kern="1200">
+                <a:solidFill>
+                  <a:schemeClr val="lt1"/>
+                </a:solidFill>
+                <a:latin typeface="+mn-lt"/>
+                <a:ea typeface="+mn-ea"/>
+                <a:cs typeface="+mn-cs"/>
+              </a:defRPr>
+            </a:lvl3pPr>
+            <a:lvl4pPr marL="1371600" algn="l" defTabSz="914400" rtl="0" eaLnBrk="1" latinLnBrk="0" hangingPunct="1">
+              <a:defRPr sz="1800" kern="1200">
+                <a:solidFill>
+                  <a:schemeClr val="lt1"/>
+                </a:solidFill>
+                <a:latin typeface="+mn-lt"/>
+                <a:ea typeface="+mn-ea"/>
+                <a:cs typeface="+mn-cs"/>
+              </a:defRPr>
+            </a:lvl4pPr>
+            <a:lvl5pPr marL="1828800" algn="l" defTabSz="914400" rtl="0" eaLnBrk="1" latinLnBrk="0" hangingPunct="1">
+              <a:defRPr sz="1800" kern="1200">
+                <a:solidFill>
+                  <a:schemeClr val="lt1"/>
+                </a:solidFill>
+                <a:latin typeface="+mn-lt"/>
+                <a:ea typeface="+mn-ea"/>
+                <a:cs typeface="+mn-cs"/>
+              </a:defRPr>
+            </a:lvl5pPr>
+            <a:lvl6pPr marL="2286000" algn="l" defTabSz="914400" rtl="0" eaLnBrk="1" latinLnBrk="0" hangingPunct="1">
+              <a:defRPr sz="1800" kern="1200">
+                <a:solidFill>
+                  <a:schemeClr val="lt1"/>
+                </a:solidFill>
+                <a:latin typeface="+mn-lt"/>
+                <a:ea typeface="+mn-ea"/>
+                <a:cs typeface="+mn-cs"/>
+              </a:defRPr>
+            </a:lvl6pPr>
+            <a:lvl7pPr marL="2743200" algn="l" defTabSz="914400" rtl="0" eaLnBrk="1" latinLnBrk="0" hangingPunct="1">
+              <a:defRPr sz="1800" kern="1200">
+                <a:solidFill>
+                  <a:schemeClr val="lt1"/>
+                </a:solidFill>
+                <a:latin typeface="+mn-lt"/>
+                <a:ea typeface="+mn-ea"/>
+                <a:cs typeface="+mn-cs"/>
+              </a:defRPr>
+            </a:lvl7pPr>
+            <a:lvl8pPr marL="3200400" algn="l" defTabSz="914400" rtl="0" eaLnBrk="1" latinLnBrk="0" hangingPunct="1">
+              <a:defRPr sz="1800" kern="1200">
+                <a:solidFill>
+                  <a:schemeClr val="lt1"/>
+                </a:solidFill>
+                <a:latin typeface="+mn-lt"/>
+                <a:ea typeface="+mn-ea"/>
+                <a:cs typeface="+mn-cs"/>
+              </a:defRPr>
+            </a:lvl8pPr>
+            <a:lvl9pPr marL="3657600" algn="l" defTabSz="914400" rtl="0" eaLnBrk="1" latinLnBrk="0" hangingPunct="1">
+              <a:defRPr sz="1800" kern="1200">
+                <a:solidFill>
+                  <a:schemeClr val="lt1"/>
+                </a:solidFill>
+                <a:latin typeface="+mn-lt"/>
+                <a:ea typeface="+mn-ea"/>
+                <a:cs typeface="+mn-cs"/>
+              </a:defRPr>
+            </a:lvl9pPr>
+          </a:lstStyle>
+          <a:p>
+            <a:pPr algn="ctr"/>
+            <a:endParaRPr lang="en-US" dirty="0"/>
+          </a:p>
+        </p:txBody>
+      </p:sp>
+      <p:sp>
+        <p:nvSpPr>
+          <p:cNvPr id="16" name="Rectangle 15">
+            <a:extLst>
+              <a:ext uri="{FF2B5EF4-FFF2-40B4-BE49-F238E27FC236}">
+                <a16:creationId xmlns:a16="http://schemas.microsoft.com/office/drawing/2014/main" id="{93FB8294-5DA8-4320-95C0-2E49564FD666}"/>
+              </a:ext>
+              <a:ext uri="{C183D7F6-B498-43B3-948B-1728B52AA6E4}">
+                <adec:decorative xmlns:adec="http://schemas.microsoft.com/office/drawing/2017/decorative" val="1"/>
+              </a:ext>
+            </a:extLst>
+          </p:cNvPr>
+          <p:cNvSpPr>
+            <a:spLocks noGrp="1" noRot="1" noChangeAspect="1" noMove="1" noResize="1" noEditPoints="1" noAdjustHandles="1" noChangeArrowheads="1" noChangeShapeType="1" noTextEdit="1"/>
+          </p:cNvSpPr>
+          <p:nvPr>
+            <p:extLst>
+              <p:ext uri="{386F3935-93C4-4BCD-93E2-E3B085C9AB24}">
+                <p16:designElem xmlns:p16="http://schemas.microsoft.com/office/powerpoint/2015/main" val="1"/>
+              </p:ext>
+            </p:extLst>
+          </p:nvPr>
+        </p:nvSpPr>
+        <p:spPr>
+          <a:xfrm>
+            <a:off x="0" y="685800"/>
+            <a:ext cx="12190476" cy="5486400"/>
+          </a:xfrm>
+          <a:prstGeom prst="rect">
+            <a:avLst/>
+          </a:prstGeom>
+          <a:solidFill>
+            <a:schemeClr val="bg1"/>
+          </a:solidFill>
+          <a:ln>
+            <a:noFill/>
+          </a:ln>
+        </p:spPr>
+        <p:style>
+          <a:lnRef idx="2">
+            <a:schemeClr val="accent1">
+              <a:shade val="50000"/>
+            </a:schemeClr>
+          </a:lnRef>
+          <a:fillRef idx="1">
+            <a:schemeClr val="accent1"/>
+          </a:fillRef>
+          <a:effectRef idx="0">
+            <a:schemeClr val="accent1"/>
+          </a:effectRef>
+          <a:fontRef idx="minor">
+            <a:schemeClr val="lt1"/>
+          </a:fontRef>
+        </p:style>
+        <p:txBody>
+          <a:bodyPr rtlCol="0" anchor="ctr"/>
+          <a:lstStyle/>
+          <a:p>
+            <a:pPr algn="ctr"/>
+            <a:endParaRPr lang="en-US"/>
+          </a:p>
+        </p:txBody>
+      </p:sp>
+      <p:sp>
+        <p:nvSpPr>
+          <p:cNvPr id="4" name="Title 3">
+            <a:extLst>
+              <a:ext uri="{FF2B5EF4-FFF2-40B4-BE49-F238E27FC236}">
+                <a16:creationId xmlns:a16="http://schemas.microsoft.com/office/drawing/2014/main" id="{8D3A1DB5-99A0-E743-3C55-1B56C60D1252}"/>
+              </a:ext>
+            </a:extLst>
+          </p:cNvPr>
+          <p:cNvSpPr>
+            <a:spLocks noGrp="1"/>
+          </p:cNvSpPr>
+          <p:nvPr>
+            <p:ph type="title"/>
+          </p:nvPr>
+        </p:nvSpPr>
+        <p:spPr>
+          <a:xfrm>
+            <a:off x="1489039" y="691429"/>
+            <a:ext cx="9213920" cy="2737570"/>
+          </a:xfrm>
+        </p:spPr>
+        <p:txBody>
+          <a:bodyPr vert="horz" lIns="91440" tIns="45720" rIns="91440" bIns="45720" rtlCol="0" anchor="b">
+            <a:normAutofit/>
+          </a:bodyPr>
+          <a:lstStyle/>
+          <a:p>
+            <a:pPr algn="ctr"/>
+            <a:r>
+              <a:rPr lang="en-US" altLang="ko-KR" sz="5400"/>
+              <a:t>Alice</a:t>
+            </a:r>
+          </a:p>
+        </p:txBody>
+      </p:sp>
+      <p:sp>
+        <p:nvSpPr>
+          <p:cNvPr id="5" name="Text Placeholder 4">
+            <a:extLst>
+              <a:ext uri="{FF2B5EF4-FFF2-40B4-BE49-F238E27FC236}">
+                <a16:creationId xmlns:a16="http://schemas.microsoft.com/office/drawing/2014/main" id="{55401470-744F-E967-2B1E-DAABA6FD15EF}"/>
+              </a:ext>
+            </a:extLst>
+          </p:cNvPr>
+          <p:cNvSpPr>
+            <a:spLocks noGrp="1"/>
+          </p:cNvSpPr>
+          <p:nvPr>
+            <p:ph type="body" idx="1"/>
+          </p:nvPr>
+        </p:nvSpPr>
+        <p:spPr>
+          <a:xfrm>
+            <a:off x="1489039" y="3620467"/>
+            <a:ext cx="9213911" cy="2222280"/>
+          </a:xfrm>
+        </p:spPr>
+        <p:txBody>
+          <a:bodyPr vert="horz" lIns="91440" tIns="45720" rIns="91440" bIns="45720" rtlCol="0">
+            <a:normAutofit/>
+          </a:bodyPr>
+          <a:lstStyle/>
+          <a:p>
+            <a:pPr algn="ctr">
+              <a:lnSpc>
+                <a:spcPts val="3200"/>
+              </a:lnSpc>
+            </a:pPr>
+            <a:endParaRPr lang="en-US" altLang="ko-KR" sz="2400">
+              <a:solidFill>
+                <a:schemeClr val="tx2"/>
+              </a:solidFill>
+            </a:endParaRPr>
+          </a:p>
+        </p:txBody>
+      </p:sp>
+      <p:cxnSp>
+        <p:nvCxnSpPr>
+          <p:cNvPr id="18" name="Straight Connector 17">
+            <a:extLst>
+              <a:ext uri="{FF2B5EF4-FFF2-40B4-BE49-F238E27FC236}">
+                <a16:creationId xmlns:a16="http://schemas.microsoft.com/office/drawing/2014/main" id="{76ED57D7-3283-4111-8331-20D63B7CBB9E}"/>
+              </a:ext>
+              <a:ext uri="{C183D7F6-B498-43B3-948B-1728B52AA6E4}">
+                <adec:decorative xmlns:adec="http://schemas.microsoft.com/office/drawing/2017/decorative" val="1"/>
+              </a:ext>
+            </a:extLst>
+          </p:cNvPr>
+          <p:cNvCxnSpPr>
+            <a:cxnSpLocks noGrp="1" noRot="1" noChangeAspect="1" noMove="1" noResize="1" noEditPoints="1" noAdjustHandles="1" noChangeArrowheads="1" noChangeShapeType="1"/>
+          </p:cNvCxnSpPr>
+          <p:nvPr>
+            <p:extLst>
+              <p:ext uri="{386F3935-93C4-4BCD-93E2-E3B085C9AB24}">
+                <p16:designElem xmlns:p16="http://schemas.microsoft.com/office/powerpoint/2015/main" val="1"/>
+              </p:ext>
+            </p:extLst>
+          </p:nvPr>
+        </p:nvCxnSpPr>
+        <p:spPr>
+          <a:xfrm>
+            <a:off x="2959" y="680190"/>
+            <a:ext cx="12192000" cy="0"/>
+          </a:xfrm>
+          <a:prstGeom prst="line">
+            <a:avLst/>
+          </a:prstGeom>
+          <a:ln w="9525" cap="rnd">
+            <a:solidFill>
+              <a:srgbClr val="E729BF"/>
+            </a:solidFill>
+            <a:prstDash val="dash"/>
+          </a:ln>
+        </p:spPr>
+        <p:style>
+          <a:lnRef idx="1">
+            <a:schemeClr val="accent1"/>
+          </a:lnRef>
+          <a:fillRef idx="0">
+            <a:schemeClr val="accent1"/>
+          </a:fillRef>
+          <a:effectRef idx="0">
+            <a:schemeClr val="accent1"/>
+          </a:effectRef>
+          <a:fontRef idx="minor">
+            <a:schemeClr val="tx1"/>
+          </a:fontRef>
+        </p:style>
+      </p:cxnSp>
+      <p:cxnSp>
+        <p:nvCxnSpPr>
+          <p:cNvPr id="20" name="Straight Connector 19">
+            <a:extLst>
+              <a:ext uri="{FF2B5EF4-FFF2-40B4-BE49-F238E27FC236}">
+                <a16:creationId xmlns:a16="http://schemas.microsoft.com/office/drawing/2014/main" id="{0AF369D5-F994-4512-9823-1596D8F3AA8C}"/>
+              </a:ext>
+              <a:ext uri="{C183D7F6-B498-43B3-948B-1728B52AA6E4}">
+                <adec:decorative xmlns:adec="http://schemas.microsoft.com/office/drawing/2017/decorative" val="1"/>
+              </a:ext>
+            </a:extLst>
+          </p:cNvPr>
+          <p:cNvCxnSpPr>
+            <a:cxnSpLocks noGrp="1" noRot="1" noChangeAspect="1" noMove="1" noResize="1" noEditPoints="1" noAdjustHandles="1" noChangeArrowheads="1" noChangeShapeType="1"/>
+          </p:cNvCxnSpPr>
+          <p:nvPr>
+            <p:extLst>
+              <p:ext uri="{386F3935-93C4-4BCD-93E2-E3B085C9AB24}">
+                <p16:designElem xmlns:p16="http://schemas.microsoft.com/office/powerpoint/2015/main" val="1"/>
+              </p:ext>
+            </p:extLst>
+          </p:nvPr>
+        </p:nvCxnSpPr>
+        <p:spPr>
+          <a:xfrm>
+            <a:off x="1524" y="6172200"/>
+            <a:ext cx="12192000" cy="0"/>
+          </a:xfrm>
+          <a:prstGeom prst="line">
+            <a:avLst/>
+          </a:prstGeom>
+          <a:ln w="9525" cap="rnd">
+            <a:solidFill>
+              <a:srgbClr val="E729BF"/>
+            </a:solidFill>
+            <a:prstDash val="dash"/>
+          </a:ln>
+        </p:spPr>
+        <p:style>
+          <a:lnRef idx="1">
+            <a:schemeClr val="accent1"/>
+          </a:lnRef>
+          <a:fillRef idx="0">
+            <a:schemeClr val="accent1"/>
+          </a:fillRef>
+          <a:effectRef idx="0">
+            <a:schemeClr val="accent1"/>
+          </a:effectRef>
+          <a:fontRef idx="minor">
+            <a:schemeClr val="tx1"/>
+          </a:fontRef>
+        </p:style>
+      </p:cxnSp>
+    </p:spTree>
+    <p:extLst>
+      <p:ext uri="{BB962C8B-B14F-4D97-AF65-F5344CB8AC3E}">
+        <p14:creationId xmlns:p14="http://schemas.microsoft.com/office/powerpoint/2010/main" val="3258680463"/>
+      </p:ext>
+    </p:extLst>
+  </p:cSld>
+  <p:clrMapOvr>
+    <a:masterClrMapping/>
+  </p:clrMapOvr>
+</p:sld>
+</file>
+
+<file path=ppt/slides/slide3.xml><?xml version="1.0" encoding="utf-8"?>
 <p:sld xmlns:a="http://schemas.openxmlformats.org/drawingml/2006/main" xmlns:r="http://schemas.openxmlformats.org/officeDocument/2006/relationships" xmlns:p="http://schemas.openxmlformats.org/presentationml/2006/main">
   <p:cSld>
     <p:bg>
@@ -5336,437 +7786,6 @@
     <p:extLst>
       <p:ext uri="{BB962C8B-B14F-4D97-AF65-F5344CB8AC3E}">
         <p14:creationId xmlns:p14="http://schemas.microsoft.com/office/powerpoint/2010/main" val="2703678979"/>
-      </p:ext>
-    </p:extLst>
-  </p:cSld>
-  <p:clrMapOvr>
-    <a:masterClrMapping/>
-  </p:clrMapOvr>
-</p:sld>
-</file>
-
-<file path=ppt/slides/slide3.xml><?xml version="1.0" encoding="utf-8"?>
-<p:sld xmlns:a="http://schemas.openxmlformats.org/drawingml/2006/main" xmlns:r="http://schemas.openxmlformats.org/officeDocument/2006/relationships" xmlns:p="http://schemas.openxmlformats.org/presentationml/2006/main">
-  <p:cSld>
-    <p:spTree>
-      <p:nvGrpSpPr>
-        <p:cNvPr id="1" name=""/>
-        <p:cNvGrpSpPr/>
-        <p:nvPr/>
-      </p:nvGrpSpPr>
-      <p:grpSpPr>
-        <a:xfrm>
-          <a:off x="0" y="0"/>
-          <a:ext cx="0" cy="0"/>
-          <a:chOff x="0" y="0"/>
-          <a:chExt cx="0" cy="0"/>
-        </a:xfrm>
-      </p:grpSpPr>
-      <p:sp>
-        <p:nvSpPr>
-          <p:cNvPr id="2" name="Title 1">
-            <a:extLst>
-              <a:ext uri="{FF2B5EF4-FFF2-40B4-BE49-F238E27FC236}">
-                <a16:creationId xmlns:a16="http://schemas.microsoft.com/office/drawing/2014/main" id="{D9F352EF-423F-1D3A-5E0D-E00A5C5F2179}"/>
-              </a:ext>
-            </a:extLst>
-          </p:cNvPr>
-          <p:cNvSpPr>
-            <a:spLocks noGrp="1"/>
-          </p:cNvSpPr>
-          <p:nvPr>
-            <p:ph type="title"/>
-          </p:nvPr>
-        </p:nvSpPr>
-        <p:spPr>
-          <a:xfrm>
-            <a:off x="444138" y="539495"/>
-            <a:ext cx="8898646" cy="755905"/>
-          </a:xfrm>
-        </p:spPr>
-        <p:txBody>
-          <a:bodyPr anchor="b">
-            <a:normAutofit/>
-          </a:bodyPr>
-          <a:lstStyle/>
-          <a:p>
-            <a:r>
-              <a:rPr lang="en-US" altLang="ko-KR" sz="4800"/>
-              <a:t>Alice S03</a:t>
-            </a:r>
-            <a:endParaRPr lang="ko-KR" altLang="en-US" sz="4800"/>
-          </a:p>
-        </p:txBody>
-      </p:sp>
-      <p:sp>
-        <p:nvSpPr>
-          <p:cNvPr id="4" name="TextBox 3">
-            <a:extLst>
-              <a:ext uri="{FF2B5EF4-FFF2-40B4-BE49-F238E27FC236}">
-                <a16:creationId xmlns:a16="http://schemas.microsoft.com/office/drawing/2014/main" id="{F8A4B213-201D-8590-B9C9-70064A1092AA}"/>
-              </a:ext>
-            </a:extLst>
-          </p:cNvPr>
-          <p:cNvSpPr txBox="1"/>
-          <p:nvPr/>
-        </p:nvSpPr>
-        <p:spPr>
-          <a:xfrm>
-            <a:off x="3243407" y="1014968"/>
-            <a:ext cx="1742785" cy="369332"/>
-          </a:xfrm>
-          <a:prstGeom prst="rect">
-            <a:avLst/>
-          </a:prstGeom>
-          <a:noFill/>
-        </p:spPr>
-        <p:txBody>
-          <a:bodyPr wrap="none" rtlCol="0">
-            <a:spAutoFit/>
-          </a:bodyPr>
-          <a:lstStyle/>
-          <a:p>
-            <a:r>
-              <a:rPr lang="en-US" altLang="ko-KR"/>
-              <a:t>scale = 200 µV</a:t>
-            </a:r>
-            <a:endParaRPr lang="ko-KR" altLang="en-US"/>
-          </a:p>
-        </p:txBody>
-      </p:sp>
-      <p:pic>
-        <p:nvPicPr>
-          <p:cNvPr id="2050" name="Picture 2">
-            <a:extLst>
-              <a:ext uri="{FF2B5EF4-FFF2-40B4-BE49-F238E27FC236}">
-                <a16:creationId xmlns:a16="http://schemas.microsoft.com/office/drawing/2014/main" id="{01950A26-7330-E919-4458-757D9E49FEBF}"/>
-              </a:ext>
-            </a:extLst>
-          </p:cNvPr>
-          <p:cNvPicPr>
-            <a:picLocks noChangeAspect="1" noChangeArrowheads="1"/>
-          </p:cNvPicPr>
-          <p:nvPr/>
-        </p:nvPicPr>
-        <p:blipFill>
-          <a:blip r:embed="rId2">
-            <a:extLst>
-              <a:ext uri="{28A0092B-C50C-407E-A947-70E740481C1C}">
-                <a14:useLocalDpi xmlns:a14="http://schemas.microsoft.com/office/drawing/2010/main" val="0"/>
-              </a:ext>
-            </a:extLst>
-          </a:blip>
-          <a:srcRect/>
-          <a:stretch>
-            <a:fillRect/>
-          </a:stretch>
-        </p:blipFill>
-        <p:spPr bwMode="auto">
-          <a:xfrm>
-            <a:off x="75839" y="1384300"/>
-            <a:ext cx="4038961" cy="2851031"/>
-          </a:xfrm>
-          <a:prstGeom prst="rect">
-            <a:avLst/>
-          </a:prstGeom>
-          <a:noFill/>
-          <a:extLst>
-            <a:ext uri="{909E8E84-426E-40DD-AFC4-6F175D3DCCD1}">
-              <a14:hiddenFill xmlns:a14="http://schemas.microsoft.com/office/drawing/2010/main">
-                <a:solidFill>
-                  <a:srgbClr val="FFFFFF"/>
-                </a:solidFill>
-              </a14:hiddenFill>
-            </a:ext>
-          </a:extLst>
-        </p:spPr>
-      </p:pic>
-      <p:pic>
-        <p:nvPicPr>
-          <p:cNvPr id="2052" name="Picture 4">
-            <a:extLst>
-              <a:ext uri="{FF2B5EF4-FFF2-40B4-BE49-F238E27FC236}">
-                <a16:creationId xmlns:a16="http://schemas.microsoft.com/office/drawing/2014/main" id="{F39B3CAE-50E8-6E80-37E6-BDF07B2483AB}"/>
-              </a:ext>
-            </a:extLst>
-          </p:cNvPr>
-          <p:cNvPicPr>
-            <a:picLocks noChangeAspect="1" noChangeArrowheads="1"/>
-          </p:cNvPicPr>
-          <p:nvPr/>
-        </p:nvPicPr>
-        <p:blipFill>
-          <a:blip r:embed="rId3">
-            <a:extLst>
-              <a:ext uri="{28A0092B-C50C-407E-A947-70E740481C1C}">
-                <a14:useLocalDpi xmlns:a14="http://schemas.microsoft.com/office/drawing/2010/main" val="0"/>
-              </a:ext>
-            </a:extLst>
-          </a:blip>
-          <a:srcRect/>
-          <a:stretch>
-            <a:fillRect/>
-          </a:stretch>
-        </p:blipFill>
-        <p:spPr bwMode="auto">
-          <a:xfrm>
-            <a:off x="4114800" y="1450749"/>
-            <a:ext cx="4076901" cy="2784582"/>
-          </a:xfrm>
-          <a:prstGeom prst="rect">
-            <a:avLst/>
-          </a:prstGeom>
-          <a:noFill/>
-          <a:extLst>
-            <a:ext uri="{909E8E84-426E-40DD-AFC4-6F175D3DCCD1}">
-              <a14:hiddenFill xmlns:a14="http://schemas.microsoft.com/office/drawing/2010/main">
-                <a:solidFill>
-                  <a:srgbClr val="FFFFFF"/>
-                </a:solidFill>
-              </a14:hiddenFill>
-            </a:ext>
-          </a:extLst>
-        </p:spPr>
-      </p:pic>
-      <p:pic>
-        <p:nvPicPr>
-          <p:cNvPr id="2056" name="Picture 8">
-            <a:extLst>
-              <a:ext uri="{FF2B5EF4-FFF2-40B4-BE49-F238E27FC236}">
-                <a16:creationId xmlns:a16="http://schemas.microsoft.com/office/drawing/2014/main" id="{FC7E7050-16D2-5622-F155-800CA8C8AC1F}"/>
-              </a:ext>
-            </a:extLst>
-          </p:cNvPr>
-          <p:cNvPicPr>
-            <a:picLocks noChangeAspect="1" noChangeArrowheads="1"/>
-          </p:cNvPicPr>
-          <p:nvPr/>
-        </p:nvPicPr>
-        <p:blipFill>
-          <a:blip r:embed="rId4">
-            <a:extLst>
-              <a:ext uri="{28A0092B-C50C-407E-A947-70E740481C1C}">
-                <a14:useLocalDpi xmlns:a14="http://schemas.microsoft.com/office/drawing/2010/main" val="0"/>
-              </a:ext>
-            </a:extLst>
-          </a:blip>
-          <a:srcRect/>
-          <a:stretch>
-            <a:fillRect/>
-          </a:stretch>
-        </p:blipFill>
-        <p:spPr bwMode="auto">
-          <a:xfrm>
-            <a:off x="94809" y="4169509"/>
-            <a:ext cx="4038961" cy="2851031"/>
-          </a:xfrm>
-          <a:prstGeom prst="rect">
-            <a:avLst/>
-          </a:prstGeom>
-          <a:noFill/>
-          <a:extLst>
-            <a:ext uri="{909E8E84-426E-40DD-AFC4-6F175D3DCCD1}">
-              <a14:hiddenFill xmlns:a14="http://schemas.microsoft.com/office/drawing/2010/main">
-                <a:solidFill>
-                  <a:srgbClr val="FFFFFF"/>
-                </a:solidFill>
-              </a14:hiddenFill>
-            </a:ext>
-          </a:extLst>
-        </p:spPr>
-      </p:pic>
-      <p:pic>
-        <p:nvPicPr>
-          <p:cNvPr id="2058" name="Picture 10">
-            <a:extLst>
-              <a:ext uri="{FF2B5EF4-FFF2-40B4-BE49-F238E27FC236}">
-                <a16:creationId xmlns:a16="http://schemas.microsoft.com/office/drawing/2014/main" id="{D9DF54FB-6449-3F66-AEB9-E65667BEC1D5}"/>
-              </a:ext>
-            </a:extLst>
-          </p:cNvPr>
-          <p:cNvPicPr>
-            <a:picLocks noChangeAspect="1" noChangeArrowheads="1"/>
-          </p:cNvPicPr>
-          <p:nvPr/>
-        </p:nvPicPr>
-        <p:blipFill>
-          <a:blip r:embed="rId5">
-            <a:extLst>
-              <a:ext uri="{28A0092B-C50C-407E-A947-70E740481C1C}">
-                <a14:useLocalDpi xmlns:a14="http://schemas.microsoft.com/office/drawing/2010/main" val="0"/>
-              </a:ext>
-            </a:extLst>
-          </a:blip>
-          <a:srcRect/>
-          <a:stretch>
-            <a:fillRect/>
-          </a:stretch>
-        </p:blipFill>
-        <p:spPr bwMode="auto">
-          <a:xfrm>
-            <a:off x="4114800" y="4251805"/>
-            <a:ext cx="4076901" cy="2784582"/>
-          </a:xfrm>
-          <a:prstGeom prst="rect">
-            <a:avLst/>
-          </a:prstGeom>
-          <a:noFill/>
-          <a:extLst>
-            <a:ext uri="{909E8E84-426E-40DD-AFC4-6F175D3DCCD1}">
-              <a14:hiddenFill xmlns:a14="http://schemas.microsoft.com/office/drawing/2010/main">
-                <a:solidFill>
-                  <a:srgbClr val="FFFFFF"/>
-                </a:solidFill>
-              </a14:hiddenFill>
-            </a:ext>
-          </a:extLst>
-        </p:spPr>
-      </p:pic>
-      <p:pic>
-        <p:nvPicPr>
-          <p:cNvPr id="2062" name="Picture 14">
-            <a:extLst>
-              <a:ext uri="{FF2B5EF4-FFF2-40B4-BE49-F238E27FC236}">
-                <a16:creationId xmlns:a16="http://schemas.microsoft.com/office/drawing/2014/main" id="{BCC6EF05-BE5D-9A8A-A388-F59939B59E95}"/>
-              </a:ext>
-            </a:extLst>
-          </p:cNvPr>
-          <p:cNvPicPr>
-            <a:picLocks noChangeAspect="1" noChangeArrowheads="1"/>
-          </p:cNvPicPr>
-          <p:nvPr/>
-        </p:nvPicPr>
-        <p:blipFill>
-          <a:blip r:embed="rId6">
-            <a:extLst>
-              <a:ext uri="{28A0092B-C50C-407E-A947-70E740481C1C}">
-                <a14:useLocalDpi xmlns:a14="http://schemas.microsoft.com/office/drawing/2010/main" val="0"/>
-              </a:ext>
-            </a:extLst>
-          </a:blip>
-          <a:srcRect/>
-          <a:stretch>
-            <a:fillRect/>
-          </a:stretch>
-        </p:blipFill>
-        <p:spPr bwMode="auto">
-          <a:xfrm>
-            <a:off x="8110753" y="1384300"/>
-            <a:ext cx="3981450" cy="2719388"/>
-          </a:xfrm>
-          <a:prstGeom prst="rect">
-            <a:avLst/>
-          </a:prstGeom>
-          <a:noFill/>
-          <a:extLst>
-            <a:ext uri="{909E8E84-426E-40DD-AFC4-6F175D3DCCD1}">
-              <a14:hiddenFill xmlns:a14="http://schemas.microsoft.com/office/drawing/2010/main">
-                <a:solidFill>
-                  <a:srgbClr val="FFFFFF"/>
-                </a:solidFill>
-              </a14:hiddenFill>
-            </a:ext>
-          </a:extLst>
-        </p:spPr>
-      </p:pic>
-      <p:pic>
-        <p:nvPicPr>
-          <p:cNvPr id="2064" name="Picture 16">
-            <a:extLst>
-              <a:ext uri="{FF2B5EF4-FFF2-40B4-BE49-F238E27FC236}">
-                <a16:creationId xmlns:a16="http://schemas.microsoft.com/office/drawing/2014/main" id="{0B7E7571-5582-BA0F-D2FF-535A44D6379D}"/>
-              </a:ext>
-            </a:extLst>
-          </p:cNvPr>
-          <p:cNvPicPr>
-            <a:picLocks noChangeAspect="1" noChangeArrowheads="1"/>
-          </p:cNvPicPr>
-          <p:nvPr/>
-        </p:nvPicPr>
-        <p:blipFill>
-          <a:blip r:embed="rId7">
-            <a:extLst>
-              <a:ext uri="{28A0092B-C50C-407E-A947-70E740481C1C}">
-                <a14:useLocalDpi xmlns:a14="http://schemas.microsoft.com/office/drawing/2010/main" val="0"/>
-              </a:ext>
-            </a:extLst>
-          </a:blip>
-          <a:srcRect/>
-          <a:stretch>
-            <a:fillRect/>
-          </a:stretch>
-        </p:blipFill>
-        <p:spPr bwMode="auto">
-          <a:xfrm>
-            <a:off x="8103502" y="4235331"/>
-            <a:ext cx="4076901" cy="2784582"/>
-          </a:xfrm>
-          <a:prstGeom prst="rect">
-            <a:avLst/>
-          </a:prstGeom>
-          <a:noFill/>
-          <a:extLst>
-            <a:ext uri="{909E8E84-426E-40DD-AFC4-6F175D3DCCD1}">
-              <a14:hiddenFill xmlns:a14="http://schemas.microsoft.com/office/drawing/2010/main">
-                <a:solidFill>
-                  <a:srgbClr val="FFFFFF"/>
-                </a:solidFill>
-              </a14:hiddenFill>
-            </a:ext>
-          </a:extLst>
-        </p:spPr>
-      </p:pic>
-      <p:pic>
-        <p:nvPicPr>
-          <p:cNvPr id="2066" name="Picture 18">
-            <a:extLst>
-              <a:ext uri="{FF2B5EF4-FFF2-40B4-BE49-F238E27FC236}">
-                <a16:creationId xmlns:a16="http://schemas.microsoft.com/office/drawing/2014/main" id="{B51CD252-5ED7-9BAB-F5D6-E34318047003}"/>
-              </a:ext>
-            </a:extLst>
-          </p:cNvPr>
-          <p:cNvPicPr>
-            <a:picLocks noChangeAspect="1" noChangeArrowheads="1"/>
-          </p:cNvPicPr>
-          <p:nvPr/>
-        </p:nvPicPr>
-        <p:blipFill>
-          <a:blip r:embed="rId8">
-            <a:extLst>
-              <a:ext uri="{28A0092B-C50C-407E-A947-70E740481C1C}">
-                <a14:useLocalDpi xmlns:a14="http://schemas.microsoft.com/office/drawing/2010/main" val="0"/>
-              </a:ext>
-            </a:extLst>
-          </a:blip>
-          <a:srcRect/>
-          <a:stretch>
-            <a:fillRect/>
-          </a:stretch>
-        </p:blipFill>
-        <p:spPr bwMode="auto">
-          <a:xfrm>
-            <a:off x="7863103" y="101001"/>
-            <a:ext cx="4229100" cy="1266825"/>
-          </a:xfrm>
-          <a:prstGeom prst="rect">
-            <a:avLst/>
-          </a:prstGeom>
-          <a:noFill/>
-          <a:extLst>
-            <a:ext uri="{909E8E84-426E-40DD-AFC4-6F175D3DCCD1}">
-              <a14:hiddenFill xmlns:a14="http://schemas.microsoft.com/office/drawing/2010/main">
-                <a:solidFill>
-                  <a:srgbClr val="FFFFFF"/>
-                </a:solidFill>
-              </a14:hiddenFill>
-            </a:ext>
-          </a:extLst>
-        </p:spPr>
-      </p:pic>
-    </p:spTree>
-    <p:extLst>
-      <p:ext uri="{BB962C8B-B14F-4D97-AF65-F5344CB8AC3E}">
-        <p14:creationId xmlns:p14="http://schemas.microsoft.com/office/powerpoint/2010/main" val="1031082511"/>
       </p:ext>
     </p:extLst>
   </p:cSld>
@@ -5823,7 +7842,7 @@
           <a:p>
             <a:r>
               <a:rPr lang="en-US" altLang="ko-KR" sz="4800"/>
-              <a:t>Alice S04</a:t>
+              <a:t>Alice S03</a:t>
             </a:r>
             <a:endParaRPr lang="ko-KR" altLang="en-US" sz="4800"/>
           </a:p>
@@ -5843,7 +7862,7 @@
         </p:nvSpPr>
         <p:spPr>
           <a:xfrm>
-            <a:off x="3294208" y="894261"/>
+            <a:off x="3243407" y="1014968"/>
             <a:ext cx="1742785" cy="369332"/>
           </a:xfrm>
           <a:prstGeom prst="rect">
@@ -5867,10 +7886,10 @@
       </p:sp>
       <p:pic>
         <p:nvPicPr>
-          <p:cNvPr id="3074" name="Picture 2">
-            <a:extLst>
-              <a:ext uri="{FF2B5EF4-FFF2-40B4-BE49-F238E27FC236}">
-                <a16:creationId xmlns:a16="http://schemas.microsoft.com/office/drawing/2014/main" id="{5B0418FE-5352-656B-DFDE-3C1D286FBB40}"/>
+          <p:cNvPr id="2050" name="Picture 2">
+            <a:extLst>
+              <a:ext uri="{FF2B5EF4-FFF2-40B4-BE49-F238E27FC236}">
+                <a16:creationId xmlns:a16="http://schemas.microsoft.com/office/drawing/2014/main" id="{01950A26-7330-E919-4458-757D9E49FEBF}"/>
               </a:ext>
             </a:extLst>
           </p:cNvPr>
@@ -5894,8 +7913,8 @@
         </p:blipFill>
         <p:spPr bwMode="auto">
           <a:xfrm>
-            <a:off x="198438" y="1314195"/>
-            <a:ext cx="3967163" cy="2800350"/>
+            <a:off x="75839" y="1384300"/>
+            <a:ext cx="4038961" cy="2851031"/>
           </a:xfrm>
           <a:prstGeom prst="rect">
             <a:avLst/>
@@ -5914,10 +7933,10 @@
       </p:pic>
       <p:pic>
         <p:nvPicPr>
-          <p:cNvPr id="3076" name="Picture 4">
-            <a:extLst>
-              <a:ext uri="{FF2B5EF4-FFF2-40B4-BE49-F238E27FC236}">
-                <a16:creationId xmlns:a16="http://schemas.microsoft.com/office/drawing/2014/main" id="{95561753-7B97-7A9B-A89D-B7CA36198268}"/>
+          <p:cNvPr id="2052" name="Picture 4">
+            <a:extLst>
+              <a:ext uri="{FF2B5EF4-FFF2-40B4-BE49-F238E27FC236}">
+                <a16:creationId xmlns:a16="http://schemas.microsoft.com/office/drawing/2014/main" id="{F39B3CAE-50E8-6E80-37E6-BDF07B2483AB}"/>
               </a:ext>
             </a:extLst>
           </p:cNvPr>
@@ -5941,8 +7960,8 @@
         </p:blipFill>
         <p:spPr bwMode="auto">
           <a:xfrm>
-            <a:off x="4019550" y="1396604"/>
-            <a:ext cx="4006851" cy="2736736"/>
+            <a:off x="4114800" y="1450749"/>
+            <a:ext cx="4076901" cy="2784582"/>
           </a:xfrm>
           <a:prstGeom prst="rect">
             <a:avLst/>
@@ -5961,10 +7980,10 @@
       </p:pic>
       <p:pic>
         <p:nvPicPr>
-          <p:cNvPr id="3080" name="Picture 8">
-            <a:extLst>
-              <a:ext uri="{FF2B5EF4-FFF2-40B4-BE49-F238E27FC236}">
-                <a16:creationId xmlns:a16="http://schemas.microsoft.com/office/drawing/2014/main" id="{AED568C4-D244-3B8F-A0F6-C46E60B0CCF3}"/>
+          <p:cNvPr id="2056" name="Picture 8">
+            <a:extLst>
+              <a:ext uri="{FF2B5EF4-FFF2-40B4-BE49-F238E27FC236}">
+                <a16:creationId xmlns:a16="http://schemas.microsoft.com/office/drawing/2014/main" id="{FC7E7050-16D2-5622-F155-800CA8C8AC1F}"/>
               </a:ext>
             </a:extLst>
           </p:cNvPr>
@@ -5988,8 +8007,8 @@
         </p:blipFill>
         <p:spPr bwMode="auto">
           <a:xfrm>
-            <a:off x="198437" y="4018268"/>
-            <a:ext cx="4006850" cy="2828365"/>
+            <a:off x="94809" y="4169509"/>
+            <a:ext cx="4038961" cy="2851031"/>
           </a:xfrm>
           <a:prstGeom prst="rect">
             <a:avLst/>
@@ -6008,10 +8027,10 @@
       </p:pic>
       <p:pic>
         <p:nvPicPr>
-          <p:cNvPr id="3082" name="Picture 10">
-            <a:extLst>
-              <a:ext uri="{FF2B5EF4-FFF2-40B4-BE49-F238E27FC236}">
-                <a16:creationId xmlns:a16="http://schemas.microsoft.com/office/drawing/2014/main" id="{FD7A62C5-CD53-FF30-6E2F-7D1721DFA74D}"/>
+          <p:cNvPr id="2058" name="Picture 10">
+            <a:extLst>
+              <a:ext uri="{FF2B5EF4-FFF2-40B4-BE49-F238E27FC236}">
+                <a16:creationId xmlns:a16="http://schemas.microsoft.com/office/drawing/2014/main" id="{D9DF54FB-6449-3F66-AEB9-E65667BEC1D5}"/>
               </a:ext>
             </a:extLst>
           </p:cNvPr>
@@ -6035,8 +8054,8 @@
         </p:blipFill>
         <p:spPr bwMode="auto">
           <a:xfrm>
-            <a:off x="4019550" y="4152135"/>
-            <a:ext cx="4099988" cy="2800351"/>
+            <a:off x="4114800" y="4251805"/>
+            <a:ext cx="4076901" cy="2784582"/>
           </a:xfrm>
           <a:prstGeom prst="rect">
             <a:avLst/>
@@ -6055,10 +8074,10 @@
       </p:pic>
       <p:pic>
         <p:nvPicPr>
-          <p:cNvPr id="3086" name="Picture 14">
-            <a:extLst>
-              <a:ext uri="{FF2B5EF4-FFF2-40B4-BE49-F238E27FC236}">
-                <a16:creationId xmlns:a16="http://schemas.microsoft.com/office/drawing/2014/main" id="{8A7E4180-2531-F539-BFC9-4AA8B97A9B6E}"/>
+          <p:cNvPr id="2062" name="Picture 14">
+            <a:extLst>
+              <a:ext uri="{FF2B5EF4-FFF2-40B4-BE49-F238E27FC236}">
+                <a16:creationId xmlns:a16="http://schemas.microsoft.com/office/drawing/2014/main" id="{BCC6EF05-BE5D-9A8A-A388-F59939B59E95}"/>
               </a:ext>
             </a:extLst>
           </p:cNvPr>
@@ -6082,8 +8101,8 @@
         </p:blipFill>
         <p:spPr bwMode="auto">
           <a:xfrm>
-            <a:off x="7893572" y="1360589"/>
-            <a:ext cx="4099989" cy="2800351"/>
+            <a:off x="8110753" y="1384300"/>
+            <a:ext cx="3981450" cy="2719388"/>
           </a:xfrm>
           <a:prstGeom prst="rect">
             <a:avLst/>
@@ -6102,10 +8121,10 @@
       </p:pic>
       <p:pic>
         <p:nvPicPr>
-          <p:cNvPr id="3088" name="Picture 16">
-            <a:extLst>
-              <a:ext uri="{FF2B5EF4-FFF2-40B4-BE49-F238E27FC236}">
-                <a16:creationId xmlns:a16="http://schemas.microsoft.com/office/drawing/2014/main" id="{03F9E60C-B532-AD92-62B7-AAFD033E1875}"/>
+          <p:cNvPr id="2064" name="Picture 16">
+            <a:extLst>
+              <a:ext uri="{FF2B5EF4-FFF2-40B4-BE49-F238E27FC236}">
+                <a16:creationId xmlns:a16="http://schemas.microsoft.com/office/drawing/2014/main" id="{0B7E7571-5582-BA0F-D2FF-535A44D6379D}"/>
               </a:ext>
             </a:extLst>
           </p:cNvPr>
@@ -6129,8 +8148,8 @@
         </p:blipFill>
         <p:spPr bwMode="auto">
           <a:xfrm>
-            <a:off x="7843501" y="4152135"/>
-            <a:ext cx="4269490" cy="2916123"/>
+            <a:off x="8103502" y="4235331"/>
+            <a:ext cx="4076901" cy="2784582"/>
           </a:xfrm>
           <a:prstGeom prst="rect">
             <a:avLst/>
@@ -6149,10 +8168,10 @@
       </p:pic>
       <p:pic>
         <p:nvPicPr>
-          <p:cNvPr id="3090" name="Picture 18">
-            <a:extLst>
-              <a:ext uri="{FF2B5EF4-FFF2-40B4-BE49-F238E27FC236}">
-                <a16:creationId xmlns:a16="http://schemas.microsoft.com/office/drawing/2014/main" id="{87108638-F883-7692-0BF7-35124D5C415D}"/>
+          <p:cNvPr id="2066" name="Picture 18">
+            <a:extLst>
+              <a:ext uri="{FF2B5EF4-FFF2-40B4-BE49-F238E27FC236}">
+                <a16:creationId xmlns:a16="http://schemas.microsoft.com/office/drawing/2014/main" id="{B51CD252-5ED7-9BAB-F5D6-E34318047003}"/>
               </a:ext>
             </a:extLst>
           </p:cNvPr>
@@ -6176,7 +8195,7 @@
         </p:blipFill>
         <p:spPr bwMode="auto">
           <a:xfrm>
-            <a:off x="7829016" y="129779"/>
+            <a:off x="7863103" y="101001"/>
             <a:ext cx="4229100" cy="1266825"/>
           </a:xfrm>
           <a:prstGeom prst="rect">
@@ -6197,7 +8216,7 @@
     </p:spTree>
     <p:extLst>
       <p:ext uri="{BB962C8B-B14F-4D97-AF65-F5344CB8AC3E}">
-        <p14:creationId xmlns:p14="http://schemas.microsoft.com/office/powerpoint/2010/main" val="2397784287"/>
+        <p14:creationId xmlns:p14="http://schemas.microsoft.com/office/powerpoint/2010/main" val="1031082511"/>
       </p:ext>
     </p:extLst>
   </p:cSld>
@@ -6254,7 +8273,7 @@
           <a:p>
             <a:r>
               <a:rPr lang="en-US" altLang="ko-KR" sz="4800"/>
-              <a:t>Alice S05</a:t>
+              <a:t>Alice S04</a:t>
             </a:r>
             <a:endParaRPr lang="ko-KR" altLang="en-US" sz="4800"/>
           </a:p>
@@ -6298,10 +8317,10 @@
       </p:sp>
       <p:pic>
         <p:nvPicPr>
-          <p:cNvPr id="1026" name="Picture 2">
-            <a:extLst>
-              <a:ext uri="{FF2B5EF4-FFF2-40B4-BE49-F238E27FC236}">
-                <a16:creationId xmlns:a16="http://schemas.microsoft.com/office/drawing/2014/main" id="{6E7260C2-187A-631D-BB5E-6D16119C3C98}"/>
+          <p:cNvPr id="3074" name="Picture 2">
+            <a:extLst>
+              <a:ext uri="{FF2B5EF4-FFF2-40B4-BE49-F238E27FC236}">
+                <a16:creationId xmlns:a16="http://schemas.microsoft.com/office/drawing/2014/main" id="{5B0418FE-5352-656B-DFDE-3C1D286FBB40}"/>
               </a:ext>
             </a:extLst>
           </p:cNvPr>
@@ -6325,8 +8344,8 @@
         </p:blipFill>
         <p:spPr bwMode="auto">
           <a:xfrm>
-            <a:off x="0" y="1396604"/>
-            <a:ext cx="3755797" cy="2199610"/>
+            <a:off x="198438" y="1314195"/>
+            <a:ext cx="3967163" cy="2800350"/>
           </a:xfrm>
           <a:prstGeom prst="rect">
             <a:avLst/>
@@ -6345,10 +8364,10 @@
       </p:pic>
       <p:pic>
         <p:nvPicPr>
-          <p:cNvPr id="1028" name="Picture 4">
-            <a:extLst>
-              <a:ext uri="{FF2B5EF4-FFF2-40B4-BE49-F238E27FC236}">
-                <a16:creationId xmlns:a16="http://schemas.microsoft.com/office/drawing/2014/main" id="{299D138C-CD92-EEA6-66AB-C998E9F92AE9}"/>
+          <p:cNvPr id="3076" name="Picture 4">
+            <a:extLst>
+              <a:ext uri="{FF2B5EF4-FFF2-40B4-BE49-F238E27FC236}">
+                <a16:creationId xmlns:a16="http://schemas.microsoft.com/office/drawing/2014/main" id="{95561753-7B97-7A9B-A89D-B7CA36198268}"/>
               </a:ext>
             </a:extLst>
           </p:cNvPr>
@@ -6372,8 +8391,8 @@
         </p:blipFill>
         <p:spPr bwMode="auto">
           <a:xfrm>
-            <a:off x="3908593" y="1396604"/>
-            <a:ext cx="3920423" cy="2223001"/>
+            <a:off x="4019550" y="1396604"/>
+            <a:ext cx="4006851" cy="2736736"/>
           </a:xfrm>
           <a:prstGeom prst="rect">
             <a:avLst/>
@@ -6392,10 +8411,10 @@
       </p:pic>
       <p:pic>
         <p:nvPicPr>
-          <p:cNvPr id="1030" name="Picture 6">
-            <a:extLst>
-              <a:ext uri="{FF2B5EF4-FFF2-40B4-BE49-F238E27FC236}">
-                <a16:creationId xmlns:a16="http://schemas.microsoft.com/office/drawing/2014/main" id="{82C8D749-2DEB-6ABD-485A-3B9925E71A2C}"/>
+          <p:cNvPr id="3080" name="Picture 8">
+            <a:extLst>
+              <a:ext uri="{FF2B5EF4-FFF2-40B4-BE49-F238E27FC236}">
+                <a16:creationId xmlns:a16="http://schemas.microsoft.com/office/drawing/2014/main" id="{AED568C4-D244-3B8F-A0F6-C46E60B0CCF3}"/>
               </a:ext>
             </a:extLst>
           </p:cNvPr>
@@ -6419,8 +8438,8 @@
         </p:blipFill>
         <p:spPr bwMode="auto">
           <a:xfrm>
-            <a:off x="7913495" y="1465941"/>
-            <a:ext cx="3879174" cy="2199611"/>
+            <a:off x="198437" y="4018268"/>
+            <a:ext cx="4006850" cy="2828365"/>
           </a:xfrm>
           <a:prstGeom prst="rect">
             <a:avLst/>
@@ -6439,10 +8458,10 @@
       </p:pic>
       <p:pic>
         <p:nvPicPr>
-          <p:cNvPr id="1032" name="Picture 8">
-            <a:extLst>
-              <a:ext uri="{FF2B5EF4-FFF2-40B4-BE49-F238E27FC236}">
-                <a16:creationId xmlns:a16="http://schemas.microsoft.com/office/drawing/2014/main" id="{3D4132C0-F515-E4FC-A904-DBC78EEBDA13}"/>
+          <p:cNvPr id="3082" name="Picture 10">
+            <a:extLst>
+              <a:ext uri="{FF2B5EF4-FFF2-40B4-BE49-F238E27FC236}">
+                <a16:creationId xmlns:a16="http://schemas.microsoft.com/office/drawing/2014/main" id="{FD7A62C5-CD53-FF30-6E2F-7D1721DFA74D}"/>
               </a:ext>
             </a:extLst>
           </p:cNvPr>
@@ -6466,8 +8485,8 @@
         </p:blipFill>
         <p:spPr bwMode="auto">
           <a:xfrm>
-            <a:off x="72618" y="3697418"/>
-            <a:ext cx="3795735" cy="2223000"/>
+            <a:off x="4019550" y="4152135"/>
+            <a:ext cx="4099988" cy="2800351"/>
           </a:xfrm>
           <a:prstGeom prst="rect">
             <a:avLst/>
@@ -6486,10 +8505,10 @@
       </p:pic>
       <p:pic>
         <p:nvPicPr>
-          <p:cNvPr id="1034" name="Picture 10">
-            <a:extLst>
-              <a:ext uri="{FF2B5EF4-FFF2-40B4-BE49-F238E27FC236}">
-                <a16:creationId xmlns:a16="http://schemas.microsoft.com/office/drawing/2014/main" id="{31F41B64-56AB-9F00-9B4C-245E58078916}"/>
+          <p:cNvPr id="3086" name="Picture 14">
+            <a:extLst>
+              <a:ext uri="{FF2B5EF4-FFF2-40B4-BE49-F238E27FC236}">
+                <a16:creationId xmlns:a16="http://schemas.microsoft.com/office/drawing/2014/main" id="{8A7E4180-2531-F539-BFC9-4AA8B97A9B6E}"/>
               </a:ext>
             </a:extLst>
           </p:cNvPr>
@@ -6513,8 +8532,8 @@
         </p:blipFill>
         <p:spPr bwMode="auto">
           <a:xfrm>
-            <a:off x="3908593" y="3665552"/>
-            <a:ext cx="3920423" cy="2223000"/>
+            <a:off x="7893572" y="1360589"/>
+            <a:ext cx="4099989" cy="2800351"/>
           </a:xfrm>
           <a:prstGeom prst="rect">
             <a:avLst/>
@@ -6533,10 +8552,10 @@
       </p:pic>
       <p:pic>
         <p:nvPicPr>
-          <p:cNvPr id="1036" name="Picture 12">
-            <a:extLst>
-              <a:ext uri="{FF2B5EF4-FFF2-40B4-BE49-F238E27FC236}">
-                <a16:creationId xmlns:a16="http://schemas.microsoft.com/office/drawing/2014/main" id="{36F9A319-FB11-EE40-3709-9EC4396F9080}"/>
+          <p:cNvPr id="3088" name="Picture 16">
+            <a:extLst>
+              <a:ext uri="{FF2B5EF4-FFF2-40B4-BE49-F238E27FC236}">
+                <a16:creationId xmlns:a16="http://schemas.microsoft.com/office/drawing/2014/main" id="{03F9E60C-B532-AD92-62B7-AAFD033E1875}"/>
               </a:ext>
             </a:extLst>
           </p:cNvPr>
@@ -6560,8 +8579,8 @@
         </p:blipFill>
         <p:spPr bwMode="auto">
           <a:xfrm>
-            <a:off x="7829016" y="3665552"/>
-            <a:ext cx="3898000" cy="2210286"/>
+            <a:off x="7843501" y="4152135"/>
+            <a:ext cx="4269490" cy="2916123"/>
           </a:xfrm>
           <a:prstGeom prst="rect">
             <a:avLst/>
@@ -6580,10 +8599,10 @@
       </p:pic>
       <p:pic>
         <p:nvPicPr>
-          <p:cNvPr id="1038" name="Picture 14">
-            <a:extLst>
-              <a:ext uri="{FF2B5EF4-FFF2-40B4-BE49-F238E27FC236}">
-                <a16:creationId xmlns:a16="http://schemas.microsoft.com/office/drawing/2014/main" id="{2B32F482-2ABE-F17E-2D66-EC5A9DCB9CF1}"/>
+          <p:cNvPr id="3090" name="Picture 18">
+            <a:extLst>
+              <a:ext uri="{FF2B5EF4-FFF2-40B4-BE49-F238E27FC236}">
+                <a16:creationId xmlns:a16="http://schemas.microsoft.com/office/drawing/2014/main" id="{87108638-F883-7692-0BF7-35124D5C415D}"/>
               </a:ext>
             </a:extLst>
           </p:cNvPr>
@@ -6607,7 +8626,7 @@
         </p:blipFill>
         <p:spPr bwMode="auto">
           <a:xfrm>
-            <a:off x="7663466" y="106805"/>
+            <a:off x="7829016" y="129779"/>
             <a:ext cx="4229100" cy="1266825"/>
           </a:xfrm>
           <a:prstGeom prst="rect">
@@ -6628,7 +8647,7 @@
     </p:spTree>
     <p:extLst>
       <p:ext uri="{BB962C8B-B14F-4D97-AF65-F5344CB8AC3E}">
-        <p14:creationId xmlns:p14="http://schemas.microsoft.com/office/powerpoint/2010/main" val="1120364186"/>
+        <p14:creationId xmlns:p14="http://schemas.microsoft.com/office/powerpoint/2010/main" val="2397784287"/>
       </p:ext>
     </p:extLst>
   </p:cSld>
@@ -6639,7 +8658,7 @@
 </file>
 
 <file path=ppt/slides/slide6.xml><?xml version="1.0" encoding="utf-8"?>
-<p:sld xmlns:a="http://schemas.openxmlformats.org/drawingml/2006/main" xmlns:r="http://schemas.openxmlformats.org/officeDocument/2006/relationships" xmlns:p="http://schemas.openxmlformats.org/presentationml/2006/main" show="0">
+<p:sld xmlns:a="http://schemas.openxmlformats.org/drawingml/2006/main" xmlns:r="http://schemas.openxmlformats.org/officeDocument/2006/relationships" xmlns:p="http://schemas.openxmlformats.org/presentationml/2006/main">
   <p:cSld>
     <p:spTree>
       <p:nvGrpSpPr>
@@ -6673,7 +8692,7 @@
         </p:nvSpPr>
         <p:spPr>
           <a:xfrm>
-            <a:off x="444138" y="528737"/>
+            <a:off x="444138" y="539495"/>
             <a:ext cx="8898646" cy="755905"/>
           </a:xfrm>
         </p:spPr>
@@ -6685,7 +8704,7 @@
           <a:p>
             <a:r>
               <a:rPr lang="en-US" altLang="ko-KR" sz="4800"/>
-              <a:t>LPP R0443</a:t>
+              <a:t>Alice S05</a:t>
             </a:r>
             <a:endParaRPr lang="ko-KR" altLang="en-US" sz="4800"/>
           </a:p>
@@ -6705,8 +8724,8 @@
         </p:nvSpPr>
         <p:spPr>
           <a:xfrm>
-            <a:off x="5827897" y="2147102"/>
-            <a:ext cx="814425" cy="923330"/>
+            <a:off x="3294208" y="894261"/>
+            <a:ext cx="1742785" cy="369332"/>
           </a:xfrm>
           <a:prstGeom prst="rect">
             <a:avLst/>
@@ -6714,14 +8733,14 @@
           <a:noFill/>
         </p:spPr>
         <p:txBody>
-          <a:bodyPr wrap="square" rtlCol="0">
+          <a:bodyPr wrap="none" rtlCol="0">
             <a:spAutoFit/>
           </a:bodyPr>
           <a:lstStyle/>
           <a:p>
             <a:r>
               <a:rPr lang="en-US" altLang="ko-KR"/>
-              <a:t>scale = 200 µv </a:t>
+              <a:t>scale = 200 µV</a:t>
             </a:r>
             <a:endParaRPr lang="ko-KR" altLang="en-US"/>
           </a:p>
@@ -6729,10 +8748,10 @@
       </p:sp>
       <p:pic>
         <p:nvPicPr>
-          <p:cNvPr id="8194" name="Picture 2">
-            <a:extLst>
-              <a:ext uri="{FF2B5EF4-FFF2-40B4-BE49-F238E27FC236}">
-                <a16:creationId xmlns:a16="http://schemas.microsoft.com/office/drawing/2014/main" id="{D016C2AF-2B72-889F-E54F-C78BD3FB1CCD}"/>
+          <p:cNvPr id="1026" name="Picture 2">
+            <a:extLst>
+              <a:ext uri="{FF2B5EF4-FFF2-40B4-BE49-F238E27FC236}">
+                <a16:creationId xmlns:a16="http://schemas.microsoft.com/office/drawing/2014/main" id="{6E7260C2-187A-631D-BB5E-6D16119C3C98}"/>
               </a:ext>
             </a:extLst>
           </p:cNvPr>
@@ -6756,8 +8775,8 @@
         </p:blipFill>
         <p:spPr bwMode="auto">
           <a:xfrm>
-            <a:off x="741102" y="1850315"/>
-            <a:ext cx="3657601" cy="2581836"/>
+            <a:off x="0" y="1396604"/>
+            <a:ext cx="3755797" cy="2199610"/>
           </a:xfrm>
           <a:prstGeom prst="rect">
             <a:avLst/>
@@ -6776,10 +8795,10 @@
       </p:pic>
       <p:pic>
         <p:nvPicPr>
-          <p:cNvPr id="8196" name="Picture 4">
-            <a:extLst>
-              <a:ext uri="{FF2B5EF4-FFF2-40B4-BE49-F238E27FC236}">
-                <a16:creationId xmlns:a16="http://schemas.microsoft.com/office/drawing/2014/main" id="{8A2C1780-F436-178B-545A-998194598041}"/>
+          <p:cNvPr id="1028" name="Picture 4">
+            <a:extLst>
+              <a:ext uri="{FF2B5EF4-FFF2-40B4-BE49-F238E27FC236}">
+                <a16:creationId xmlns:a16="http://schemas.microsoft.com/office/drawing/2014/main" id="{299D138C-CD92-EEA6-66AB-C998E9F92AE9}"/>
               </a:ext>
             </a:extLst>
           </p:cNvPr>
@@ -6803,8 +8822,8 @@
         </p:blipFill>
         <p:spPr bwMode="auto">
           <a:xfrm>
-            <a:off x="4275604" y="1945438"/>
-            <a:ext cx="3640791" cy="2486713"/>
+            <a:off x="3908593" y="1396604"/>
+            <a:ext cx="3920423" cy="2223001"/>
           </a:xfrm>
           <a:prstGeom prst="rect">
             <a:avLst/>
@@ -6823,10 +8842,10 @@
       </p:pic>
       <p:pic>
         <p:nvPicPr>
-          <p:cNvPr id="8198" name="Picture 6">
-            <a:extLst>
-              <a:ext uri="{FF2B5EF4-FFF2-40B4-BE49-F238E27FC236}">
-                <a16:creationId xmlns:a16="http://schemas.microsoft.com/office/drawing/2014/main" id="{D0D61945-6E7A-763B-CA40-30B11E193E21}"/>
+          <p:cNvPr id="1030" name="Picture 6">
+            <a:extLst>
+              <a:ext uri="{FF2B5EF4-FFF2-40B4-BE49-F238E27FC236}">
+                <a16:creationId xmlns:a16="http://schemas.microsoft.com/office/drawing/2014/main" id="{82C8D749-2DEB-6ABD-485A-3B9925E71A2C}"/>
               </a:ext>
             </a:extLst>
           </p:cNvPr>
@@ -6850,8 +8869,8 @@
         </p:blipFill>
         <p:spPr bwMode="auto">
           <a:xfrm>
-            <a:off x="7793299" y="1849541"/>
-            <a:ext cx="3670773" cy="2581836"/>
+            <a:off x="7913495" y="1465941"/>
+            <a:ext cx="3879174" cy="2199611"/>
           </a:xfrm>
           <a:prstGeom prst="rect">
             <a:avLst/>
@@ -6868,10 +8887,198 @@
           </a:extLst>
         </p:spPr>
       </p:pic>
+      <p:pic>
+        <p:nvPicPr>
+          <p:cNvPr id="1032" name="Picture 8">
+            <a:extLst>
+              <a:ext uri="{FF2B5EF4-FFF2-40B4-BE49-F238E27FC236}">
+                <a16:creationId xmlns:a16="http://schemas.microsoft.com/office/drawing/2014/main" id="{3D4132C0-F515-E4FC-A904-DBC78EEBDA13}"/>
+              </a:ext>
+            </a:extLst>
+          </p:cNvPr>
+          <p:cNvPicPr>
+            <a:picLocks noChangeAspect="1" noChangeArrowheads="1"/>
+          </p:cNvPicPr>
+          <p:nvPr/>
+        </p:nvPicPr>
+        <p:blipFill>
+          <a:blip r:embed="rId5">
+            <a:extLst>
+              <a:ext uri="{28A0092B-C50C-407E-A947-70E740481C1C}">
+                <a14:useLocalDpi xmlns:a14="http://schemas.microsoft.com/office/drawing/2010/main" val="0"/>
+              </a:ext>
+            </a:extLst>
+          </a:blip>
+          <a:srcRect/>
+          <a:stretch>
+            <a:fillRect/>
+          </a:stretch>
+        </p:blipFill>
+        <p:spPr bwMode="auto">
+          <a:xfrm>
+            <a:off x="72618" y="3697418"/>
+            <a:ext cx="3795735" cy="2223000"/>
+          </a:xfrm>
+          <a:prstGeom prst="rect">
+            <a:avLst/>
+          </a:prstGeom>
+          <a:noFill/>
+          <a:extLst>
+            <a:ext uri="{909E8E84-426E-40DD-AFC4-6F175D3DCCD1}">
+              <a14:hiddenFill xmlns:a14="http://schemas.microsoft.com/office/drawing/2010/main">
+                <a:solidFill>
+                  <a:srgbClr val="FFFFFF"/>
+                </a:solidFill>
+              </a14:hiddenFill>
+            </a:ext>
+          </a:extLst>
+        </p:spPr>
+      </p:pic>
+      <p:pic>
+        <p:nvPicPr>
+          <p:cNvPr id="1034" name="Picture 10">
+            <a:extLst>
+              <a:ext uri="{FF2B5EF4-FFF2-40B4-BE49-F238E27FC236}">
+                <a16:creationId xmlns:a16="http://schemas.microsoft.com/office/drawing/2014/main" id="{31F41B64-56AB-9F00-9B4C-245E58078916}"/>
+              </a:ext>
+            </a:extLst>
+          </p:cNvPr>
+          <p:cNvPicPr>
+            <a:picLocks noChangeAspect="1" noChangeArrowheads="1"/>
+          </p:cNvPicPr>
+          <p:nvPr/>
+        </p:nvPicPr>
+        <p:blipFill>
+          <a:blip r:embed="rId6">
+            <a:extLst>
+              <a:ext uri="{28A0092B-C50C-407E-A947-70E740481C1C}">
+                <a14:useLocalDpi xmlns:a14="http://schemas.microsoft.com/office/drawing/2010/main" val="0"/>
+              </a:ext>
+            </a:extLst>
+          </a:blip>
+          <a:srcRect/>
+          <a:stretch>
+            <a:fillRect/>
+          </a:stretch>
+        </p:blipFill>
+        <p:spPr bwMode="auto">
+          <a:xfrm>
+            <a:off x="3908593" y="3665552"/>
+            <a:ext cx="3920423" cy="2223000"/>
+          </a:xfrm>
+          <a:prstGeom prst="rect">
+            <a:avLst/>
+          </a:prstGeom>
+          <a:noFill/>
+          <a:extLst>
+            <a:ext uri="{909E8E84-426E-40DD-AFC4-6F175D3DCCD1}">
+              <a14:hiddenFill xmlns:a14="http://schemas.microsoft.com/office/drawing/2010/main">
+                <a:solidFill>
+                  <a:srgbClr val="FFFFFF"/>
+                </a:solidFill>
+              </a14:hiddenFill>
+            </a:ext>
+          </a:extLst>
+        </p:spPr>
+      </p:pic>
+      <p:pic>
+        <p:nvPicPr>
+          <p:cNvPr id="1036" name="Picture 12">
+            <a:extLst>
+              <a:ext uri="{FF2B5EF4-FFF2-40B4-BE49-F238E27FC236}">
+                <a16:creationId xmlns:a16="http://schemas.microsoft.com/office/drawing/2014/main" id="{36F9A319-FB11-EE40-3709-9EC4396F9080}"/>
+              </a:ext>
+            </a:extLst>
+          </p:cNvPr>
+          <p:cNvPicPr>
+            <a:picLocks noChangeAspect="1" noChangeArrowheads="1"/>
+          </p:cNvPicPr>
+          <p:nvPr/>
+        </p:nvPicPr>
+        <p:blipFill>
+          <a:blip r:embed="rId7">
+            <a:extLst>
+              <a:ext uri="{28A0092B-C50C-407E-A947-70E740481C1C}">
+                <a14:useLocalDpi xmlns:a14="http://schemas.microsoft.com/office/drawing/2010/main" val="0"/>
+              </a:ext>
+            </a:extLst>
+          </a:blip>
+          <a:srcRect/>
+          <a:stretch>
+            <a:fillRect/>
+          </a:stretch>
+        </p:blipFill>
+        <p:spPr bwMode="auto">
+          <a:xfrm>
+            <a:off x="7829016" y="3665552"/>
+            <a:ext cx="3898000" cy="2210286"/>
+          </a:xfrm>
+          <a:prstGeom prst="rect">
+            <a:avLst/>
+          </a:prstGeom>
+          <a:noFill/>
+          <a:extLst>
+            <a:ext uri="{909E8E84-426E-40DD-AFC4-6F175D3DCCD1}">
+              <a14:hiddenFill xmlns:a14="http://schemas.microsoft.com/office/drawing/2010/main">
+                <a:solidFill>
+                  <a:srgbClr val="FFFFFF"/>
+                </a:solidFill>
+              </a14:hiddenFill>
+            </a:ext>
+          </a:extLst>
+        </p:spPr>
+      </p:pic>
+      <p:pic>
+        <p:nvPicPr>
+          <p:cNvPr id="1038" name="Picture 14">
+            <a:extLst>
+              <a:ext uri="{FF2B5EF4-FFF2-40B4-BE49-F238E27FC236}">
+                <a16:creationId xmlns:a16="http://schemas.microsoft.com/office/drawing/2014/main" id="{2B32F482-2ABE-F17E-2D66-EC5A9DCB9CF1}"/>
+              </a:ext>
+            </a:extLst>
+          </p:cNvPr>
+          <p:cNvPicPr>
+            <a:picLocks noChangeAspect="1" noChangeArrowheads="1"/>
+          </p:cNvPicPr>
+          <p:nvPr/>
+        </p:nvPicPr>
+        <p:blipFill>
+          <a:blip r:embed="rId8">
+            <a:extLst>
+              <a:ext uri="{28A0092B-C50C-407E-A947-70E740481C1C}">
+                <a14:useLocalDpi xmlns:a14="http://schemas.microsoft.com/office/drawing/2010/main" val="0"/>
+              </a:ext>
+            </a:extLst>
+          </a:blip>
+          <a:srcRect/>
+          <a:stretch>
+            <a:fillRect/>
+          </a:stretch>
+        </p:blipFill>
+        <p:spPr bwMode="auto">
+          <a:xfrm>
+            <a:off x="7663466" y="106805"/>
+            <a:ext cx="4229100" cy="1266825"/>
+          </a:xfrm>
+          <a:prstGeom prst="rect">
+            <a:avLst/>
+          </a:prstGeom>
+          <a:noFill/>
+          <a:extLst>
+            <a:ext uri="{909E8E84-426E-40DD-AFC4-6F175D3DCCD1}">
+              <a14:hiddenFill xmlns:a14="http://schemas.microsoft.com/office/drawing/2010/main">
+                <a:solidFill>
+                  <a:srgbClr val="FFFFFF"/>
+                </a:solidFill>
+              </a14:hiddenFill>
+            </a:ext>
+          </a:extLst>
+        </p:spPr>
+      </p:pic>
     </p:spTree>
     <p:extLst>
       <p:ext uri="{BB962C8B-B14F-4D97-AF65-F5344CB8AC3E}">
-        <p14:creationId xmlns:p14="http://schemas.microsoft.com/office/powerpoint/2010/main" val="3255715230"/>
+        <p14:creationId xmlns:p14="http://schemas.microsoft.com/office/powerpoint/2010/main" val="1120364186"/>
       </p:ext>
     </p:extLst>
   </p:cSld>
@@ -6898,84 +9105,12 @@
           <a:chExt cx="0" cy="0"/>
         </a:xfrm>
       </p:grpSpPr>
-      <p:sp>
-        <p:nvSpPr>
-          <p:cNvPr id="2" name="Title 1">
-            <a:extLst>
-              <a:ext uri="{FF2B5EF4-FFF2-40B4-BE49-F238E27FC236}">
-                <a16:creationId xmlns:a16="http://schemas.microsoft.com/office/drawing/2014/main" id="{D9F352EF-423F-1D3A-5E0D-E00A5C5F2179}"/>
-              </a:ext>
-            </a:extLst>
-          </p:cNvPr>
-          <p:cNvSpPr>
-            <a:spLocks noGrp="1"/>
-          </p:cNvSpPr>
-          <p:nvPr>
-            <p:ph type="title"/>
-          </p:nvPr>
-        </p:nvSpPr>
-        <p:spPr>
-          <a:xfrm>
-            <a:off x="444138" y="528737"/>
-            <a:ext cx="8898646" cy="755905"/>
-          </a:xfrm>
-        </p:spPr>
-        <p:txBody>
-          <a:bodyPr anchor="b">
-            <a:normAutofit/>
-          </a:bodyPr>
-          <a:lstStyle/>
-          <a:p>
-            <a:r>
-              <a:rPr lang="en-US" altLang="ko-KR" sz="4800"/>
-              <a:t>LPP R0443</a:t>
-            </a:r>
-            <a:endParaRPr lang="ko-KR" altLang="en-US" sz="4800"/>
-          </a:p>
-        </p:txBody>
-      </p:sp>
-      <p:sp>
-        <p:nvSpPr>
-          <p:cNvPr id="4" name="TextBox 3">
-            <a:extLst>
-              <a:ext uri="{FF2B5EF4-FFF2-40B4-BE49-F238E27FC236}">
-                <a16:creationId xmlns:a16="http://schemas.microsoft.com/office/drawing/2014/main" id="{F8A4B213-201D-8590-B9C9-70064A1092AA}"/>
-              </a:ext>
-            </a:extLst>
-          </p:cNvPr>
-          <p:cNvSpPr txBox="1"/>
-          <p:nvPr/>
-        </p:nvSpPr>
-        <p:spPr>
-          <a:xfrm>
-            <a:off x="3666843" y="911277"/>
-            <a:ext cx="3191899" cy="369332"/>
-          </a:xfrm>
-          <a:prstGeom prst="rect">
-            <a:avLst/>
-          </a:prstGeom>
-          <a:noFill/>
-        </p:spPr>
-        <p:txBody>
-          <a:bodyPr wrap="none" rtlCol="0">
-            <a:spAutoFit/>
-          </a:bodyPr>
-          <a:lstStyle/>
-          <a:p>
-            <a:r>
-              <a:rPr lang="en-US" altLang="ko-KR"/>
-              <a:t>scale = 200000 µv &amp; 200 µv </a:t>
-            </a:r>
-            <a:endParaRPr lang="ko-KR" altLang="en-US"/>
-          </a:p>
-        </p:txBody>
-      </p:sp>
       <p:pic>
         <p:nvPicPr>
-          <p:cNvPr id="4098" name="Picture 2">
-            <a:extLst>
-              <a:ext uri="{FF2B5EF4-FFF2-40B4-BE49-F238E27FC236}">
-                <a16:creationId xmlns:a16="http://schemas.microsoft.com/office/drawing/2014/main" id="{1D6D6E49-B2C9-0F54-D014-5C431E0C5C51}"/>
+          <p:cNvPr id="1026" name="Picture 2">
+            <a:extLst>
+              <a:ext uri="{FF2B5EF4-FFF2-40B4-BE49-F238E27FC236}">
+                <a16:creationId xmlns:a16="http://schemas.microsoft.com/office/drawing/2014/main" id="{AAED84DA-B51D-DCAA-C8BA-00C546C88231}"/>
               </a:ext>
             </a:extLst>
           </p:cNvPr>
@@ -6999,8 +9134,8 @@
         </p:blipFill>
         <p:spPr bwMode="auto">
           <a:xfrm>
-            <a:off x="95644" y="1295401"/>
-            <a:ext cx="3906201" cy="2757318"/>
+            <a:off x="660026" y="334776"/>
+            <a:ext cx="4229100" cy="1266825"/>
           </a:xfrm>
           <a:prstGeom prst="rect">
             <a:avLst/>
@@ -7019,10 +9154,10 @@
       </p:pic>
       <p:pic>
         <p:nvPicPr>
-          <p:cNvPr id="4100" name="Picture 4">
-            <a:extLst>
-              <a:ext uri="{FF2B5EF4-FFF2-40B4-BE49-F238E27FC236}">
-                <a16:creationId xmlns:a16="http://schemas.microsoft.com/office/drawing/2014/main" id="{9FAE5CCC-A26C-031C-B5CC-819FEF18C25F}"/>
+          <p:cNvPr id="1028" name="Picture 4">
+            <a:extLst>
+              <a:ext uri="{FF2B5EF4-FFF2-40B4-BE49-F238E27FC236}">
+                <a16:creationId xmlns:a16="http://schemas.microsoft.com/office/drawing/2014/main" id="{76B969FC-E480-96D1-C64A-011AF274F816}"/>
               </a:ext>
             </a:extLst>
           </p:cNvPr>
@@ -7046,8 +9181,8 @@
         </p:blipFill>
         <p:spPr bwMode="auto">
           <a:xfrm>
-            <a:off x="3797512" y="1324984"/>
-            <a:ext cx="3993672" cy="2727735"/>
+            <a:off x="660026" y="1799609"/>
+            <a:ext cx="4229100" cy="1266825"/>
           </a:xfrm>
           <a:prstGeom prst="rect">
             <a:avLst/>
@@ -7066,10 +9201,10 @@
       </p:pic>
       <p:pic>
         <p:nvPicPr>
-          <p:cNvPr id="4104" name="Picture 8">
-            <a:extLst>
-              <a:ext uri="{FF2B5EF4-FFF2-40B4-BE49-F238E27FC236}">
-                <a16:creationId xmlns:a16="http://schemas.microsoft.com/office/drawing/2014/main" id="{AB5A1E1E-FF70-0700-7502-842DE4F71CA9}"/>
+          <p:cNvPr id="1030" name="Picture 6">
+            <a:extLst>
+              <a:ext uri="{FF2B5EF4-FFF2-40B4-BE49-F238E27FC236}">
+                <a16:creationId xmlns:a16="http://schemas.microsoft.com/office/drawing/2014/main" id="{294D8D49-4940-2456-D95C-D5ED994645E2}"/>
               </a:ext>
             </a:extLst>
           </p:cNvPr>
@@ -7093,8 +9228,8 @@
         </p:blipFill>
         <p:spPr bwMode="auto">
           <a:xfrm>
-            <a:off x="95644" y="4031598"/>
-            <a:ext cx="3906201" cy="2747424"/>
+            <a:off x="706643" y="3328987"/>
+            <a:ext cx="4229100" cy="1266825"/>
           </a:xfrm>
           <a:prstGeom prst="rect">
             <a:avLst/>
@@ -7111,12 +9246,107 @@
           </a:extLst>
         </p:spPr>
       </p:pic>
+      <p:sp>
+        <p:nvSpPr>
+          <p:cNvPr id="4" name="TextBox 3">
+            <a:extLst>
+              <a:ext uri="{FF2B5EF4-FFF2-40B4-BE49-F238E27FC236}">
+                <a16:creationId xmlns:a16="http://schemas.microsoft.com/office/drawing/2014/main" id="{371E4336-42A8-BD3B-1AAF-D11B10D1CABC}"/>
+              </a:ext>
+            </a:extLst>
+          </p:cNvPr>
+          <p:cNvSpPr txBox="1"/>
+          <p:nvPr/>
+        </p:nvSpPr>
+        <p:spPr>
+          <a:xfrm>
+            <a:off x="274320" y="655320"/>
+            <a:ext cx="609600" cy="5078313"/>
+          </a:xfrm>
+          <a:prstGeom prst="rect">
+            <a:avLst/>
+          </a:prstGeom>
+          <a:noFill/>
+        </p:spPr>
+        <p:txBody>
+          <a:bodyPr wrap="square" rtlCol="0">
+            <a:spAutoFit/>
+          </a:bodyPr>
+          <a:lstStyle/>
+          <a:p>
+            <a:r>
+              <a:rPr lang="en-US" altLang="ko-KR"/>
+              <a:t>s10</a:t>
+            </a:r>
+          </a:p>
+          <a:p>
+            <a:endParaRPr lang="en-US" altLang="ko-KR"/>
+          </a:p>
+          <a:p>
+            <a:endParaRPr lang="en-US" altLang="ko-KR"/>
+          </a:p>
+          <a:p>
+            <a:endParaRPr lang="en-US" altLang="ko-KR"/>
+          </a:p>
+          <a:p>
+            <a:endParaRPr lang="en-US" altLang="ko-KR"/>
+          </a:p>
+          <a:p>
+            <a:endParaRPr lang="en-US" altLang="ko-KR"/>
+          </a:p>
+          <a:p>
+            <a:r>
+              <a:rPr lang="en-US" altLang="ko-KR"/>
+              <a:t>s11</a:t>
+            </a:r>
+          </a:p>
+          <a:p>
+            <a:endParaRPr lang="en-US" altLang="ko-KR"/>
+          </a:p>
+          <a:p>
+            <a:endParaRPr lang="en-US" altLang="ko-KR"/>
+          </a:p>
+          <a:p>
+            <a:endParaRPr lang="en-US" altLang="ko-KR"/>
+          </a:p>
+          <a:p>
+            <a:endParaRPr lang="en-US" altLang="ko-KR"/>
+          </a:p>
+          <a:p>
+            <a:r>
+              <a:rPr lang="en-US" altLang="ko-KR"/>
+              <a:t>s12</a:t>
+            </a:r>
+          </a:p>
+          <a:p>
+            <a:endParaRPr lang="en-US" altLang="ko-KR"/>
+          </a:p>
+          <a:p>
+            <a:endParaRPr lang="en-US" altLang="ko-KR"/>
+          </a:p>
+          <a:p>
+            <a:endParaRPr lang="en-US" altLang="ko-KR"/>
+          </a:p>
+          <a:p>
+            <a:endParaRPr lang="en-US" altLang="ko-KR"/>
+          </a:p>
+          <a:p>
+            <a:endParaRPr lang="en-US" altLang="ko-KR"/>
+          </a:p>
+          <a:p>
+            <a:r>
+              <a:rPr lang="en-US" altLang="ko-KR"/>
+              <a:t>s13</a:t>
+            </a:r>
+          </a:p>
+        </p:txBody>
+      </p:sp>
       <p:pic>
         <p:nvPicPr>
-          <p:cNvPr id="4106" name="Picture 10">
-            <a:extLst>
-              <a:ext uri="{FF2B5EF4-FFF2-40B4-BE49-F238E27FC236}">
-                <a16:creationId xmlns:a16="http://schemas.microsoft.com/office/drawing/2014/main" id="{905D7C95-3D31-E41C-AAD1-87A4E6A9AF27}"/>
+          <p:cNvPr id="1032" name="Picture 8">
+            <a:extLst>
+              <a:ext uri="{FF2B5EF4-FFF2-40B4-BE49-F238E27FC236}">
+                <a16:creationId xmlns:a16="http://schemas.microsoft.com/office/drawing/2014/main" id="{BEB213E3-8790-5EF3-E1E3-13AB8BBE739E}"/>
               </a:ext>
             </a:extLst>
           </p:cNvPr>
@@ -7140,8 +9370,8 @@
         </p:blipFill>
         <p:spPr bwMode="auto">
           <a:xfrm>
-            <a:off x="3775856" y="4100682"/>
-            <a:ext cx="4036984" cy="2757318"/>
+            <a:off x="737123" y="4951095"/>
+            <a:ext cx="4229100" cy="1266825"/>
           </a:xfrm>
           <a:prstGeom prst="rect">
             <a:avLst/>
@@ -7160,10 +9390,10 @@
       </p:pic>
       <p:pic>
         <p:nvPicPr>
-          <p:cNvPr id="4110" name="Picture 14">
-            <a:extLst>
-              <a:ext uri="{FF2B5EF4-FFF2-40B4-BE49-F238E27FC236}">
-                <a16:creationId xmlns:a16="http://schemas.microsoft.com/office/drawing/2014/main" id="{8B0D8AD5-9593-E416-99D7-834B850785A8}"/>
+          <p:cNvPr id="1034" name="Picture 10">
+            <a:extLst>
+              <a:ext uri="{FF2B5EF4-FFF2-40B4-BE49-F238E27FC236}">
+                <a16:creationId xmlns:a16="http://schemas.microsoft.com/office/drawing/2014/main" id="{9761641F-74AB-010D-BD2D-17B7DAF00417}"/>
               </a:ext>
             </a:extLst>
           </p:cNvPr>
@@ -7187,8 +9417,8 @@
         </p:blipFill>
         <p:spPr bwMode="auto">
           <a:xfrm>
-            <a:off x="7564971" y="3975404"/>
-            <a:ext cx="4110192" cy="2890900"/>
+            <a:off x="7075170" y="334773"/>
+            <a:ext cx="4229100" cy="1266825"/>
           </a:xfrm>
           <a:prstGeom prst="rect">
             <a:avLst/>
@@ -7207,10 +9437,10 @@
       </p:pic>
       <p:pic>
         <p:nvPicPr>
-          <p:cNvPr id="4112" name="Picture 16">
-            <a:extLst>
-              <a:ext uri="{FF2B5EF4-FFF2-40B4-BE49-F238E27FC236}">
-                <a16:creationId xmlns:a16="http://schemas.microsoft.com/office/drawing/2014/main" id="{7962E53A-5AA3-0ED2-BB90-20FB49AF76D1}"/>
+          <p:cNvPr id="1036" name="Picture 12">
+            <a:extLst>
+              <a:ext uri="{FF2B5EF4-FFF2-40B4-BE49-F238E27FC236}">
+                <a16:creationId xmlns:a16="http://schemas.microsoft.com/office/drawing/2014/main" id="{D91EB699-781C-9550-A312-CC659536798F}"/>
               </a:ext>
             </a:extLst>
           </p:cNvPr>
@@ -7234,8 +9464,8 @@
         </p:blipFill>
         <p:spPr bwMode="auto">
           <a:xfrm>
-            <a:off x="7629342" y="1273885"/>
-            <a:ext cx="3981450" cy="2800350"/>
+            <a:off x="7075170" y="1831880"/>
+            <a:ext cx="4229100" cy="1266825"/>
           </a:xfrm>
           <a:prstGeom prst="rect">
             <a:avLst/>
@@ -7254,10 +9484,10 @@
       </p:pic>
       <p:pic>
         <p:nvPicPr>
-          <p:cNvPr id="4114" name="Picture 18">
-            <a:extLst>
-              <a:ext uri="{FF2B5EF4-FFF2-40B4-BE49-F238E27FC236}">
-                <a16:creationId xmlns:a16="http://schemas.microsoft.com/office/drawing/2014/main" id="{309C3EED-532A-8310-A032-85E4A9682419}"/>
+          <p:cNvPr id="1038" name="Picture 14">
+            <a:extLst>
+              <a:ext uri="{FF2B5EF4-FFF2-40B4-BE49-F238E27FC236}">
+                <a16:creationId xmlns:a16="http://schemas.microsoft.com/office/drawing/2014/main" id="{07BEA795-40DC-37AB-E96E-D2AABCAA99F1}"/>
               </a:ext>
             </a:extLst>
           </p:cNvPr>
@@ -7281,8 +9511,8 @@
         </p:blipFill>
         <p:spPr bwMode="auto">
           <a:xfrm>
-            <a:off x="7584959" y="58159"/>
-            <a:ext cx="4286250" cy="1266825"/>
+            <a:off x="7075170" y="3328987"/>
+            <a:ext cx="4229100" cy="1266825"/>
           </a:xfrm>
           <a:prstGeom prst="rect">
             <a:avLst/>
@@ -7299,10 +9529,152 @@
           </a:extLst>
         </p:spPr>
       </p:pic>
+      <p:pic>
+        <p:nvPicPr>
+          <p:cNvPr id="1040" name="Picture 16">
+            <a:extLst>
+              <a:ext uri="{FF2B5EF4-FFF2-40B4-BE49-F238E27FC236}">
+                <a16:creationId xmlns:a16="http://schemas.microsoft.com/office/drawing/2014/main" id="{CABF6F87-138C-D052-C2B9-B67334BF8F90}"/>
+              </a:ext>
+            </a:extLst>
+          </p:cNvPr>
+          <p:cNvPicPr>
+            <a:picLocks noChangeAspect="1" noChangeArrowheads="1"/>
+          </p:cNvPicPr>
+          <p:nvPr/>
+        </p:nvPicPr>
+        <p:blipFill>
+          <a:blip r:embed="rId9">
+            <a:extLst>
+              <a:ext uri="{28A0092B-C50C-407E-A947-70E740481C1C}">
+                <a14:useLocalDpi xmlns:a14="http://schemas.microsoft.com/office/drawing/2010/main" val="0"/>
+              </a:ext>
+            </a:extLst>
+          </a:blip>
+          <a:srcRect/>
+          <a:stretch>
+            <a:fillRect/>
+          </a:stretch>
+        </p:blipFill>
+        <p:spPr bwMode="auto">
+          <a:xfrm>
+            <a:off x="7075170" y="4951095"/>
+            <a:ext cx="4229100" cy="1266825"/>
+          </a:xfrm>
+          <a:prstGeom prst="rect">
+            <a:avLst/>
+          </a:prstGeom>
+          <a:noFill/>
+          <a:extLst>
+            <a:ext uri="{909E8E84-426E-40DD-AFC4-6F175D3DCCD1}">
+              <a14:hiddenFill xmlns:a14="http://schemas.microsoft.com/office/drawing/2010/main">
+                <a:solidFill>
+                  <a:srgbClr val="FFFFFF"/>
+                </a:solidFill>
+              </a14:hiddenFill>
+            </a:ext>
+          </a:extLst>
+        </p:spPr>
+      </p:pic>
+      <p:sp>
+        <p:nvSpPr>
+          <p:cNvPr id="13" name="TextBox 12">
+            <a:extLst>
+              <a:ext uri="{FF2B5EF4-FFF2-40B4-BE49-F238E27FC236}">
+                <a16:creationId xmlns:a16="http://schemas.microsoft.com/office/drawing/2014/main" id="{AB7ED5D0-B5C1-ADA2-F32F-5417DDD3E1CA}"/>
+              </a:ext>
+            </a:extLst>
+          </p:cNvPr>
+          <p:cNvSpPr txBox="1"/>
+          <p:nvPr/>
+        </p:nvSpPr>
+        <p:spPr>
+          <a:xfrm>
+            <a:off x="6435090" y="655320"/>
+            <a:ext cx="609600" cy="5078313"/>
+          </a:xfrm>
+          <a:prstGeom prst="rect">
+            <a:avLst/>
+          </a:prstGeom>
+          <a:noFill/>
+        </p:spPr>
+        <p:txBody>
+          <a:bodyPr wrap="square" rtlCol="0">
+            <a:spAutoFit/>
+          </a:bodyPr>
+          <a:lstStyle/>
+          <a:p>
+            <a:r>
+              <a:rPr lang="en-US" altLang="ko-KR"/>
+              <a:t>s14</a:t>
+            </a:r>
+          </a:p>
+          <a:p>
+            <a:endParaRPr lang="en-US" altLang="ko-KR"/>
+          </a:p>
+          <a:p>
+            <a:endParaRPr lang="en-US" altLang="ko-KR"/>
+          </a:p>
+          <a:p>
+            <a:endParaRPr lang="en-US" altLang="ko-KR"/>
+          </a:p>
+          <a:p>
+            <a:endParaRPr lang="en-US" altLang="ko-KR"/>
+          </a:p>
+          <a:p>
+            <a:endParaRPr lang="en-US" altLang="ko-KR"/>
+          </a:p>
+          <a:p>
+            <a:r>
+              <a:rPr lang="en-US" altLang="ko-KR"/>
+              <a:t>s15</a:t>
+            </a:r>
+          </a:p>
+          <a:p>
+            <a:endParaRPr lang="en-US" altLang="ko-KR"/>
+          </a:p>
+          <a:p>
+            <a:endParaRPr lang="en-US" altLang="ko-KR"/>
+          </a:p>
+          <a:p>
+            <a:endParaRPr lang="en-US" altLang="ko-KR"/>
+          </a:p>
+          <a:p>
+            <a:endParaRPr lang="en-US" altLang="ko-KR"/>
+          </a:p>
+          <a:p>
+            <a:r>
+              <a:rPr lang="en-US" altLang="ko-KR"/>
+              <a:t>s16</a:t>
+            </a:r>
+          </a:p>
+          <a:p>
+            <a:endParaRPr lang="en-US" altLang="ko-KR"/>
+          </a:p>
+          <a:p>
+            <a:endParaRPr lang="en-US" altLang="ko-KR"/>
+          </a:p>
+          <a:p>
+            <a:endParaRPr lang="en-US" altLang="ko-KR"/>
+          </a:p>
+          <a:p>
+            <a:endParaRPr lang="en-US" altLang="ko-KR"/>
+          </a:p>
+          <a:p>
+            <a:endParaRPr lang="en-US" altLang="ko-KR"/>
+          </a:p>
+          <a:p>
+            <a:r>
+              <a:rPr lang="en-US" altLang="ko-KR"/>
+              <a:t>s17</a:t>
+            </a:r>
+          </a:p>
+        </p:txBody>
+      </p:sp>
     </p:spTree>
     <p:extLst>
       <p:ext uri="{BB962C8B-B14F-4D97-AF65-F5344CB8AC3E}">
-        <p14:creationId xmlns:p14="http://schemas.microsoft.com/office/powerpoint/2010/main" val="3521513202"/>
+        <p14:creationId xmlns:p14="http://schemas.microsoft.com/office/powerpoint/2010/main" val="1846189195"/>
       </p:ext>
     </p:extLst>
   </p:cSld>
@@ -7331,10 +9703,10 @@
       </p:grpSpPr>
       <p:sp>
         <p:nvSpPr>
-          <p:cNvPr id="5" name="Title 1">
-            <a:extLst>
-              <a:ext uri="{FF2B5EF4-FFF2-40B4-BE49-F238E27FC236}">
-                <a16:creationId xmlns:a16="http://schemas.microsoft.com/office/drawing/2014/main" id="{182CB139-15D8-1920-6A2D-6B3F72DD203F}"/>
+          <p:cNvPr id="14" name="Title 13">
+            <a:extLst>
+              <a:ext uri="{FF2B5EF4-FFF2-40B4-BE49-F238E27FC236}">
+                <a16:creationId xmlns:a16="http://schemas.microsoft.com/office/drawing/2014/main" id="{75A19725-C5D2-B06D-B140-696D4A1DCCC7}"/>
               </a:ext>
             </a:extLst>
           </p:cNvPr>
@@ -7345,32 +9717,25 @@
             <p:ph type="title"/>
           </p:nvPr>
         </p:nvSpPr>
-        <p:spPr>
-          <a:xfrm>
-            <a:off x="444138" y="528737"/>
-            <a:ext cx="8898646" cy="755905"/>
-          </a:xfrm>
-        </p:spPr>
+        <p:spPr/>
         <p:txBody>
-          <a:bodyPr anchor="b">
-            <a:normAutofit/>
-          </a:bodyPr>
+          <a:bodyPr/>
           <a:lstStyle/>
           <a:p>
             <a:r>
-              <a:rPr lang="en-US" altLang="ko-KR" sz="4800"/>
-              <a:t>LPP R0459</a:t>
+              <a:rPr lang="en-US" altLang="ko-KR"/>
+              <a:t>Spectrogram (STRF)</a:t>
             </a:r>
-            <a:endParaRPr lang="ko-KR" altLang="en-US" sz="4800"/>
+            <a:endParaRPr lang="ko-KR" altLang="en-US"/>
           </a:p>
         </p:txBody>
       </p:sp>
       <p:sp>
         <p:nvSpPr>
-          <p:cNvPr id="6" name="TextBox 5">
-            <a:extLst>
-              <a:ext uri="{FF2B5EF4-FFF2-40B4-BE49-F238E27FC236}">
-                <a16:creationId xmlns:a16="http://schemas.microsoft.com/office/drawing/2014/main" id="{5B823DD7-BC67-3E38-B2CD-69C20189E0CB}"/>
+          <p:cNvPr id="5" name="TextBox 4">
+            <a:extLst>
+              <a:ext uri="{FF2B5EF4-FFF2-40B4-BE49-F238E27FC236}">
+                <a16:creationId xmlns:a16="http://schemas.microsoft.com/office/drawing/2014/main" id="{4BAA1BF1-5760-F966-8412-8DF6437F7A73}"/>
               </a:ext>
             </a:extLst>
           </p:cNvPr>
@@ -7379,8 +9744,8 @@
         </p:nvSpPr>
         <p:spPr>
           <a:xfrm>
-            <a:off x="3666843" y="911277"/>
-            <a:ext cx="1781257" cy="369332"/>
+            <a:off x="733961" y="2831360"/>
+            <a:ext cx="1068343" cy="4247317"/>
           </a:xfrm>
           <a:prstGeom prst="rect">
             <a:avLst/>
@@ -7388,30 +9753,77 @@
           <a:noFill/>
         </p:spPr>
         <p:txBody>
-          <a:bodyPr wrap="none" rtlCol="0">
+          <a:bodyPr wrap="square" rtlCol="0">
             <a:spAutoFit/>
           </a:bodyPr>
           <a:lstStyle/>
           <a:p>
             <a:r>
               <a:rPr lang="en-US" altLang="ko-KR"/>
-              <a:t>scale = 200 µv </a:t>
+              <a:t>s01</a:t>
             </a:r>
-            <a:endParaRPr lang="ko-KR" altLang="en-US"/>
+          </a:p>
+          <a:p>
+            <a:endParaRPr lang="en-US" altLang="ko-KR"/>
+          </a:p>
+          <a:p>
+            <a:endParaRPr lang="en-US" altLang="ko-KR"/>
+          </a:p>
+          <a:p>
+            <a:endParaRPr lang="en-US" altLang="ko-KR"/>
+          </a:p>
+          <a:p>
+            <a:endParaRPr lang="en-US" altLang="ko-KR"/>
+          </a:p>
+          <a:p>
+            <a:endParaRPr lang="en-US" altLang="ko-KR"/>
+          </a:p>
+          <a:p>
+            <a:endParaRPr lang="en-US" altLang="ko-KR"/>
+          </a:p>
+          <a:p>
+            <a:endParaRPr lang="en-US" altLang="ko-KR"/>
+          </a:p>
+          <a:p>
+            <a:r>
+              <a:rPr lang="en-US" altLang="ko-KR"/>
+              <a:t>LPP</a:t>
+            </a:r>
+          </a:p>
+          <a:p>
+            <a:r>
+              <a:rPr lang="en-US" altLang="ko-KR"/>
+              <a:t>(R0462)</a:t>
+            </a:r>
+          </a:p>
+          <a:p>
+            <a:endParaRPr lang="en-US" altLang="ko-KR"/>
+          </a:p>
+          <a:p>
+            <a:endParaRPr lang="en-US" altLang="ko-KR"/>
+          </a:p>
+          <a:p>
+            <a:endParaRPr lang="en-US" altLang="ko-KR"/>
+          </a:p>
+          <a:p>
+            <a:endParaRPr lang="en-US" altLang="ko-KR"/>
+          </a:p>
+          <a:p>
+            <a:endParaRPr lang="en-US" altLang="ko-KR"/>
           </a:p>
         </p:txBody>
       </p:sp>
       <p:pic>
         <p:nvPicPr>
-          <p:cNvPr id="6156" name="Picture 12">
-            <a:extLst>
-              <a:ext uri="{FF2B5EF4-FFF2-40B4-BE49-F238E27FC236}">
-                <a16:creationId xmlns:a16="http://schemas.microsoft.com/office/drawing/2014/main" id="{A2A42D5A-C2E2-3E45-FA9A-7027F7A74851}"/>
+          <p:cNvPr id="19" name="Picture 18" descr="Calendar&#10;&#10;Description automatically generated">
+            <a:extLst>
+              <a:ext uri="{FF2B5EF4-FFF2-40B4-BE49-F238E27FC236}">
+                <a16:creationId xmlns:a16="http://schemas.microsoft.com/office/drawing/2014/main" id="{0857D483-C328-703C-0552-C7B4EB7335A9}"/>
               </a:ext>
             </a:extLst>
           </p:cNvPr>
           <p:cNvPicPr>
-            <a:picLocks noChangeAspect="1" noChangeArrowheads="1"/>
+            <a:picLocks noChangeAspect="1"/>
           </p:cNvPicPr>
           <p:nvPr/>
         </p:nvPicPr>
@@ -7423,42 +9835,31 @@
               </a:ext>
             </a:extLst>
           </a:blip>
-          <a:srcRect/>
           <a:stretch>
             <a:fillRect/>
           </a:stretch>
         </p:blipFill>
-        <p:spPr bwMode="auto">
-          <a:xfrm>
-            <a:off x="72989" y="1328125"/>
-            <a:ext cx="4092093" cy="2888536"/>
+        <p:spPr>
+          <a:xfrm>
+            <a:off x="1926697" y="4183739"/>
+            <a:ext cx="7530886" cy="2470659"/>
           </a:xfrm>
           <a:prstGeom prst="rect">
             <a:avLst/>
           </a:prstGeom>
-          <a:noFill/>
-          <a:extLst>
-            <a:ext uri="{909E8E84-426E-40DD-AFC4-6F175D3DCCD1}">
-              <a14:hiddenFill xmlns:a14="http://schemas.microsoft.com/office/drawing/2010/main">
-                <a:solidFill>
-                  <a:srgbClr val="FFFFFF"/>
-                </a:solidFill>
-              </a14:hiddenFill>
-            </a:ext>
-          </a:extLst>
         </p:spPr>
       </p:pic>
       <p:pic>
         <p:nvPicPr>
-          <p:cNvPr id="6158" name="Picture 14">
-            <a:extLst>
-              <a:ext uri="{FF2B5EF4-FFF2-40B4-BE49-F238E27FC236}">
-                <a16:creationId xmlns:a16="http://schemas.microsoft.com/office/drawing/2014/main" id="{9785B7B8-0D34-B405-1A93-6A238781A777}"/>
+          <p:cNvPr id="23" name="Picture 22" descr="Chart, diagram&#10;&#10;Description automatically generated with medium confidence">
+            <a:extLst>
+              <a:ext uri="{FF2B5EF4-FFF2-40B4-BE49-F238E27FC236}">
+                <a16:creationId xmlns:a16="http://schemas.microsoft.com/office/drawing/2014/main" id="{16DE21F7-10AA-CB78-8EEF-22D5E220B081}"/>
               </a:ext>
             </a:extLst>
           </p:cNvPr>
           <p:cNvPicPr>
-            <a:picLocks noChangeAspect="1" noChangeArrowheads="1"/>
+            <a:picLocks noChangeAspect="1"/>
           </p:cNvPicPr>
           <p:nvPr/>
         </p:nvPicPr>
@@ -7470,270 +9871,24 @@
               </a:ext>
             </a:extLst>
           </a:blip>
-          <a:srcRect/>
           <a:stretch>
             <a:fillRect/>
           </a:stretch>
         </p:blipFill>
-        <p:spPr bwMode="auto">
-          <a:xfrm>
-            <a:off x="3852310" y="1399356"/>
-            <a:ext cx="4229100" cy="2888536"/>
+        <p:spPr>
+          <a:xfrm>
+            <a:off x="1926697" y="1354177"/>
+            <a:ext cx="7530886" cy="2954365"/>
           </a:xfrm>
           <a:prstGeom prst="rect">
             <a:avLst/>
           </a:prstGeom>
-          <a:noFill/>
-          <a:extLst>
-            <a:ext uri="{909E8E84-426E-40DD-AFC4-6F175D3DCCD1}">
-              <a14:hiddenFill xmlns:a14="http://schemas.microsoft.com/office/drawing/2010/main">
-                <a:solidFill>
-                  <a:srgbClr val="FFFFFF"/>
-                </a:solidFill>
-              </a14:hiddenFill>
-            </a:ext>
-          </a:extLst>
-        </p:spPr>
-      </p:pic>
-      <p:pic>
-        <p:nvPicPr>
-          <p:cNvPr id="6160" name="Picture 16">
-            <a:extLst>
-              <a:ext uri="{FF2B5EF4-FFF2-40B4-BE49-F238E27FC236}">
-                <a16:creationId xmlns:a16="http://schemas.microsoft.com/office/drawing/2014/main" id="{E840336D-5573-74E5-54E1-1075856E3062}"/>
-              </a:ext>
-            </a:extLst>
-          </p:cNvPr>
-          <p:cNvPicPr>
-            <a:picLocks noChangeAspect="1" noChangeArrowheads="1"/>
-          </p:cNvPicPr>
-          <p:nvPr/>
-        </p:nvPicPr>
-        <p:blipFill>
-          <a:blip r:embed="rId4">
-            <a:extLst>
-              <a:ext uri="{28A0092B-C50C-407E-A947-70E740481C1C}">
-                <a14:useLocalDpi xmlns:a14="http://schemas.microsoft.com/office/drawing/2010/main" val="0"/>
-              </a:ext>
-            </a:extLst>
-          </a:blip>
-          <a:srcRect/>
-          <a:stretch>
-            <a:fillRect/>
-          </a:stretch>
-        </p:blipFill>
-        <p:spPr bwMode="auto">
-          <a:xfrm>
-            <a:off x="7799935" y="1392217"/>
-            <a:ext cx="4229100" cy="2888536"/>
-          </a:xfrm>
-          <a:prstGeom prst="rect">
-            <a:avLst/>
-          </a:prstGeom>
-          <a:noFill/>
-          <a:extLst>
-            <a:ext uri="{909E8E84-426E-40DD-AFC4-6F175D3DCCD1}">
-              <a14:hiddenFill xmlns:a14="http://schemas.microsoft.com/office/drawing/2010/main">
-                <a:solidFill>
-                  <a:srgbClr val="FFFFFF"/>
-                </a:solidFill>
-              </a14:hiddenFill>
-            </a:ext>
-          </a:extLst>
-        </p:spPr>
-      </p:pic>
-      <p:pic>
-        <p:nvPicPr>
-          <p:cNvPr id="6168" name="Picture 24">
-            <a:extLst>
-              <a:ext uri="{FF2B5EF4-FFF2-40B4-BE49-F238E27FC236}">
-                <a16:creationId xmlns:a16="http://schemas.microsoft.com/office/drawing/2014/main" id="{2C32E396-7AA5-ADC5-E584-4CC4CF1A722B}"/>
-              </a:ext>
-            </a:extLst>
-          </p:cNvPr>
-          <p:cNvPicPr>
-            <a:picLocks noChangeAspect="1" noChangeArrowheads="1"/>
-          </p:cNvPicPr>
-          <p:nvPr/>
-        </p:nvPicPr>
-        <p:blipFill>
-          <a:blip r:embed="rId5">
-            <a:extLst>
-              <a:ext uri="{28A0092B-C50C-407E-A947-70E740481C1C}">
-                <a14:useLocalDpi xmlns:a14="http://schemas.microsoft.com/office/drawing/2010/main" val="0"/>
-              </a:ext>
-            </a:extLst>
-          </a:blip>
-          <a:srcRect/>
-          <a:stretch>
-            <a:fillRect/>
-          </a:stretch>
-        </p:blipFill>
-        <p:spPr bwMode="auto">
-          <a:xfrm>
-            <a:off x="64744" y="4085606"/>
-            <a:ext cx="4092094" cy="2888537"/>
-          </a:xfrm>
-          <a:prstGeom prst="rect">
-            <a:avLst/>
-          </a:prstGeom>
-          <a:noFill/>
-          <a:extLst>
-            <a:ext uri="{909E8E84-426E-40DD-AFC4-6F175D3DCCD1}">
-              <a14:hiddenFill xmlns:a14="http://schemas.microsoft.com/office/drawing/2010/main">
-                <a:solidFill>
-                  <a:srgbClr val="FFFFFF"/>
-                </a:solidFill>
-              </a14:hiddenFill>
-            </a:ext>
-          </a:extLst>
-        </p:spPr>
-      </p:pic>
-      <p:pic>
-        <p:nvPicPr>
-          <p:cNvPr id="6170" name="Picture 26">
-            <a:extLst>
-              <a:ext uri="{FF2B5EF4-FFF2-40B4-BE49-F238E27FC236}">
-                <a16:creationId xmlns:a16="http://schemas.microsoft.com/office/drawing/2014/main" id="{AEEB9239-CE4B-7EB5-7765-4F515AD53B9B}"/>
-              </a:ext>
-            </a:extLst>
-          </p:cNvPr>
-          <p:cNvPicPr>
-            <a:picLocks noChangeAspect="1" noChangeArrowheads="1"/>
-          </p:cNvPicPr>
-          <p:nvPr/>
-        </p:nvPicPr>
-        <p:blipFill>
-          <a:blip r:embed="rId6">
-            <a:extLst>
-              <a:ext uri="{28A0092B-C50C-407E-A947-70E740481C1C}">
-                <a14:useLocalDpi xmlns:a14="http://schemas.microsoft.com/office/drawing/2010/main" val="0"/>
-              </a:ext>
-            </a:extLst>
-          </a:blip>
-          <a:srcRect/>
-          <a:stretch>
-            <a:fillRect/>
-          </a:stretch>
-        </p:blipFill>
-        <p:spPr bwMode="auto">
-          <a:xfrm>
-            <a:off x="3806063" y="4179610"/>
-            <a:ext cx="4229101" cy="2888537"/>
-          </a:xfrm>
-          <a:prstGeom prst="rect">
-            <a:avLst/>
-          </a:prstGeom>
-          <a:noFill/>
-          <a:extLst>
-            <a:ext uri="{909E8E84-426E-40DD-AFC4-6F175D3DCCD1}">
-              <a14:hiddenFill xmlns:a14="http://schemas.microsoft.com/office/drawing/2010/main">
-                <a:solidFill>
-                  <a:srgbClr val="FFFFFF"/>
-                </a:solidFill>
-              </a14:hiddenFill>
-            </a:ext>
-          </a:extLst>
-        </p:spPr>
-      </p:pic>
-      <p:pic>
-        <p:nvPicPr>
-          <p:cNvPr id="6172" name="Picture 28">
-            <a:extLst>
-              <a:ext uri="{FF2B5EF4-FFF2-40B4-BE49-F238E27FC236}">
-                <a16:creationId xmlns:a16="http://schemas.microsoft.com/office/drawing/2014/main" id="{F2D065A4-71B5-D857-3BC7-44FD6712F02F}"/>
-              </a:ext>
-            </a:extLst>
-          </p:cNvPr>
-          <p:cNvPicPr>
-            <a:picLocks noChangeAspect="1" noChangeArrowheads="1"/>
-          </p:cNvPicPr>
-          <p:nvPr/>
-        </p:nvPicPr>
-        <p:blipFill>
-          <a:blip r:embed="rId7">
-            <a:extLst>
-              <a:ext uri="{28A0092B-C50C-407E-A947-70E740481C1C}">
-                <a14:useLocalDpi xmlns:a14="http://schemas.microsoft.com/office/drawing/2010/main" val="0"/>
-              </a:ext>
-            </a:extLst>
-          </a:blip>
-          <a:srcRect/>
-          <a:stretch>
-            <a:fillRect/>
-          </a:stretch>
-        </p:blipFill>
-        <p:spPr bwMode="auto">
-          <a:xfrm>
-            <a:off x="7764514" y="4172471"/>
-            <a:ext cx="4229100" cy="2888536"/>
-          </a:xfrm>
-          <a:prstGeom prst="rect">
-            <a:avLst/>
-          </a:prstGeom>
-          <a:noFill/>
-          <a:extLst>
-            <a:ext uri="{909E8E84-426E-40DD-AFC4-6F175D3DCCD1}">
-              <a14:hiddenFill xmlns:a14="http://schemas.microsoft.com/office/drawing/2010/main">
-                <a:solidFill>
-                  <a:srgbClr val="FFFFFF"/>
-                </a:solidFill>
-              </a14:hiddenFill>
-            </a:ext>
-          </a:extLst>
-        </p:spPr>
-      </p:pic>
-      <p:pic>
-        <p:nvPicPr>
-          <p:cNvPr id="6174" name="Picture 30">
-            <a:extLst>
-              <a:ext uri="{FF2B5EF4-FFF2-40B4-BE49-F238E27FC236}">
-                <a16:creationId xmlns:a16="http://schemas.microsoft.com/office/drawing/2014/main" id="{82465C1E-4874-B42D-A97A-025269A3DAF0}"/>
-              </a:ext>
-            </a:extLst>
-          </p:cNvPr>
-          <p:cNvPicPr>
-            <a:picLocks noChangeAspect="1" noChangeArrowheads="1"/>
-          </p:cNvPicPr>
-          <p:nvPr/>
-        </p:nvPicPr>
-        <p:blipFill>
-          <a:blip r:embed="rId8">
-            <a:extLst>
-              <a:ext uri="{28A0092B-C50C-407E-A947-70E740481C1C}">
-                <a14:useLocalDpi xmlns:a14="http://schemas.microsoft.com/office/drawing/2010/main" val="0"/>
-              </a:ext>
-            </a:extLst>
-          </a:blip>
-          <a:srcRect/>
-          <a:stretch>
-            <a:fillRect/>
-          </a:stretch>
-        </p:blipFill>
-        <p:spPr bwMode="auto">
-          <a:xfrm>
-            <a:off x="7764514" y="85529"/>
-            <a:ext cx="4229100" cy="1266825"/>
-          </a:xfrm>
-          <a:prstGeom prst="rect">
-            <a:avLst/>
-          </a:prstGeom>
-          <a:noFill/>
-          <a:extLst>
-            <a:ext uri="{909E8E84-426E-40DD-AFC4-6F175D3DCCD1}">
-              <a14:hiddenFill xmlns:a14="http://schemas.microsoft.com/office/drawing/2010/main">
-                <a:solidFill>
-                  <a:srgbClr val="FFFFFF"/>
-                </a:solidFill>
-              </a14:hiddenFill>
-            </a:ext>
-          </a:extLst>
         </p:spPr>
       </p:pic>
     </p:spTree>
     <p:extLst>
       <p:ext uri="{BB962C8B-B14F-4D97-AF65-F5344CB8AC3E}">
-        <p14:creationId xmlns:p14="http://schemas.microsoft.com/office/powerpoint/2010/main" val="4144280001"/>
+        <p14:creationId xmlns:p14="http://schemas.microsoft.com/office/powerpoint/2010/main" val="1813008957"/>
       </p:ext>
     </p:extLst>
   </p:cSld>
@@ -7746,6 +9901,14 @@
 <file path=ppt/slides/slide9.xml><?xml version="1.0" encoding="utf-8"?>
 <p:sld xmlns:a="http://schemas.openxmlformats.org/drawingml/2006/main" xmlns:r="http://schemas.openxmlformats.org/officeDocument/2006/relationships" xmlns:p="http://schemas.openxmlformats.org/presentationml/2006/main">
   <p:cSld>
+    <p:bg>
+      <p:bgPr>
+        <a:solidFill>
+          <a:schemeClr val="bg1"/>
+        </a:solidFill>
+        <a:effectLst/>
+      </p:bgPr>
+    </p:bg>
     <p:spTree>
       <p:nvGrpSpPr>
         <p:cNvPr id="1" name=""/>
@@ -7762,10 +9925,449 @@
       </p:grpSpPr>
       <p:sp>
         <p:nvSpPr>
-          <p:cNvPr id="5" name="Title 1">
-            <a:extLst>
-              <a:ext uri="{FF2B5EF4-FFF2-40B4-BE49-F238E27FC236}">
-                <a16:creationId xmlns:a16="http://schemas.microsoft.com/office/drawing/2014/main" id="{182CB139-15D8-1920-6A2D-6B3F72DD203F}"/>
+          <p:cNvPr id="10" name="Rectangle 9">
+            <a:extLst>
+              <a:ext uri="{FF2B5EF4-FFF2-40B4-BE49-F238E27FC236}">
+                <a16:creationId xmlns:a16="http://schemas.microsoft.com/office/drawing/2014/main" id="{B551C3B6-A0D6-43F6-9F68-13666CDA5C09}"/>
+              </a:ext>
+              <a:ext uri="{C183D7F6-B498-43B3-948B-1728B52AA6E4}">
+                <adec:decorative xmlns:adec="http://schemas.microsoft.com/office/drawing/2017/decorative" val="1"/>
+              </a:ext>
+            </a:extLst>
+          </p:cNvPr>
+          <p:cNvSpPr>
+            <a:spLocks noGrp="1" noRot="1" noChangeAspect="1" noMove="1" noResize="1" noEditPoints="1" noAdjustHandles="1" noChangeArrowheads="1" noChangeShapeType="1" noTextEdit="1"/>
+          </p:cNvSpPr>
+          <p:nvPr>
+            <p:extLst>
+              <p:ext uri="{386F3935-93C4-4BCD-93E2-E3B085C9AB24}">
+                <p16:designElem xmlns:p16="http://schemas.microsoft.com/office/powerpoint/2015/main" val="1"/>
+              </p:ext>
+            </p:extLst>
+          </p:nvPr>
+        </p:nvSpPr>
+        <p:spPr>
+          <a:xfrm>
+            <a:off x="1478322" y="709375"/>
+            <a:ext cx="10713675" cy="5419400"/>
+          </a:xfrm>
+          <a:prstGeom prst="rect">
+            <a:avLst/>
+          </a:prstGeom>
+          <a:solidFill>
+            <a:schemeClr val="bg1"/>
+          </a:solidFill>
+          <a:ln>
+            <a:noFill/>
+          </a:ln>
+        </p:spPr>
+        <p:style>
+          <a:lnRef idx="2">
+            <a:schemeClr val="accent1">
+              <a:shade val="50000"/>
+            </a:schemeClr>
+          </a:lnRef>
+          <a:fillRef idx="1">
+            <a:schemeClr val="accent1"/>
+          </a:fillRef>
+          <a:effectRef idx="0">
+            <a:schemeClr val="accent1"/>
+          </a:effectRef>
+          <a:fontRef idx="minor">
+            <a:schemeClr val="lt1"/>
+          </a:fontRef>
+        </p:style>
+        <p:txBody>
+          <a:bodyPr rtlCol="0" anchor="ctr"/>
+          <a:lstStyle/>
+          <a:p>
+            <a:pPr algn="ctr"/>
+            <a:endParaRPr lang="en-US"/>
+          </a:p>
+        </p:txBody>
+      </p:sp>
+      <p:sp useBgFill="1">
+        <p:nvSpPr>
+          <p:cNvPr id="12" name="Background Gray Rectangle">
+            <a:extLst>
+              <a:ext uri="{FF2B5EF4-FFF2-40B4-BE49-F238E27FC236}">
+                <a16:creationId xmlns:a16="http://schemas.microsoft.com/office/drawing/2014/main" id="{C2E786E4-A5E8-4249-B185-D4A082278895}"/>
+              </a:ext>
+              <a:ext uri="{C183D7F6-B498-43B3-948B-1728B52AA6E4}">
+                <adec:decorative xmlns:adec="http://schemas.microsoft.com/office/drawing/2017/decorative" val="1"/>
+              </a:ext>
+            </a:extLst>
+          </p:cNvPr>
+          <p:cNvSpPr>
+            <a:spLocks noGrp="1" noRot="1" noChangeAspect="1" noMove="1" noResize="1" noEditPoints="1" noAdjustHandles="1" noChangeArrowheads="1" noChangeShapeType="1" noTextEdit="1"/>
+          </p:cNvSpPr>
+          <p:nvPr>
+            <p:extLst>
+              <p:ext uri="{386F3935-93C4-4BCD-93E2-E3B085C9AB24}">
+                <p16:designElem xmlns:p16="http://schemas.microsoft.com/office/powerpoint/2015/main" val="1"/>
+              </p:ext>
+            </p:extLst>
+          </p:nvPr>
+        </p:nvSpPr>
+        <p:spPr>
+          <a:xfrm>
+            <a:off x="3048" y="-14198"/>
+            <a:ext cx="12188952" cy="6858000"/>
+          </a:xfrm>
+          <a:prstGeom prst="rect">
+            <a:avLst/>
+          </a:prstGeom>
+          <a:ln>
+            <a:noFill/>
+          </a:ln>
+        </p:spPr>
+        <p:style>
+          <a:lnRef idx="2">
+            <a:schemeClr val="accent1">
+              <a:shade val="50000"/>
+            </a:schemeClr>
+          </a:lnRef>
+          <a:fillRef idx="1">
+            <a:schemeClr val="accent1"/>
+          </a:fillRef>
+          <a:effectRef idx="0">
+            <a:schemeClr val="accent1"/>
+          </a:effectRef>
+          <a:fontRef idx="minor">
+            <a:schemeClr val="lt1"/>
+          </a:fontRef>
+        </p:style>
+        <p:txBody>
+          <a:bodyPr rtlCol="0" anchor="ctr"/>
+          <a:lstStyle>
+            <a:defPPr>
+              <a:defRPr lang="en-US"/>
+            </a:defPPr>
+            <a:lvl1pPr marL="0" algn="l" defTabSz="914400" rtl="0" eaLnBrk="1" latinLnBrk="0" hangingPunct="1">
+              <a:defRPr sz="1800" kern="1200">
+                <a:solidFill>
+                  <a:schemeClr val="lt1"/>
+                </a:solidFill>
+                <a:latin typeface="+mn-lt"/>
+                <a:ea typeface="+mn-ea"/>
+                <a:cs typeface="+mn-cs"/>
+              </a:defRPr>
+            </a:lvl1pPr>
+            <a:lvl2pPr marL="457200" algn="l" defTabSz="914400" rtl="0" eaLnBrk="1" latinLnBrk="0" hangingPunct="1">
+              <a:defRPr sz="1800" kern="1200">
+                <a:solidFill>
+                  <a:schemeClr val="lt1"/>
+                </a:solidFill>
+                <a:latin typeface="+mn-lt"/>
+                <a:ea typeface="+mn-ea"/>
+                <a:cs typeface="+mn-cs"/>
+              </a:defRPr>
+            </a:lvl2pPr>
+            <a:lvl3pPr marL="914400" algn="l" defTabSz="914400" rtl="0" eaLnBrk="1" latinLnBrk="0" hangingPunct="1">
+              <a:defRPr sz="1800" kern="1200">
+                <a:solidFill>
+                  <a:schemeClr val="lt1"/>
+                </a:solidFill>
+                <a:latin typeface="+mn-lt"/>
+                <a:ea typeface="+mn-ea"/>
+                <a:cs typeface="+mn-cs"/>
+              </a:defRPr>
+            </a:lvl3pPr>
+            <a:lvl4pPr marL="1371600" algn="l" defTabSz="914400" rtl="0" eaLnBrk="1" latinLnBrk="0" hangingPunct="1">
+              <a:defRPr sz="1800" kern="1200">
+                <a:solidFill>
+                  <a:schemeClr val="lt1"/>
+                </a:solidFill>
+                <a:latin typeface="+mn-lt"/>
+                <a:ea typeface="+mn-ea"/>
+                <a:cs typeface="+mn-cs"/>
+              </a:defRPr>
+            </a:lvl4pPr>
+            <a:lvl5pPr marL="1828800" algn="l" defTabSz="914400" rtl="0" eaLnBrk="1" latinLnBrk="0" hangingPunct="1">
+              <a:defRPr sz="1800" kern="1200">
+                <a:solidFill>
+                  <a:schemeClr val="lt1"/>
+                </a:solidFill>
+                <a:latin typeface="+mn-lt"/>
+                <a:ea typeface="+mn-ea"/>
+                <a:cs typeface="+mn-cs"/>
+              </a:defRPr>
+            </a:lvl5pPr>
+            <a:lvl6pPr marL="2286000" algn="l" defTabSz="914400" rtl="0" eaLnBrk="1" latinLnBrk="0" hangingPunct="1">
+              <a:defRPr sz="1800" kern="1200">
+                <a:solidFill>
+                  <a:schemeClr val="lt1"/>
+                </a:solidFill>
+                <a:latin typeface="+mn-lt"/>
+                <a:ea typeface="+mn-ea"/>
+                <a:cs typeface="+mn-cs"/>
+              </a:defRPr>
+            </a:lvl6pPr>
+            <a:lvl7pPr marL="2743200" algn="l" defTabSz="914400" rtl="0" eaLnBrk="1" latinLnBrk="0" hangingPunct="1">
+              <a:defRPr sz="1800" kern="1200">
+                <a:solidFill>
+                  <a:schemeClr val="lt1"/>
+                </a:solidFill>
+                <a:latin typeface="+mn-lt"/>
+                <a:ea typeface="+mn-ea"/>
+                <a:cs typeface="+mn-cs"/>
+              </a:defRPr>
+            </a:lvl7pPr>
+            <a:lvl8pPr marL="3200400" algn="l" defTabSz="914400" rtl="0" eaLnBrk="1" latinLnBrk="0" hangingPunct="1">
+              <a:defRPr sz="1800" kern="1200">
+                <a:solidFill>
+                  <a:schemeClr val="lt1"/>
+                </a:solidFill>
+                <a:latin typeface="+mn-lt"/>
+                <a:ea typeface="+mn-ea"/>
+                <a:cs typeface="+mn-cs"/>
+              </a:defRPr>
+            </a:lvl8pPr>
+            <a:lvl9pPr marL="3657600" algn="l" defTabSz="914400" rtl="0" eaLnBrk="1" latinLnBrk="0" hangingPunct="1">
+              <a:defRPr sz="1800" kern="1200">
+                <a:solidFill>
+                  <a:schemeClr val="lt1"/>
+                </a:solidFill>
+                <a:latin typeface="+mn-lt"/>
+                <a:ea typeface="+mn-ea"/>
+                <a:cs typeface="+mn-cs"/>
+              </a:defRPr>
+            </a:lvl9pPr>
+          </a:lstStyle>
+          <a:p>
+            <a:pPr algn="ctr"/>
+            <a:endParaRPr lang="en-US"/>
+          </a:p>
+        </p:txBody>
+      </p:sp>
+      <p:sp>
+        <p:nvSpPr>
+          <p:cNvPr id="14" name="Rectangle 13">
+            <a:extLst>
+              <a:ext uri="{FF2B5EF4-FFF2-40B4-BE49-F238E27FC236}">
+                <a16:creationId xmlns:a16="http://schemas.microsoft.com/office/drawing/2014/main" id="{DC0756A0-7714-494C-B70D-3EA1A23079C3}"/>
+              </a:ext>
+              <a:ext uri="{C183D7F6-B498-43B3-948B-1728B52AA6E4}">
+                <adec:decorative xmlns:adec="http://schemas.microsoft.com/office/drawing/2017/decorative" val="1"/>
+              </a:ext>
+            </a:extLst>
+          </p:cNvPr>
+          <p:cNvSpPr>
+            <a:spLocks noGrp="1" noRot="1" noChangeAspect="1" noMove="1" noResize="1" noEditPoints="1" noAdjustHandles="1" noChangeArrowheads="1" noChangeShapeType="1" noTextEdit="1"/>
+          </p:cNvSpPr>
+          <p:nvPr>
+            <p:extLst>
+              <p:ext uri="{386F3935-93C4-4BCD-93E2-E3B085C9AB24}">
+                <p16:designElem xmlns:p16="http://schemas.microsoft.com/office/powerpoint/2015/main" val="1"/>
+              </p:ext>
+            </p:extLst>
+          </p:nvPr>
+        </p:nvSpPr>
+        <p:spPr>
+          <a:xfrm>
+            <a:off x="1524" y="0"/>
+            <a:ext cx="12188952" cy="6858000"/>
+          </a:xfrm>
+          <a:prstGeom prst="rect">
+            <a:avLst/>
+          </a:prstGeom>
+          <a:solidFill>
+            <a:schemeClr val="bg2">
+              <a:alpha val="35000"/>
+            </a:schemeClr>
+          </a:solidFill>
+          <a:ln>
+            <a:noFill/>
+          </a:ln>
+        </p:spPr>
+        <p:style>
+          <a:lnRef idx="2">
+            <a:schemeClr val="accent1">
+              <a:shade val="50000"/>
+            </a:schemeClr>
+          </a:lnRef>
+          <a:fillRef idx="1">
+            <a:schemeClr val="accent1"/>
+          </a:fillRef>
+          <a:effectRef idx="0">
+            <a:schemeClr val="accent1"/>
+          </a:effectRef>
+          <a:fontRef idx="minor">
+            <a:schemeClr val="lt1"/>
+          </a:fontRef>
+        </p:style>
+        <p:txBody>
+          <a:bodyPr rtlCol="0" anchor="ctr"/>
+          <a:lstStyle>
+            <a:defPPr>
+              <a:defRPr lang="en-US"/>
+            </a:defPPr>
+            <a:lvl1pPr marL="0" algn="l" defTabSz="914400" rtl="0" eaLnBrk="1" latinLnBrk="0" hangingPunct="1">
+              <a:defRPr sz="1800" kern="1200">
+                <a:solidFill>
+                  <a:schemeClr val="lt1"/>
+                </a:solidFill>
+                <a:latin typeface="+mn-lt"/>
+                <a:ea typeface="+mn-ea"/>
+                <a:cs typeface="+mn-cs"/>
+              </a:defRPr>
+            </a:lvl1pPr>
+            <a:lvl2pPr marL="457200" algn="l" defTabSz="914400" rtl="0" eaLnBrk="1" latinLnBrk="0" hangingPunct="1">
+              <a:defRPr sz="1800" kern="1200">
+                <a:solidFill>
+                  <a:schemeClr val="lt1"/>
+                </a:solidFill>
+                <a:latin typeface="+mn-lt"/>
+                <a:ea typeface="+mn-ea"/>
+                <a:cs typeface="+mn-cs"/>
+              </a:defRPr>
+            </a:lvl2pPr>
+            <a:lvl3pPr marL="914400" algn="l" defTabSz="914400" rtl="0" eaLnBrk="1" latinLnBrk="0" hangingPunct="1">
+              <a:defRPr sz="1800" kern="1200">
+                <a:solidFill>
+                  <a:schemeClr val="lt1"/>
+                </a:solidFill>
+                <a:latin typeface="+mn-lt"/>
+                <a:ea typeface="+mn-ea"/>
+                <a:cs typeface="+mn-cs"/>
+              </a:defRPr>
+            </a:lvl3pPr>
+            <a:lvl4pPr marL="1371600" algn="l" defTabSz="914400" rtl="0" eaLnBrk="1" latinLnBrk="0" hangingPunct="1">
+              <a:defRPr sz="1800" kern="1200">
+                <a:solidFill>
+                  <a:schemeClr val="lt1"/>
+                </a:solidFill>
+                <a:latin typeface="+mn-lt"/>
+                <a:ea typeface="+mn-ea"/>
+                <a:cs typeface="+mn-cs"/>
+              </a:defRPr>
+            </a:lvl4pPr>
+            <a:lvl5pPr marL="1828800" algn="l" defTabSz="914400" rtl="0" eaLnBrk="1" latinLnBrk="0" hangingPunct="1">
+              <a:defRPr sz="1800" kern="1200">
+                <a:solidFill>
+                  <a:schemeClr val="lt1"/>
+                </a:solidFill>
+                <a:latin typeface="+mn-lt"/>
+                <a:ea typeface="+mn-ea"/>
+                <a:cs typeface="+mn-cs"/>
+              </a:defRPr>
+            </a:lvl5pPr>
+            <a:lvl6pPr marL="2286000" algn="l" defTabSz="914400" rtl="0" eaLnBrk="1" latinLnBrk="0" hangingPunct="1">
+              <a:defRPr sz="1800" kern="1200">
+                <a:solidFill>
+                  <a:schemeClr val="lt1"/>
+                </a:solidFill>
+                <a:latin typeface="+mn-lt"/>
+                <a:ea typeface="+mn-ea"/>
+                <a:cs typeface="+mn-cs"/>
+              </a:defRPr>
+            </a:lvl6pPr>
+            <a:lvl7pPr marL="2743200" algn="l" defTabSz="914400" rtl="0" eaLnBrk="1" latinLnBrk="0" hangingPunct="1">
+              <a:defRPr sz="1800" kern="1200">
+                <a:solidFill>
+                  <a:schemeClr val="lt1"/>
+                </a:solidFill>
+                <a:latin typeface="+mn-lt"/>
+                <a:ea typeface="+mn-ea"/>
+                <a:cs typeface="+mn-cs"/>
+              </a:defRPr>
+            </a:lvl7pPr>
+            <a:lvl8pPr marL="3200400" algn="l" defTabSz="914400" rtl="0" eaLnBrk="1" latinLnBrk="0" hangingPunct="1">
+              <a:defRPr sz="1800" kern="1200">
+                <a:solidFill>
+                  <a:schemeClr val="lt1"/>
+                </a:solidFill>
+                <a:latin typeface="+mn-lt"/>
+                <a:ea typeface="+mn-ea"/>
+                <a:cs typeface="+mn-cs"/>
+              </a:defRPr>
+            </a:lvl8pPr>
+            <a:lvl9pPr marL="3657600" algn="l" defTabSz="914400" rtl="0" eaLnBrk="1" latinLnBrk="0" hangingPunct="1">
+              <a:defRPr sz="1800" kern="1200">
+                <a:solidFill>
+                  <a:schemeClr val="lt1"/>
+                </a:solidFill>
+                <a:latin typeface="+mn-lt"/>
+                <a:ea typeface="+mn-ea"/>
+                <a:cs typeface="+mn-cs"/>
+              </a:defRPr>
+            </a:lvl9pPr>
+          </a:lstStyle>
+          <a:p>
+            <a:pPr algn="ctr"/>
+            <a:endParaRPr lang="en-US" dirty="0"/>
+          </a:p>
+        </p:txBody>
+      </p:sp>
+      <p:sp>
+        <p:nvSpPr>
+          <p:cNvPr id="16" name="Rectangle 15">
+            <a:extLst>
+              <a:ext uri="{FF2B5EF4-FFF2-40B4-BE49-F238E27FC236}">
+                <a16:creationId xmlns:a16="http://schemas.microsoft.com/office/drawing/2014/main" id="{93FB8294-5DA8-4320-95C0-2E49564FD666}"/>
+              </a:ext>
+              <a:ext uri="{C183D7F6-B498-43B3-948B-1728B52AA6E4}">
+                <adec:decorative xmlns:adec="http://schemas.microsoft.com/office/drawing/2017/decorative" val="1"/>
+              </a:ext>
+            </a:extLst>
+          </p:cNvPr>
+          <p:cNvSpPr>
+            <a:spLocks noGrp="1" noRot="1" noChangeAspect="1" noMove="1" noResize="1" noEditPoints="1" noAdjustHandles="1" noChangeArrowheads="1" noChangeShapeType="1" noTextEdit="1"/>
+          </p:cNvSpPr>
+          <p:nvPr>
+            <p:extLst>
+              <p:ext uri="{386F3935-93C4-4BCD-93E2-E3B085C9AB24}">
+                <p16:designElem xmlns:p16="http://schemas.microsoft.com/office/powerpoint/2015/main" val="1"/>
+              </p:ext>
+            </p:extLst>
+          </p:nvPr>
+        </p:nvSpPr>
+        <p:spPr>
+          <a:xfrm>
+            <a:off x="0" y="685800"/>
+            <a:ext cx="12190476" cy="5486400"/>
+          </a:xfrm>
+          <a:prstGeom prst="rect">
+            <a:avLst/>
+          </a:prstGeom>
+          <a:solidFill>
+            <a:schemeClr val="bg1"/>
+          </a:solidFill>
+          <a:ln>
+            <a:noFill/>
+          </a:ln>
+        </p:spPr>
+        <p:style>
+          <a:lnRef idx="2">
+            <a:schemeClr val="accent1">
+              <a:shade val="50000"/>
+            </a:schemeClr>
+          </a:lnRef>
+          <a:fillRef idx="1">
+            <a:schemeClr val="accent1"/>
+          </a:fillRef>
+          <a:effectRef idx="0">
+            <a:schemeClr val="accent1"/>
+          </a:effectRef>
+          <a:fontRef idx="minor">
+            <a:schemeClr val="lt1"/>
+          </a:fontRef>
+        </p:style>
+        <p:txBody>
+          <a:bodyPr rtlCol="0" anchor="ctr"/>
+          <a:lstStyle/>
+          <a:p>
+            <a:pPr algn="ctr"/>
+            <a:endParaRPr lang="en-US"/>
+          </a:p>
+        </p:txBody>
+      </p:sp>
+      <p:sp>
+        <p:nvSpPr>
+          <p:cNvPr id="4" name="Title 3">
+            <a:extLst>
+              <a:ext uri="{FF2B5EF4-FFF2-40B4-BE49-F238E27FC236}">
+                <a16:creationId xmlns:a16="http://schemas.microsoft.com/office/drawing/2014/main" id="{8D3A1DB5-99A0-E743-3C55-1B56C60D1252}"/>
               </a:ext>
             </a:extLst>
           </p:cNvPr>
@@ -7778,393 +10380,175 @@
         </p:nvSpPr>
         <p:spPr>
           <a:xfrm>
-            <a:off x="444138" y="528737"/>
-            <a:ext cx="8898646" cy="755905"/>
+            <a:off x="1489039" y="691429"/>
+            <a:ext cx="9213920" cy="2737570"/>
           </a:xfrm>
         </p:spPr>
         <p:txBody>
-          <a:bodyPr anchor="b">
+          <a:bodyPr vert="horz" lIns="91440" tIns="45720" rIns="91440" bIns="45720" rtlCol="0" anchor="b">
             <a:normAutofit/>
           </a:bodyPr>
           <a:lstStyle/>
           <a:p>
+            <a:pPr algn="ctr"/>
             <a:r>
-              <a:rPr lang="en-US" altLang="ko-KR" sz="4800"/>
-              <a:t>LPP R0462</a:t>
+              <a:rPr lang="en-US" altLang="ko-KR" sz="5400"/>
+              <a:t>LPP</a:t>
             </a:r>
-            <a:endParaRPr lang="ko-KR" altLang="en-US" sz="4800"/>
           </a:p>
         </p:txBody>
       </p:sp>
       <p:sp>
         <p:nvSpPr>
-          <p:cNvPr id="6" name="TextBox 5">
-            <a:extLst>
-              <a:ext uri="{FF2B5EF4-FFF2-40B4-BE49-F238E27FC236}">
-                <a16:creationId xmlns:a16="http://schemas.microsoft.com/office/drawing/2014/main" id="{5B823DD7-BC67-3E38-B2CD-69C20189E0CB}"/>
-              </a:ext>
-            </a:extLst>
-          </p:cNvPr>
-          <p:cNvSpPr txBox="1"/>
-          <p:nvPr/>
+          <p:cNvPr id="5" name="Text Placeholder 4">
+            <a:extLst>
+              <a:ext uri="{FF2B5EF4-FFF2-40B4-BE49-F238E27FC236}">
+                <a16:creationId xmlns:a16="http://schemas.microsoft.com/office/drawing/2014/main" id="{55401470-744F-E967-2B1E-DAABA6FD15EF}"/>
+              </a:ext>
+            </a:extLst>
+          </p:cNvPr>
+          <p:cNvSpPr>
+            <a:spLocks noGrp="1"/>
+          </p:cNvSpPr>
+          <p:nvPr>
+            <p:ph type="body" idx="1"/>
+          </p:nvPr>
         </p:nvSpPr>
         <p:spPr>
           <a:xfrm>
-            <a:off x="3666843" y="911277"/>
-            <a:ext cx="1781257" cy="369332"/>
-          </a:xfrm>
-          <a:prstGeom prst="rect">
+            <a:off x="1489039" y="3620467"/>
+            <a:ext cx="9213911" cy="2222280"/>
+          </a:xfrm>
+        </p:spPr>
+        <p:txBody>
+          <a:bodyPr vert="horz" lIns="91440" tIns="45720" rIns="91440" bIns="45720" rtlCol="0">
+            <a:normAutofit/>
+          </a:bodyPr>
+          <a:lstStyle/>
+          <a:p>
+            <a:pPr algn="ctr">
+              <a:lnSpc>
+                <a:spcPts val="3200"/>
+              </a:lnSpc>
+            </a:pPr>
+            <a:endParaRPr lang="en-US" altLang="ko-KR" sz="2400">
+              <a:solidFill>
+                <a:schemeClr val="tx2"/>
+              </a:solidFill>
+            </a:endParaRPr>
+          </a:p>
+        </p:txBody>
+      </p:sp>
+      <p:cxnSp>
+        <p:nvCxnSpPr>
+          <p:cNvPr id="18" name="Straight Connector 17">
+            <a:extLst>
+              <a:ext uri="{FF2B5EF4-FFF2-40B4-BE49-F238E27FC236}">
+                <a16:creationId xmlns:a16="http://schemas.microsoft.com/office/drawing/2014/main" id="{76ED57D7-3283-4111-8331-20D63B7CBB9E}"/>
+              </a:ext>
+              <a:ext uri="{C183D7F6-B498-43B3-948B-1728B52AA6E4}">
+                <adec:decorative xmlns:adec="http://schemas.microsoft.com/office/drawing/2017/decorative" val="1"/>
+              </a:ext>
+            </a:extLst>
+          </p:cNvPr>
+          <p:cNvCxnSpPr>
+            <a:cxnSpLocks noGrp="1" noRot="1" noChangeAspect="1" noMove="1" noResize="1" noEditPoints="1" noAdjustHandles="1" noChangeArrowheads="1" noChangeShapeType="1"/>
+          </p:cNvCxnSpPr>
+          <p:nvPr>
+            <p:extLst>
+              <p:ext uri="{386F3935-93C4-4BCD-93E2-E3B085C9AB24}">
+                <p16:designElem xmlns:p16="http://schemas.microsoft.com/office/powerpoint/2015/main" val="1"/>
+              </p:ext>
+            </p:extLst>
+          </p:nvPr>
+        </p:nvCxnSpPr>
+        <p:spPr>
+          <a:xfrm>
+            <a:off x="2959" y="680190"/>
+            <a:ext cx="12192000" cy="0"/>
+          </a:xfrm>
+          <a:prstGeom prst="line">
             <a:avLst/>
           </a:prstGeom>
-          <a:noFill/>
-        </p:spPr>
-        <p:txBody>
-          <a:bodyPr wrap="none" rtlCol="0">
-            <a:spAutoFit/>
-          </a:bodyPr>
-          <a:lstStyle/>
-          <a:p>
-            <a:r>
-              <a:rPr lang="en-US" altLang="ko-KR"/>
-              <a:t>scale = 200 µv </a:t>
-            </a:r>
-            <a:endParaRPr lang="ko-KR" altLang="en-US"/>
-          </a:p>
-        </p:txBody>
-      </p:sp>
-      <p:pic>
-        <p:nvPicPr>
-          <p:cNvPr id="5126" name="Picture 6">
-            <a:extLst>
-              <a:ext uri="{FF2B5EF4-FFF2-40B4-BE49-F238E27FC236}">
-                <a16:creationId xmlns:a16="http://schemas.microsoft.com/office/drawing/2014/main" id="{8B0D339C-ADD3-4DE1-F6C4-E84B6A2A35D6}"/>
-              </a:ext>
-            </a:extLst>
-          </p:cNvPr>
-          <p:cNvPicPr>
-            <a:picLocks noChangeAspect="1" noChangeArrowheads="1"/>
-          </p:cNvPicPr>
-          <p:nvPr/>
-        </p:nvPicPr>
-        <p:blipFill>
-          <a:blip r:embed="rId2">
-            <a:extLst>
-              <a:ext uri="{28A0092B-C50C-407E-A947-70E740481C1C}">
-                <a14:useLocalDpi xmlns:a14="http://schemas.microsoft.com/office/drawing/2010/main" val="0"/>
-              </a:ext>
-            </a:extLst>
-          </a:blip>
-          <a:srcRect/>
-          <a:stretch>
-            <a:fillRect/>
-          </a:stretch>
-        </p:blipFill>
-        <p:spPr bwMode="auto">
-          <a:xfrm>
-            <a:off x="0" y="1280610"/>
-            <a:ext cx="3726340" cy="2630358"/>
-          </a:xfrm>
-          <a:prstGeom prst="rect">
+          <a:ln w="9525" cap="rnd">
+            <a:solidFill>
+              <a:srgbClr val="E729BF"/>
+            </a:solidFill>
+            <a:prstDash val="dash"/>
+          </a:ln>
+        </p:spPr>
+        <p:style>
+          <a:lnRef idx="1">
+            <a:schemeClr val="accent1"/>
+          </a:lnRef>
+          <a:fillRef idx="0">
+            <a:schemeClr val="accent1"/>
+          </a:fillRef>
+          <a:effectRef idx="0">
+            <a:schemeClr val="accent1"/>
+          </a:effectRef>
+          <a:fontRef idx="minor">
+            <a:schemeClr val="tx1"/>
+          </a:fontRef>
+        </p:style>
+      </p:cxnSp>
+      <p:cxnSp>
+        <p:nvCxnSpPr>
+          <p:cNvPr id="20" name="Straight Connector 19">
+            <a:extLst>
+              <a:ext uri="{FF2B5EF4-FFF2-40B4-BE49-F238E27FC236}">
+                <a16:creationId xmlns:a16="http://schemas.microsoft.com/office/drawing/2014/main" id="{0AF369D5-F994-4512-9823-1596D8F3AA8C}"/>
+              </a:ext>
+              <a:ext uri="{C183D7F6-B498-43B3-948B-1728B52AA6E4}">
+                <adec:decorative xmlns:adec="http://schemas.microsoft.com/office/drawing/2017/decorative" val="1"/>
+              </a:ext>
+            </a:extLst>
+          </p:cNvPr>
+          <p:cNvCxnSpPr>
+            <a:cxnSpLocks noGrp="1" noRot="1" noChangeAspect="1" noMove="1" noResize="1" noEditPoints="1" noAdjustHandles="1" noChangeArrowheads="1" noChangeShapeType="1"/>
+          </p:cNvCxnSpPr>
+          <p:nvPr>
+            <p:extLst>
+              <p:ext uri="{386F3935-93C4-4BCD-93E2-E3B085C9AB24}">
+                <p16:designElem xmlns:p16="http://schemas.microsoft.com/office/powerpoint/2015/main" val="1"/>
+              </p:ext>
+            </p:extLst>
+          </p:nvPr>
+        </p:nvCxnSpPr>
+        <p:spPr>
+          <a:xfrm>
+            <a:off x="1524" y="6172200"/>
+            <a:ext cx="12192000" cy="0"/>
+          </a:xfrm>
+          <a:prstGeom prst="line">
             <a:avLst/>
           </a:prstGeom>
-          <a:noFill/>
-          <a:extLst>
-            <a:ext uri="{909E8E84-426E-40DD-AFC4-6F175D3DCCD1}">
-              <a14:hiddenFill xmlns:a14="http://schemas.microsoft.com/office/drawing/2010/main">
-                <a:solidFill>
-                  <a:srgbClr val="FFFFFF"/>
-                </a:solidFill>
-              </a14:hiddenFill>
-            </a:ext>
-          </a:extLst>
-        </p:spPr>
-      </p:pic>
-      <p:pic>
-        <p:nvPicPr>
-          <p:cNvPr id="5128" name="Picture 8">
-            <a:extLst>
-              <a:ext uri="{FF2B5EF4-FFF2-40B4-BE49-F238E27FC236}">
-                <a16:creationId xmlns:a16="http://schemas.microsoft.com/office/drawing/2014/main" id="{B6687AF6-67E5-387D-0547-266EF3C048F9}"/>
-              </a:ext>
-            </a:extLst>
-          </p:cNvPr>
-          <p:cNvPicPr>
-            <a:picLocks noChangeAspect="1" noChangeArrowheads="1"/>
-          </p:cNvPicPr>
-          <p:nvPr/>
-        </p:nvPicPr>
-        <p:blipFill>
-          <a:blip r:embed="rId3">
-            <a:extLst>
-              <a:ext uri="{28A0092B-C50C-407E-A947-70E740481C1C}">
-                <a14:useLocalDpi xmlns:a14="http://schemas.microsoft.com/office/drawing/2010/main" val="0"/>
-              </a:ext>
-            </a:extLst>
-          </a:blip>
-          <a:srcRect/>
-          <a:stretch>
-            <a:fillRect/>
-          </a:stretch>
-        </p:blipFill>
-        <p:spPr bwMode="auto">
-          <a:xfrm>
-            <a:off x="3926542" y="1316523"/>
-            <a:ext cx="3797450" cy="2593713"/>
-          </a:xfrm>
-          <a:prstGeom prst="rect">
-            <a:avLst/>
-          </a:prstGeom>
-          <a:noFill/>
-          <a:extLst>
-            <a:ext uri="{909E8E84-426E-40DD-AFC4-6F175D3DCCD1}">
-              <a14:hiddenFill xmlns:a14="http://schemas.microsoft.com/office/drawing/2010/main">
-                <a:solidFill>
-                  <a:srgbClr val="FFFFFF"/>
-                </a:solidFill>
-              </a14:hiddenFill>
-            </a:ext>
-          </a:extLst>
-        </p:spPr>
-      </p:pic>
-      <p:pic>
-        <p:nvPicPr>
-          <p:cNvPr id="5130" name="Picture 10">
-            <a:extLst>
-              <a:ext uri="{FF2B5EF4-FFF2-40B4-BE49-F238E27FC236}">
-                <a16:creationId xmlns:a16="http://schemas.microsoft.com/office/drawing/2014/main" id="{BBBF3A31-8D47-4554-127D-E249DB5A3FFF}"/>
-              </a:ext>
-            </a:extLst>
-          </p:cNvPr>
-          <p:cNvPicPr>
-            <a:picLocks noChangeAspect="1" noChangeArrowheads="1"/>
-          </p:cNvPicPr>
-          <p:nvPr/>
-        </p:nvPicPr>
-        <p:blipFill>
-          <a:blip r:embed="rId4">
-            <a:extLst>
-              <a:ext uri="{28A0092B-C50C-407E-A947-70E740481C1C}">
-                <a14:useLocalDpi xmlns:a14="http://schemas.microsoft.com/office/drawing/2010/main" val="0"/>
-              </a:ext>
-            </a:extLst>
-          </a:blip>
-          <a:srcRect/>
-          <a:stretch>
-            <a:fillRect/>
-          </a:stretch>
-        </p:blipFill>
-        <p:spPr bwMode="auto">
-          <a:xfrm>
-            <a:off x="7790169" y="1316523"/>
-            <a:ext cx="3797450" cy="2593713"/>
-          </a:xfrm>
-          <a:prstGeom prst="rect">
-            <a:avLst/>
-          </a:prstGeom>
-          <a:noFill/>
-          <a:extLst>
-            <a:ext uri="{909E8E84-426E-40DD-AFC4-6F175D3DCCD1}">
-              <a14:hiddenFill xmlns:a14="http://schemas.microsoft.com/office/drawing/2010/main">
-                <a:solidFill>
-                  <a:srgbClr val="FFFFFF"/>
-                </a:solidFill>
-              </a14:hiddenFill>
-            </a:ext>
-          </a:extLst>
-        </p:spPr>
-      </p:pic>
-      <p:pic>
-        <p:nvPicPr>
-          <p:cNvPr id="5132" name="Picture 12">
-            <a:extLst>
-              <a:ext uri="{FF2B5EF4-FFF2-40B4-BE49-F238E27FC236}">
-                <a16:creationId xmlns:a16="http://schemas.microsoft.com/office/drawing/2014/main" id="{1F86C3D8-6226-61EC-B0C1-56564B67CE86}"/>
-              </a:ext>
-            </a:extLst>
-          </p:cNvPr>
-          <p:cNvPicPr>
-            <a:picLocks noChangeAspect="1" noChangeArrowheads="1"/>
-          </p:cNvPicPr>
-          <p:nvPr/>
-        </p:nvPicPr>
-        <p:blipFill>
-          <a:blip r:embed="rId5">
-            <a:extLst>
-              <a:ext uri="{28A0092B-C50C-407E-A947-70E740481C1C}">
-                <a14:useLocalDpi xmlns:a14="http://schemas.microsoft.com/office/drawing/2010/main" val="0"/>
-              </a:ext>
-            </a:extLst>
-          </a:blip>
-          <a:srcRect/>
-          <a:stretch>
-            <a:fillRect/>
-          </a:stretch>
-        </p:blipFill>
-        <p:spPr bwMode="auto">
-          <a:xfrm>
-            <a:off x="-40620" y="3910236"/>
-            <a:ext cx="3797450" cy="2680553"/>
-          </a:xfrm>
-          <a:prstGeom prst="rect">
-            <a:avLst/>
-          </a:prstGeom>
-          <a:noFill/>
-          <a:extLst>
-            <a:ext uri="{909E8E84-426E-40DD-AFC4-6F175D3DCCD1}">
-              <a14:hiddenFill xmlns:a14="http://schemas.microsoft.com/office/drawing/2010/main">
-                <a:solidFill>
-                  <a:srgbClr val="FFFFFF"/>
-                </a:solidFill>
-              </a14:hiddenFill>
-            </a:ext>
-          </a:extLst>
-        </p:spPr>
-      </p:pic>
-      <p:pic>
-        <p:nvPicPr>
-          <p:cNvPr id="5134" name="Picture 14">
-            <a:extLst>
-              <a:ext uri="{FF2B5EF4-FFF2-40B4-BE49-F238E27FC236}">
-                <a16:creationId xmlns:a16="http://schemas.microsoft.com/office/drawing/2014/main" id="{A68D82D3-243A-918C-3E3F-1D31CAD8E130}"/>
-              </a:ext>
-            </a:extLst>
-          </p:cNvPr>
-          <p:cNvPicPr>
-            <a:picLocks noChangeAspect="1" noChangeArrowheads="1"/>
-          </p:cNvPicPr>
-          <p:nvPr/>
-        </p:nvPicPr>
-        <p:blipFill>
-          <a:blip r:embed="rId6">
-            <a:extLst>
-              <a:ext uri="{28A0092B-C50C-407E-A947-70E740481C1C}">
-                <a14:useLocalDpi xmlns:a14="http://schemas.microsoft.com/office/drawing/2010/main" val="0"/>
-              </a:ext>
-            </a:extLst>
-          </a:blip>
-          <a:srcRect/>
-          <a:stretch>
-            <a:fillRect/>
-          </a:stretch>
-        </p:blipFill>
-        <p:spPr bwMode="auto">
-          <a:xfrm>
-            <a:off x="3814159" y="3933677"/>
-            <a:ext cx="3976010" cy="2715672"/>
-          </a:xfrm>
-          <a:prstGeom prst="rect">
-            <a:avLst/>
-          </a:prstGeom>
-          <a:noFill/>
-          <a:extLst>
-            <a:ext uri="{909E8E84-426E-40DD-AFC4-6F175D3DCCD1}">
-              <a14:hiddenFill xmlns:a14="http://schemas.microsoft.com/office/drawing/2010/main">
-                <a:solidFill>
-                  <a:srgbClr val="FFFFFF"/>
-                </a:solidFill>
-              </a14:hiddenFill>
-            </a:ext>
-          </a:extLst>
-        </p:spPr>
-      </p:pic>
-      <p:pic>
-        <p:nvPicPr>
-          <p:cNvPr id="5136" name="Picture 16">
-            <a:extLst>
-              <a:ext uri="{FF2B5EF4-FFF2-40B4-BE49-F238E27FC236}">
-                <a16:creationId xmlns:a16="http://schemas.microsoft.com/office/drawing/2014/main" id="{DECE3B44-7141-7647-3A32-D2BE775AE4E7}"/>
-              </a:ext>
-            </a:extLst>
-          </p:cNvPr>
-          <p:cNvPicPr>
-            <a:picLocks noChangeAspect="1" noChangeArrowheads="1"/>
-          </p:cNvPicPr>
-          <p:nvPr/>
-        </p:nvPicPr>
-        <p:blipFill>
-          <a:blip r:embed="rId7">
-            <a:extLst>
-              <a:ext uri="{28A0092B-C50C-407E-A947-70E740481C1C}">
-                <a14:useLocalDpi xmlns:a14="http://schemas.microsoft.com/office/drawing/2010/main" val="0"/>
-              </a:ext>
-            </a:extLst>
-          </a:blip>
-          <a:srcRect/>
-          <a:stretch>
-            <a:fillRect/>
-          </a:stretch>
-        </p:blipFill>
-        <p:spPr bwMode="auto">
-          <a:xfrm>
-            <a:off x="7790169" y="3945919"/>
-            <a:ext cx="3898975" cy="2663056"/>
-          </a:xfrm>
-          <a:prstGeom prst="rect">
-            <a:avLst/>
-          </a:prstGeom>
-          <a:noFill/>
-          <a:extLst>
-            <a:ext uri="{909E8E84-426E-40DD-AFC4-6F175D3DCCD1}">
-              <a14:hiddenFill xmlns:a14="http://schemas.microsoft.com/office/drawing/2010/main">
-                <a:solidFill>
-                  <a:srgbClr val="FFFFFF"/>
-                </a:solidFill>
-              </a14:hiddenFill>
-            </a:ext>
-          </a:extLst>
-        </p:spPr>
-      </p:pic>
-      <p:pic>
-        <p:nvPicPr>
-          <p:cNvPr id="5138" name="Picture 18">
-            <a:extLst>
-              <a:ext uri="{FF2B5EF4-FFF2-40B4-BE49-F238E27FC236}">
-                <a16:creationId xmlns:a16="http://schemas.microsoft.com/office/drawing/2014/main" id="{297ABC0A-911B-CFD4-F062-3EBA67123E01}"/>
-              </a:ext>
-            </a:extLst>
-          </p:cNvPr>
-          <p:cNvPicPr>
-            <a:picLocks noChangeAspect="1" noChangeArrowheads="1"/>
-          </p:cNvPicPr>
-          <p:nvPr/>
-        </p:nvPicPr>
-        <p:blipFill>
-          <a:blip r:embed="rId8">
-            <a:extLst>
-              <a:ext uri="{28A0092B-C50C-407E-A947-70E740481C1C}">
-                <a14:useLocalDpi xmlns:a14="http://schemas.microsoft.com/office/drawing/2010/main" val="0"/>
-              </a:ext>
-            </a:extLst>
-          </a:blip>
-          <a:srcRect/>
-          <a:stretch>
-            <a:fillRect/>
-          </a:stretch>
-        </p:blipFill>
-        <p:spPr bwMode="auto">
-          <a:xfrm>
-            <a:off x="7790169" y="49698"/>
-            <a:ext cx="4229100" cy="1266825"/>
-          </a:xfrm>
-          <a:prstGeom prst="rect">
-            <a:avLst/>
-          </a:prstGeom>
-          <a:noFill/>
-          <a:extLst>
-            <a:ext uri="{909E8E84-426E-40DD-AFC4-6F175D3DCCD1}">
-              <a14:hiddenFill xmlns:a14="http://schemas.microsoft.com/office/drawing/2010/main">
-                <a:solidFill>
-                  <a:srgbClr val="FFFFFF"/>
-                </a:solidFill>
-              </a14:hiddenFill>
-            </a:ext>
-          </a:extLst>
-        </p:spPr>
-      </p:pic>
+          <a:ln w="9525" cap="rnd">
+            <a:solidFill>
+              <a:srgbClr val="E729BF"/>
+            </a:solidFill>
+            <a:prstDash val="dash"/>
+          </a:ln>
+        </p:spPr>
+        <p:style>
+          <a:lnRef idx="1">
+            <a:schemeClr val="accent1"/>
+          </a:lnRef>
+          <a:fillRef idx="0">
+            <a:schemeClr val="accent1"/>
+          </a:fillRef>
+          <a:effectRef idx="0">
+            <a:schemeClr val="accent1"/>
+          </a:effectRef>
+          <a:fontRef idx="minor">
+            <a:schemeClr val="tx1"/>
+          </a:fontRef>
+        </p:style>
+      </p:cxnSp>
     </p:spTree>
     <p:extLst>
       <p:ext uri="{BB962C8B-B14F-4D97-AF65-F5344CB8AC3E}">
-        <p14:creationId xmlns:p14="http://schemas.microsoft.com/office/powerpoint/2010/main" val="1867623330"/>
+        <p14:creationId xmlns:p14="http://schemas.microsoft.com/office/powerpoint/2010/main" val="3129236920"/>
       </p:ext>
     </p:extLst>
   </p:cSld>

--- a/eelbrain_TRFs.pptx
+++ b/eelbrain_TRFs.pptx
@@ -5,7 +5,7 @@
     <p:sldMasterId id="2147483673" r:id="rId1"/>
   </p:sldMasterIdLst>
   <p:sldIdLst>
-    <p:sldId id="256" r:id="rId2"/>
+    <p:sldId id="276" r:id="rId2"/>
     <p:sldId id="265" r:id="rId3"/>
     <p:sldId id="257" r:id="rId4"/>
     <p:sldId id="258" r:id="rId5"/>
@@ -18,8 +18,13 @@
     <p:sldId id="260" r:id="rId12"/>
     <p:sldId id="262" r:id="rId13"/>
     <p:sldId id="261" r:id="rId14"/>
-    <p:sldId id="268" r:id="rId15"/>
-    <p:sldId id="271" r:id="rId16"/>
+    <p:sldId id="272" r:id="rId15"/>
+    <p:sldId id="277" r:id="rId16"/>
+    <p:sldId id="268" r:id="rId17"/>
+    <p:sldId id="273" r:id="rId18"/>
+    <p:sldId id="274" r:id="rId19"/>
+    <p:sldId id="275" r:id="rId20"/>
+    <p:sldId id="271" r:id="rId21"/>
   </p:sldIdLst>
   <p:sldSz cx="12192000" cy="6858000"/>
   <p:notesSz cx="6858000" cy="9144000"/>
@@ -289,7 +294,7 @@
           <a:p>
             <a:fld id="{403CB87E-4591-47A1-9046-CF63F17215EF}" type="datetime2">
               <a:rPr lang="en-US" smtClean="0"/>
-              <a:t>Wednesday, June 1, 2022</a:t>
+              <a:t>Tuesday, June 7, 2022</a:t>
             </a:fld>
             <a:endParaRPr lang="en-US" dirty="0"/>
           </a:p>
@@ -511,7 +516,7 @@
           <a:p>
             <a:fld id="{2FA17F0E-8070-4DFE-A821-9A699EDBAD7E}" type="datetime2">
               <a:rPr lang="en-US" smtClean="0"/>
-              <a:t>Wednesday, June 1, 2022</a:t>
+              <a:t>Tuesday, June 7, 2022</a:t>
             </a:fld>
             <a:endParaRPr lang="en-US"/>
           </a:p>
@@ -723,7 +728,7 @@
           <a:p>
             <a:fld id="{D88D34AE-C7BF-46E5-A968-01C6641F6476}" type="datetime2">
               <a:rPr lang="en-US" smtClean="0"/>
-              <a:t>Wednesday, June 1, 2022</a:t>
+              <a:t>Tuesday, June 7, 2022</a:t>
             </a:fld>
             <a:endParaRPr lang="en-US"/>
           </a:p>
@@ -964,7 +969,7 @@
           <a:p>
             <a:fld id="{F33DE70B-B772-416E-A790-995760B1742E}" type="datetime2">
               <a:rPr lang="en-US" smtClean="0"/>
-              <a:t>Wednesday, June 1, 2022</a:t>
+              <a:t>Tuesday, June 7, 2022</a:t>
             </a:fld>
             <a:endParaRPr lang="en-US" dirty="0"/>
           </a:p>
@@ -1263,7 +1268,7 @@
           <a:p>
             <a:fld id="{76760CDE-A6F1-4138-AF12-ED09E8E5FB6B}" type="datetime2">
               <a:rPr lang="en-US" smtClean="0"/>
-              <a:t>Wednesday, June 1, 2022</a:t>
+              <a:t>Tuesday, June 7, 2022</a:t>
             </a:fld>
             <a:endParaRPr lang="en-US"/>
           </a:p>
@@ -1595,7 +1600,7 @@
           <a:p>
             <a:fld id="{DB15F8B1-DB7B-4D28-A97D-40FB2DD1EF78}" type="datetime2">
               <a:rPr lang="en-US" smtClean="0"/>
-              <a:t>Wednesday, June 1, 2022</a:t>
+              <a:t>Tuesday, June 7, 2022</a:t>
             </a:fld>
             <a:endParaRPr lang="en-US"/>
           </a:p>
@@ -2041,7 +2046,7 @@
           <a:p>
             <a:fld id="{14039161-23B8-4738-9069-73EBE8884FDD}" type="datetime2">
               <a:rPr lang="en-US" smtClean="0"/>
-              <a:t>Wednesday, June 1, 2022</a:t>
+              <a:t>Tuesday, June 7, 2022</a:t>
             </a:fld>
             <a:endParaRPr lang="en-US"/>
           </a:p>
@@ -2197,7 +2202,7 @@
           <a:p>
             <a:fld id="{FA994D44-7693-499F-AC6C-11696134FE3F}" type="datetime2">
               <a:rPr lang="en-US" smtClean="0"/>
-              <a:t>Wednesday, June 1, 2022</a:t>
+              <a:t>Tuesday, June 7, 2022</a:t>
             </a:fld>
             <a:endParaRPr lang="en-US"/>
           </a:p>
@@ -2314,7 +2319,7 @@
           <a:p>
             <a:fld id="{363AF2AE-472C-4EF3-ABB2-24BAA9AE3CF7}" type="datetime2">
               <a:rPr lang="en-US" smtClean="0"/>
-              <a:t>Wednesday, June 1, 2022</a:t>
+              <a:t>Tuesday, June 7, 2022</a:t>
             </a:fld>
             <a:endParaRPr lang="en-US"/>
           </a:p>
@@ -2641,7 +2646,7 @@
           <a:p>
             <a:fld id="{EAEA162C-A7C1-4263-9453-1BAFF8C39559}" type="datetime2">
               <a:rPr lang="en-US" smtClean="0"/>
-              <a:t>Wednesday, June 1, 2022</a:t>
+              <a:t>Tuesday, June 7, 2022</a:t>
             </a:fld>
             <a:endParaRPr lang="en-US"/>
           </a:p>
@@ -2947,7 +2952,7 @@
           <a:p>
             <a:fld id="{64DF6793-3458-4587-8168-65F0C37A92D2}" type="datetime2">
               <a:rPr lang="en-US" smtClean="0"/>
-              <a:t>Wednesday, June 1, 2022</a:t>
+              <a:t>Tuesday, June 7, 2022</a:t>
             </a:fld>
             <a:endParaRPr lang="en-US"/>
           </a:p>
@@ -3300,7 +3305,7 @@
             <a:fld id="{E8352ED3-3C46-4C9A-9738-67B2D875E7E2}" type="datetime2">
               <a:rPr lang="en-US" smtClean="0"/>
               <a:pPr/>
-              <a:t>Wednesday, June 1, 2022</a:t>
+              <a:t>Tuesday, June 7, 2022</a:t>
             </a:fld>
             <a:endParaRPr lang="en-US" dirty="0"/>
           </a:p>
@@ -3743,10 +3748,10 @@
       </p:grpSpPr>
       <p:sp useBgFill="1">
         <p:nvSpPr>
-          <p:cNvPr id="9" name="Rectangle 8">
-            <a:extLst>
-              <a:ext uri="{FF2B5EF4-FFF2-40B4-BE49-F238E27FC236}">
-                <a16:creationId xmlns:a16="http://schemas.microsoft.com/office/drawing/2014/main" id="{BB3B2C43-5E36-4768-8319-6752D24B47E9}"/>
+          <p:cNvPr id="10" name="Background Gray Rectangle">
+            <a:extLst>
+              <a:ext uri="{FF2B5EF4-FFF2-40B4-BE49-F238E27FC236}">
+                <a16:creationId xmlns:a16="http://schemas.microsoft.com/office/drawing/2014/main" id="{C2E786E4-A5E8-4249-B185-D4A082278895}"/>
               </a:ext>
               <a:ext uri="{C183D7F6-B498-43B3-948B-1728B52AA6E4}">
                 <adec:decorative xmlns:adec="http://schemas.microsoft.com/office/drawing/2017/decorative" val="1"/>
@@ -3766,7 +3771,7 @@
         </p:nvSpPr>
         <p:spPr>
           <a:xfrm>
-            <a:off x="0" y="0"/>
+            <a:off x="3048" y="-14198"/>
             <a:ext cx="12188952" cy="6858000"/>
           </a:xfrm>
           <a:prstGeom prst="rect">
@@ -3897,10 +3902,10 @@
       </p:sp>
       <p:sp>
         <p:nvSpPr>
-          <p:cNvPr id="11" name="Rectangle 10">
-            <a:extLst>
-              <a:ext uri="{FF2B5EF4-FFF2-40B4-BE49-F238E27FC236}">
-                <a16:creationId xmlns:a16="http://schemas.microsoft.com/office/drawing/2014/main" id="{B044326E-7BB3-4929-BE33-05CA64DBB248}"/>
+          <p:cNvPr id="12" name="Rectangle 11">
+            <a:extLst>
+              <a:ext uri="{FF2B5EF4-FFF2-40B4-BE49-F238E27FC236}">
+                <a16:creationId xmlns:a16="http://schemas.microsoft.com/office/drawing/2014/main" id="{DC0756A0-7714-494C-B70D-3EA1A23079C3}"/>
               </a:ext>
               <a:ext uri="{C183D7F6-B498-43B3-948B-1728B52AA6E4}">
                 <adec:decorative xmlns:adec="http://schemas.microsoft.com/office/drawing/2017/decorative" val="1"/>
@@ -4050,16 +4055,16 @@
           </a:lstStyle>
           <a:p>
             <a:pPr algn="ctr"/>
-            <a:endParaRPr lang="en-US"/>
+            <a:endParaRPr lang="en-US" dirty="0"/>
           </a:p>
         </p:txBody>
       </p:sp>
       <p:sp>
         <p:nvSpPr>
-          <p:cNvPr id="13" name="Rectangle 12">
-            <a:extLst>
-              <a:ext uri="{FF2B5EF4-FFF2-40B4-BE49-F238E27FC236}">
-                <a16:creationId xmlns:a16="http://schemas.microsoft.com/office/drawing/2014/main" id="{731CF4E0-AA2D-43CA-A528-C52FB158244A}"/>
+          <p:cNvPr id="14" name="Rectangle 13">
+            <a:extLst>
+              <a:ext uri="{FF2B5EF4-FFF2-40B4-BE49-F238E27FC236}">
+                <a16:creationId xmlns:a16="http://schemas.microsoft.com/office/drawing/2014/main" id="{93FB8294-5DA8-4320-95C0-2E49564FD666}"/>
               </a:ext>
               <a:ext uri="{C183D7F6-B498-43B3-948B-1728B52AA6E4}">
                 <adec:decorative xmlns:adec="http://schemas.microsoft.com/office/drawing/2017/decorative" val="1"/>
@@ -4079,8 +4084,8 @@
         </p:nvSpPr>
         <p:spPr>
           <a:xfrm>
-            <a:off x="1446276" y="685800"/>
-            <a:ext cx="10744200" cy="5486400"/>
+            <a:off x="0" y="685800"/>
+            <a:ext cx="12190476" cy="5486400"/>
           </a:xfrm>
           <a:prstGeom prst="rect">
             <a:avLst/>
@@ -4119,10 +4124,10 @@
       </p:sp>
       <p:sp>
         <p:nvSpPr>
-          <p:cNvPr id="2" name="Title 1">
-            <a:extLst>
-              <a:ext uri="{FF2B5EF4-FFF2-40B4-BE49-F238E27FC236}">
-                <a16:creationId xmlns:a16="http://schemas.microsoft.com/office/drawing/2014/main" id="{CF60BF04-2E03-C8E7-E700-48EF3A8F941A}"/>
+          <p:cNvPr id="4" name="Title 3">
+            <a:extLst>
+              <a:ext uri="{FF2B5EF4-FFF2-40B4-BE49-F238E27FC236}">
+                <a16:creationId xmlns:a16="http://schemas.microsoft.com/office/drawing/2014/main" id="{2B5FCDB3-A79B-12DD-7FDB-05C603F6412F}"/>
               </a:ext>
             </a:extLst>
           </p:cNvPr>
@@ -4135,31 +4140,30 @@
         </p:nvSpPr>
         <p:spPr>
           <a:xfrm>
-            <a:off x="5989319" y="576263"/>
-            <a:ext cx="5054196" cy="2967606"/>
+            <a:off x="1489039" y="691429"/>
+            <a:ext cx="9213920" cy="2737570"/>
           </a:xfrm>
         </p:spPr>
         <p:txBody>
-          <a:bodyPr anchor="b">
+          <a:bodyPr>
             <a:normAutofit/>
           </a:bodyPr>
           <a:lstStyle/>
           <a:p>
-            <a:pPr algn="l"/>
-            <a:r>
-              <a:rPr lang="en-US" altLang="ko-KR" sz="4800"/>
+            <a:r>
+              <a:rPr lang="en-US" altLang="ko-KR" sz="5400"/>
               <a:t>TRFs</a:t>
             </a:r>
-            <a:endParaRPr lang="ko-KR" altLang="en-US" sz="4800"/>
+            <a:endParaRPr lang="ko-KR" altLang="en-US" sz="5400"/>
           </a:p>
         </p:txBody>
       </p:sp>
       <p:sp>
         <p:nvSpPr>
-          <p:cNvPr id="3" name="Subtitle 2">
-            <a:extLst>
-              <a:ext uri="{FF2B5EF4-FFF2-40B4-BE49-F238E27FC236}">
-                <a16:creationId xmlns:a16="http://schemas.microsoft.com/office/drawing/2014/main" id="{FE1FE82F-C7FD-3145-97DD-6AD7CF7F0A8A}"/>
+          <p:cNvPr id="5" name="Subtitle 4">
+            <a:extLst>
+              <a:ext uri="{FF2B5EF4-FFF2-40B4-BE49-F238E27FC236}">
+                <a16:creationId xmlns:a16="http://schemas.microsoft.com/office/drawing/2014/main" id="{17CC2352-11B7-2F11-0B2A-E39A90A3CB99}"/>
               </a:ext>
             </a:extLst>
           </p:cNvPr>
@@ -4172,8 +4176,8 @@
         </p:nvSpPr>
         <p:spPr>
           <a:xfrm>
-            <a:off x="5989319" y="3764975"/>
-            <a:ext cx="5054196" cy="2192683"/>
+            <a:off x="1489039" y="3620467"/>
+            <a:ext cx="9213911" cy="2222280"/>
           </a:xfrm>
         </p:spPr>
         <p:txBody>
@@ -4182,141 +4186,16 @@
           </a:bodyPr>
           <a:lstStyle/>
           <a:p>
-            <a:pPr algn="l"/>
-            <a:endParaRPr lang="ko-KR" altLang="en-US" sz="2200"/>
-          </a:p>
-        </p:txBody>
-      </p:sp>
-      <p:pic>
-        <p:nvPicPr>
-          <p:cNvPr id="4" name="Picture 3" descr="Abstract colorful half circles">
-            <a:extLst>
-              <a:ext uri="{FF2B5EF4-FFF2-40B4-BE49-F238E27FC236}">
-                <a16:creationId xmlns:a16="http://schemas.microsoft.com/office/drawing/2014/main" id="{AFB41956-C490-7B74-F5BB-F4819D216EBD}"/>
-              </a:ext>
-            </a:extLst>
-          </p:cNvPr>
-          <p:cNvPicPr>
-            <a:picLocks noChangeAspect="1"/>
-          </p:cNvPicPr>
-          <p:nvPr/>
-        </p:nvPicPr>
-        <p:blipFill rotWithShape="1">
-          <a:blip r:embed="rId2"/>
-          <a:srcRect l="10910" r="9090"/>
-          <a:stretch/>
-        </p:blipFill>
-        <p:spPr>
-          <a:xfrm>
-            <a:off x="-6472" y="10"/>
-            <a:ext cx="5486394" cy="6857982"/>
-          </a:xfrm>
-          <a:prstGeom prst="rect">
-            <a:avLst/>
-          </a:prstGeom>
-        </p:spPr>
-      </p:pic>
-      <p:sp>
-        <p:nvSpPr>
-          <p:cNvPr id="15" name="Rectangle 14">
-            <a:extLst>
-              <a:ext uri="{FF2B5EF4-FFF2-40B4-BE49-F238E27FC236}">
-                <a16:creationId xmlns:a16="http://schemas.microsoft.com/office/drawing/2014/main" id="{3B083774-A903-4B1B-BC6A-94C1F048E82B}"/>
-              </a:ext>
-              <a:ext uri="{C183D7F6-B498-43B3-948B-1728B52AA6E4}">
-                <adec:decorative xmlns:adec="http://schemas.microsoft.com/office/drawing/2017/decorative" val="1"/>
-              </a:ext>
-            </a:extLst>
-          </p:cNvPr>
-          <p:cNvSpPr>
-            <a:spLocks noGrp="1" noRot="1" noChangeAspect="1" noMove="1" noResize="1" noEditPoints="1" noAdjustHandles="1" noChangeArrowheads="1" noChangeShapeType="1" noTextEdit="1"/>
-          </p:cNvSpPr>
-          <p:nvPr>
-            <p:extLst>
-              <p:ext uri="{386F3935-93C4-4BCD-93E2-E3B085C9AB24}">
-                <p16:designElem xmlns:p16="http://schemas.microsoft.com/office/powerpoint/2015/main" val="1"/>
-              </p:ext>
-            </p:extLst>
-          </p:nvPr>
-        </p:nvSpPr>
-        <p:spPr>
-          <a:xfrm rot="10800000">
-            <a:off x="5479921" y="0"/>
-            <a:ext cx="287517" cy="6857992"/>
-          </a:xfrm>
-          <a:prstGeom prst="rect">
-            <a:avLst/>
-          </a:prstGeom>
-          <a:solidFill>
-            <a:srgbClr val="E729BF">
-              <a:alpha val="25000"/>
-            </a:srgbClr>
-          </a:solidFill>
-          <a:ln w="25400" cap="flat">
-            <a:noFill/>
-            <a:prstDash val="solid"/>
-            <a:round/>
-          </a:ln>
-          <a:effectLst/>
-          <a:sp3d/>
-        </p:spPr>
-        <p:style>
-          <a:lnRef idx="0">
-            <a:scrgbClr r="0" g="0" b="0"/>
-          </a:lnRef>
-          <a:fillRef idx="0">
-            <a:scrgbClr r="0" g="0" b="0"/>
-          </a:fillRef>
-          <a:effectRef idx="0">
-            <a:scrgbClr r="0" g="0" b="0"/>
-          </a:effectRef>
-          <a:fontRef idx="none"/>
-        </p:style>
-        <p:txBody>
-          <a:bodyPr rot="0" spcFirstLastPara="1" vertOverflow="overflow" horzOverflow="overflow" vert="horz" wrap="square" lIns="0" tIns="0" rIns="0" bIns="0" numCol="1" spcCol="38100" rtlCol="0" anchor="ctr">
-            <a:spAutoFit/>
-          </a:bodyPr>
-          <a:lstStyle/>
-          <a:p>
-            <a:pPr marL="0" marR="0" indent="0" algn="ctr" defTabSz="825500" rtl="0" fontAlgn="auto" latinLnBrk="0" hangingPunct="0">
-              <a:lnSpc>
-                <a:spcPct val="100000"/>
-              </a:lnSpc>
-              <a:spcBef>
-                <a:spcPts val="0"/>
-              </a:spcBef>
-              <a:spcAft>
-                <a:spcPts val="0"/>
-              </a:spcAft>
-              <a:buClrTx/>
-              <a:buSzTx/>
-              <a:buFontTx/>
-              <a:buNone/>
-              <a:tabLst/>
-            </a:pPr>
-            <a:endParaRPr kumimoji="0" lang="en-US" sz="3000" b="0" i="0" u="none" strike="noStrike" cap="none" spc="0" normalizeH="0" baseline="0">
-              <a:ln>
-                <a:noFill/>
-              </a:ln>
-              <a:solidFill>
-                <a:srgbClr val="000000"/>
-              </a:solidFill>
-              <a:effectLst/>
-              <a:uFillTx/>
-              <a:latin typeface="Helvetica Neue Medium"/>
-              <a:ea typeface="Helvetica Neue Medium"/>
-              <a:cs typeface="Helvetica Neue Medium"/>
-              <a:sym typeface="Helvetica Neue Medium"/>
-            </a:endParaRPr>
+            <a:endParaRPr lang="ko-KR" altLang="en-US"/>
           </a:p>
         </p:txBody>
       </p:sp>
       <p:cxnSp>
         <p:nvCxnSpPr>
-          <p:cNvPr id="17" name="Straight Connector 16">
-            <a:extLst>
-              <a:ext uri="{FF2B5EF4-FFF2-40B4-BE49-F238E27FC236}">
-                <a16:creationId xmlns:a16="http://schemas.microsoft.com/office/drawing/2014/main" id="{5D5FB189-1F48-4A47-B036-6AF7E11A8E7B}"/>
+          <p:cNvPr id="16" name="Straight Connector 15">
+            <a:extLst>
+              <a:ext uri="{FF2B5EF4-FFF2-40B4-BE49-F238E27FC236}">
+                <a16:creationId xmlns:a16="http://schemas.microsoft.com/office/drawing/2014/main" id="{76ED57D7-3283-4111-8331-20D63B7CBB9E}"/>
               </a:ext>
               <a:ext uri="{C183D7F6-B498-43B3-948B-1728B52AA6E4}">
                 <adec:decorative xmlns:adec="http://schemas.microsoft.com/office/drawing/2017/decorative" val="1"/>
@@ -4335,9 +4214,9 @@
           </p:nvPr>
         </p:nvCxnSpPr>
         <p:spPr>
-          <a:xfrm flipV="1">
-            <a:off x="11504676" y="-14198"/>
-            <a:ext cx="0" cy="6858000"/>
+          <a:xfrm>
+            <a:off x="2959" y="680190"/>
+            <a:ext cx="12192000" cy="0"/>
           </a:xfrm>
           <a:prstGeom prst="line">
             <a:avLst/>
@@ -4366,10 +4245,10 @@
       </p:cxnSp>
       <p:cxnSp>
         <p:nvCxnSpPr>
-          <p:cNvPr id="19" name="Straight Connector 18">
-            <a:extLst>
-              <a:ext uri="{FF2B5EF4-FFF2-40B4-BE49-F238E27FC236}">
-                <a16:creationId xmlns:a16="http://schemas.microsoft.com/office/drawing/2014/main" id="{C5B335DD-3163-4EC5-8B6B-2AB53E64D11A}"/>
+          <p:cNvPr id="18" name="Straight Connector 17">
+            <a:extLst>
+              <a:ext uri="{FF2B5EF4-FFF2-40B4-BE49-F238E27FC236}">
+                <a16:creationId xmlns:a16="http://schemas.microsoft.com/office/drawing/2014/main" id="{0AF369D5-F994-4512-9823-1596D8F3AA8C}"/>
               </a:ext>
               <a:ext uri="{C183D7F6-B498-43B3-948B-1728B52AA6E4}">
                 <adec:decorative xmlns:adec="http://schemas.microsoft.com/office/drawing/2017/decorative" val="1"/>
@@ -4420,7 +4299,7 @@
     </p:spTree>
     <p:extLst>
       <p:ext uri="{BB962C8B-B14F-4D97-AF65-F5344CB8AC3E}">
-        <p14:creationId xmlns:p14="http://schemas.microsoft.com/office/powerpoint/2010/main" val="1855002307"/>
+        <p14:creationId xmlns:p14="http://schemas.microsoft.com/office/powerpoint/2010/main" val="3917350906"/>
       </p:ext>
     </p:extLst>
   </p:cSld>
@@ -5046,10 +4925,10 @@
       </p:pic>
       <p:pic>
         <p:nvPicPr>
-          <p:cNvPr id="4114" name="Picture 18">
-            <a:extLst>
-              <a:ext uri="{FF2B5EF4-FFF2-40B4-BE49-F238E27FC236}">
-                <a16:creationId xmlns:a16="http://schemas.microsoft.com/office/drawing/2014/main" id="{309C3EED-532A-8310-A032-85E4A9682419}"/>
+          <p:cNvPr id="1026" name="Picture 2">
+            <a:extLst>
+              <a:ext uri="{FF2B5EF4-FFF2-40B4-BE49-F238E27FC236}">
+                <a16:creationId xmlns:a16="http://schemas.microsoft.com/office/drawing/2014/main" id="{3992D2AE-5CBA-EB11-5F56-5E9FCCF5434F}"/>
               </a:ext>
             </a:extLst>
           </p:cNvPr>
@@ -5073,8 +4952,8 @@
         </p:blipFill>
         <p:spPr bwMode="auto">
           <a:xfrm>
-            <a:off x="7584959" y="58159"/>
-            <a:ext cx="4286250" cy="1266825"/>
+            <a:off x="7613534" y="58159"/>
+            <a:ext cx="4229100" cy="1266825"/>
           </a:xfrm>
           <a:prstGeom prst="rect">
             <a:avLst/>
@@ -5983,6 +5862,772 @@
           <a:chExt cx="0" cy="0"/>
         </a:xfrm>
       </p:grpSpPr>
+      <p:sp>
+        <p:nvSpPr>
+          <p:cNvPr id="2" name="Title 1">
+            <a:extLst>
+              <a:ext uri="{FF2B5EF4-FFF2-40B4-BE49-F238E27FC236}">
+                <a16:creationId xmlns:a16="http://schemas.microsoft.com/office/drawing/2014/main" id="{4A189D98-4856-A8DD-52FA-26115B7AF1B1}"/>
+              </a:ext>
+            </a:extLst>
+          </p:cNvPr>
+          <p:cNvSpPr>
+            <a:spLocks noGrp="1"/>
+          </p:cNvSpPr>
+          <p:nvPr>
+            <p:ph type="title"/>
+          </p:nvPr>
+        </p:nvSpPr>
+        <p:spPr/>
+        <p:txBody>
+          <a:bodyPr/>
+          <a:lstStyle/>
+          <a:p>
+            <a:r>
+              <a:rPr lang="en-US" altLang="ko-KR"/>
+              <a:t>R0481</a:t>
+            </a:r>
+            <a:endParaRPr lang="ko-KR" altLang="en-US"/>
+          </a:p>
+        </p:txBody>
+      </p:sp>
+      <p:pic>
+        <p:nvPicPr>
+          <p:cNvPr id="2050" name="Picture 2">
+            <a:extLst>
+              <a:ext uri="{FF2B5EF4-FFF2-40B4-BE49-F238E27FC236}">
+                <a16:creationId xmlns:a16="http://schemas.microsoft.com/office/drawing/2014/main" id="{CD63FC6A-CF43-3AC9-C0F4-F48FF50D46C5}"/>
+              </a:ext>
+            </a:extLst>
+          </p:cNvPr>
+          <p:cNvPicPr>
+            <a:picLocks noChangeAspect="1" noChangeArrowheads="1"/>
+          </p:cNvPicPr>
+          <p:nvPr/>
+        </p:nvPicPr>
+        <p:blipFill>
+          <a:blip r:embed="rId2">
+            <a:extLst>
+              <a:ext uri="{28A0092B-C50C-407E-A947-70E740481C1C}">
+                <a14:useLocalDpi xmlns:a14="http://schemas.microsoft.com/office/drawing/2010/main" val="0"/>
+              </a:ext>
+            </a:extLst>
+          </a:blip>
+          <a:srcRect/>
+          <a:stretch>
+            <a:fillRect/>
+          </a:stretch>
+        </p:blipFill>
+        <p:spPr bwMode="auto">
+          <a:xfrm>
+            <a:off x="751399" y="2162867"/>
+            <a:ext cx="7839149" cy="2348213"/>
+          </a:xfrm>
+          <a:prstGeom prst="rect">
+            <a:avLst/>
+          </a:prstGeom>
+          <a:noFill/>
+          <a:extLst>
+            <a:ext uri="{909E8E84-426E-40DD-AFC4-6F175D3DCCD1}">
+              <a14:hiddenFill xmlns:a14="http://schemas.microsoft.com/office/drawing/2010/main">
+                <a:solidFill>
+                  <a:srgbClr val="FFFFFF"/>
+                </a:solidFill>
+              </a14:hiddenFill>
+            </a:ext>
+          </a:extLst>
+        </p:spPr>
+      </p:pic>
+    </p:spTree>
+    <p:extLst>
+      <p:ext uri="{BB962C8B-B14F-4D97-AF65-F5344CB8AC3E}">
+        <p14:creationId xmlns:p14="http://schemas.microsoft.com/office/powerpoint/2010/main" val="1436030688"/>
+      </p:ext>
+    </p:extLst>
+  </p:cSld>
+  <p:clrMapOvr>
+    <a:masterClrMapping/>
+  </p:clrMapOvr>
+</p:sld>
+</file>
+
+<file path=ppt/slides/slide15.xml><?xml version="1.0" encoding="utf-8"?>
+<p:sld xmlns:a="http://schemas.openxmlformats.org/drawingml/2006/main" xmlns:r="http://schemas.openxmlformats.org/officeDocument/2006/relationships" xmlns:p="http://schemas.openxmlformats.org/presentationml/2006/main">
+  <p:cSld>
+    <p:bg>
+      <p:bgPr>
+        <a:solidFill>
+          <a:schemeClr val="bg1"/>
+        </a:solidFill>
+        <a:effectLst/>
+      </p:bgPr>
+    </p:bg>
+    <p:spTree>
+      <p:nvGrpSpPr>
+        <p:cNvPr id="1" name=""/>
+        <p:cNvGrpSpPr/>
+        <p:nvPr/>
+      </p:nvGrpSpPr>
+      <p:grpSpPr>
+        <a:xfrm>
+          <a:off x="0" y="0"/>
+          <a:ext cx="0" cy="0"/>
+          <a:chOff x="0" y="0"/>
+          <a:chExt cx="0" cy="0"/>
+        </a:xfrm>
+      </p:grpSpPr>
+      <p:sp>
+        <p:nvSpPr>
+          <p:cNvPr id="10" name="Rectangle 9">
+            <a:extLst>
+              <a:ext uri="{FF2B5EF4-FFF2-40B4-BE49-F238E27FC236}">
+                <a16:creationId xmlns:a16="http://schemas.microsoft.com/office/drawing/2014/main" id="{B551C3B6-A0D6-43F6-9F68-13666CDA5C09}"/>
+              </a:ext>
+              <a:ext uri="{C183D7F6-B498-43B3-948B-1728B52AA6E4}">
+                <adec:decorative xmlns:adec="http://schemas.microsoft.com/office/drawing/2017/decorative" val="1"/>
+              </a:ext>
+            </a:extLst>
+          </p:cNvPr>
+          <p:cNvSpPr>
+            <a:spLocks noGrp="1" noRot="1" noChangeAspect="1" noMove="1" noResize="1" noEditPoints="1" noAdjustHandles="1" noChangeArrowheads="1" noChangeShapeType="1" noTextEdit="1"/>
+          </p:cNvSpPr>
+          <p:nvPr>
+            <p:extLst>
+              <p:ext uri="{386F3935-93C4-4BCD-93E2-E3B085C9AB24}">
+                <p16:designElem xmlns:p16="http://schemas.microsoft.com/office/powerpoint/2015/main" val="1"/>
+              </p:ext>
+            </p:extLst>
+          </p:nvPr>
+        </p:nvSpPr>
+        <p:spPr>
+          <a:xfrm>
+            <a:off x="1478322" y="709375"/>
+            <a:ext cx="10713675" cy="5419400"/>
+          </a:xfrm>
+          <a:prstGeom prst="rect">
+            <a:avLst/>
+          </a:prstGeom>
+          <a:solidFill>
+            <a:schemeClr val="bg1"/>
+          </a:solidFill>
+          <a:ln>
+            <a:noFill/>
+          </a:ln>
+        </p:spPr>
+        <p:style>
+          <a:lnRef idx="2">
+            <a:schemeClr val="accent1">
+              <a:shade val="50000"/>
+            </a:schemeClr>
+          </a:lnRef>
+          <a:fillRef idx="1">
+            <a:schemeClr val="accent1"/>
+          </a:fillRef>
+          <a:effectRef idx="0">
+            <a:schemeClr val="accent1"/>
+          </a:effectRef>
+          <a:fontRef idx="minor">
+            <a:schemeClr val="lt1"/>
+          </a:fontRef>
+        </p:style>
+        <p:txBody>
+          <a:bodyPr rtlCol="0" anchor="ctr"/>
+          <a:lstStyle/>
+          <a:p>
+            <a:pPr algn="ctr"/>
+            <a:endParaRPr lang="en-US"/>
+          </a:p>
+        </p:txBody>
+      </p:sp>
+      <p:sp useBgFill="1">
+        <p:nvSpPr>
+          <p:cNvPr id="12" name="Background Gray Rectangle">
+            <a:extLst>
+              <a:ext uri="{FF2B5EF4-FFF2-40B4-BE49-F238E27FC236}">
+                <a16:creationId xmlns:a16="http://schemas.microsoft.com/office/drawing/2014/main" id="{C2E786E4-A5E8-4249-B185-D4A082278895}"/>
+              </a:ext>
+              <a:ext uri="{C183D7F6-B498-43B3-948B-1728B52AA6E4}">
+                <adec:decorative xmlns:adec="http://schemas.microsoft.com/office/drawing/2017/decorative" val="1"/>
+              </a:ext>
+            </a:extLst>
+          </p:cNvPr>
+          <p:cNvSpPr>
+            <a:spLocks noGrp="1" noRot="1" noChangeAspect="1" noMove="1" noResize="1" noEditPoints="1" noAdjustHandles="1" noChangeArrowheads="1" noChangeShapeType="1" noTextEdit="1"/>
+          </p:cNvSpPr>
+          <p:nvPr>
+            <p:extLst>
+              <p:ext uri="{386F3935-93C4-4BCD-93E2-E3B085C9AB24}">
+                <p16:designElem xmlns:p16="http://schemas.microsoft.com/office/powerpoint/2015/main" val="1"/>
+              </p:ext>
+            </p:extLst>
+          </p:nvPr>
+        </p:nvSpPr>
+        <p:spPr>
+          <a:xfrm>
+            <a:off x="3048" y="-14198"/>
+            <a:ext cx="12188952" cy="6858000"/>
+          </a:xfrm>
+          <a:prstGeom prst="rect">
+            <a:avLst/>
+          </a:prstGeom>
+          <a:ln>
+            <a:noFill/>
+          </a:ln>
+        </p:spPr>
+        <p:style>
+          <a:lnRef idx="2">
+            <a:schemeClr val="accent1">
+              <a:shade val="50000"/>
+            </a:schemeClr>
+          </a:lnRef>
+          <a:fillRef idx="1">
+            <a:schemeClr val="accent1"/>
+          </a:fillRef>
+          <a:effectRef idx="0">
+            <a:schemeClr val="accent1"/>
+          </a:effectRef>
+          <a:fontRef idx="minor">
+            <a:schemeClr val="lt1"/>
+          </a:fontRef>
+        </p:style>
+        <p:txBody>
+          <a:bodyPr rtlCol="0" anchor="ctr"/>
+          <a:lstStyle>
+            <a:defPPr>
+              <a:defRPr lang="en-US"/>
+            </a:defPPr>
+            <a:lvl1pPr marL="0" algn="l" defTabSz="914400" rtl="0" eaLnBrk="1" latinLnBrk="0" hangingPunct="1">
+              <a:defRPr sz="1800" kern="1200">
+                <a:solidFill>
+                  <a:schemeClr val="lt1"/>
+                </a:solidFill>
+                <a:latin typeface="+mn-lt"/>
+                <a:ea typeface="+mn-ea"/>
+                <a:cs typeface="+mn-cs"/>
+              </a:defRPr>
+            </a:lvl1pPr>
+            <a:lvl2pPr marL="457200" algn="l" defTabSz="914400" rtl="0" eaLnBrk="1" latinLnBrk="0" hangingPunct="1">
+              <a:defRPr sz="1800" kern="1200">
+                <a:solidFill>
+                  <a:schemeClr val="lt1"/>
+                </a:solidFill>
+                <a:latin typeface="+mn-lt"/>
+                <a:ea typeface="+mn-ea"/>
+                <a:cs typeface="+mn-cs"/>
+              </a:defRPr>
+            </a:lvl2pPr>
+            <a:lvl3pPr marL="914400" algn="l" defTabSz="914400" rtl="0" eaLnBrk="1" latinLnBrk="0" hangingPunct="1">
+              <a:defRPr sz="1800" kern="1200">
+                <a:solidFill>
+                  <a:schemeClr val="lt1"/>
+                </a:solidFill>
+                <a:latin typeface="+mn-lt"/>
+                <a:ea typeface="+mn-ea"/>
+                <a:cs typeface="+mn-cs"/>
+              </a:defRPr>
+            </a:lvl3pPr>
+            <a:lvl4pPr marL="1371600" algn="l" defTabSz="914400" rtl="0" eaLnBrk="1" latinLnBrk="0" hangingPunct="1">
+              <a:defRPr sz="1800" kern="1200">
+                <a:solidFill>
+                  <a:schemeClr val="lt1"/>
+                </a:solidFill>
+                <a:latin typeface="+mn-lt"/>
+                <a:ea typeface="+mn-ea"/>
+                <a:cs typeface="+mn-cs"/>
+              </a:defRPr>
+            </a:lvl4pPr>
+            <a:lvl5pPr marL="1828800" algn="l" defTabSz="914400" rtl="0" eaLnBrk="1" latinLnBrk="0" hangingPunct="1">
+              <a:defRPr sz="1800" kern="1200">
+                <a:solidFill>
+                  <a:schemeClr val="lt1"/>
+                </a:solidFill>
+                <a:latin typeface="+mn-lt"/>
+                <a:ea typeface="+mn-ea"/>
+                <a:cs typeface="+mn-cs"/>
+              </a:defRPr>
+            </a:lvl5pPr>
+            <a:lvl6pPr marL="2286000" algn="l" defTabSz="914400" rtl="0" eaLnBrk="1" latinLnBrk="0" hangingPunct="1">
+              <a:defRPr sz="1800" kern="1200">
+                <a:solidFill>
+                  <a:schemeClr val="lt1"/>
+                </a:solidFill>
+                <a:latin typeface="+mn-lt"/>
+                <a:ea typeface="+mn-ea"/>
+                <a:cs typeface="+mn-cs"/>
+              </a:defRPr>
+            </a:lvl6pPr>
+            <a:lvl7pPr marL="2743200" algn="l" defTabSz="914400" rtl="0" eaLnBrk="1" latinLnBrk="0" hangingPunct="1">
+              <a:defRPr sz="1800" kern="1200">
+                <a:solidFill>
+                  <a:schemeClr val="lt1"/>
+                </a:solidFill>
+                <a:latin typeface="+mn-lt"/>
+                <a:ea typeface="+mn-ea"/>
+                <a:cs typeface="+mn-cs"/>
+              </a:defRPr>
+            </a:lvl7pPr>
+            <a:lvl8pPr marL="3200400" algn="l" defTabSz="914400" rtl="0" eaLnBrk="1" latinLnBrk="0" hangingPunct="1">
+              <a:defRPr sz="1800" kern="1200">
+                <a:solidFill>
+                  <a:schemeClr val="lt1"/>
+                </a:solidFill>
+                <a:latin typeface="+mn-lt"/>
+                <a:ea typeface="+mn-ea"/>
+                <a:cs typeface="+mn-cs"/>
+              </a:defRPr>
+            </a:lvl8pPr>
+            <a:lvl9pPr marL="3657600" algn="l" defTabSz="914400" rtl="0" eaLnBrk="1" latinLnBrk="0" hangingPunct="1">
+              <a:defRPr sz="1800" kern="1200">
+                <a:solidFill>
+                  <a:schemeClr val="lt1"/>
+                </a:solidFill>
+                <a:latin typeface="+mn-lt"/>
+                <a:ea typeface="+mn-ea"/>
+                <a:cs typeface="+mn-cs"/>
+              </a:defRPr>
+            </a:lvl9pPr>
+          </a:lstStyle>
+          <a:p>
+            <a:pPr algn="ctr"/>
+            <a:endParaRPr lang="en-US"/>
+          </a:p>
+        </p:txBody>
+      </p:sp>
+      <p:sp>
+        <p:nvSpPr>
+          <p:cNvPr id="14" name="Rectangle 13">
+            <a:extLst>
+              <a:ext uri="{FF2B5EF4-FFF2-40B4-BE49-F238E27FC236}">
+                <a16:creationId xmlns:a16="http://schemas.microsoft.com/office/drawing/2014/main" id="{DC0756A0-7714-494C-B70D-3EA1A23079C3}"/>
+              </a:ext>
+              <a:ext uri="{C183D7F6-B498-43B3-948B-1728B52AA6E4}">
+                <adec:decorative xmlns:adec="http://schemas.microsoft.com/office/drawing/2017/decorative" val="1"/>
+              </a:ext>
+            </a:extLst>
+          </p:cNvPr>
+          <p:cNvSpPr>
+            <a:spLocks noGrp="1" noRot="1" noChangeAspect="1" noMove="1" noResize="1" noEditPoints="1" noAdjustHandles="1" noChangeArrowheads="1" noChangeShapeType="1" noTextEdit="1"/>
+          </p:cNvSpPr>
+          <p:nvPr>
+            <p:extLst>
+              <p:ext uri="{386F3935-93C4-4BCD-93E2-E3B085C9AB24}">
+                <p16:designElem xmlns:p16="http://schemas.microsoft.com/office/powerpoint/2015/main" val="1"/>
+              </p:ext>
+            </p:extLst>
+          </p:nvPr>
+        </p:nvSpPr>
+        <p:spPr>
+          <a:xfrm>
+            <a:off x="1524" y="0"/>
+            <a:ext cx="12188952" cy="6858000"/>
+          </a:xfrm>
+          <a:prstGeom prst="rect">
+            <a:avLst/>
+          </a:prstGeom>
+          <a:solidFill>
+            <a:schemeClr val="bg2">
+              <a:alpha val="35000"/>
+            </a:schemeClr>
+          </a:solidFill>
+          <a:ln>
+            <a:noFill/>
+          </a:ln>
+        </p:spPr>
+        <p:style>
+          <a:lnRef idx="2">
+            <a:schemeClr val="accent1">
+              <a:shade val="50000"/>
+            </a:schemeClr>
+          </a:lnRef>
+          <a:fillRef idx="1">
+            <a:schemeClr val="accent1"/>
+          </a:fillRef>
+          <a:effectRef idx="0">
+            <a:schemeClr val="accent1"/>
+          </a:effectRef>
+          <a:fontRef idx="minor">
+            <a:schemeClr val="lt1"/>
+          </a:fontRef>
+        </p:style>
+        <p:txBody>
+          <a:bodyPr rtlCol="0" anchor="ctr"/>
+          <a:lstStyle>
+            <a:defPPr>
+              <a:defRPr lang="en-US"/>
+            </a:defPPr>
+            <a:lvl1pPr marL="0" algn="l" defTabSz="914400" rtl="0" eaLnBrk="1" latinLnBrk="0" hangingPunct="1">
+              <a:defRPr sz="1800" kern="1200">
+                <a:solidFill>
+                  <a:schemeClr val="lt1"/>
+                </a:solidFill>
+                <a:latin typeface="+mn-lt"/>
+                <a:ea typeface="+mn-ea"/>
+                <a:cs typeface="+mn-cs"/>
+              </a:defRPr>
+            </a:lvl1pPr>
+            <a:lvl2pPr marL="457200" algn="l" defTabSz="914400" rtl="0" eaLnBrk="1" latinLnBrk="0" hangingPunct="1">
+              <a:defRPr sz="1800" kern="1200">
+                <a:solidFill>
+                  <a:schemeClr val="lt1"/>
+                </a:solidFill>
+                <a:latin typeface="+mn-lt"/>
+                <a:ea typeface="+mn-ea"/>
+                <a:cs typeface="+mn-cs"/>
+              </a:defRPr>
+            </a:lvl2pPr>
+            <a:lvl3pPr marL="914400" algn="l" defTabSz="914400" rtl="0" eaLnBrk="1" latinLnBrk="0" hangingPunct="1">
+              <a:defRPr sz="1800" kern="1200">
+                <a:solidFill>
+                  <a:schemeClr val="lt1"/>
+                </a:solidFill>
+                <a:latin typeface="+mn-lt"/>
+                <a:ea typeface="+mn-ea"/>
+                <a:cs typeface="+mn-cs"/>
+              </a:defRPr>
+            </a:lvl3pPr>
+            <a:lvl4pPr marL="1371600" algn="l" defTabSz="914400" rtl="0" eaLnBrk="1" latinLnBrk="0" hangingPunct="1">
+              <a:defRPr sz="1800" kern="1200">
+                <a:solidFill>
+                  <a:schemeClr val="lt1"/>
+                </a:solidFill>
+                <a:latin typeface="+mn-lt"/>
+                <a:ea typeface="+mn-ea"/>
+                <a:cs typeface="+mn-cs"/>
+              </a:defRPr>
+            </a:lvl4pPr>
+            <a:lvl5pPr marL="1828800" algn="l" defTabSz="914400" rtl="0" eaLnBrk="1" latinLnBrk="0" hangingPunct="1">
+              <a:defRPr sz="1800" kern="1200">
+                <a:solidFill>
+                  <a:schemeClr val="lt1"/>
+                </a:solidFill>
+                <a:latin typeface="+mn-lt"/>
+                <a:ea typeface="+mn-ea"/>
+                <a:cs typeface="+mn-cs"/>
+              </a:defRPr>
+            </a:lvl5pPr>
+            <a:lvl6pPr marL="2286000" algn="l" defTabSz="914400" rtl="0" eaLnBrk="1" latinLnBrk="0" hangingPunct="1">
+              <a:defRPr sz="1800" kern="1200">
+                <a:solidFill>
+                  <a:schemeClr val="lt1"/>
+                </a:solidFill>
+                <a:latin typeface="+mn-lt"/>
+                <a:ea typeface="+mn-ea"/>
+                <a:cs typeface="+mn-cs"/>
+              </a:defRPr>
+            </a:lvl6pPr>
+            <a:lvl7pPr marL="2743200" algn="l" defTabSz="914400" rtl="0" eaLnBrk="1" latinLnBrk="0" hangingPunct="1">
+              <a:defRPr sz="1800" kern="1200">
+                <a:solidFill>
+                  <a:schemeClr val="lt1"/>
+                </a:solidFill>
+                <a:latin typeface="+mn-lt"/>
+                <a:ea typeface="+mn-ea"/>
+                <a:cs typeface="+mn-cs"/>
+              </a:defRPr>
+            </a:lvl7pPr>
+            <a:lvl8pPr marL="3200400" algn="l" defTabSz="914400" rtl="0" eaLnBrk="1" latinLnBrk="0" hangingPunct="1">
+              <a:defRPr sz="1800" kern="1200">
+                <a:solidFill>
+                  <a:schemeClr val="lt1"/>
+                </a:solidFill>
+                <a:latin typeface="+mn-lt"/>
+                <a:ea typeface="+mn-ea"/>
+                <a:cs typeface="+mn-cs"/>
+              </a:defRPr>
+            </a:lvl8pPr>
+            <a:lvl9pPr marL="3657600" algn="l" defTabSz="914400" rtl="0" eaLnBrk="1" latinLnBrk="0" hangingPunct="1">
+              <a:defRPr sz="1800" kern="1200">
+                <a:solidFill>
+                  <a:schemeClr val="lt1"/>
+                </a:solidFill>
+                <a:latin typeface="+mn-lt"/>
+                <a:ea typeface="+mn-ea"/>
+                <a:cs typeface="+mn-cs"/>
+              </a:defRPr>
+            </a:lvl9pPr>
+          </a:lstStyle>
+          <a:p>
+            <a:pPr algn="ctr"/>
+            <a:endParaRPr lang="en-US" dirty="0"/>
+          </a:p>
+        </p:txBody>
+      </p:sp>
+      <p:sp>
+        <p:nvSpPr>
+          <p:cNvPr id="16" name="Rectangle 15">
+            <a:extLst>
+              <a:ext uri="{FF2B5EF4-FFF2-40B4-BE49-F238E27FC236}">
+                <a16:creationId xmlns:a16="http://schemas.microsoft.com/office/drawing/2014/main" id="{93FB8294-5DA8-4320-95C0-2E49564FD666}"/>
+              </a:ext>
+              <a:ext uri="{C183D7F6-B498-43B3-948B-1728B52AA6E4}">
+                <adec:decorative xmlns:adec="http://schemas.microsoft.com/office/drawing/2017/decorative" val="1"/>
+              </a:ext>
+            </a:extLst>
+          </p:cNvPr>
+          <p:cNvSpPr>
+            <a:spLocks noGrp="1" noRot="1" noChangeAspect="1" noMove="1" noResize="1" noEditPoints="1" noAdjustHandles="1" noChangeArrowheads="1" noChangeShapeType="1" noTextEdit="1"/>
+          </p:cNvSpPr>
+          <p:nvPr>
+            <p:extLst>
+              <p:ext uri="{386F3935-93C4-4BCD-93E2-E3B085C9AB24}">
+                <p16:designElem xmlns:p16="http://schemas.microsoft.com/office/powerpoint/2015/main" val="1"/>
+              </p:ext>
+            </p:extLst>
+          </p:nvPr>
+        </p:nvSpPr>
+        <p:spPr>
+          <a:xfrm>
+            <a:off x="0" y="685800"/>
+            <a:ext cx="12190476" cy="5486400"/>
+          </a:xfrm>
+          <a:prstGeom prst="rect">
+            <a:avLst/>
+          </a:prstGeom>
+          <a:solidFill>
+            <a:schemeClr val="bg1"/>
+          </a:solidFill>
+          <a:ln>
+            <a:noFill/>
+          </a:ln>
+        </p:spPr>
+        <p:style>
+          <a:lnRef idx="2">
+            <a:schemeClr val="accent1">
+              <a:shade val="50000"/>
+            </a:schemeClr>
+          </a:lnRef>
+          <a:fillRef idx="1">
+            <a:schemeClr val="accent1"/>
+          </a:fillRef>
+          <a:effectRef idx="0">
+            <a:schemeClr val="accent1"/>
+          </a:effectRef>
+          <a:fontRef idx="minor">
+            <a:schemeClr val="lt1"/>
+          </a:fontRef>
+        </p:style>
+        <p:txBody>
+          <a:bodyPr rtlCol="0" anchor="ctr"/>
+          <a:lstStyle/>
+          <a:p>
+            <a:pPr algn="ctr"/>
+            <a:endParaRPr lang="en-US"/>
+          </a:p>
+        </p:txBody>
+      </p:sp>
+      <p:sp>
+        <p:nvSpPr>
+          <p:cNvPr id="4" name="Title 3">
+            <a:extLst>
+              <a:ext uri="{FF2B5EF4-FFF2-40B4-BE49-F238E27FC236}">
+                <a16:creationId xmlns:a16="http://schemas.microsoft.com/office/drawing/2014/main" id="{559B96B5-9FAB-7D58-3D94-9DF49BC18487}"/>
+              </a:ext>
+            </a:extLst>
+          </p:cNvPr>
+          <p:cNvSpPr>
+            <a:spLocks noGrp="1"/>
+          </p:cNvSpPr>
+          <p:nvPr>
+            <p:ph type="title"/>
+          </p:nvPr>
+        </p:nvSpPr>
+        <p:spPr>
+          <a:xfrm>
+            <a:off x="1489039" y="691429"/>
+            <a:ext cx="9213920" cy="2737570"/>
+          </a:xfrm>
+        </p:spPr>
+        <p:txBody>
+          <a:bodyPr vert="horz" lIns="91440" tIns="45720" rIns="91440" bIns="45720" rtlCol="0" anchor="b">
+            <a:normAutofit/>
+          </a:bodyPr>
+          <a:lstStyle/>
+          <a:p>
+            <a:pPr algn="ctr"/>
+            <a:r>
+              <a:rPr lang="en-US" altLang="ko-KR" sz="5400"/>
+              <a:t>2-1) Audio alignment</a:t>
+            </a:r>
+          </a:p>
+        </p:txBody>
+      </p:sp>
+      <p:sp>
+        <p:nvSpPr>
+          <p:cNvPr id="5" name="Text Placeholder 4">
+            <a:extLst>
+              <a:ext uri="{FF2B5EF4-FFF2-40B4-BE49-F238E27FC236}">
+                <a16:creationId xmlns:a16="http://schemas.microsoft.com/office/drawing/2014/main" id="{D0C54A0C-956D-B55A-6CD0-C0559B853FE6}"/>
+              </a:ext>
+            </a:extLst>
+          </p:cNvPr>
+          <p:cNvSpPr>
+            <a:spLocks noGrp="1"/>
+          </p:cNvSpPr>
+          <p:nvPr>
+            <p:ph type="body" idx="1"/>
+          </p:nvPr>
+        </p:nvSpPr>
+        <p:spPr>
+          <a:xfrm>
+            <a:off x="1489039" y="3620467"/>
+            <a:ext cx="9213911" cy="2222280"/>
+          </a:xfrm>
+        </p:spPr>
+        <p:txBody>
+          <a:bodyPr vert="horz" lIns="91440" tIns="45720" rIns="91440" bIns="45720" rtlCol="0">
+            <a:normAutofit/>
+          </a:bodyPr>
+          <a:lstStyle/>
+          <a:p>
+            <a:pPr algn="ctr">
+              <a:lnSpc>
+                <a:spcPts val="3200"/>
+              </a:lnSpc>
+            </a:pPr>
+            <a:endParaRPr lang="en-US" altLang="ko-KR" sz="2400">
+              <a:solidFill>
+                <a:schemeClr val="tx2"/>
+              </a:solidFill>
+            </a:endParaRPr>
+          </a:p>
+        </p:txBody>
+      </p:sp>
+      <p:cxnSp>
+        <p:nvCxnSpPr>
+          <p:cNvPr id="18" name="Straight Connector 17">
+            <a:extLst>
+              <a:ext uri="{FF2B5EF4-FFF2-40B4-BE49-F238E27FC236}">
+                <a16:creationId xmlns:a16="http://schemas.microsoft.com/office/drawing/2014/main" id="{76ED57D7-3283-4111-8331-20D63B7CBB9E}"/>
+              </a:ext>
+              <a:ext uri="{C183D7F6-B498-43B3-948B-1728B52AA6E4}">
+                <adec:decorative xmlns:adec="http://schemas.microsoft.com/office/drawing/2017/decorative" val="1"/>
+              </a:ext>
+            </a:extLst>
+          </p:cNvPr>
+          <p:cNvCxnSpPr>
+            <a:cxnSpLocks noGrp="1" noRot="1" noChangeAspect="1" noMove="1" noResize="1" noEditPoints="1" noAdjustHandles="1" noChangeArrowheads="1" noChangeShapeType="1"/>
+          </p:cNvCxnSpPr>
+          <p:nvPr>
+            <p:extLst>
+              <p:ext uri="{386F3935-93C4-4BCD-93E2-E3B085C9AB24}">
+                <p16:designElem xmlns:p16="http://schemas.microsoft.com/office/powerpoint/2015/main" val="1"/>
+              </p:ext>
+            </p:extLst>
+          </p:nvPr>
+        </p:nvCxnSpPr>
+        <p:spPr>
+          <a:xfrm>
+            <a:off x="2959" y="680190"/>
+            <a:ext cx="12192000" cy="0"/>
+          </a:xfrm>
+          <a:prstGeom prst="line">
+            <a:avLst/>
+          </a:prstGeom>
+          <a:ln w="9525" cap="rnd">
+            <a:solidFill>
+              <a:srgbClr val="E729BF"/>
+            </a:solidFill>
+            <a:prstDash val="dash"/>
+          </a:ln>
+        </p:spPr>
+        <p:style>
+          <a:lnRef idx="1">
+            <a:schemeClr val="accent1"/>
+          </a:lnRef>
+          <a:fillRef idx="0">
+            <a:schemeClr val="accent1"/>
+          </a:fillRef>
+          <a:effectRef idx="0">
+            <a:schemeClr val="accent1"/>
+          </a:effectRef>
+          <a:fontRef idx="minor">
+            <a:schemeClr val="tx1"/>
+          </a:fontRef>
+        </p:style>
+      </p:cxnSp>
+      <p:cxnSp>
+        <p:nvCxnSpPr>
+          <p:cNvPr id="20" name="Straight Connector 19">
+            <a:extLst>
+              <a:ext uri="{FF2B5EF4-FFF2-40B4-BE49-F238E27FC236}">
+                <a16:creationId xmlns:a16="http://schemas.microsoft.com/office/drawing/2014/main" id="{0AF369D5-F994-4512-9823-1596D8F3AA8C}"/>
+              </a:ext>
+              <a:ext uri="{C183D7F6-B498-43B3-948B-1728B52AA6E4}">
+                <adec:decorative xmlns:adec="http://schemas.microsoft.com/office/drawing/2017/decorative" val="1"/>
+              </a:ext>
+            </a:extLst>
+          </p:cNvPr>
+          <p:cNvCxnSpPr>
+            <a:cxnSpLocks noGrp="1" noRot="1" noChangeAspect="1" noMove="1" noResize="1" noEditPoints="1" noAdjustHandles="1" noChangeArrowheads="1" noChangeShapeType="1"/>
+          </p:cNvCxnSpPr>
+          <p:nvPr>
+            <p:extLst>
+              <p:ext uri="{386F3935-93C4-4BCD-93E2-E3B085C9AB24}">
+                <p16:designElem xmlns:p16="http://schemas.microsoft.com/office/powerpoint/2015/main" val="1"/>
+              </p:ext>
+            </p:extLst>
+          </p:nvPr>
+        </p:nvCxnSpPr>
+        <p:spPr>
+          <a:xfrm>
+            <a:off x="1524" y="6172200"/>
+            <a:ext cx="12192000" cy="0"/>
+          </a:xfrm>
+          <a:prstGeom prst="line">
+            <a:avLst/>
+          </a:prstGeom>
+          <a:ln w="9525" cap="rnd">
+            <a:solidFill>
+              <a:srgbClr val="E729BF"/>
+            </a:solidFill>
+            <a:prstDash val="dash"/>
+          </a:ln>
+        </p:spPr>
+        <p:style>
+          <a:lnRef idx="1">
+            <a:schemeClr val="accent1"/>
+          </a:lnRef>
+          <a:fillRef idx="0">
+            <a:schemeClr val="accent1"/>
+          </a:fillRef>
+          <a:effectRef idx="0">
+            <a:schemeClr val="accent1"/>
+          </a:effectRef>
+          <a:fontRef idx="minor">
+            <a:schemeClr val="tx1"/>
+          </a:fontRef>
+        </p:style>
+      </p:cxnSp>
+    </p:spTree>
+    <p:extLst>
+      <p:ext uri="{BB962C8B-B14F-4D97-AF65-F5344CB8AC3E}">
+        <p14:creationId xmlns:p14="http://schemas.microsoft.com/office/powerpoint/2010/main" val="657384978"/>
+      </p:ext>
+    </p:extLst>
+  </p:cSld>
+  <p:clrMapOvr>
+    <a:masterClrMapping/>
+  </p:clrMapOvr>
+</p:sld>
+</file>
+
+<file path=ppt/slides/slide16.xml><?xml version="1.0" encoding="utf-8"?>
+<p:sld xmlns:a="http://schemas.openxmlformats.org/drawingml/2006/main" xmlns:r="http://schemas.openxmlformats.org/officeDocument/2006/relationships" xmlns:p="http://schemas.openxmlformats.org/presentationml/2006/main" show="0">
+  <p:cSld>
+    <p:spTree>
+      <p:nvGrpSpPr>
+        <p:cNvPr id="1" name=""/>
+        <p:cNvGrpSpPr/>
+        <p:nvPr/>
+      </p:nvGrpSpPr>
+      <p:grpSpPr>
+        <a:xfrm>
+          <a:off x="0" y="0"/>
+          <a:ext cx="0" cy="0"/>
+          <a:chOff x="0" y="0"/>
+          <a:chExt cx="0" cy="0"/>
+        </a:xfrm>
+      </p:grpSpPr>
       <p:pic>
         <p:nvPicPr>
           <p:cNvPr id="7" name="Picture 6">
@@ -6027,7 +6672,7 @@
         <p:spPr>
           <a:xfrm>
             <a:off x="9029700" y="1943100"/>
-            <a:ext cx="1351652" cy="369332"/>
+            <a:ext cx="1018227" cy="369332"/>
           </a:xfrm>
           <a:prstGeom prst="rect">
             <a:avLst/>
@@ -6042,7 +6687,7 @@
           <a:p>
             <a:r>
               <a:rPr lang="en-US" altLang="ko-KR"/>
-              <a:t>lag: 25ms?</a:t>
+              <a:t>lag: 25?</a:t>
             </a:r>
             <a:endParaRPr lang="ko-KR" altLang="en-US"/>
           </a:p>
@@ -6061,7 +6706,7 @@
 </p:sld>
 </file>
 
-<file path=ppt/slides/slide15.xml><?xml version="1.0" encoding="utf-8"?>
+<file path=ppt/slides/slide17.xml><?xml version="1.0" encoding="utf-8"?>
 <p:sld xmlns:a="http://schemas.openxmlformats.org/drawingml/2006/main" xmlns:r="http://schemas.openxmlformats.org/officeDocument/2006/relationships" xmlns:p="http://schemas.openxmlformats.org/presentationml/2006/main">
   <p:cSld>
     <p:spTree>
@@ -6078,41 +6723,12 @@
           <a:chExt cx="0" cy="0"/>
         </a:xfrm>
       </p:grpSpPr>
-      <p:sp>
-        <p:nvSpPr>
-          <p:cNvPr id="2" name="Title 1">
-            <a:extLst>
-              <a:ext uri="{FF2B5EF4-FFF2-40B4-BE49-F238E27FC236}">
-                <a16:creationId xmlns:a16="http://schemas.microsoft.com/office/drawing/2014/main" id="{4028258A-820B-A538-BF5A-873E2E7E77FC}"/>
-              </a:ext>
-            </a:extLst>
-          </p:cNvPr>
-          <p:cNvSpPr>
-            <a:spLocks noGrp="1"/>
-          </p:cNvSpPr>
-          <p:nvPr>
-            <p:ph type="title"/>
-          </p:nvPr>
-        </p:nvSpPr>
-        <p:spPr/>
-        <p:txBody>
-          <a:bodyPr/>
-          <a:lstStyle/>
-          <a:p>
-            <a:r>
-              <a:rPr lang="en-US" altLang="ko-KR"/>
-              <a:t>R0462: before/after shifting</a:t>
-            </a:r>
-            <a:endParaRPr lang="ko-KR" altLang="en-US"/>
-          </a:p>
-        </p:txBody>
-      </p:sp>
       <p:pic>
         <p:nvPicPr>
-          <p:cNvPr id="4" name="Picture 2">
-            <a:extLst>
-              <a:ext uri="{FF2B5EF4-FFF2-40B4-BE49-F238E27FC236}">
-                <a16:creationId xmlns:a16="http://schemas.microsoft.com/office/drawing/2014/main" id="{6D5C875F-2ECF-326D-AB86-F51E08EE4C8C}"/>
+          <p:cNvPr id="4098" name="Picture 2">
+            <a:extLst>
+              <a:ext uri="{FF2B5EF4-FFF2-40B4-BE49-F238E27FC236}">
+                <a16:creationId xmlns:a16="http://schemas.microsoft.com/office/drawing/2014/main" id="{B157927E-9887-9EC1-4981-13077CAD7FEC}"/>
               </a:ext>
             </a:extLst>
           </p:cNvPr>
@@ -6136,8 +6752,8 @@
         </p:blipFill>
         <p:spPr bwMode="auto">
           <a:xfrm>
-            <a:off x="1228344" y="4499811"/>
-            <a:ext cx="7872450" cy="2358189"/>
+            <a:off x="162185" y="923330"/>
+            <a:ext cx="4974285" cy="3263552"/>
           </a:xfrm>
           <a:prstGeom prst="rect">
             <a:avLst/>
@@ -6154,12 +6770,54 @@
           </a:extLst>
         </p:spPr>
       </p:pic>
+      <p:sp>
+        <p:nvSpPr>
+          <p:cNvPr id="5" name="TextBox 4">
+            <a:extLst>
+              <a:ext uri="{FF2B5EF4-FFF2-40B4-BE49-F238E27FC236}">
+                <a16:creationId xmlns:a16="http://schemas.microsoft.com/office/drawing/2014/main" id="{F57615BC-884F-AD00-834C-968577D00B9D}"/>
+              </a:ext>
+            </a:extLst>
+          </p:cNvPr>
+          <p:cNvSpPr txBox="1"/>
+          <p:nvPr/>
+        </p:nvSpPr>
+        <p:spPr>
+          <a:xfrm>
+            <a:off x="513567" y="203605"/>
+            <a:ext cx="3012363" cy="646331"/>
+          </a:xfrm>
+          <a:prstGeom prst="rect">
+            <a:avLst/>
+          </a:prstGeom>
+          <a:noFill/>
+        </p:spPr>
+        <p:txBody>
+          <a:bodyPr wrap="none" rtlCol="0">
+            <a:spAutoFit/>
+          </a:bodyPr>
+          <a:lstStyle/>
+          <a:p>
+            <a:r>
+              <a:rPr lang="en-US" altLang="ko-KR"/>
+              <a:t>envelope</a:t>
+            </a:r>
+          </a:p>
+          <a:p>
+            <a:r>
+              <a:rPr lang="en-US" altLang="ko-KR"/>
+              <a:t>(lag: 10 samples = 100ms)</a:t>
+            </a:r>
+            <a:endParaRPr lang="ko-KR" altLang="en-US"/>
+          </a:p>
+        </p:txBody>
+      </p:sp>
       <p:pic>
         <p:nvPicPr>
-          <p:cNvPr id="5" name="Picture 18">
-            <a:extLst>
-              <a:ext uri="{FF2B5EF4-FFF2-40B4-BE49-F238E27FC236}">
-                <a16:creationId xmlns:a16="http://schemas.microsoft.com/office/drawing/2014/main" id="{DE1DC3CA-63A0-64A9-0069-146B2986D4D4}"/>
+          <p:cNvPr id="4100" name="Picture 4">
+            <a:extLst>
+              <a:ext uri="{FF2B5EF4-FFF2-40B4-BE49-F238E27FC236}">
+                <a16:creationId xmlns:a16="http://schemas.microsoft.com/office/drawing/2014/main" id="{6C390D5A-4FB1-DC3F-873F-4D82EA969E8A}"/>
               </a:ext>
             </a:extLst>
           </p:cNvPr>
@@ -6183,8 +6841,8 @@
         </p:blipFill>
         <p:spPr bwMode="auto">
           <a:xfrm>
-            <a:off x="1228344" y="1985211"/>
-            <a:ext cx="7872450" cy="2358189"/>
+            <a:off x="6305550" y="993406"/>
+            <a:ext cx="3543300" cy="2362200"/>
           </a:xfrm>
           <a:prstGeom prst="rect">
             <a:avLst/>
@@ -6201,10 +6859,984 @@
           </a:extLst>
         </p:spPr>
       </p:pic>
+      <p:sp>
+        <p:nvSpPr>
+          <p:cNvPr id="8" name="TextBox 7">
+            <a:extLst>
+              <a:ext uri="{FF2B5EF4-FFF2-40B4-BE49-F238E27FC236}">
+                <a16:creationId xmlns:a16="http://schemas.microsoft.com/office/drawing/2014/main" id="{549718A3-B3AE-FF47-0234-09C2D838B9C7}"/>
+              </a:ext>
+            </a:extLst>
+          </p:cNvPr>
+          <p:cNvSpPr txBox="1"/>
+          <p:nvPr/>
+        </p:nvSpPr>
+        <p:spPr>
+          <a:xfrm>
+            <a:off x="6305550" y="0"/>
+            <a:ext cx="3012363" cy="923330"/>
+          </a:xfrm>
+          <a:prstGeom prst="rect">
+            <a:avLst/>
+          </a:prstGeom>
+          <a:noFill/>
+        </p:spPr>
+        <p:txBody>
+          <a:bodyPr wrap="none" rtlCol="0">
+            <a:spAutoFit/>
+          </a:bodyPr>
+          <a:lstStyle/>
+          <a:p>
+            <a:r>
+              <a:rPr lang="en-US" altLang="ko-KR"/>
+              <a:t>R0443 audio channel</a:t>
+            </a:r>
+          </a:p>
+          <a:p>
+            <a:r>
+              <a:rPr lang="en-US" altLang="ko-KR"/>
+              <a:t>(lag: 45 samples = 450ms)</a:t>
+            </a:r>
+          </a:p>
+          <a:p>
+            <a:r>
+              <a:rPr lang="en-US" altLang="ko-KR"/>
+              <a:t>45-10 = 35</a:t>
+            </a:r>
+            <a:endParaRPr lang="ko-KR" altLang="en-US"/>
+          </a:p>
+        </p:txBody>
+      </p:sp>
+      <p:pic>
+        <p:nvPicPr>
+          <p:cNvPr id="4104" name="Picture 8">
+            <a:extLst>
+              <a:ext uri="{FF2B5EF4-FFF2-40B4-BE49-F238E27FC236}">
+                <a16:creationId xmlns:a16="http://schemas.microsoft.com/office/drawing/2014/main" id="{338F197E-EA37-361B-8E32-060D6DBAF865}"/>
+              </a:ext>
+            </a:extLst>
+          </p:cNvPr>
+          <p:cNvPicPr>
+            <a:picLocks noChangeAspect="1" noChangeArrowheads="1"/>
+          </p:cNvPicPr>
+          <p:nvPr/>
+        </p:nvPicPr>
+        <p:blipFill>
+          <a:blip r:embed="rId4">
+            <a:extLst>
+              <a:ext uri="{28A0092B-C50C-407E-A947-70E740481C1C}">
+                <a14:useLocalDpi xmlns:a14="http://schemas.microsoft.com/office/drawing/2010/main" val="0"/>
+              </a:ext>
+            </a:extLst>
+          </a:blip>
+          <a:srcRect/>
+          <a:stretch>
+            <a:fillRect/>
+          </a:stretch>
+        </p:blipFill>
+        <p:spPr bwMode="auto">
+          <a:xfrm>
+            <a:off x="4533900" y="4186882"/>
+            <a:ext cx="3543300" cy="2362200"/>
+          </a:xfrm>
+          <a:prstGeom prst="rect">
+            <a:avLst/>
+          </a:prstGeom>
+          <a:noFill/>
+          <a:extLst>
+            <a:ext uri="{909E8E84-426E-40DD-AFC4-6F175D3DCCD1}">
+              <a14:hiddenFill xmlns:a14="http://schemas.microsoft.com/office/drawing/2010/main">
+                <a:solidFill>
+                  <a:srgbClr val="FFFFFF"/>
+                </a:solidFill>
+              </a14:hiddenFill>
+            </a:ext>
+          </a:extLst>
+        </p:spPr>
+      </p:pic>
+      <p:sp>
+        <p:nvSpPr>
+          <p:cNvPr id="11" name="TextBox 10">
+            <a:extLst>
+              <a:ext uri="{FF2B5EF4-FFF2-40B4-BE49-F238E27FC236}">
+                <a16:creationId xmlns:a16="http://schemas.microsoft.com/office/drawing/2014/main" id="{66707143-F30B-5C48-387E-282787760B84}"/>
+              </a:ext>
+            </a:extLst>
+          </p:cNvPr>
+          <p:cNvSpPr txBox="1"/>
+          <p:nvPr/>
+        </p:nvSpPr>
+        <p:spPr>
+          <a:xfrm>
+            <a:off x="5545785" y="3817550"/>
+            <a:ext cx="1774845" cy="369332"/>
+          </a:xfrm>
+          <a:prstGeom prst="rect">
+            <a:avLst/>
+          </a:prstGeom>
+          <a:noFill/>
+        </p:spPr>
+        <p:txBody>
+          <a:bodyPr wrap="none" rtlCol="0">
+            <a:spAutoFit/>
+          </a:bodyPr>
+          <a:lstStyle/>
+          <a:p>
+            <a:r>
+              <a:rPr lang="en-US" altLang="ko-KR"/>
+              <a:t>before shifting</a:t>
+            </a:r>
+            <a:endParaRPr lang="ko-KR" altLang="en-US"/>
+          </a:p>
+        </p:txBody>
+      </p:sp>
+      <p:sp>
+        <p:nvSpPr>
+          <p:cNvPr id="13" name="TextBox 12">
+            <a:extLst>
+              <a:ext uri="{FF2B5EF4-FFF2-40B4-BE49-F238E27FC236}">
+                <a16:creationId xmlns:a16="http://schemas.microsoft.com/office/drawing/2014/main" id="{44E51D61-D8BE-AD50-75EF-59DA4F1C9615}"/>
+              </a:ext>
+            </a:extLst>
+          </p:cNvPr>
+          <p:cNvSpPr txBox="1"/>
+          <p:nvPr/>
+        </p:nvSpPr>
+        <p:spPr>
+          <a:xfrm>
+            <a:off x="9111945" y="3817550"/>
+            <a:ext cx="3018775" cy="369332"/>
+          </a:xfrm>
+          <a:prstGeom prst="rect">
+            <a:avLst/>
+          </a:prstGeom>
+          <a:noFill/>
+        </p:spPr>
+        <p:txBody>
+          <a:bodyPr wrap="none" rtlCol="0">
+            <a:spAutoFit/>
+          </a:bodyPr>
+          <a:lstStyle/>
+          <a:p>
+            <a:r>
+              <a:rPr lang="en-US" altLang="ko-KR"/>
+              <a:t>after shifting (35 samples)</a:t>
+            </a:r>
+            <a:endParaRPr lang="ko-KR" altLang="en-US"/>
+          </a:p>
+        </p:txBody>
+      </p:sp>
+      <p:pic>
+        <p:nvPicPr>
+          <p:cNvPr id="4108" name="Picture 12">
+            <a:extLst>
+              <a:ext uri="{FF2B5EF4-FFF2-40B4-BE49-F238E27FC236}">
+                <a16:creationId xmlns:a16="http://schemas.microsoft.com/office/drawing/2014/main" id="{598625DC-E05E-40F9-9678-693601A5F533}"/>
+              </a:ext>
+            </a:extLst>
+          </p:cNvPr>
+          <p:cNvPicPr>
+            <a:picLocks noChangeAspect="1" noChangeArrowheads="1"/>
+          </p:cNvPicPr>
+          <p:nvPr/>
+        </p:nvPicPr>
+        <p:blipFill>
+          <a:blip r:embed="rId5">
+            <a:extLst>
+              <a:ext uri="{28A0092B-C50C-407E-A947-70E740481C1C}">
+                <a14:useLocalDpi xmlns:a14="http://schemas.microsoft.com/office/drawing/2010/main" val="0"/>
+              </a:ext>
+            </a:extLst>
+          </a:blip>
+          <a:srcRect/>
+          <a:stretch>
+            <a:fillRect/>
+          </a:stretch>
+        </p:blipFill>
+        <p:spPr bwMode="auto">
+          <a:xfrm>
+            <a:off x="8648700" y="4186882"/>
+            <a:ext cx="3543300" cy="2362200"/>
+          </a:xfrm>
+          <a:prstGeom prst="rect">
+            <a:avLst/>
+          </a:prstGeom>
+          <a:noFill/>
+          <a:extLst>
+            <a:ext uri="{909E8E84-426E-40DD-AFC4-6F175D3DCCD1}">
+              <a14:hiddenFill xmlns:a14="http://schemas.microsoft.com/office/drawing/2010/main">
+                <a:solidFill>
+                  <a:srgbClr val="FFFFFF"/>
+                </a:solidFill>
+              </a14:hiddenFill>
+            </a:ext>
+          </a:extLst>
+        </p:spPr>
+      </p:pic>
     </p:spTree>
     <p:extLst>
       <p:ext uri="{BB962C8B-B14F-4D97-AF65-F5344CB8AC3E}">
-        <p14:creationId xmlns:p14="http://schemas.microsoft.com/office/powerpoint/2010/main" val="3587539396"/>
+        <p14:creationId xmlns:p14="http://schemas.microsoft.com/office/powerpoint/2010/main" val="2303234395"/>
+      </p:ext>
+    </p:extLst>
+  </p:cSld>
+  <p:clrMapOvr>
+    <a:masterClrMapping/>
+  </p:clrMapOvr>
+</p:sld>
+</file>
+
+<file path=ppt/slides/slide18.xml><?xml version="1.0" encoding="utf-8"?>
+<p:sld xmlns:a="http://schemas.openxmlformats.org/drawingml/2006/main" xmlns:r="http://schemas.openxmlformats.org/officeDocument/2006/relationships" xmlns:p="http://schemas.openxmlformats.org/presentationml/2006/main">
+  <p:cSld>
+    <p:spTree>
+      <p:nvGrpSpPr>
+        <p:cNvPr id="1" name=""/>
+        <p:cNvGrpSpPr/>
+        <p:nvPr/>
+      </p:nvGrpSpPr>
+      <p:grpSpPr>
+        <a:xfrm>
+          <a:off x="0" y="0"/>
+          <a:ext cx="0" cy="0"/>
+          <a:chOff x="0" y="0"/>
+          <a:chExt cx="0" cy="0"/>
+        </a:xfrm>
+      </p:grpSpPr>
+      <p:pic>
+        <p:nvPicPr>
+          <p:cNvPr id="4098" name="Picture 2">
+            <a:extLst>
+              <a:ext uri="{FF2B5EF4-FFF2-40B4-BE49-F238E27FC236}">
+                <a16:creationId xmlns:a16="http://schemas.microsoft.com/office/drawing/2014/main" id="{B157927E-9887-9EC1-4981-13077CAD7FEC}"/>
+              </a:ext>
+            </a:extLst>
+          </p:cNvPr>
+          <p:cNvPicPr>
+            <a:picLocks noChangeAspect="1" noChangeArrowheads="1"/>
+          </p:cNvPicPr>
+          <p:nvPr/>
+        </p:nvPicPr>
+        <p:blipFill>
+          <a:blip r:embed="rId2">
+            <a:extLst>
+              <a:ext uri="{28A0092B-C50C-407E-A947-70E740481C1C}">
+                <a14:useLocalDpi xmlns:a14="http://schemas.microsoft.com/office/drawing/2010/main" val="0"/>
+              </a:ext>
+            </a:extLst>
+          </a:blip>
+          <a:srcRect/>
+          <a:stretch>
+            <a:fillRect/>
+          </a:stretch>
+        </p:blipFill>
+        <p:spPr bwMode="auto">
+          <a:xfrm>
+            <a:off x="162185" y="923330"/>
+            <a:ext cx="4974285" cy="3263552"/>
+          </a:xfrm>
+          <a:prstGeom prst="rect">
+            <a:avLst/>
+          </a:prstGeom>
+          <a:noFill/>
+          <a:extLst>
+            <a:ext uri="{909E8E84-426E-40DD-AFC4-6F175D3DCCD1}">
+              <a14:hiddenFill xmlns:a14="http://schemas.microsoft.com/office/drawing/2010/main">
+                <a:solidFill>
+                  <a:srgbClr val="FFFFFF"/>
+                </a:solidFill>
+              </a14:hiddenFill>
+            </a:ext>
+          </a:extLst>
+        </p:spPr>
+      </p:pic>
+      <p:sp>
+        <p:nvSpPr>
+          <p:cNvPr id="5" name="TextBox 4">
+            <a:extLst>
+              <a:ext uri="{FF2B5EF4-FFF2-40B4-BE49-F238E27FC236}">
+                <a16:creationId xmlns:a16="http://schemas.microsoft.com/office/drawing/2014/main" id="{F57615BC-884F-AD00-834C-968577D00B9D}"/>
+              </a:ext>
+            </a:extLst>
+          </p:cNvPr>
+          <p:cNvSpPr txBox="1"/>
+          <p:nvPr/>
+        </p:nvSpPr>
+        <p:spPr>
+          <a:xfrm>
+            <a:off x="513567" y="203605"/>
+            <a:ext cx="3012363" cy="646331"/>
+          </a:xfrm>
+          <a:prstGeom prst="rect">
+            <a:avLst/>
+          </a:prstGeom>
+          <a:noFill/>
+        </p:spPr>
+        <p:txBody>
+          <a:bodyPr wrap="none" rtlCol="0">
+            <a:spAutoFit/>
+          </a:bodyPr>
+          <a:lstStyle/>
+          <a:p>
+            <a:r>
+              <a:rPr lang="en-US" altLang="ko-KR"/>
+              <a:t>envelope</a:t>
+            </a:r>
+          </a:p>
+          <a:p>
+            <a:r>
+              <a:rPr lang="en-US" altLang="ko-KR"/>
+              <a:t>(lag: 10 samples = 100ms)</a:t>
+            </a:r>
+            <a:endParaRPr lang="ko-KR" altLang="en-US"/>
+          </a:p>
+        </p:txBody>
+      </p:sp>
+      <p:sp>
+        <p:nvSpPr>
+          <p:cNvPr id="8" name="TextBox 7">
+            <a:extLst>
+              <a:ext uri="{FF2B5EF4-FFF2-40B4-BE49-F238E27FC236}">
+                <a16:creationId xmlns:a16="http://schemas.microsoft.com/office/drawing/2014/main" id="{549718A3-B3AE-FF47-0234-09C2D838B9C7}"/>
+              </a:ext>
+            </a:extLst>
+          </p:cNvPr>
+          <p:cNvSpPr txBox="1"/>
+          <p:nvPr/>
+        </p:nvSpPr>
+        <p:spPr>
+          <a:xfrm>
+            <a:off x="6305550" y="0"/>
+            <a:ext cx="3012363" cy="923330"/>
+          </a:xfrm>
+          <a:prstGeom prst="rect">
+            <a:avLst/>
+          </a:prstGeom>
+          <a:noFill/>
+        </p:spPr>
+        <p:txBody>
+          <a:bodyPr wrap="none" rtlCol="0">
+            <a:spAutoFit/>
+          </a:bodyPr>
+          <a:lstStyle/>
+          <a:p>
+            <a:r>
+              <a:rPr lang="en-US" altLang="ko-KR"/>
+              <a:t>R0459 audio channel</a:t>
+            </a:r>
+          </a:p>
+          <a:p>
+            <a:r>
+              <a:rPr lang="en-US" altLang="ko-KR"/>
+              <a:t>(lag: 41 samples = 410ms)</a:t>
+            </a:r>
+          </a:p>
+          <a:p>
+            <a:r>
+              <a:rPr lang="en-US" altLang="ko-KR"/>
+              <a:t>41-10 = 31</a:t>
+            </a:r>
+            <a:endParaRPr lang="ko-KR" altLang="en-US"/>
+          </a:p>
+        </p:txBody>
+      </p:sp>
+      <p:sp>
+        <p:nvSpPr>
+          <p:cNvPr id="11" name="TextBox 10">
+            <a:extLst>
+              <a:ext uri="{FF2B5EF4-FFF2-40B4-BE49-F238E27FC236}">
+                <a16:creationId xmlns:a16="http://schemas.microsoft.com/office/drawing/2014/main" id="{66707143-F30B-5C48-387E-282787760B84}"/>
+              </a:ext>
+            </a:extLst>
+          </p:cNvPr>
+          <p:cNvSpPr txBox="1"/>
+          <p:nvPr/>
+        </p:nvSpPr>
+        <p:spPr>
+          <a:xfrm>
+            <a:off x="5545785" y="3817550"/>
+            <a:ext cx="1774845" cy="369332"/>
+          </a:xfrm>
+          <a:prstGeom prst="rect">
+            <a:avLst/>
+          </a:prstGeom>
+          <a:noFill/>
+        </p:spPr>
+        <p:txBody>
+          <a:bodyPr wrap="none" rtlCol="0">
+            <a:spAutoFit/>
+          </a:bodyPr>
+          <a:lstStyle/>
+          <a:p>
+            <a:r>
+              <a:rPr lang="en-US" altLang="ko-KR"/>
+              <a:t>before shifting</a:t>
+            </a:r>
+            <a:endParaRPr lang="ko-KR" altLang="en-US"/>
+          </a:p>
+        </p:txBody>
+      </p:sp>
+      <p:sp>
+        <p:nvSpPr>
+          <p:cNvPr id="13" name="TextBox 12">
+            <a:extLst>
+              <a:ext uri="{FF2B5EF4-FFF2-40B4-BE49-F238E27FC236}">
+                <a16:creationId xmlns:a16="http://schemas.microsoft.com/office/drawing/2014/main" id="{44E51D61-D8BE-AD50-75EF-59DA4F1C9615}"/>
+              </a:ext>
+            </a:extLst>
+          </p:cNvPr>
+          <p:cNvSpPr txBox="1"/>
+          <p:nvPr/>
+        </p:nvSpPr>
+        <p:spPr>
+          <a:xfrm>
+            <a:off x="9111945" y="3817550"/>
+            <a:ext cx="3018775" cy="369332"/>
+          </a:xfrm>
+          <a:prstGeom prst="rect">
+            <a:avLst/>
+          </a:prstGeom>
+          <a:noFill/>
+        </p:spPr>
+        <p:txBody>
+          <a:bodyPr wrap="none" rtlCol="0">
+            <a:spAutoFit/>
+          </a:bodyPr>
+          <a:lstStyle/>
+          <a:p>
+            <a:r>
+              <a:rPr lang="en-US" altLang="ko-KR"/>
+              <a:t>after shifting (35 samples)</a:t>
+            </a:r>
+            <a:endParaRPr lang="ko-KR" altLang="en-US"/>
+          </a:p>
+        </p:txBody>
+      </p:sp>
+      <p:pic>
+        <p:nvPicPr>
+          <p:cNvPr id="5122" name="Picture 2">
+            <a:extLst>
+              <a:ext uri="{FF2B5EF4-FFF2-40B4-BE49-F238E27FC236}">
+                <a16:creationId xmlns:a16="http://schemas.microsoft.com/office/drawing/2014/main" id="{03A49113-6B11-4F36-6F61-9A8C839BAD6E}"/>
+              </a:ext>
+            </a:extLst>
+          </p:cNvPr>
+          <p:cNvPicPr>
+            <a:picLocks noChangeAspect="1" noChangeArrowheads="1"/>
+          </p:cNvPicPr>
+          <p:nvPr/>
+        </p:nvPicPr>
+        <p:blipFill>
+          <a:blip r:embed="rId3">
+            <a:extLst>
+              <a:ext uri="{28A0092B-C50C-407E-A947-70E740481C1C}">
+                <a14:useLocalDpi xmlns:a14="http://schemas.microsoft.com/office/drawing/2010/main" val="0"/>
+              </a:ext>
+            </a:extLst>
+          </a:blip>
+          <a:srcRect/>
+          <a:stretch>
+            <a:fillRect/>
+          </a:stretch>
+        </p:blipFill>
+        <p:spPr bwMode="auto">
+          <a:xfrm>
+            <a:off x="6096000" y="923330"/>
+            <a:ext cx="3600450" cy="2362200"/>
+          </a:xfrm>
+          <a:prstGeom prst="rect">
+            <a:avLst/>
+          </a:prstGeom>
+          <a:noFill/>
+          <a:extLst>
+            <a:ext uri="{909E8E84-426E-40DD-AFC4-6F175D3DCCD1}">
+              <a14:hiddenFill xmlns:a14="http://schemas.microsoft.com/office/drawing/2010/main">
+                <a:solidFill>
+                  <a:srgbClr val="FFFFFF"/>
+                </a:solidFill>
+              </a14:hiddenFill>
+            </a:ext>
+          </a:extLst>
+        </p:spPr>
+      </p:pic>
+      <p:pic>
+        <p:nvPicPr>
+          <p:cNvPr id="5126" name="Picture 6">
+            <a:extLst>
+              <a:ext uri="{FF2B5EF4-FFF2-40B4-BE49-F238E27FC236}">
+                <a16:creationId xmlns:a16="http://schemas.microsoft.com/office/drawing/2014/main" id="{D214AFAD-9961-F8D7-1693-244E198C4297}"/>
+              </a:ext>
+            </a:extLst>
+          </p:cNvPr>
+          <p:cNvPicPr>
+            <a:picLocks noChangeAspect="1" noChangeArrowheads="1"/>
+          </p:cNvPicPr>
+          <p:nvPr/>
+        </p:nvPicPr>
+        <p:blipFill>
+          <a:blip r:embed="rId4">
+            <a:extLst>
+              <a:ext uri="{28A0092B-C50C-407E-A947-70E740481C1C}">
+                <a14:useLocalDpi xmlns:a14="http://schemas.microsoft.com/office/drawing/2010/main" val="0"/>
+              </a:ext>
+            </a:extLst>
+          </a:blip>
+          <a:srcRect/>
+          <a:stretch>
+            <a:fillRect/>
+          </a:stretch>
+        </p:blipFill>
+        <p:spPr bwMode="auto">
+          <a:xfrm>
+            <a:off x="4467225" y="4186882"/>
+            <a:ext cx="3676650" cy="2362200"/>
+          </a:xfrm>
+          <a:prstGeom prst="rect">
+            <a:avLst/>
+          </a:prstGeom>
+          <a:noFill/>
+          <a:extLst>
+            <a:ext uri="{909E8E84-426E-40DD-AFC4-6F175D3DCCD1}">
+              <a14:hiddenFill xmlns:a14="http://schemas.microsoft.com/office/drawing/2010/main">
+                <a:solidFill>
+                  <a:srgbClr val="FFFFFF"/>
+                </a:solidFill>
+              </a14:hiddenFill>
+            </a:ext>
+          </a:extLst>
+        </p:spPr>
+      </p:pic>
+      <p:pic>
+        <p:nvPicPr>
+          <p:cNvPr id="5128" name="Picture 8">
+            <a:extLst>
+              <a:ext uri="{FF2B5EF4-FFF2-40B4-BE49-F238E27FC236}">
+                <a16:creationId xmlns:a16="http://schemas.microsoft.com/office/drawing/2014/main" id="{337EBFD8-5E7E-9BF4-BF49-3319BC1A2C1D}"/>
+              </a:ext>
+            </a:extLst>
+          </p:cNvPr>
+          <p:cNvPicPr>
+            <a:picLocks noChangeAspect="1" noChangeArrowheads="1"/>
+          </p:cNvPicPr>
+          <p:nvPr/>
+        </p:nvPicPr>
+        <p:blipFill>
+          <a:blip r:embed="rId5">
+            <a:extLst>
+              <a:ext uri="{28A0092B-C50C-407E-A947-70E740481C1C}">
+                <a14:useLocalDpi xmlns:a14="http://schemas.microsoft.com/office/drawing/2010/main" val="0"/>
+              </a:ext>
+            </a:extLst>
+          </a:blip>
+          <a:srcRect/>
+          <a:stretch>
+            <a:fillRect/>
+          </a:stretch>
+        </p:blipFill>
+        <p:spPr bwMode="auto">
+          <a:xfrm>
+            <a:off x="8553190" y="4208860"/>
+            <a:ext cx="3676650" cy="2362200"/>
+          </a:xfrm>
+          <a:prstGeom prst="rect">
+            <a:avLst/>
+          </a:prstGeom>
+          <a:noFill/>
+          <a:extLst>
+            <a:ext uri="{909E8E84-426E-40DD-AFC4-6F175D3DCCD1}">
+              <a14:hiddenFill xmlns:a14="http://schemas.microsoft.com/office/drawing/2010/main">
+                <a:solidFill>
+                  <a:srgbClr val="FFFFFF"/>
+                </a:solidFill>
+              </a14:hiddenFill>
+            </a:ext>
+          </a:extLst>
+        </p:spPr>
+      </p:pic>
+    </p:spTree>
+    <p:extLst>
+      <p:ext uri="{BB962C8B-B14F-4D97-AF65-F5344CB8AC3E}">
+        <p14:creationId xmlns:p14="http://schemas.microsoft.com/office/powerpoint/2010/main" val="484370247"/>
+      </p:ext>
+    </p:extLst>
+  </p:cSld>
+  <p:clrMapOvr>
+    <a:masterClrMapping/>
+  </p:clrMapOvr>
+</p:sld>
+</file>
+
+<file path=ppt/slides/slide19.xml><?xml version="1.0" encoding="utf-8"?>
+<p:sld xmlns:a="http://schemas.openxmlformats.org/drawingml/2006/main" xmlns:r="http://schemas.openxmlformats.org/officeDocument/2006/relationships" xmlns:p="http://schemas.openxmlformats.org/presentationml/2006/main">
+  <p:cSld>
+    <p:spTree>
+      <p:nvGrpSpPr>
+        <p:cNvPr id="1" name=""/>
+        <p:cNvGrpSpPr/>
+        <p:nvPr/>
+      </p:nvGrpSpPr>
+      <p:grpSpPr>
+        <a:xfrm>
+          <a:off x="0" y="0"/>
+          <a:ext cx="0" cy="0"/>
+          <a:chOff x="0" y="0"/>
+          <a:chExt cx="0" cy="0"/>
+        </a:xfrm>
+      </p:grpSpPr>
+      <p:pic>
+        <p:nvPicPr>
+          <p:cNvPr id="4098" name="Picture 2">
+            <a:extLst>
+              <a:ext uri="{FF2B5EF4-FFF2-40B4-BE49-F238E27FC236}">
+                <a16:creationId xmlns:a16="http://schemas.microsoft.com/office/drawing/2014/main" id="{B157927E-9887-9EC1-4981-13077CAD7FEC}"/>
+              </a:ext>
+            </a:extLst>
+          </p:cNvPr>
+          <p:cNvPicPr>
+            <a:picLocks noChangeAspect="1" noChangeArrowheads="1"/>
+          </p:cNvPicPr>
+          <p:nvPr/>
+        </p:nvPicPr>
+        <p:blipFill>
+          <a:blip r:embed="rId2">
+            <a:extLst>
+              <a:ext uri="{28A0092B-C50C-407E-A947-70E740481C1C}">
+                <a14:useLocalDpi xmlns:a14="http://schemas.microsoft.com/office/drawing/2010/main" val="0"/>
+              </a:ext>
+            </a:extLst>
+          </a:blip>
+          <a:srcRect/>
+          <a:stretch>
+            <a:fillRect/>
+          </a:stretch>
+        </p:blipFill>
+        <p:spPr bwMode="auto">
+          <a:xfrm>
+            <a:off x="162185" y="923330"/>
+            <a:ext cx="4974285" cy="3263552"/>
+          </a:xfrm>
+          <a:prstGeom prst="rect">
+            <a:avLst/>
+          </a:prstGeom>
+          <a:noFill/>
+          <a:extLst>
+            <a:ext uri="{909E8E84-426E-40DD-AFC4-6F175D3DCCD1}">
+              <a14:hiddenFill xmlns:a14="http://schemas.microsoft.com/office/drawing/2010/main">
+                <a:solidFill>
+                  <a:srgbClr val="FFFFFF"/>
+                </a:solidFill>
+              </a14:hiddenFill>
+            </a:ext>
+          </a:extLst>
+        </p:spPr>
+      </p:pic>
+      <p:sp>
+        <p:nvSpPr>
+          <p:cNvPr id="5" name="TextBox 4">
+            <a:extLst>
+              <a:ext uri="{FF2B5EF4-FFF2-40B4-BE49-F238E27FC236}">
+                <a16:creationId xmlns:a16="http://schemas.microsoft.com/office/drawing/2014/main" id="{F57615BC-884F-AD00-834C-968577D00B9D}"/>
+              </a:ext>
+            </a:extLst>
+          </p:cNvPr>
+          <p:cNvSpPr txBox="1"/>
+          <p:nvPr/>
+        </p:nvSpPr>
+        <p:spPr>
+          <a:xfrm>
+            <a:off x="513567" y="203605"/>
+            <a:ext cx="3012363" cy="646331"/>
+          </a:xfrm>
+          <a:prstGeom prst="rect">
+            <a:avLst/>
+          </a:prstGeom>
+          <a:noFill/>
+        </p:spPr>
+        <p:txBody>
+          <a:bodyPr wrap="none" rtlCol="0">
+            <a:spAutoFit/>
+          </a:bodyPr>
+          <a:lstStyle/>
+          <a:p>
+            <a:r>
+              <a:rPr lang="en-US" altLang="ko-KR"/>
+              <a:t>envelope</a:t>
+            </a:r>
+          </a:p>
+          <a:p>
+            <a:r>
+              <a:rPr lang="en-US" altLang="ko-KR"/>
+              <a:t>(lag: 10 samples = 100ms)</a:t>
+            </a:r>
+            <a:endParaRPr lang="ko-KR" altLang="en-US"/>
+          </a:p>
+        </p:txBody>
+      </p:sp>
+      <p:sp>
+        <p:nvSpPr>
+          <p:cNvPr id="8" name="TextBox 7">
+            <a:extLst>
+              <a:ext uri="{FF2B5EF4-FFF2-40B4-BE49-F238E27FC236}">
+                <a16:creationId xmlns:a16="http://schemas.microsoft.com/office/drawing/2014/main" id="{549718A3-B3AE-FF47-0234-09C2D838B9C7}"/>
+              </a:ext>
+            </a:extLst>
+          </p:cNvPr>
+          <p:cNvSpPr txBox="1"/>
+          <p:nvPr/>
+        </p:nvSpPr>
+        <p:spPr>
+          <a:xfrm>
+            <a:off x="6305550" y="0"/>
+            <a:ext cx="3012363" cy="923330"/>
+          </a:xfrm>
+          <a:prstGeom prst="rect">
+            <a:avLst/>
+          </a:prstGeom>
+          <a:noFill/>
+        </p:spPr>
+        <p:txBody>
+          <a:bodyPr wrap="none" rtlCol="0">
+            <a:spAutoFit/>
+          </a:bodyPr>
+          <a:lstStyle/>
+          <a:p>
+            <a:r>
+              <a:rPr lang="en-US" altLang="ko-KR"/>
+              <a:t>R0462 audio channel</a:t>
+            </a:r>
+          </a:p>
+          <a:p>
+            <a:r>
+              <a:rPr lang="en-US" altLang="ko-KR"/>
+              <a:t>(lag: 47 samples = 470ms)</a:t>
+            </a:r>
+          </a:p>
+          <a:p>
+            <a:r>
+              <a:rPr lang="en-US" altLang="ko-KR"/>
+              <a:t>47-10 = 37</a:t>
+            </a:r>
+            <a:endParaRPr lang="ko-KR" altLang="en-US"/>
+          </a:p>
+        </p:txBody>
+      </p:sp>
+      <p:sp>
+        <p:nvSpPr>
+          <p:cNvPr id="11" name="TextBox 10">
+            <a:extLst>
+              <a:ext uri="{FF2B5EF4-FFF2-40B4-BE49-F238E27FC236}">
+                <a16:creationId xmlns:a16="http://schemas.microsoft.com/office/drawing/2014/main" id="{66707143-F30B-5C48-387E-282787760B84}"/>
+              </a:ext>
+            </a:extLst>
+          </p:cNvPr>
+          <p:cNvSpPr txBox="1"/>
+          <p:nvPr/>
+        </p:nvSpPr>
+        <p:spPr>
+          <a:xfrm>
+            <a:off x="5545785" y="3817550"/>
+            <a:ext cx="1774845" cy="369332"/>
+          </a:xfrm>
+          <a:prstGeom prst="rect">
+            <a:avLst/>
+          </a:prstGeom>
+          <a:noFill/>
+        </p:spPr>
+        <p:txBody>
+          <a:bodyPr wrap="none" rtlCol="0">
+            <a:spAutoFit/>
+          </a:bodyPr>
+          <a:lstStyle/>
+          <a:p>
+            <a:r>
+              <a:rPr lang="en-US" altLang="ko-KR"/>
+              <a:t>before shifting</a:t>
+            </a:r>
+            <a:endParaRPr lang="ko-KR" altLang="en-US"/>
+          </a:p>
+        </p:txBody>
+      </p:sp>
+      <p:sp>
+        <p:nvSpPr>
+          <p:cNvPr id="13" name="TextBox 12">
+            <a:extLst>
+              <a:ext uri="{FF2B5EF4-FFF2-40B4-BE49-F238E27FC236}">
+                <a16:creationId xmlns:a16="http://schemas.microsoft.com/office/drawing/2014/main" id="{44E51D61-D8BE-AD50-75EF-59DA4F1C9615}"/>
+              </a:ext>
+            </a:extLst>
+          </p:cNvPr>
+          <p:cNvSpPr txBox="1"/>
+          <p:nvPr/>
+        </p:nvSpPr>
+        <p:spPr>
+          <a:xfrm>
+            <a:off x="9111945" y="3817550"/>
+            <a:ext cx="3018775" cy="369332"/>
+          </a:xfrm>
+          <a:prstGeom prst="rect">
+            <a:avLst/>
+          </a:prstGeom>
+          <a:noFill/>
+        </p:spPr>
+        <p:txBody>
+          <a:bodyPr wrap="none" rtlCol="0">
+            <a:spAutoFit/>
+          </a:bodyPr>
+          <a:lstStyle/>
+          <a:p>
+            <a:r>
+              <a:rPr lang="en-US" altLang="ko-KR"/>
+              <a:t>after shifting (35 samples)</a:t>
+            </a:r>
+            <a:endParaRPr lang="ko-KR" altLang="en-US"/>
+          </a:p>
+        </p:txBody>
+      </p:sp>
+      <p:pic>
+        <p:nvPicPr>
+          <p:cNvPr id="6146" name="Picture 2">
+            <a:extLst>
+              <a:ext uri="{FF2B5EF4-FFF2-40B4-BE49-F238E27FC236}">
+                <a16:creationId xmlns:a16="http://schemas.microsoft.com/office/drawing/2014/main" id="{84CBBD3B-4A16-5532-743E-BA4209E19644}"/>
+              </a:ext>
+            </a:extLst>
+          </p:cNvPr>
+          <p:cNvPicPr>
+            <a:picLocks noChangeAspect="1" noChangeArrowheads="1"/>
+          </p:cNvPicPr>
+          <p:nvPr/>
+        </p:nvPicPr>
+        <p:blipFill>
+          <a:blip r:embed="rId3">
+            <a:extLst>
+              <a:ext uri="{28A0092B-C50C-407E-A947-70E740481C1C}">
+                <a14:useLocalDpi xmlns:a14="http://schemas.microsoft.com/office/drawing/2010/main" val="0"/>
+              </a:ext>
+            </a:extLst>
+          </a:blip>
+          <a:srcRect/>
+          <a:stretch>
+            <a:fillRect/>
+          </a:stretch>
+        </p:blipFill>
+        <p:spPr bwMode="auto">
+          <a:xfrm>
+            <a:off x="6040081" y="903206"/>
+            <a:ext cx="3543300" cy="2362200"/>
+          </a:xfrm>
+          <a:prstGeom prst="rect">
+            <a:avLst/>
+          </a:prstGeom>
+          <a:noFill/>
+          <a:extLst>
+            <a:ext uri="{909E8E84-426E-40DD-AFC4-6F175D3DCCD1}">
+              <a14:hiddenFill xmlns:a14="http://schemas.microsoft.com/office/drawing/2010/main">
+                <a:solidFill>
+                  <a:srgbClr val="FFFFFF"/>
+                </a:solidFill>
+              </a14:hiddenFill>
+            </a:ext>
+          </a:extLst>
+        </p:spPr>
+      </p:pic>
+      <p:pic>
+        <p:nvPicPr>
+          <p:cNvPr id="6148" name="Picture 4">
+            <a:extLst>
+              <a:ext uri="{FF2B5EF4-FFF2-40B4-BE49-F238E27FC236}">
+                <a16:creationId xmlns:a16="http://schemas.microsoft.com/office/drawing/2014/main" id="{AE107EDF-2C45-929E-E5D4-37E28B31BE1A}"/>
+              </a:ext>
+            </a:extLst>
+          </p:cNvPr>
+          <p:cNvPicPr>
+            <a:picLocks noChangeAspect="1" noChangeArrowheads="1"/>
+          </p:cNvPicPr>
+          <p:nvPr/>
+        </p:nvPicPr>
+        <p:blipFill>
+          <a:blip r:embed="rId4">
+            <a:extLst>
+              <a:ext uri="{28A0092B-C50C-407E-A947-70E740481C1C}">
+                <a14:useLocalDpi xmlns:a14="http://schemas.microsoft.com/office/drawing/2010/main" val="0"/>
+              </a:ext>
+            </a:extLst>
+          </a:blip>
+          <a:srcRect/>
+          <a:stretch>
+            <a:fillRect/>
+          </a:stretch>
+        </p:blipFill>
+        <p:spPr bwMode="auto">
+          <a:xfrm>
+            <a:off x="4661557" y="4208860"/>
+            <a:ext cx="3543300" cy="2362200"/>
+          </a:xfrm>
+          <a:prstGeom prst="rect">
+            <a:avLst/>
+          </a:prstGeom>
+          <a:noFill/>
+          <a:extLst>
+            <a:ext uri="{909E8E84-426E-40DD-AFC4-6F175D3DCCD1}">
+              <a14:hiddenFill xmlns:a14="http://schemas.microsoft.com/office/drawing/2010/main">
+                <a:solidFill>
+                  <a:srgbClr val="FFFFFF"/>
+                </a:solidFill>
+              </a14:hiddenFill>
+            </a:ext>
+          </a:extLst>
+        </p:spPr>
+      </p:pic>
+      <p:pic>
+        <p:nvPicPr>
+          <p:cNvPr id="6150" name="Picture 6">
+            <a:extLst>
+              <a:ext uri="{FF2B5EF4-FFF2-40B4-BE49-F238E27FC236}">
+                <a16:creationId xmlns:a16="http://schemas.microsoft.com/office/drawing/2014/main" id="{B6A930E0-C1D7-331D-D9AF-C1E4CAE69E04}"/>
+              </a:ext>
+            </a:extLst>
+          </p:cNvPr>
+          <p:cNvPicPr>
+            <a:picLocks noChangeAspect="1" noChangeArrowheads="1"/>
+          </p:cNvPicPr>
+          <p:nvPr/>
+        </p:nvPicPr>
+        <p:blipFill>
+          <a:blip r:embed="rId5">
+            <a:extLst>
+              <a:ext uri="{28A0092B-C50C-407E-A947-70E740481C1C}">
+                <a14:useLocalDpi xmlns:a14="http://schemas.microsoft.com/office/drawing/2010/main" val="0"/>
+              </a:ext>
+            </a:extLst>
+          </a:blip>
+          <a:srcRect/>
+          <a:stretch>
+            <a:fillRect/>
+          </a:stretch>
+        </p:blipFill>
+        <p:spPr bwMode="auto">
+          <a:xfrm>
+            <a:off x="9111945" y="4208860"/>
+            <a:ext cx="3543300" cy="2362200"/>
+          </a:xfrm>
+          <a:prstGeom prst="rect">
+            <a:avLst/>
+          </a:prstGeom>
+          <a:noFill/>
+          <a:extLst>
+            <a:ext uri="{909E8E84-426E-40DD-AFC4-6F175D3DCCD1}">
+              <a14:hiddenFill xmlns:a14="http://schemas.microsoft.com/office/drawing/2010/main">
+                <a:solidFill>
+                  <a:srgbClr val="FFFFFF"/>
+                </a:solidFill>
+              </a14:hiddenFill>
+            </a:ext>
+          </a:extLst>
+        </p:spPr>
+      </p:pic>
+    </p:spTree>
+    <p:extLst>
+      <p:ext uri="{BB962C8B-B14F-4D97-AF65-F5344CB8AC3E}">
+        <p14:creationId xmlns:p14="http://schemas.microsoft.com/office/powerpoint/2010/main" val="2058390265"/>
       </p:ext>
     </p:extLst>
   </p:cSld>
@@ -6709,7 +8341,7 @@
             <a:pPr algn="ctr"/>
             <a:r>
               <a:rPr lang="en-US" altLang="ko-KR" sz="5400"/>
-              <a:t>Alice</a:t>
+              <a:t>1) Alice</a:t>
             </a:r>
           </a:p>
         </p:txBody>
@@ -6865,6 +8497,159 @@
     <p:extLst>
       <p:ext uri="{BB962C8B-B14F-4D97-AF65-F5344CB8AC3E}">
         <p14:creationId xmlns:p14="http://schemas.microsoft.com/office/powerpoint/2010/main" val="3258680463"/>
+      </p:ext>
+    </p:extLst>
+  </p:cSld>
+  <p:clrMapOvr>
+    <a:masterClrMapping/>
+  </p:clrMapOvr>
+</p:sld>
+</file>
+
+<file path=ppt/slides/slide20.xml><?xml version="1.0" encoding="utf-8"?>
+<p:sld xmlns:a="http://schemas.openxmlformats.org/drawingml/2006/main" xmlns:r="http://schemas.openxmlformats.org/officeDocument/2006/relationships" xmlns:p="http://schemas.openxmlformats.org/presentationml/2006/main">
+  <p:cSld>
+    <p:spTree>
+      <p:nvGrpSpPr>
+        <p:cNvPr id="1" name=""/>
+        <p:cNvGrpSpPr/>
+        <p:nvPr/>
+      </p:nvGrpSpPr>
+      <p:grpSpPr>
+        <a:xfrm>
+          <a:off x="0" y="0"/>
+          <a:ext cx="0" cy="0"/>
+          <a:chOff x="0" y="0"/>
+          <a:chExt cx="0" cy="0"/>
+        </a:xfrm>
+      </p:grpSpPr>
+      <p:sp>
+        <p:nvSpPr>
+          <p:cNvPr id="2" name="Title 1">
+            <a:extLst>
+              <a:ext uri="{FF2B5EF4-FFF2-40B4-BE49-F238E27FC236}">
+                <a16:creationId xmlns:a16="http://schemas.microsoft.com/office/drawing/2014/main" id="{4028258A-820B-A538-BF5A-873E2E7E77FC}"/>
+              </a:ext>
+            </a:extLst>
+          </p:cNvPr>
+          <p:cNvSpPr>
+            <a:spLocks noGrp="1"/>
+          </p:cNvSpPr>
+          <p:nvPr>
+            <p:ph type="title"/>
+          </p:nvPr>
+        </p:nvSpPr>
+        <p:spPr/>
+        <p:txBody>
+          <a:bodyPr/>
+          <a:lstStyle/>
+          <a:p>
+            <a:r>
+              <a:rPr lang="en-US" altLang="ko-KR"/>
+              <a:t>R0462: before/after shifting</a:t>
+            </a:r>
+            <a:endParaRPr lang="ko-KR" altLang="en-US"/>
+          </a:p>
+        </p:txBody>
+      </p:sp>
+      <p:pic>
+        <p:nvPicPr>
+          <p:cNvPr id="4" name="Picture 2">
+            <a:extLst>
+              <a:ext uri="{FF2B5EF4-FFF2-40B4-BE49-F238E27FC236}">
+                <a16:creationId xmlns:a16="http://schemas.microsoft.com/office/drawing/2014/main" id="{6D5C875F-2ECF-326D-AB86-F51E08EE4C8C}"/>
+              </a:ext>
+            </a:extLst>
+          </p:cNvPr>
+          <p:cNvPicPr>
+            <a:picLocks noChangeAspect="1" noChangeArrowheads="1"/>
+          </p:cNvPicPr>
+          <p:nvPr/>
+        </p:nvPicPr>
+        <p:blipFill>
+          <a:blip r:embed="rId2">
+            <a:extLst>
+              <a:ext uri="{28A0092B-C50C-407E-A947-70E740481C1C}">
+                <a14:useLocalDpi xmlns:a14="http://schemas.microsoft.com/office/drawing/2010/main" val="0"/>
+              </a:ext>
+            </a:extLst>
+          </a:blip>
+          <a:srcRect/>
+          <a:stretch>
+            <a:fillRect/>
+          </a:stretch>
+        </p:blipFill>
+        <p:spPr bwMode="auto">
+          <a:xfrm>
+            <a:off x="1228344" y="4499811"/>
+            <a:ext cx="7872450" cy="2358189"/>
+          </a:xfrm>
+          <a:prstGeom prst="rect">
+            <a:avLst/>
+          </a:prstGeom>
+          <a:noFill/>
+          <a:extLst>
+            <a:ext uri="{909E8E84-426E-40DD-AFC4-6F175D3DCCD1}">
+              <a14:hiddenFill xmlns:a14="http://schemas.microsoft.com/office/drawing/2010/main">
+                <a:solidFill>
+                  <a:srgbClr val="FFFFFF"/>
+                </a:solidFill>
+              </a14:hiddenFill>
+            </a:ext>
+          </a:extLst>
+        </p:spPr>
+      </p:pic>
+      <p:pic>
+        <p:nvPicPr>
+          <p:cNvPr id="5" name="Picture 18">
+            <a:extLst>
+              <a:ext uri="{FF2B5EF4-FFF2-40B4-BE49-F238E27FC236}">
+                <a16:creationId xmlns:a16="http://schemas.microsoft.com/office/drawing/2014/main" id="{DE1DC3CA-63A0-64A9-0069-146B2986D4D4}"/>
+              </a:ext>
+            </a:extLst>
+          </p:cNvPr>
+          <p:cNvPicPr>
+            <a:picLocks noChangeAspect="1" noChangeArrowheads="1"/>
+          </p:cNvPicPr>
+          <p:nvPr/>
+        </p:nvPicPr>
+        <p:blipFill>
+          <a:blip r:embed="rId3">
+            <a:extLst>
+              <a:ext uri="{28A0092B-C50C-407E-A947-70E740481C1C}">
+                <a14:useLocalDpi xmlns:a14="http://schemas.microsoft.com/office/drawing/2010/main" val="0"/>
+              </a:ext>
+            </a:extLst>
+          </a:blip>
+          <a:srcRect/>
+          <a:stretch>
+            <a:fillRect/>
+          </a:stretch>
+        </p:blipFill>
+        <p:spPr bwMode="auto">
+          <a:xfrm>
+            <a:off x="1228344" y="1985211"/>
+            <a:ext cx="7872450" cy="2358189"/>
+          </a:xfrm>
+          <a:prstGeom prst="rect">
+            <a:avLst/>
+          </a:prstGeom>
+          <a:noFill/>
+          <a:extLst>
+            <a:ext uri="{909E8E84-426E-40DD-AFC4-6F175D3DCCD1}">
+              <a14:hiddenFill xmlns:a14="http://schemas.microsoft.com/office/drawing/2010/main">
+                <a:solidFill>
+                  <a:srgbClr val="FFFFFF"/>
+                </a:solidFill>
+              </a14:hiddenFill>
+            </a:ext>
+          </a:extLst>
+        </p:spPr>
+      </p:pic>
+    </p:spTree>
+    <p:extLst>
+      <p:ext uri="{BB962C8B-B14F-4D97-AF65-F5344CB8AC3E}">
+        <p14:creationId xmlns:p14="http://schemas.microsoft.com/office/powerpoint/2010/main" val="3587539396"/>
       </p:ext>
     </p:extLst>
   </p:cSld>
@@ -10393,7 +12178,7 @@
             <a:pPr algn="ctr"/>
             <a:r>
               <a:rPr lang="en-US" altLang="ko-KR" sz="5400"/>
-              <a:t>LPP</a:t>
+              <a:t>2) LPP</a:t>
             </a:r>
           </a:p>
         </p:txBody>

--- a/eelbrain_TRFs.pptx
+++ b/eelbrain_TRFs.pptx
@@ -24,7 +24,7 @@
     <p:sldId id="273" r:id="rId18"/>
     <p:sldId id="274" r:id="rId19"/>
     <p:sldId id="275" r:id="rId20"/>
-    <p:sldId id="271" r:id="rId21"/>
+    <p:sldId id="278" r:id="rId21"/>
   </p:sldIdLst>
   <p:sldSz cx="12192000" cy="6858000"/>
   <p:notesSz cx="6858000" cy="9144000"/>
@@ -294,7 +294,7 @@
           <a:p>
             <a:fld id="{403CB87E-4591-47A1-9046-CF63F17215EF}" type="datetime2">
               <a:rPr lang="en-US" smtClean="0"/>
-              <a:t>Tuesday, June 7, 2022</a:t>
+              <a:t>Wednesday, June 15, 2022</a:t>
             </a:fld>
             <a:endParaRPr lang="en-US" dirty="0"/>
           </a:p>
@@ -516,7 +516,7 @@
           <a:p>
             <a:fld id="{2FA17F0E-8070-4DFE-A821-9A699EDBAD7E}" type="datetime2">
               <a:rPr lang="en-US" smtClean="0"/>
-              <a:t>Tuesday, June 7, 2022</a:t>
+              <a:t>Wednesday, June 15, 2022</a:t>
             </a:fld>
             <a:endParaRPr lang="en-US"/>
           </a:p>
@@ -728,7 +728,7 @@
           <a:p>
             <a:fld id="{D88D34AE-C7BF-46E5-A968-01C6641F6476}" type="datetime2">
               <a:rPr lang="en-US" smtClean="0"/>
-              <a:t>Tuesday, June 7, 2022</a:t>
+              <a:t>Wednesday, June 15, 2022</a:t>
             </a:fld>
             <a:endParaRPr lang="en-US"/>
           </a:p>
@@ -969,7 +969,7 @@
           <a:p>
             <a:fld id="{F33DE70B-B772-416E-A790-995760B1742E}" type="datetime2">
               <a:rPr lang="en-US" smtClean="0"/>
-              <a:t>Tuesday, June 7, 2022</a:t>
+              <a:t>Wednesday, June 15, 2022</a:t>
             </a:fld>
             <a:endParaRPr lang="en-US" dirty="0"/>
           </a:p>
@@ -1268,7 +1268,7 @@
           <a:p>
             <a:fld id="{76760CDE-A6F1-4138-AF12-ED09E8E5FB6B}" type="datetime2">
               <a:rPr lang="en-US" smtClean="0"/>
-              <a:t>Tuesday, June 7, 2022</a:t>
+              <a:t>Wednesday, June 15, 2022</a:t>
             </a:fld>
             <a:endParaRPr lang="en-US"/>
           </a:p>
@@ -1600,7 +1600,7 @@
           <a:p>
             <a:fld id="{DB15F8B1-DB7B-4D28-A97D-40FB2DD1EF78}" type="datetime2">
               <a:rPr lang="en-US" smtClean="0"/>
-              <a:t>Tuesday, June 7, 2022</a:t>
+              <a:t>Wednesday, June 15, 2022</a:t>
             </a:fld>
             <a:endParaRPr lang="en-US"/>
           </a:p>
@@ -2046,7 +2046,7 @@
           <a:p>
             <a:fld id="{14039161-23B8-4738-9069-73EBE8884FDD}" type="datetime2">
               <a:rPr lang="en-US" smtClean="0"/>
-              <a:t>Tuesday, June 7, 2022</a:t>
+              <a:t>Wednesday, June 15, 2022</a:t>
             </a:fld>
             <a:endParaRPr lang="en-US"/>
           </a:p>
@@ -2202,7 +2202,7 @@
           <a:p>
             <a:fld id="{FA994D44-7693-499F-AC6C-11696134FE3F}" type="datetime2">
               <a:rPr lang="en-US" smtClean="0"/>
-              <a:t>Tuesday, June 7, 2022</a:t>
+              <a:t>Wednesday, June 15, 2022</a:t>
             </a:fld>
             <a:endParaRPr lang="en-US"/>
           </a:p>
@@ -2319,7 +2319,7 @@
           <a:p>
             <a:fld id="{363AF2AE-472C-4EF3-ABB2-24BAA9AE3CF7}" type="datetime2">
               <a:rPr lang="en-US" smtClean="0"/>
-              <a:t>Tuesday, June 7, 2022</a:t>
+              <a:t>Wednesday, June 15, 2022</a:t>
             </a:fld>
             <a:endParaRPr lang="en-US"/>
           </a:p>
@@ -2646,7 +2646,7 @@
           <a:p>
             <a:fld id="{EAEA162C-A7C1-4263-9453-1BAFF8C39559}" type="datetime2">
               <a:rPr lang="en-US" smtClean="0"/>
-              <a:t>Tuesday, June 7, 2022</a:t>
+              <a:t>Wednesday, June 15, 2022</a:t>
             </a:fld>
             <a:endParaRPr lang="en-US"/>
           </a:p>
@@ -2952,7 +2952,7 @@
           <a:p>
             <a:fld id="{64DF6793-3458-4587-8168-65F0C37A92D2}" type="datetime2">
               <a:rPr lang="en-US" smtClean="0"/>
-              <a:t>Tuesday, June 7, 2022</a:t>
+              <a:t>Wednesday, June 15, 2022</a:t>
             </a:fld>
             <a:endParaRPr lang="en-US"/>
           </a:p>
@@ -3305,7 +3305,7 @@
             <a:fld id="{E8352ED3-3C46-4C9A-9738-67B2D875E7E2}" type="datetime2">
               <a:rPr lang="en-US" smtClean="0"/>
               <a:pPr/>
-              <a:t>Tuesday, June 7, 2022</a:t>
+              <a:t>Wednesday, June 15, 2022</a:t>
             </a:fld>
             <a:endParaRPr lang="en-US" dirty="0"/>
           </a:p>
@@ -7815,7 +7815,7 @@
         </p:blipFill>
         <p:spPr bwMode="auto">
           <a:xfrm>
-            <a:off x="9111945" y="4208860"/>
+            <a:off x="8614172" y="4186882"/>
             <a:ext cx="3543300" cy="2362200"/>
           </a:xfrm>
           <a:prstGeom prst="rect">
@@ -8528,7 +8528,7 @@
           <p:cNvPr id="2" name="Title 1">
             <a:extLst>
               <a:ext uri="{FF2B5EF4-FFF2-40B4-BE49-F238E27FC236}">
-                <a16:creationId xmlns:a16="http://schemas.microsoft.com/office/drawing/2014/main" id="{4028258A-820B-A538-BF5A-873E2E7E77FC}"/>
+                <a16:creationId xmlns:a16="http://schemas.microsoft.com/office/drawing/2014/main" id="{4BE038F7-1A6D-012C-4A64-0DD7BFAE73E9}"/>
               </a:ext>
             </a:extLst>
           </p:cNvPr>
@@ -8539,14 +8539,21 @@
             <p:ph type="title"/>
           </p:nvPr>
         </p:nvSpPr>
-        <p:spPr/>
-        <p:txBody>
-          <a:bodyPr/>
+        <p:spPr>
+          <a:xfrm>
+            <a:off x="420624" y="365125"/>
+            <a:ext cx="10543032" cy="752475"/>
+          </a:xfrm>
+        </p:spPr>
+        <p:txBody>
+          <a:bodyPr>
+            <a:normAutofit fontScale="90000"/>
+          </a:bodyPr>
           <a:lstStyle/>
           <a:p>
             <a:r>
               <a:rPr lang="en-US" altLang="ko-KR"/>
-              <a:t>R0462: before/after shifting</a:t>
+              <a:t>After shifting</a:t>
             </a:r>
             <a:endParaRPr lang="ko-KR" altLang="en-US"/>
           </a:p>
@@ -8554,10 +8561,10 @@
       </p:sp>
       <p:pic>
         <p:nvPicPr>
-          <p:cNvPr id="4" name="Picture 2">
-            <a:extLst>
-              <a:ext uri="{FF2B5EF4-FFF2-40B4-BE49-F238E27FC236}">
-                <a16:creationId xmlns:a16="http://schemas.microsoft.com/office/drawing/2014/main" id="{6D5C875F-2ECF-326D-AB86-F51E08EE4C8C}"/>
+          <p:cNvPr id="1026" name="Picture 2">
+            <a:extLst>
+              <a:ext uri="{FF2B5EF4-FFF2-40B4-BE49-F238E27FC236}">
+                <a16:creationId xmlns:a16="http://schemas.microsoft.com/office/drawing/2014/main" id="{E9D560B9-92DC-FE79-A137-B7B84F5B6DE4}"/>
               </a:ext>
             </a:extLst>
           </p:cNvPr>
@@ -8581,8 +8588,8 @@
         </p:blipFill>
         <p:spPr bwMode="auto">
           <a:xfrm>
-            <a:off x="1228344" y="4499811"/>
-            <a:ext cx="7872450" cy="2358189"/>
+            <a:off x="2175230" y="1256968"/>
+            <a:ext cx="7250993" cy="2172032"/>
           </a:xfrm>
           <a:prstGeom prst="rect">
             <a:avLst/>
@@ -8599,12 +8606,48 @@
           </a:extLst>
         </p:spPr>
       </p:pic>
+      <p:sp>
+        <p:nvSpPr>
+          <p:cNvPr id="4" name="TextBox 3">
+            <a:extLst>
+              <a:ext uri="{FF2B5EF4-FFF2-40B4-BE49-F238E27FC236}">
+                <a16:creationId xmlns:a16="http://schemas.microsoft.com/office/drawing/2014/main" id="{7D169319-9581-A7FF-7DEA-E99F3B30E24F}"/>
+              </a:ext>
+            </a:extLst>
+          </p:cNvPr>
+          <p:cNvSpPr txBox="1"/>
+          <p:nvPr/>
+        </p:nvSpPr>
+        <p:spPr>
+          <a:xfrm>
+            <a:off x="993422" y="1456267"/>
+            <a:ext cx="851515" cy="369332"/>
+          </a:xfrm>
+          <a:prstGeom prst="rect">
+            <a:avLst/>
+          </a:prstGeom>
+          <a:noFill/>
+        </p:spPr>
+        <p:txBody>
+          <a:bodyPr wrap="none" rtlCol="0">
+            <a:spAutoFit/>
+          </a:bodyPr>
+          <a:lstStyle/>
+          <a:p>
+            <a:r>
+              <a:rPr lang="en-US" altLang="ko-KR"/>
+              <a:t>R0443</a:t>
+            </a:r>
+            <a:endParaRPr lang="ko-KR" altLang="en-US"/>
+          </a:p>
+        </p:txBody>
+      </p:sp>
       <p:pic>
         <p:nvPicPr>
-          <p:cNvPr id="5" name="Picture 18">
-            <a:extLst>
-              <a:ext uri="{FF2B5EF4-FFF2-40B4-BE49-F238E27FC236}">
-                <a16:creationId xmlns:a16="http://schemas.microsoft.com/office/drawing/2014/main" id="{DE1DC3CA-63A0-64A9-0069-146B2986D4D4}"/>
+          <p:cNvPr id="1028" name="Picture 4">
+            <a:extLst>
+              <a:ext uri="{FF2B5EF4-FFF2-40B4-BE49-F238E27FC236}">
+                <a16:creationId xmlns:a16="http://schemas.microsoft.com/office/drawing/2014/main" id="{7E684370-400E-A891-3CF8-000D847A63E7}"/>
               </a:ext>
             </a:extLst>
           </p:cNvPr>
@@ -8628,8 +8671,8 @@
         </p:blipFill>
         <p:spPr bwMode="auto">
           <a:xfrm>
-            <a:off x="1228344" y="1985211"/>
-            <a:ext cx="7872450" cy="2358189"/>
+            <a:off x="2175229" y="3122967"/>
+            <a:ext cx="7250994" cy="2172032"/>
           </a:xfrm>
           <a:prstGeom prst="rect">
             <a:avLst/>
@@ -8646,10 +8689,129 @@
           </a:extLst>
         </p:spPr>
       </p:pic>
+      <p:sp>
+        <p:nvSpPr>
+          <p:cNvPr id="7" name="TextBox 6">
+            <a:extLst>
+              <a:ext uri="{FF2B5EF4-FFF2-40B4-BE49-F238E27FC236}">
+                <a16:creationId xmlns:a16="http://schemas.microsoft.com/office/drawing/2014/main" id="{0FDF4209-B04B-FE74-33A7-5433DC2D3509}"/>
+              </a:ext>
+            </a:extLst>
+          </p:cNvPr>
+          <p:cNvSpPr txBox="1"/>
+          <p:nvPr/>
+        </p:nvSpPr>
+        <p:spPr>
+          <a:xfrm>
+            <a:off x="993422" y="3244334"/>
+            <a:ext cx="851515" cy="369332"/>
+          </a:xfrm>
+          <a:prstGeom prst="rect">
+            <a:avLst/>
+          </a:prstGeom>
+          <a:noFill/>
+        </p:spPr>
+        <p:txBody>
+          <a:bodyPr wrap="none" rtlCol="0">
+            <a:spAutoFit/>
+          </a:bodyPr>
+          <a:lstStyle/>
+          <a:p>
+            <a:r>
+              <a:rPr lang="en-US" altLang="ko-KR"/>
+              <a:t>R0459</a:t>
+            </a:r>
+            <a:endParaRPr lang="ko-KR" altLang="en-US"/>
+          </a:p>
+        </p:txBody>
+      </p:sp>
+      <p:pic>
+        <p:nvPicPr>
+          <p:cNvPr id="1030" name="Picture 6">
+            <a:extLst>
+              <a:ext uri="{FF2B5EF4-FFF2-40B4-BE49-F238E27FC236}">
+                <a16:creationId xmlns:a16="http://schemas.microsoft.com/office/drawing/2014/main" id="{3297BF0E-C180-8C68-8858-D044E0C6026C}"/>
+              </a:ext>
+            </a:extLst>
+          </p:cNvPr>
+          <p:cNvPicPr>
+            <a:picLocks noChangeAspect="1" noChangeArrowheads="1"/>
+          </p:cNvPicPr>
+          <p:nvPr/>
+        </p:nvPicPr>
+        <p:blipFill>
+          <a:blip r:embed="rId4">
+            <a:extLst>
+              <a:ext uri="{28A0092B-C50C-407E-A947-70E740481C1C}">
+                <a14:useLocalDpi xmlns:a14="http://schemas.microsoft.com/office/drawing/2010/main" val="0"/>
+              </a:ext>
+            </a:extLst>
+          </a:blip>
+          <a:srcRect/>
+          <a:stretch>
+            <a:fillRect/>
+          </a:stretch>
+        </p:blipFill>
+        <p:spPr bwMode="auto">
+          <a:xfrm>
+            <a:off x="2175228" y="4967619"/>
+            <a:ext cx="7322258" cy="2193379"/>
+          </a:xfrm>
+          <a:prstGeom prst="rect">
+            <a:avLst/>
+          </a:prstGeom>
+          <a:noFill/>
+          <a:extLst>
+            <a:ext uri="{909E8E84-426E-40DD-AFC4-6F175D3DCCD1}">
+              <a14:hiddenFill xmlns:a14="http://schemas.microsoft.com/office/drawing/2010/main">
+                <a:solidFill>
+                  <a:srgbClr val="FFFFFF"/>
+                </a:solidFill>
+              </a14:hiddenFill>
+            </a:ext>
+          </a:extLst>
+        </p:spPr>
+      </p:pic>
+      <p:sp>
+        <p:nvSpPr>
+          <p:cNvPr id="9" name="TextBox 8">
+            <a:extLst>
+              <a:ext uri="{FF2B5EF4-FFF2-40B4-BE49-F238E27FC236}">
+                <a16:creationId xmlns:a16="http://schemas.microsoft.com/office/drawing/2014/main" id="{B9A369E1-B52B-00C3-E0AF-3CCD6A7CF048}"/>
+              </a:ext>
+            </a:extLst>
+          </p:cNvPr>
+          <p:cNvSpPr txBox="1"/>
+          <p:nvPr/>
+        </p:nvSpPr>
+        <p:spPr>
+          <a:xfrm>
+            <a:off x="993421" y="5110333"/>
+            <a:ext cx="851515" cy="369332"/>
+          </a:xfrm>
+          <a:prstGeom prst="rect">
+            <a:avLst/>
+          </a:prstGeom>
+          <a:noFill/>
+        </p:spPr>
+        <p:txBody>
+          <a:bodyPr wrap="none" rtlCol="0">
+            <a:spAutoFit/>
+          </a:bodyPr>
+          <a:lstStyle/>
+          <a:p>
+            <a:r>
+              <a:rPr lang="en-US" altLang="ko-KR"/>
+              <a:t>R0462</a:t>
+            </a:r>
+            <a:endParaRPr lang="ko-KR" altLang="en-US"/>
+          </a:p>
+        </p:txBody>
+      </p:sp>
     </p:spTree>
     <p:extLst>
       <p:ext uri="{BB962C8B-B14F-4D97-AF65-F5344CB8AC3E}">
-        <p14:creationId xmlns:p14="http://schemas.microsoft.com/office/powerpoint/2010/main" val="3587539396"/>
+        <p14:creationId xmlns:p14="http://schemas.microsoft.com/office/powerpoint/2010/main" val="3851944100"/>
       </p:ext>
     </p:extLst>
   </p:cSld>
